--- a/卒業論文/2012/野口杏子/最終発表.pptx
+++ b/卒業論文/2012/野口杏子/最終発表.pptx
@@ -1310,7 +1310,7 @@
   <dgm:whole/>
   <dgm:extLst>
     <a:ext uri="http://schemas.microsoft.com/office/drawing/2008/diagram">
-      <dsp:dataModelExt xmlns:dsp="http://schemas.microsoft.com/office/drawing/2008/diagram" relId="rId6" minVer="http://schemas.openxmlformats.org/drawingml/2006/diagram"/>
+      <dsp:dataModelExt xmlns:dsp="http://schemas.microsoft.com/office/drawing/2008/diagram" relId="rId7" minVer="http://schemas.openxmlformats.org/drawingml/2006/diagram"/>
     </a:ext>
   </dgm:extLst>
 </dgm:dataModel>
@@ -3538,10 +3538,6 @@
           <a:bodyPr/>
           <a:lstStyle/>
           <a:p>
-            <a:r>
-              <a:rPr kumimoji="1" lang="ja-JP" altLang="en-US" dirty="0" smtClean="0"/>
-              <a:t>教育の役に立つし，学生も自分自身のアピールに役立つ</a:t>
-            </a:r>
             <a:endParaRPr kumimoji="1" lang="ja-JP" altLang="en-US" dirty="0"/>
           </a:p>
         </p:txBody>
@@ -3563,7 +3559,7 @@
           <a:p>
             <a:fld id="{C6AA7893-DDB2-4DB8-8B18-3ACD287193B7}" type="slidenum">
               <a:rPr kumimoji="1" lang="ja-JP" altLang="en-US" smtClean="0"/>
-              <a:t>5</a:t>
+              <a:t>1</a:t>
             </a:fld>
             <a:endParaRPr kumimoji="1" lang="ja-JP" altLang="en-US"/>
           </a:p>
@@ -3572,7 +3568,91 @@
     </p:spTree>
     <p:extLst>
       <p:ext uri="{BB962C8B-B14F-4D97-AF65-F5344CB8AC3E}">
-        <p14:creationId xmlns:p14="http://schemas.microsoft.com/office/powerpoint/2010/main" val="38524804"/>
+        <p14:creationId xmlns:p14="http://schemas.microsoft.com/office/powerpoint/2010/main" val="996846493"/>
+      </p:ext>
+    </p:extLst>
+  </p:cSld>
+  <p:clrMapOvr>
+    <a:masterClrMapping/>
+  </p:clrMapOvr>
+</p:notes>
+</file>
+
+<file path=ppt/notesSlides/notesSlide10.xml><?xml version="1.0" encoding="utf-8"?>
+<p:notes xmlns:a="http://schemas.openxmlformats.org/drawingml/2006/main" xmlns:r="http://schemas.openxmlformats.org/officeDocument/2006/relationships" xmlns:p="http://schemas.openxmlformats.org/presentationml/2006/main">
+  <p:cSld>
+    <p:spTree>
+      <p:nvGrpSpPr>
+        <p:cNvPr id="1" name=""/>
+        <p:cNvGrpSpPr/>
+        <p:nvPr/>
+      </p:nvGrpSpPr>
+      <p:grpSpPr>
+        <a:xfrm>
+          <a:off x="0" y="0"/>
+          <a:ext cx="0" cy="0"/>
+          <a:chOff x="0" y="0"/>
+          <a:chExt cx="0" cy="0"/>
+        </a:xfrm>
+      </p:grpSpPr>
+      <p:sp>
+        <p:nvSpPr>
+          <p:cNvPr id="2" name="スライド イメージ プレースホルダー 1"/>
+          <p:cNvSpPr>
+            <a:spLocks noGrp="1" noRot="1" noChangeAspect="1"/>
+          </p:cNvSpPr>
+          <p:nvPr>
+            <p:ph type="sldImg"/>
+          </p:nvPr>
+        </p:nvSpPr>
+        <p:spPr/>
+      </p:sp>
+      <p:sp>
+        <p:nvSpPr>
+          <p:cNvPr id="3" name="ノート プレースホルダー 2"/>
+          <p:cNvSpPr>
+            <a:spLocks noGrp="1"/>
+          </p:cNvSpPr>
+          <p:nvPr>
+            <p:ph type="body" idx="1"/>
+          </p:nvPr>
+        </p:nvSpPr>
+        <p:spPr/>
+        <p:txBody>
+          <a:bodyPr/>
+          <a:lstStyle/>
+          <a:p>
+            <a:endParaRPr kumimoji="1" lang="ja-JP" altLang="en-US" dirty="0"/>
+          </a:p>
+        </p:txBody>
+      </p:sp>
+      <p:sp>
+        <p:nvSpPr>
+          <p:cNvPr id="4" name="スライド番号プレースホルダー 3"/>
+          <p:cNvSpPr>
+            <a:spLocks noGrp="1"/>
+          </p:cNvSpPr>
+          <p:nvPr>
+            <p:ph type="sldNum" sz="quarter" idx="10"/>
+          </p:nvPr>
+        </p:nvSpPr>
+        <p:spPr/>
+        <p:txBody>
+          <a:bodyPr/>
+          <a:lstStyle/>
+          <a:p>
+            <a:fld id="{C6AA7893-DDB2-4DB8-8B18-3ACD287193B7}" type="slidenum">
+              <a:rPr kumimoji="1" lang="ja-JP" altLang="en-US" smtClean="0"/>
+              <a:t>11</a:t>
+            </a:fld>
+            <a:endParaRPr kumimoji="1" lang="ja-JP" altLang="en-US"/>
+          </a:p>
+        </p:txBody>
+      </p:sp>
+    </p:spTree>
+    <p:extLst>
+      <p:ext uri="{BB962C8B-B14F-4D97-AF65-F5344CB8AC3E}">
+        <p14:creationId xmlns:p14="http://schemas.microsoft.com/office/powerpoint/2010/main" val="564486174"/>
       </p:ext>
     </p:extLst>
   </p:cSld>
@@ -3628,7 +3708,81 @@
           <a:p>
             <a:r>
               <a:rPr kumimoji="1" lang="ja-JP" altLang="en-US" dirty="0" smtClean="0"/>
-              <a:t>外部のサービスを使うことで，</a:t>
+              <a:t>近年，インターネットの普及により，パソコンや携帯端末などの</a:t>
+            </a:r>
+            <a:r>
+              <a:rPr kumimoji="1" lang="ja-JP" altLang="ja-JP" sz="1200" kern="1200" dirty="0" smtClean="0">
+                <a:solidFill>
+                  <a:schemeClr val="tx1"/>
+                </a:solidFill>
+                <a:effectLst/>
+                <a:latin typeface="+mn-lt"/>
+                <a:ea typeface="+mn-ea"/>
+                <a:cs typeface="+mn-cs"/>
+              </a:rPr>
+              <a:t>情報技術を用いて行う学習方法</a:t>
+            </a:r>
+            <a:r>
+              <a:rPr kumimoji="1" lang="ja-JP" altLang="en-US" sz="1200" kern="1200" dirty="0" smtClean="0">
+                <a:solidFill>
+                  <a:schemeClr val="tx1"/>
+                </a:solidFill>
+                <a:effectLst/>
+                <a:latin typeface="+mn-lt"/>
+                <a:ea typeface="+mn-ea"/>
+                <a:cs typeface="+mn-cs"/>
+              </a:rPr>
+              <a:t>である</a:t>
+            </a:r>
+            <a:r>
+              <a:rPr kumimoji="1" lang="en-US" altLang="ja-JP" sz="1200" kern="1200" dirty="0" smtClean="0">
+                <a:solidFill>
+                  <a:schemeClr val="tx1"/>
+                </a:solidFill>
+                <a:effectLst/>
+                <a:latin typeface="+mn-lt"/>
+                <a:ea typeface="+mn-ea"/>
+                <a:cs typeface="+mn-cs"/>
+              </a:rPr>
+              <a:t>e</a:t>
+            </a:r>
+            <a:r>
+              <a:rPr kumimoji="1" lang="ja-JP" altLang="en-US" sz="1200" kern="1200" dirty="0" smtClean="0">
+                <a:solidFill>
+                  <a:schemeClr val="tx1"/>
+                </a:solidFill>
+                <a:effectLst/>
+                <a:latin typeface="+mn-lt"/>
+                <a:ea typeface="+mn-ea"/>
+                <a:cs typeface="+mn-cs"/>
+              </a:rPr>
+              <a:t>ラーニングが増えてきている．</a:t>
+            </a:r>
+            <a:endParaRPr kumimoji="1" lang="en-US" altLang="ja-JP" sz="1200" kern="1200" dirty="0" smtClean="0">
+              <a:solidFill>
+                <a:schemeClr val="tx1"/>
+              </a:solidFill>
+              <a:effectLst/>
+              <a:latin typeface="+mn-lt"/>
+              <a:ea typeface="+mn-ea"/>
+              <a:cs typeface="+mn-cs"/>
+            </a:endParaRPr>
+          </a:p>
+          <a:p>
+            <a:r>
+              <a:rPr kumimoji="1" lang="en-US" altLang="ja-JP" dirty="0" smtClean="0"/>
+              <a:t>e</a:t>
+            </a:r>
+            <a:r>
+              <a:rPr kumimoji="1" lang="ja-JP" altLang="en-US" dirty="0" smtClean="0"/>
+              <a:t>ラーニングとは，教材配布やレポート提出，出席管理などネットを介して行うことの総称であるため幅広く利用されている言葉である．</a:t>
+            </a:r>
+            <a:endParaRPr kumimoji="1" lang="en-US" altLang="ja-JP" dirty="0" smtClean="0"/>
+          </a:p>
+          <a:p>
+            <a:r>
+              <a:rPr kumimoji="1" lang="ja-JP" altLang="en-US" dirty="0" smtClean="0"/>
+              <a:t>中でも，授業で利用するツールをまとめたシステムを</a:t>
             </a:r>
             <a:r>
               <a:rPr kumimoji="1" lang="en-US" altLang="ja-JP" dirty="0" smtClean="0"/>
@@ -3636,9 +3790,13 @@
             </a:r>
             <a:r>
               <a:rPr kumimoji="1" lang="ja-JP" altLang="en-US" dirty="0" smtClean="0"/>
-              <a:t>のメリットであるログが見れなくなるので，一か所で見れるように行う</a:t>
-            </a:r>
-            <a:endParaRPr kumimoji="1" lang="ja-JP" altLang="en-US" dirty="0"/>
+              <a:t>といい，教育現場で</a:t>
+            </a:r>
+            <a:r>
+              <a:rPr kumimoji="1" lang="ja-JP" altLang="en-US" dirty="0" err="1" smtClean="0"/>
+              <a:t>．．．．．．</a:t>
+            </a:r>
+            <a:endParaRPr kumimoji="1" lang="en-US" altLang="ja-JP" dirty="0" smtClean="0"/>
           </a:p>
         </p:txBody>
       </p:sp>
@@ -3659,7 +3817,7 @@
           <a:p>
             <a:fld id="{C6AA7893-DDB2-4DB8-8B18-3ACD287193B7}" type="slidenum">
               <a:rPr kumimoji="1" lang="ja-JP" altLang="en-US" smtClean="0"/>
-              <a:t>9</a:t>
+              <a:t>3</a:t>
             </a:fld>
             <a:endParaRPr kumimoji="1" lang="ja-JP" altLang="en-US"/>
           </a:p>
@@ -3668,7 +3826,7 @@
     </p:spTree>
     <p:extLst>
       <p:ext uri="{BB962C8B-B14F-4D97-AF65-F5344CB8AC3E}">
-        <p14:creationId xmlns:p14="http://schemas.microsoft.com/office/powerpoint/2010/main" val="2177655713"/>
+        <p14:creationId xmlns:p14="http://schemas.microsoft.com/office/powerpoint/2010/main" val="472838578"/>
       </p:ext>
     </p:extLst>
   </p:cSld>
@@ -3722,7 +3880,22 @@
           <a:bodyPr/>
           <a:lstStyle/>
           <a:p>
-            <a:endParaRPr kumimoji="1" lang="ja-JP" altLang="en-US"/>
+            <a:r>
+              <a:rPr kumimoji="1" lang="en-US" altLang="ja-JP" dirty="0" smtClean="0"/>
+              <a:t>LMS</a:t>
+            </a:r>
+            <a:r>
+              <a:rPr kumimoji="1" lang="ja-JP" altLang="en-US" dirty="0" smtClean="0"/>
+              <a:t>を教育現場で利用すると，学習者と教師ではなくなり，学習者とパソコンになってしまうため，学習者の行動が把握しにくいというデメリットがある．</a:t>
+            </a:r>
+            <a:endParaRPr kumimoji="1" lang="en-US" altLang="ja-JP" dirty="0" smtClean="0"/>
+          </a:p>
+          <a:p>
+            <a:r>
+              <a:rPr kumimoji="1" lang="ja-JP" altLang="en-US" dirty="0" smtClean="0"/>
+              <a:t>しかし，その一方，時間や場所に縛られなく学習することが可能であり，その中での行動が把握することができるといったメリットがあります．</a:t>
+            </a:r>
+            <a:endParaRPr kumimoji="1" lang="ja-JP" altLang="en-US" dirty="0"/>
           </a:p>
         </p:txBody>
       </p:sp>
@@ -3743,7 +3916,7 @@
           <a:p>
             <a:fld id="{C6AA7893-DDB2-4DB8-8B18-3ACD287193B7}" type="slidenum">
               <a:rPr kumimoji="1" lang="ja-JP" altLang="en-US" smtClean="0"/>
-              <a:t>11</a:t>
+              <a:t>4</a:t>
             </a:fld>
             <a:endParaRPr kumimoji="1" lang="ja-JP" altLang="en-US"/>
           </a:p>
@@ -3752,7 +3925,705 @@
     </p:spTree>
     <p:extLst>
       <p:ext uri="{BB962C8B-B14F-4D97-AF65-F5344CB8AC3E}">
-        <p14:creationId xmlns:p14="http://schemas.microsoft.com/office/powerpoint/2010/main" val="564486174"/>
+        <p14:creationId xmlns:p14="http://schemas.microsoft.com/office/powerpoint/2010/main" val="2984603310"/>
+      </p:ext>
+    </p:extLst>
+  </p:cSld>
+  <p:clrMapOvr>
+    <a:masterClrMapping/>
+  </p:clrMapOvr>
+</p:notes>
+</file>
+
+<file path=ppt/notesSlides/notesSlide4.xml><?xml version="1.0" encoding="utf-8"?>
+<p:notes xmlns:a="http://schemas.openxmlformats.org/drawingml/2006/main" xmlns:r="http://schemas.openxmlformats.org/officeDocument/2006/relationships" xmlns:p="http://schemas.openxmlformats.org/presentationml/2006/main">
+  <p:cSld>
+    <p:spTree>
+      <p:nvGrpSpPr>
+        <p:cNvPr id="1" name=""/>
+        <p:cNvGrpSpPr/>
+        <p:nvPr/>
+      </p:nvGrpSpPr>
+      <p:grpSpPr>
+        <a:xfrm>
+          <a:off x="0" y="0"/>
+          <a:ext cx="0" cy="0"/>
+          <a:chOff x="0" y="0"/>
+          <a:chExt cx="0" cy="0"/>
+        </a:xfrm>
+      </p:grpSpPr>
+      <p:sp>
+        <p:nvSpPr>
+          <p:cNvPr id="2" name="スライド イメージ プレースホルダー 1"/>
+          <p:cNvSpPr>
+            <a:spLocks noGrp="1" noRot="1" noChangeAspect="1"/>
+          </p:cNvSpPr>
+          <p:nvPr>
+            <p:ph type="sldImg"/>
+          </p:nvPr>
+        </p:nvSpPr>
+        <p:spPr/>
+      </p:sp>
+      <p:sp>
+        <p:nvSpPr>
+          <p:cNvPr id="3" name="ノート プレースホルダー 2"/>
+          <p:cNvSpPr>
+            <a:spLocks noGrp="1"/>
+          </p:cNvSpPr>
+          <p:nvPr>
+            <p:ph type="body" idx="1"/>
+          </p:nvPr>
+        </p:nvSpPr>
+        <p:spPr/>
+        <p:txBody>
+          <a:bodyPr/>
+          <a:lstStyle/>
+          <a:p>
+            <a:r>
+              <a:rPr kumimoji="1" lang="en-US" altLang="ja-JP" dirty="0" smtClean="0"/>
+              <a:t>LMS</a:t>
+            </a:r>
+            <a:r>
+              <a:rPr kumimoji="1" lang="ja-JP" altLang="en-US" dirty="0" smtClean="0"/>
+              <a:t>内での行動が把握できるということで，サーバには学習者の行動が記録・保存されている．</a:t>
+            </a:r>
+            <a:endParaRPr kumimoji="1" lang="en-US" altLang="ja-JP" dirty="0" smtClean="0"/>
+          </a:p>
+          <a:p>
+            <a:r>
+              <a:rPr kumimoji="1" lang="ja-JP" altLang="en-US" dirty="0" smtClean="0"/>
+              <a:t>そこのことにより，学習ポートフォリオの作成が可能であるため</a:t>
+            </a:r>
+            <a:endParaRPr kumimoji="1" lang="en-US" altLang="ja-JP" dirty="0" smtClean="0"/>
+          </a:p>
+          <a:p>
+            <a:r>
+              <a:rPr kumimoji="1" lang="ja-JP" altLang="en-US" dirty="0" smtClean="0"/>
+              <a:t>今後の教育の役に立つし，学生も自分自身のアピールに役立つメリットもある．</a:t>
+            </a:r>
+            <a:endParaRPr kumimoji="1" lang="ja-JP" altLang="en-US" dirty="0"/>
+          </a:p>
+        </p:txBody>
+      </p:sp>
+      <p:sp>
+        <p:nvSpPr>
+          <p:cNvPr id="4" name="スライド番号プレースホルダー 3"/>
+          <p:cNvSpPr>
+            <a:spLocks noGrp="1"/>
+          </p:cNvSpPr>
+          <p:nvPr>
+            <p:ph type="sldNum" sz="quarter" idx="10"/>
+          </p:nvPr>
+        </p:nvSpPr>
+        <p:spPr/>
+        <p:txBody>
+          <a:bodyPr/>
+          <a:lstStyle/>
+          <a:p>
+            <a:fld id="{C6AA7893-DDB2-4DB8-8B18-3ACD287193B7}" type="slidenum">
+              <a:rPr kumimoji="1" lang="ja-JP" altLang="en-US" smtClean="0"/>
+              <a:t>5</a:t>
+            </a:fld>
+            <a:endParaRPr kumimoji="1" lang="ja-JP" altLang="en-US"/>
+          </a:p>
+        </p:txBody>
+      </p:sp>
+    </p:spTree>
+    <p:extLst>
+      <p:ext uri="{BB962C8B-B14F-4D97-AF65-F5344CB8AC3E}">
+        <p14:creationId xmlns:p14="http://schemas.microsoft.com/office/powerpoint/2010/main" val="38524804"/>
+      </p:ext>
+    </p:extLst>
+  </p:cSld>
+  <p:clrMapOvr>
+    <a:masterClrMapping/>
+  </p:clrMapOvr>
+</p:notes>
+</file>
+
+<file path=ppt/notesSlides/notesSlide5.xml><?xml version="1.0" encoding="utf-8"?>
+<p:notes xmlns:a="http://schemas.openxmlformats.org/drawingml/2006/main" xmlns:r="http://schemas.openxmlformats.org/officeDocument/2006/relationships" xmlns:p="http://schemas.openxmlformats.org/presentationml/2006/main">
+  <p:cSld>
+    <p:spTree>
+      <p:nvGrpSpPr>
+        <p:cNvPr id="1" name=""/>
+        <p:cNvGrpSpPr/>
+        <p:nvPr/>
+      </p:nvGrpSpPr>
+      <p:grpSpPr>
+        <a:xfrm>
+          <a:off x="0" y="0"/>
+          <a:ext cx="0" cy="0"/>
+          <a:chOff x="0" y="0"/>
+          <a:chExt cx="0" cy="0"/>
+        </a:xfrm>
+      </p:grpSpPr>
+      <p:sp>
+        <p:nvSpPr>
+          <p:cNvPr id="2" name="スライド イメージ プレースホルダー 1"/>
+          <p:cNvSpPr>
+            <a:spLocks noGrp="1" noRot="1" noChangeAspect="1"/>
+          </p:cNvSpPr>
+          <p:nvPr>
+            <p:ph type="sldImg"/>
+          </p:nvPr>
+        </p:nvSpPr>
+        <p:spPr/>
+      </p:sp>
+      <p:sp>
+        <p:nvSpPr>
+          <p:cNvPr id="3" name="ノート プレースホルダー 2"/>
+          <p:cNvSpPr>
+            <a:spLocks noGrp="1"/>
+          </p:cNvSpPr>
+          <p:nvPr>
+            <p:ph type="body" idx="1"/>
+          </p:nvPr>
+        </p:nvSpPr>
+        <p:spPr/>
+        <p:txBody>
+          <a:bodyPr/>
+          <a:lstStyle/>
+          <a:p>
+            <a:r>
+              <a:rPr kumimoji="1" lang="ja-JP" altLang="en-US" dirty="0" smtClean="0"/>
+              <a:t>しかし，どんな場面でも</a:t>
+            </a:r>
+            <a:r>
+              <a:rPr kumimoji="1" lang="en-US" altLang="ja-JP" dirty="0" smtClean="0"/>
+              <a:t>LMS</a:t>
+            </a:r>
+            <a:r>
+              <a:rPr kumimoji="1" lang="ja-JP" altLang="en-US" dirty="0" err="1" smtClean="0"/>
+              <a:t>だけ</a:t>
+            </a:r>
+            <a:r>
+              <a:rPr kumimoji="1" lang="ja-JP" altLang="en-US" dirty="0" smtClean="0"/>
+              <a:t>では学ぶことはできません．</a:t>
+            </a:r>
+            <a:endParaRPr kumimoji="1" lang="en-US" altLang="ja-JP" dirty="0" smtClean="0"/>
+          </a:p>
+          <a:p>
+            <a:r>
+              <a:rPr kumimoji="1" lang="ja-JP" altLang="en-US" dirty="0" smtClean="0"/>
+              <a:t>たとえば，ソフトウェア開発を学ぶ上でパソコンが必要であり，さまざまなツールを利用することが必要だが</a:t>
+            </a:r>
+            <a:endParaRPr kumimoji="1" lang="en-US" altLang="ja-JP" dirty="0" smtClean="0"/>
+          </a:p>
+          <a:p>
+            <a:r>
+              <a:rPr kumimoji="1" lang="en-US" altLang="ja-JP" dirty="0" smtClean="0"/>
+              <a:t>LMS</a:t>
+            </a:r>
+            <a:r>
+              <a:rPr kumimoji="1" lang="ja-JP" altLang="en-US" dirty="0" smtClean="0"/>
+              <a:t>はあくまで一般的な教育で必要なツールしかないため，ソフトウェア開発には対応していない．</a:t>
+            </a:r>
+            <a:endParaRPr kumimoji="1" lang="en-US" altLang="ja-JP" dirty="0" smtClean="0"/>
+          </a:p>
+        </p:txBody>
+      </p:sp>
+      <p:sp>
+        <p:nvSpPr>
+          <p:cNvPr id="4" name="スライド番号プレースホルダー 3"/>
+          <p:cNvSpPr>
+            <a:spLocks noGrp="1"/>
+          </p:cNvSpPr>
+          <p:nvPr>
+            <p:ph type="sldNum" sz="quarter" idx="10"/>
+          </p:nvPr>
+        </p:nvSpPr>
+        <p:spPr/>
+        <p:txBody>
+          <a:bodyPr/>
+          <a:lstStyle/>
+          <a:p>
+            <a:fld id="{C6AA7893-DDB2-4DB8-8B18-3ACD287193B7}" type="slidenum">
+              <a:rPr kumimoji="1" lang="ja-JP" altLang="en-US" smtClean="0"/>
+              <a:t>6</a:t>
+            </a:fld>
+            <a:endParaRPr kumimoji="1" lang="ja-JP" altLang="en-US"/>
+          </a:p>
+        </p:txBody>
+      </p:sp>
+    </p:spTree>
+    <p:extLst>
+      <p:ext uri="{BB962C8B-B14F-4D97-AF65-F5344CB8AC3E}">
+        <p14:creationId xmlns:p14="http://schemas.microsoft.com/office/powerpoint/2010/main" val="3252736391"/>
+      </p:ext>
+    </p:extLst>
+  </p:cSld>
+  <p:clrMapOvr>
+    <a:masterClrMapping/>
+  </p:clrMapOvr>
+</p:notes>
+</file>
+
+<file path=ppt/notesSlides/notesSlide6.xml><?xml version="1.0" encoding="utf-8"?>
+<p:notes xmlns:a="http://schemas.openxmlformats.org/drawingml/2006/main" xmlns:r="http://schemas.openxmlformats.org/officeDocument/2006/relationships" xmlns:p="http://schemas.openxmlformats.org/presentationml/2006/main">
+  <p:cSld>
+    <p:spTree>
+      <p:nvGrpSpPr>
+        <p:cNvPr id="1" name=""/>
+        <p:cNvGrpSpPr/>
+        <p:nvPr/>
+      </p:nvGrpSpPr>
+      <p:grpSpPr>
+        <a:xfrm>
+          <a:off x="0" y="0"/>
+          <a:ext cx="0" cy="0"/>
+          <a:chOff x="0" y="0"/>
+          <a:chExt cx="0" cy="0"/>
+        </a:xfrm>
+      </p:grpSpPr>
+      <p:sp>
+        <p:nvSpPr>
+          <p:cNvPr id="2" name="スライド イメージ プレースホルダー 1"/>
+          <p:cNvSpPr>
+            <a:spLocks noGrp="1" noRot="1" noChangeAspect="1"/>
+          </p:cNvSpPr>
+          <p:nvPr>
+            <p:ph type="sldImg"/>
+          </p:nvPr>
+        </p:nvSpPr>
+        <p:spPr/>
+      </p:sp>
+      <p:sp>
+        <p:nvSpPr>
+          <p:cNvPr id="3" name="ノート プレースホルダー 2"/>
+          <p:cNvSpPr>
+            <a:spLocks noGrp="1"/>
+          </p:cNvSpPr>
+          <p:nvPr>
+            <p:ph type="body" idx="1"/>
+          </p:nvPr>
+        </p:nvSpPr>
+        <p:spPr/>
+        <p:txBody>
+          <a:bodyPr/>
+          <a:lstStyle/>
+          <a:p>
+            <a:r>
+              <a:rPr kumimoji="1" lang="ja-JP" altLang="en-US" dirty="0" smtClean="0"/>
+              <a:t>具体的にソフトウェア開発に必要なツールは，表の</a:t>
+            </a:r>
+            <a:r>
+              <a:rPr kumimoji="1" lang="ja-JP" altLang="en-US" dirty="0" err="1" smtClean="0"/>
+              <a:t>．．．．ような</a:t>
+            </a:r>
+            <a:r>
+              <a:rPr kumimoji="1" lang="ja-JP" altLang="en-US" dirty="0" smtClean="0"/>
+              <a:t>ものになるが，</a:t>
+            </a:r>
+            <a:endParaRPr kumimoji="1" lang="en-US" altLang="ja-JP" dirty="0" smtClean="0"/>
+          </a:p>
+          <a:p>
+            <a:r>
+              <a:rPr kumimoji="1" lang="en-US" altLang="ja-JP" dirty="0" smtClean="0"/>
+              <a:t>LMS</a:t>
+            </a:r>
+            <a:r>
+              <a:rPr kumimoji="1" lang="ja-JP" altLang="en-US" dirty="0" err="1" smtClean="0"/>
+              <a:t>には</a:t>
+            </a:r>
+            <a:r>
+              <a:rPr kumimoji="1" lang="ja-JP" altLang="en-US" dirty="0" smtClean="0"/>
+              <a:t>表にあるような機能はついていません．</a:t>
+            </a:r>
+            <a:r>
+              <a:rPr kumimoji="1" lang="en-US" altLang="ja-JP" dirty="0" smtClean="0"/>
+              <a:t>LMS</a:t>
+            </a:r>
+            <a:r>
+              <a:rPr kumimoji="1" lang="ja-JP" altLang="en-US" dirty="0" smtClean="0"/>
+              <a:t>の機能にもあるのは</a:t>
+            </a:r>
+            <a:r>
+              <a:rPr kumimoji="1" lang="en-US" altLang="ja-JP" dirty="0" smtClean="0"/>
+              <a:t>wiki</a:t>
+            </a:r>
+            <a:r>
+              <a:rPr kumimoji="1" lang="ja-JP" altLang="en-US" dirty="0" err="1" smtClean="0"/>
+              <a:t>ぐらい</a:t>
+            </a:r>
+            <a:r>
+              <a:rPr kumimoji="1" lang="ja-JP" altLang="en-US" dirty="0" smtClean="0"/>
+              <a:t>だと思われます．</a:t>
+            </a:r>
+            <a:endParaRPr kumimoji="1" lang="ja-JP" altLang="en-US" dirty="0"/>
+          </a:p>
+        </p:txBody>
+      </p:sp>
+      <p:sp>
+        <p:nvSpPr>
+          <p:cNvPr id="4" name="スライド番号プレースホルダー 3"/>
+          <p:cNvSpPr>
+            <a:spLocks noGrp="1"/>
+          </p:cNvSpPr>
+          <p:nvPr>
+            <p:ph type="sldNum" sz="quarter" idx="10"/>
+          </p:nvPr>
+        </p:nvSpPr>
+        <p:spPr/>
+        <p:txBody>
+          <a:bodyPr/>
+          <a:lstStyle/>
+          <a:p>
+            <a:fld id="{C6AA7893-DDB2-4DB8-8B18-3ACD287193B7}" type="slidenum">
+              <a:rPr kumimoji="1" lang="ja-JP" altLang="en-US" smtClean="0"/>
+              <a:t>7</a:t>
+            </a:fld>
+            <a:endParaRPr kumimoji="1" lang="ja-JP" altLang="en-US"/>
+          </a:p>
+        </p:txBody>
+      </p:sp>
+    </p:spTree>
+    <p:extLst>
+      <p:ext uri="{BB962C8B-B14F-4D97-AF65-F5344CB8AC3E}">
+        <p14:creationId xmlns:p14="http://schemas.microsoft.com/office/powerpoint/2010/main" val="4060556482"/>
+      </p:ext>
+    </p:extLst>
+  </p:cSld>
+  <p:clrMapOvr>
+    <a:masterClrMapping/>
+  </p:clrMapOvr>
+</p:notes>
+</file>
+
+<file path=ppt/notesSlides/notesSlide7.xml><?xml version="1.0" encoding="utf-8"?>
+<p:notes xmlns:a="http://schemas.openxmlformats.org/drawingml/2006/main" xmlns:r="http://schemas.openxmlformats.org/officeDocument/2006/relationships" xmlns:p="http://schemas.openxmlformats.org/presentationml/2006/main">
+  <p:cSld>
+    <p:spTree>
+      <p:nvGrpSpPr>
+        <p:cNvPr id="1" name=""/>
+        <p:cNvGrpSpPr/>
+        <p:nvPr/>
+      </p:nvGrpSpPr>
+      <p:grpSpPr>
+        <a:xfrm>
+          <a:off x="0" y="0"/>
+          <a:ext cx="0" cy="0"/>
+          <a:chOff x="0" y="0"/>
+          <a:chExt cx="0" cy="0"/>
+        </a:xfrm>
+      </p:grpSpPr>
+      <p:sp>
+        <p:nvSpPr>
+          <p:cNvPr id="2" name="スライド イメージ プレースホルダー 1"/>
+          <p:cNvSpPr>
+            <a:spLocks noGrp="1" noRot="1" noChangeAspect="1"/>
+          </p:cNvSpPr>
+          <p:nvPr>
+            <p:ph type="sldImg"/>
+          </p:nvPr>
+        </p:nvSpPr>
+        <p:spPr/>
+      </p:sp>
+      <p:sp>
+        <p:nvSpPr>
+          <p:cNvPr id="3" name="ノート プレースホルダー 2"/>
+          <p:cNvSpPr>
+            <a:spLocks noGrp="1"/>
+          </p:cNvSpPr>
+          <p:nvPr>
+            <p:ph type="body" idx="1"/>
+          </p:nvPr>
+        </p:nvSpPr>
+        <p:spPr/>
+        <p:txBody>
+          <a:bodyPr/>
+          <a:lstStyle/>
+          <a:p>
+            <a:endParaRPr kumimoji="1" lang="ja-JP" altLang="en-US" dirty="0"/>
+          </a:p>
+        </p:txBody>
+      </p:sp>
+      <p:sp>
+        <p:nvSpPr>
+          <p:cNvPr id="4" name="スライド番号プレースホルダー 3"/>
+          <p:cNvSpPr>
+            <a:spLocks noGrp="1"/>
+          </p:cNvSpPr>
+          <p:nvPr>
+            <p:ph type="sldNum" sz="quarter" idx="10"/>
+          </p:nvPr>
+        </p:nvSpPr>
+        <p:spPr/>
+        <p:txBody>
+          <a:bodyPr/>
+          <a:lstStyle/>
+          <a:p>
+            <a:fld id="{C6AA7893-DDB2-4DB8-8B18-3ACD287193B7}" type="slidenum">
+              <a:rPr kumimoji="1" lang="ja-JP" altLang="en-US" smtClean="0"/>
+              <a:t>8</a:t>
+            </a:fld>
+            <a:endParaRPr kumimoji="1" lang="ja-JP" altLang="en-US"/>
+          </a:p>
+        </p:txBody>
+      </p:sp>
+    </p:spTree>
+    <p:extLst>
+      <p:ext uri="{BB962C8B-B14F-4D97-AF65-F5344CB8AC3E}">
+        <p14:creationId xmlns:p14="http://schemas.microsoft.com/office/powerpoint/2010/main" val="2106637744"/>
+      </p:ext>
+    </p:extLst>
+  </p:cSld>
+  <p:clrMapOvr>
+    <a:masterClrMapping/>
+  </p:clrMapOvr>
+</p:notes>
+</file>
+
+<file path=ppt/notesSlides/notesSlide8.xml><?xml version="1.0" encoding="utf-8"?>
+<p:notes xmlns:a="http://schemas.openxmlformats.org/drawingml/2006/main" xmlns:r="http://schemas.openxmlformats.org/officeDocument/2006/relationships" xmlns:p="http://schemas.openxmlformats.org/presentationml/2006/main">
+  <p:cSld>
+    <p:spTree>
+      <p:nvGrpSpPr>
+        <p:cNvPr id="1" name=""/>
+        <p:cNvGrpSpPr/>
+        <p:nvPr/>
+      </p:nvGrpSpPr>
+      <p:grpSpPr>
+        <a:xfrm>
+          <a:off x="0" y="0"/>
+          <a:ext cx="0" cy="0"/>
+          <a:chOff x="0" y="0"/>
+          <a:chExt cx="0" cy="0"/>
+        </a:xfrm>
+      </p:grpSpPr>
+      <p:sp>
+        <p:nvSpPr>
+          <p:cNvPr id="2" name="スライド イメージ プレースホルダー 1"/>
+          <p:cNvSpPr>
+            <a:spLocks noGrp="1" noRot="1" noChangeAspect="1"/>
+          </p:cNvSpPr>
+          <p:nvPr>
+            <p:ph type="sldImg"/>
+          </p:nvPr>
+        </p:nvSpPr>
+        <p:spPr/>
+      </p:sp>
+      <p:sp>
+        <p:nvSpPr>
+          <p:cNvPr id="3" name="ノート プレースホルダー 2"/>
+          <p:cNvSpPr>
+            <a:spLocks noGrp="1"/>
+          </p:cNvSpPr>
+          <p:nvPr>
+            <p:ph type="body" idx="1"/>
+          </p:nvPr>
+        </p:nvSpPr>
+        <p:spPr/>
+        <p:txBody>
+          <a:bodyPr/>
+          <a:lstStyle/>
+          <a:p>
+            <a:r>
+              <a:rPr kumimoji="1" lang="ja-JP" altLang="en-US" dirty="0" smtClean="0"/>
+              <a:t>今回は</a:t>
+            </a:r>
+            <a:r>
+              <a:rPr kumimoji="1" lang="en-US" altLang="ja-JP" dirty="0" smtClean="0"/>
+              <a:t>LMS</a:t>
+            </a:r>
+            <a:r>
+              <a:rPr kumimoji="1" lang="ja-JP" altLang="en-US" dirty="0" smtClean="0"/>
+              <a:t>システムである</a:t>
+            </a:r>
+            <a:r>
+              <a:rPr kumimoji="1" lang="en-US" altLang="ja-JP" dirty="0" smtClean="0"/>
+              <a:t>Moodle</a:t>
+            </a:r>
+            <a:r>
+              <a:rPr kumimoji="1" lang="ja-JP" altLang="en-US" dirty="0" smtClean="0"/>
+              <a:t>と外部サービスである</a:t>
+            </a:r>
+            <a:r>
+              <a:rPr kumimoji="1" lang="en-US" altLang="ja-JP" dirty="0" err="1" smtClean="0"/>
+              <a:t>GitHub</a:t>
+            </a:r>
+            <a:r>
+              <a:rPr kumimoji="1" lang="ja-JP" altLang="en-US" dirty="0" smtClean="0"/>
+              <a:t>を連携させ，ログ表示を目的とする．</a:t>
+            </a:r>
+            <a:endParaRPr kumimoji="1" lang="en-US" altLang="ja-JP" dirty="0" smtClean="0"/>
+          </a:p>
+          <a:p>
+            <a:r>
+              <a:rPr kumimoji="1" lang="en-US" altLang="ja-JP" dirty="0" smtClean="0"/>
+              <a:t>LMS</a:t>
+            </a:r>
+            <a:r>
+              <a:rPr kumimoji="1" lang="ja-JP" altLang="en-US" dirty="0" smtClean="0"/>
+              <a:t>で足りない部分を外部サービスで補い，</a:t>
+            </a:r>
+            <a:r>
+              <a:rPr kumimoji="1" lang="en-US" altLang="ja-JP" dirty="0" smtClean="0"/>
+              <a:t>LMS</a:t>
+            </a:r>
+            <a:r>
+              <a:rPr kumimoji="1" lang="ja-JP" altLang="en-US" dirty="0" smtClean="0"/>
+              <a:t>のメリットであるログ生かすために，</a:t>
+            </a:r>
+            <a:r>
+              <a:rPr kumimoji="1" lang="en-US" altLang="ja-JP" dirty="0" err="1" smtClean="0"/>
+              <a:t>GitHub</a:t>
+            </a:r>
+            <a:r>
+              <a:rPr kumimoji="1" lang="ja-JP" altLang="en-US" dirty="0" smtClean="0"/>
+              <a:t>のログも一か所で見れるように行います．</a:t>
+            </a:r>
+            <a:endParaRPr kumimoji="1" lang="ja-JP" altLang="en-US" dirty="0"/>
+          </a:p>
+        </p:txBody>
+      </p:sp>
+      <p:sp>
+        <p:nvSpPr>
+          <p:cNvPr id="4" name="スライド番号プレースホルダー 3"/>
+          <p:cNvSpPr>
+            <a:spLocks noGrp="1"/>
+          </p:cNvSpPr>
+          <p:nvPr>
+            <p:ph type="sldNum" sz="quarter" idx="10"/>
+          </p:nvPr>
+        </p:nvSpPr>
+        <p:spPr/>
+        <p:txBody>
+          <a:bodyPr/>
+          <a:lstStyle/>
+          <a:p>
+            <a:fld id="{C6AA7893-DDB2-4DB8-8B18-3ACD287193B7}" type="slidenum">
+              <a:rPr kumimoji="1" lang="ja-JP" altLang="en-US" smtClean="0"/>
+              <a:t>9</a:t>
+            </a:fld>
+            <a:endParaRPr kumimoji="1" lang="ja-JP" altLang="en-US"/>
+          </a:p>
+        </p:txBody>
+      </p:sp>
+    </p:spTree>
+    <p:extLst>
+      <p:ext uri="{BB962C8B-B14F-4D97-AF65-F5344CB8AC3E}">
+        <p14:creationId xmlns:p14="http://schemas.microsoft.com/office/powerpoint/2010/main" val="2177655713"/>
+      </p:ext>
+    </p:extLst>
+  </p:cSld>
+  <p:clrMapOvr>
+    <a:masterClrMapping/>
+  </p:clrMapOvr>
+</p:notes>
+</file>
+
+<file path=ppt/notesSlides/notesSlide9.xml><?xml version="1.0" encoding="utf-8"?>
+<p:notes xmlns:a="http://schemas.openxmlformats.org/drawingml/2006/main" xmlns:r="http://schemas.openxmlformats.org/officeDocument/2006/relationships" xmlns:p="http://schemas.openxmlformats.org/presentationml/2006/main">
+  <p:cSld>
+    <p:spTree>
+      <p:nvGrpSpPr>
+        <p:cNvPr id="1" name=""/>
+        <p:cNvGrpSpPr/>
+        <p:nvPr/>
+      </p:nvGrpSpPr>
+      <p:grpSpPr>
+        <a:xfrm>
+          <a:off x="0" y="0"/>
+          <a:ext cx="0" cy="0"/>
+          <a:chOff x="0" y="0"/>
+          <a:chExt cx="0" cy="0"/>
+        </a:xfrm>
+      </p:grpSpPr>
+      <p:sp>
+        <p:nvSpPr>
+          <p:cNvPr id="2" name="スライド イメージ プレースホルダー 1"/>
+          <p:cNvSpPr>
+            <a:spLocks noGrp="1" noRot="1" noChangeAspect="1"/>
+          </p:cNvSpPr>
+          <p:nvPr>
+            <p:ph type="sldImg"/>
+          </p:nvPr>
+        </p:nvSpPr>
+        <p:spPr/>
+      </p:sp>
+      <p:sp>
+        <p:nvSpPr>
+          <p:cNvPr id="3" name="ノート プレースホルダー 2"/>
+          <p:cNvSpPr>
+            <a:spLocks noGrp="1"/>
+          </p:cNvSpPr>
+          <p:nvPr>
+            <p:ph type="body" idx="1"/>
+          </p:nvPr>
+        </p:nvSpPr>
+        <p:spPr/>
+        <p:txBody>
+          <a:bodyPr/>
+          <a:lstStyle/>
+          <a:p>
+            <a:r>
+              <a:rPr kumimoji="1" lang="ja-JP" altLang="en-US" dirty="0" smtClean="0"/>
+              <a:t>方法は</a:t>
+            </a:r>
+            <a:r>
+              <a:rPr kumimoji="1" lang="en-US" altLang="ja-JP" dirty="0" err="1" smtClean="0"/>
+              <a:t>GitHub</a:t>
+            </a:r>
+            <a:r>
+              <a:rPr kumimoji="1" lang="ja-JP" altLang="en-US" dirty="0" smtClean="0"/>
+              <a:t>と</a:t>
+            </a:r>
+            <a:r>
+              <a:rPr kumimoji="1" lang="en-US" altLang="ja-JP" dirty="0" smtClean="0"/>
+              <a:t>Moodle</a:t>
+            </a:r>
+            <a:r>
+              <a:rPr kumimoji="1" lang="ja-JP" altLang="en-US" dirty="0" smtClean="0"/>
+              <a:t>のアカウントと繋げる．次にデータを取得するために</a:t>
+            </a:r>
+            <a:r>
+              <a:rPr kumimoji="1" lang="en-US" altLang="ja-JP" dirty="0" smtClean="0"/>
+              <a:t>API</a:t>
+            </a:r>
+            <a:r>
+              <a:rPr kumimoji="1" lang="ja-JP" altLang="en-US" dirty="0" smtClean="0"/>
+              <a:t>を利用し，最後に</a:t>
+            </a:r>
+            <a:r>
+              <a:rPr kumimoji="1" lang="en-US" altLang="ja-JP" dirty="0" smtClean="0"/>
+              <a:t>LMS</a:t>
+            </a:r>
+            <a:r>
+              <a:rPr kumimoji="1" lang="ja-JP" altLang="en-US" dirty="0" smtClean="0"/>
+              <a:t>に表示を行います．</a:t>
+            </a:r>
+            <a:endParaRPr kumimoji="1" lang="ja-JP" altLang="en-US" dirty="0"/>
+          </a:p>
+        </p:txBody>
+      </p:sp>
+      <p:sp>
+        <p:nvSpPr>
+          <p:cNvPr id="4" name="スライド番号プレースホルダー 3"/>
+          <p:cNvSpPr>
+            <a:spLocks noGrp="1"/>
+          </p:cNvSpPr>
+          <p:nvPr>
+            <p:ph type="sldNum" sz="quarter" idx="10"/>
+          </p:nvPr>
+        </p:nvSpPr>
+        <p:spPr/>
+        <p:txBody>
+          <a:bodyPr/>
+          <a:lstStyle/>
+          <a:p>
+            <a:fld id="{C6AA7893-DDB2-4DB8-8B18-3ACD287193B7}" type="slidenum">
+              <a:rPr kumimoji="1" lang="ja-JP" altLang="en-US" smtClean="0"/>
+              <a:t>10</a:t>
+            </a:fld>
+            <a:endParaRPr kumimoji="1" lang="ja-JP" altLang="en-US"/>
+          </a:p>
+        </p:txBody>
+      </p:sp>
+    </p:spTree>
+    <p:extLst>
+      <p:ext uri="{BB962C8B-B14F-4D97-AF65-F5344CB8AC3E}">
+        <p14:creationId xmlns:p14="http://schemas.microsoft.com/office/powerpoint/2010/main" val="2801530815"/>
       </p:ext>
     </p:extLst>
   </p:cSld>
@@ -4418,6 +5289,13 @@
   <p:clrMapOvr>
     <a:masterClrMapping/>
   </p:clrMapOvr>
+  <p:timing>
+    <p:tnLst>
+      <p:par>
+        <p:cTn id="1" dur="indefinite" restart="never" nodeType="tmRoot"/>
+      </p:par>
+    </p:tnLst>
+  </p:timing>
 </p:sldLayout>
 </file>
 
@@ -10593,6 +11471,13 @@
     <p:sldLayoutId id="2147483658" r:id="rId10"/>
     <p:sldLayoutId id="2147483659" r:id="rId11"/>
   </p:sldLayoutIdLst>
+  <p:timing>
+    <p:tnLst>
+      <p:par>
+        <p:cTn id="1" dur="indefinite" restart="never" nodeType="tmRoot"/>
+      </p:par>
+    </p:tnLst>
+  </p:timing>
   <p:hf hdr="0" ftr="0" dt="0"/>
   <p:txStyles>
     <p:titleStyle>
@@ -11906,7 +12791,7 @@
           <p:nvPr/>
         </p:nvPicPr>
         <p:blipFill>
-          <a:blip r:embed="rId2" cstate="print">
+          <a:blip r:embed="rId3" cstate="print">
             <a:extLst>
               <a:ext uri="{28A0092B-C50C-407E-A947-70E740481C1C}">
                 <a14:useLocalDpi xmlns:a14="http://schemas.microsoft.com/office/drawing/2010/main" val="0"/>
@@ -11936,7 +12821,7 @@
           <p:nvPr/>
         </p:nvPicPr>
         <p:blipFill>
-          <a:blip r:embed="rId3">
+          <a:blip r:embed="rId4">
             <a:extLst>
               <a:ext uri="{28A0092B-C50C-407E-A947-70E740481C1C}">
                 <a14:useLocalDpi xmlns:a14="http://schemas.microsoft.com/office/drawing/2010/main" val="0"/>
@@ -11966,7 +12851,7 @@
           <p:nvPr/>
         </p:nvPicPr>
         <p:blipFill>
-          <a:blip r:embed="rId4">
+          <a:blip r:embed="rId5">
             <a:extLst>
               <a:ext uri="{28A0092B-C50C-407E-A947-70E740481C1C}">
                 <a14:useLocalDpi xmlns:a14="http://schemas.microsoft.com/office/drawing/2010/main" val="0"/>
@@ -14717,7 +15602,7 @@
         </p:xfrm>
         <a:graphic>
           <a:graphicData uri="http://schemas.openxmlformats.org/drawingml/2006/diagram">
-            <dgm:relIds xmlns:dgm="http://schemas.openxmlformats.org/drawingml/2006/diagram" xmlns:r="http://schemas.openxmlformats.org/officeDocument/2006/relationships" r:dm="rId2" r:lo="rId3" r:qs="rId4" r:cs="rId5"/>
+            <dgm:relIds xmlns:dgm="http://schemas.openxmlformats.org/drawingml/2006/diagram" xmlns:r="http://schemas.openxmlformats.org/officeDocument/2006/relationships" r:dm="rId3" r:lo="rId4" r:qs="rId5" r:cs="rId6"/>
           </a:graphicData>
         </a:graphic>
       </p:graphicFrame>
@@ -15241,11 +16126,7 @@
             </a:pPr>
             <a:r>
               <a:rPr kumimoji="1" lang="ja-JP" altLang="en-US" sz="2800" dirty="0" smtClean="0"/>
-              <a:t>しかし</a:t>
-            </a:r>
-            <a:r>
-              <a:rPr kumimoji="1" lang="ja-JP" altLang="en-US" sz="2800" dirty="0" smtClean="0"/>
-              <a:t>，どんな場面でも</a:t>
+              <a:t>しかし，どんな場面でも</a:t>
             </a:r>
             <a:r>
               <a:rPr kumimoji="1" lang="en-US" altLang="ja-JP" sz="2800" dirty="0" smtClean="0"/>
@@ -15273,11 +16154,7 @@
             </a:pPr>
             <a:r>
               <a:rPr lang="ja-JP" altLang="en-US" sz="2800" dirty="0" smtClean="0"/>
-              <a:t>ソフトウェア開発を学ぶ上でパソコンが</a:t>
-            </a:r>
-            <a:r>
-              <a:rPr lang="ja-JP" altLang="en-US" sz="2800" dirty="0" smtClean="0"/>
-              <a:t>必須だが，</a:t>
+              <a:t>ソフトウェア開発を学ぶ上でパソコンが必須だが，</a:t>
             </a:r>
             <a:endParaRPr lang="en-US" altLang="ja-JP" sz="2800" dirty="0" smtClean="0"/>
           </a:p>
@@ -15297,11 +16174,7 @@
             </a:r>
             <a:r>
               <a:rPr lang="ja-JP" altLang="en-US" sz="2800" dirty="0" smtClean="0"/>
-              <a:t>は対応して</a:t>
-            </a:r>
-            <a:r>
-              <a:rPr lang="ja-JP" altLang="en-US" sz="2800" dirty="0" smtClean="0"/>
-              <a:t>いない．</a:t>
+              <a:t>は対応していない．</a:t>
             </a:r>
             <a:endParaRPr lang="en-US" altLang="ja-JP" sz="2800" dirty="0" smtClean="0"/>
           </a:p>
@@ -15377,7 +16250,7 @@
           <p:nvPr/>
         </p:nvPicPr>
         <p:blipFill>
-          <a:blip r:embed="rId2">
+          <a:blip r:embed="rId3">
             <a:extLst>
               <a:ext uri="{28A0092B-C50C-407E-A947-70E740481C1C}">
                 <a14:useLocalDpi xmlns:a14="http://schemas.microsoft.com/office/drawing/2010/main" val="0"/>
@@ -16419,7 +17292,7 @@
           <p:nvPr/>
         </p:nvPicPr>
         <p:blipFill>
-          <a:blip r:embed="rId2">
+          <a:blip r:embed="rId3">
             <a:extLst>
               <a:ext uri="{28A0092B-C50C-407E-A947-70E740481C1C}">
                 <a14:useLocalDpi xmlns:a14="http://schemas.microsoft.com/office/drawing/2010/main" val="0"/>

--- a/卒業論文/2012/野口杏子/最終発表.pptx
+++ b/卒業論文/2012/野口杏子/最終発表.pptx
@@ -6,26 +6,27 @@
     <p:sldMasterId id="2147483660" r:id="rId2"/>
   </p:sldMasterIdLst>
   <p:notesMasterIdLst>
-    <p:notesMasterId r:id="rId20"/>
+    <p:notesMasterId r:id="rId21"/>
   </p:notesMasterIdLst>
   <p:sldIdLst>
     <p:sldId id="256" r:id="rId3"/>
     <p:sldId id="257" r:id="rId4"/>
     <p:sldId id="258" r:id="rId5"/>
-    <p:sldId id="259" r:id="rId6"/>
-    <p:sldId id="268" r:id="rId7"/>
-    <p:sldId id="260" r:id="rId8"/>
-    <p:sldId id="269" r:id="rId9"/>
-    <p:sldId id="273" r:id="rId10"/>
-    <p:sldId id="261" r:id="rId11"/>
-    <p:sldId id="270" r:id="rId12"/>
-    <p:sldId id="262" r:id="rId13"/>
-    <p:sldId id="271" r:id="rId14"/>
-    <p:sldId id="272" r:id="rId15"/>
-    <p:sldId id="263" r:id="rId16"/>
-    <p:sldId id="266" r:id="rId17"/>
-    <p:sldId id="267" r:id="rId18"/>
-    <p:sldId id="274" r:id="rId19"/>
+    <p:sldId id="275" r:id="rId6"/>
+    <p:sldId id="260" r:id="rId7"/>
+    <p:sldId id="269" r:id="rId8"/>
+    <p:sldId id="259" r:id="rId9"/>
+    <p:sldId id="276" r:id="rId10"/>
+    <p:sldId id="273" r:id="rId11"/>
+    <p:sldId id="261" r:id="rId12"/>
+    <p:sldId id="270" r:id="rId13"/>
+    <p:sldId id="262" r:id="rId14"/>
+    <p:sldId id="271" r:id="rId15"/>
+    <p:sldId id="272" r:id="rId16"/>
+    <p:sldId id="263" r:id="rId17"/>
+    <p:sldId id="266" r:id="rId18"/>
+    <p:sldId id="267" r:id="rId19"/>
+    <p:sldId id="274" r:id="rId20"/>
   </p:sldIdLst>
   <p:sldSz cx="9144000" cy="6858000" type="screen4x3"/>
   <p:notesSz cx="6858000" cy="9144000"/>
@@ -3194,7 +3195,7 @@
           <a:p>
             <a:fld id="{E350A295-506D-4892-A047-A5DF8343CA15}" type="datetimeFigureOut">
               <a:rPr kumimoji="1" lang="ja-JP" altLang="en-US" smtClean="0"/>
-              <a:t>2014/2/3</a:t>
+              <a:t>2014/2/4</a:t>
             </a:fld>
             <a:endParaRPr kumimoji="1" lang="ja-JP" altLang="en-US"/>
           </a:p>
@@ -3578,90 +3579,6 @@
 </p:notes>
 </file>
 
-<file path=ppt/notesSlides/notesSlide10.xml><?xml version="1.0" encoding="utf-8"?>
-<p:notes xmlns:a="http://schemas.openxmlformats.org/drawingml/2006/main" xmlns:r="http://schemas.openxmlformats.org/officeDocument/2006/relationships" xmlns:p="http://schemas.openxmlformats.org/presentationml/2006/main">
-  <p:cSld>
-    <p:spTree>
-      <p:nvGrpSpPr>
-        <p:cNvPr id="1" name=""/>
-        <p:cNvGrpSpPr/>
-        <p:nvPr/>
-      </p:nvGrpSpPr>
-      <p:grpSpPr>
-        <a:xfrm>
-          <a:off x="0" y="0"/>
-          <a:ext cx="0" cy="0"/>
-          <a:chOff x="0" y="0"/>
-          <a:chExt cx="0" cy="0"/>
-        </a:xfrm>
-      </p:grpSpPr>
-      <p:sp>
-        <p:nvSpPr>
-          <p:cNvPr id="2" name="スライド イメージ プレースホルダー 1"/>
-          <p:cNvSpPr>
-            <a:spLocks noGrp="1" noRot="1" noChangeAspect="1"/>
-          </p:cNvSpPr>
-          <p:nvPr>
-            <p:ph type="sldImg"/>
-          </p:nvPr>
-        </p:nvSpPr>
-        <p:spPr/>
-      </p:sp>
-      <p:sp>
-        <p:nvSpPr>
-          <p:cNvPr id="3" name="ノート プレースホルダー 2"/>
-          <p:cNvSpPr>
-            <a:spLocks noGrp="1"/>
-          </p:cNvSpPr>
-          <p:nvPr>
-            <p:ph type="body" idx="1"/>
-          </p:nvPr>
-        </p:nvSpPr>
-        <p:spPr/>
-        <p:txBody>
-          <a:bodyPr/>
-          <a:lstStyle/>
-          <a:p>
-            <a:endParaRPr kumimoji="1" lang="ja-JP" altLang="en-US" dirty="0"/>
-          </a:p>
-        </p:txBody>
-      </p:sp>
-      <p:sp>
-        <p:nvSpPr>
-          <p:cNvPr id="4" name="スライド番号プレースホルダー 3"/>
-          <p:cNvSpPr>
-            <a:spLocks noGrp="1"/>
-          </p:cNvSpPr>
-          <p:nvPr>
-            <p:ph type="sldNum" sz="quarter" idx="10"/>
-          </p:nvPr>
-        </p:nvSpPr>
-        <p:spPr/>
-        <p:txBody>
-          <a:bodyPr/>
-          <a:lstStyle/>
-          <a:p>
-            <a:fld id="{C6AA7893-DDB2-4DB8-8B18-3ACD287193B7}" type="slidenum">
-              <a:rPr kumimoji="1" lang="ja-JP" altLang="en-US" smtClean="0"/>
-              <a:t>11</a:t>
-            </a:fld>
-            <a:endParaRPr kumimoji="1" lang="ja-JP" altLang="en-US"/>
-          </a:p>
-        </p:txBody>
-      </p:sp>
-    </p:spTree>
-    <p:extLst>
-      <p:ext uri="{BB962C8B-B14F-4D97-AF65-F5344CB8AC3E}">
-        <p14:creationId xmlns:p14="http://schemas.microsoft.com/office/powerpoint/2010/main" val="564486174"/>
-      </p:ext>
-    </p:extLst>
-  </p:cSld>
-  <p:clrMapOvr>
-    <a:masterClrMapping/>
-  </p:clrMapOvr>
-</p:notes>
-</file>
-
 <file path=ppt/notesSlides/notesSlide2.xml><?xml version="1.0" encoding="utf-8"?>
 <p:notes xmlns:a="http://schemas.openxmlformats.org/drawingml/2006/main" xmlns:r="http://schemas.openxmlformats.org/officeDocument/2006/relationships" xmlns:p="http://schemas.openxmlformats.org/presentationml/2006/main">
   <p:cSld>
@@ -3881,21 +3798,40 @@
           <a:lstStyle/>
           <a:p>
             <a:r>
+              <a:rPr kumimoji="1" lang="ja-JP" altLang="en-US" dirty="0" smtClean="0"/>
+              <a:t>しかし，どんな場面でも</a:t>
+            </a:r>
+            <a:r>
               <a:rPr kumimoji="1" lang="en-US" altLang="ja-JP" dirty="0" smtClean="0"/>
               <a:t>LMS</a:t>
             </a:r>
             <a:r>
+              <a:rPr kumimoji="1" lang="ja-JP" altLang="en-US" dirty="0" err="1" smtClean="0"/>
+              <a:t>だけ</a:t>
+            </a:r>
+            <a:r>
               <a:rPr kumimoji="1" lang="ja-JP" altLang="en-US" dirty="0" smtClean="0"/>
-              <a:t>を教育現場で利用すると，学習者と教師ではなくなり，学習者とパソコンになってしまうため，学習者の行動が把握しにくいというデメリットがある．</a:t>
+              <a:t>では学ぶことはできません．</a:t>
             </a:r>
             <a:endParaRPr kumimoji="1" lang="en-US" altLang="ja-JP" dirty="0" smtClean="0"/>
           </a:p>
           <a:p>
             <a:r>
               <a:rPr kumimoji="1" lang="ja-JP" altLang="en-US" dirty="0" smtClean="0"/>
-              <a:t>しかし，その一方，時間や場所に縛られなく学習することが可能であり，その中での行動が把握することができるといったメリットがあります．</a:t>
-            </a:r>
-            <a:endParaRPr kumimoji="1" lang="ja-JP" altLang="en-US" dirty="0"/>
+              <a:t>たとえば，ソフトウェア開発を学ぶ上でパソコンが必要であり，さまざまなツールを利用することが必要だが</a:t>
+            </a:r>
+            <a:endParaRPr kumimoji="1" lang="en-US" altLang="ja-JP" dirty="0" smtClean="0"/>
+          </a:p>
+          <a:p>
+            <a:r>
+              <a:rPr kumimoji="1" lang="en-US" altLang="ja-JP" dirty="0" smtClean="0"/>
+              <a:t>LMS</a:t>
+            </a:r>
+            <a:r>
+              <a:rPr kumimoji="1" lang="ja-JP" altLang="en-US" dirty="0" smtClean="0"/>
+              <a:t>はあくまで一般的な教育で必要なツールしかないため，ソフトウェア開発には対応していない．</a:t>
+            </a:r>
+            <a:endParaRPr kumimoji="1" lang="en-US" altLang="ja-JP" dirty="0" smtClean="0"/>
           </a:p>
         </p:txBody>
       </p:sp>
@@ -3916,7 +3852,7 @@
           <a:p>
             <a:fld id="{C6AA7893-DDB2-4DB8-8B18-3ACD287193B7}" type="slidenum">
               <a:rPr kumimoji="1" lang="ja-JP" altLang="en-US" smtClean="0"/>
-              <a:t>4</a:t>
+              <a:t>5</a:t>
             </a:fld>
             <a:endParaRPr kumimoji="1" lang="ja-JP" altLang="en-US"/>
           </a:p>
@@ -3925,7 +3861,7 @@
     </p:spTree>
     <p:extLst>
       <p:ext uri="{BB962C8B-B14F-4D97-AF65-F5344CB8AC3E}">
-        <p14:creationId xmlns:p14="http://schemas.microsoft.com/office/powerpoint/2010/main" val="2984603310"/>
+        <p14:creationId xmlns:p14="http://schemas.microsoft.com/office/powerpoint/2010/main" val="3252736391"/>
       </p:ext>
     </p:extLst>
   </p:cSld>
@@ -3980,26 +3916,51 @@
           <a:lstStyle/>
           <a:p>
             <a:r>
+              <a:rPr kumimoji="1" lang="ja-JP" altLang="en-US" dirty="0" smtClean="0"/>
+              <a:t>具体的にソフトウェア開発に必要なツールは，表の</a:t>
+            </a:r>
+            <a:r>
+              <a:rPr kumimoji="1" lang="ja-JP" altLang="en-US" dirty="0" err="1" smtClean="0"/>
+              <a:t>．．．．ような</a:t>
+            </a:r>
+            <a:r>
+              <a:rPr kumimoji="1" lang="ja-JP" altLang="en-US" dirty="0" smtClean="0"/>
+              <a:t>ものになるが，</a:t>
+            </a:r>
+            <a:endParaRPr kumimoji="1" lang="en-US" altLang="ja-JP" dirty="0" smtClean="0"/>
+          </a:p>
+          <a:p>
+            <a:r>
               <a:rPr kumimoji="1" lang="en-US" altLang="ja-JP" dirty="0" smtClean="0"/>
               <a:t>LMS</a:t>
             </a:r>
             <a:r>
+              <a:rPr kumimoji="1" lang="ja-JP" altLang="en-US" dirty="0" err="1" smtClean="0"/>
+              <a:t>には</a:t>
+            </a:r>
+            <a:r>
               <a:rPr kumimoji="1" lang="ja-JP" altLang="en-US" dirty="0" smtClean="0"/>
-              <a:t>内での行動が把握できるということで，サーバには学習者の行動が記録・保存されている．</a:t>
-            </a:r>
-            <a:endParaRPr kumimoji="1" lang="en-US" altLang="ja-JP" dirty="0" smtClean="0"/>
-          </a:p>
-          <a:p>
+              <a:t>表にあるような機能はついていません．</a:t>
+            </a:r>
+            <a:r>
+              <a:rPr kumimoji="1" lang="en-US" altLang="ja-JP" dirty="0" smtClean="0"/>
+              <a:t>LMS</a:t>
+            </a:r>
             <a:r>
               <a:rPr kumimoji="1" lang="ja-JP" altLang="en-US" dirty="0" smtClean="0"/>
-              <a:t>そこのことにより，学習ポートフォリオの作成が可能であるため</a:t>
-            </a:r>
-            <a:endParaRPr kumimoji="1" lang="en-US" altLang="ja-JP" dirty="0" smtClean="0"/>
-          </a:p>
-          <a:p>
+              <a:t>の機能にもあるのは</a:t>
+            </a:r>
+            <a:r>
+              <a:rPr kumimoji="1" lang="en-US" altLang="ja-JP" dirty="0" smtClean="0"/>
+              <a:t>wiki</a:t>
+            </a:r>
+            <a:r>
+              <a:rPr kumimoji="1" lang="ja-JP" altLang="en-US" dirty="0" err="1" smtClean="0"/>
+              <a:t>ぐらい</a:t>
+            </a:r>
             <a:r>
               <a:rPr kumimoji="1" lang="ja-JP" altLang="en-US" dirty="0" smtClean="0"/>
-              <a:t>今後の教育の役に立つし，学生も自分自身のアピールに役立つメリットもある．</a:t>
+              <a:t>だと思われます．</a:t>
             </a:r>
             <a:endParaRPr kumimoji="1" lang="ja-JP" altLang="en-US" dirty="0"/>
           </a:p>
@@ -4022,7 +3983,7 @@
           <a:p>
             <a:fld id="{C6AA7893-DDB2-4DB8-8B18-3ACD287193B7}" type="slidenum">
               <a:rPr kumimoji="1" lang="ja-JP" altLang="en-US" smtClean="0"/>
-              <a:t>5</a:t>
+              <a:t>6</a:t>
             </a:fld>
             <a:endParaRPr kumimoji="1" lang="ja-JP" altLang="en-US"/>
           </a:p>
@@ -4031,7 +3992,7 @@
     </p:spTree>
     <p:extLst>
       <p:ext uri="{BB962C8B-B14F-4D97-AF65-F5344CB8AC3E}">
-        <p14:creationId xmlns:p14="http://schemas.microsoft.com/office/powerpoint/2010/main" val="38524804"/>
+        <p14:creationId xmlns:p14="http://schemas.microsoft.com/office/powerpoint/2010/main" val="4060556482"/>
       </p:ext>
     </p:extLst>
   </p:cSld>
@@ -4086,40 +4047,21 @@
           <a:lstStyle/>
           <a:p>
             <a:r>
-              <a:rPr kumimoji="1" lang="ja-JP" altLang="en-US" dirty="0" smtClean="0"/>
-              <a:t>しかし，どんな場面でも</a:t>
-            </a:r>
-            <a:r>
               <a:rPr kumimoji="1" lang="en-US" altLang="ja-JP" dirty="0" smtClean="0"/>
               <a:t>LMS</a:t>
             </a:r>
             <a:r>
-              <a:rPr kumimoji="1" lang="ja-JP" altLang="en-US" dirty="0" err="1" smtClean="0"/>
-              <a:t>だけ</a:t>
-            </a:r>
-            <a:r>
               <a:rPr kumimoji="1" lang="ja-JP" altLang="en-US" dirty="0" smtClean="0"/>
-              <a:t>では学ぶことはできません．</a:t>
+              <a:t>を教育現場で利用すると，学習者と教師ではなくなり，学習者とパソコンになってしまうため，学習者の行動が把握しにくいというデメリットがある．</a:t>
             </a:r>
             <a:endParaRPr kumimoji="1" lang="en-US" altLang="ja-JP" dirty="0" smtClean="0"/>
           </a:p>
           <a:p>
             <a:r>
               <a:rPr kumimoji="1" lang="ja-JP" altLang="en-US" dirty="0" smtClean="0"/>
-              <a:t>たとえば，ソフトウェア開発を学ぶ上でパソコンが必要であり，さまざまなツールを利用することが必要だが</a:t>
-            </a:r>
-            <a:endParaRPr kumimoji="1" lang="en-US" altLang="ja-JP" dirty="0" smtClean="0"/>
-          </a:p>
-          <a:p>
-            <a:r>
-              <a:rPr kumimoji="1" lang="en-US" altLang="ja-JP" dirty="0" smtClean="0"/>
-              <a:t>LMS</a:t>
-            </a:r>
-            <a:r>
-              <a:rPr kumimoji="1" lang="ja-JP" altLang="en-US" dirty="0" smtClean="0"/>
-              <a:t>はあくまで一般的な教育で必要なツールしかないため，ソフトウェア開発には対応していない．</a:t>
-            </a:r>
-            <a:endParaRPr kumimoji="1" lang="en-US" altLang="ja-JP" dirty="0" smtClean="0"/>
+              <a:t>しかし，その一方，時間や場所に縛られなく学習することが可能であり，その中での行動が把握することができるといったメリットがあります．</a:t>
+            </a:r>
+            <a:endParaRPr kumimoji="1" lang="ja-JP" altLang="en-US" dirty="0"/>
           </a:p>
         </p:txBody>
       </p:sp>
@@ -4140,7 +4082,7 @@
           <a:p>
             <a:fld id="{C6AA7893-DDB2-4DB8-8B18-3ACD287193B7}" type="slidenum">
               <a:rPr kumimoji="1" lang="ja-JP" altLang="en-US" smtClean="0"/>
-              <a:t>6</a:t>
+              <a:t>7</a:t>
             </a:fld>
             <a:endParaRPr kumimoji="1" lang="ja-JP" altLang="en-US"/>
           </a:p>
@@ -4149,7 +4091,7 @@
     </p:spTree>
     <p:extLst>
       <p:ext uri="{BB962C8B-B14F-4D97-AF65-F5344CB8AC3E}">
-        <p14:creationId xmlns:p14="http://schemas.microsoft.com/office/powerpoint/2010/main" val="3252736391"/>
+        <p14:creationId xmlns:p14="http://schemas.microsoft.com/office/powerpoint/2010/main" val="2984603310"/>
       </p:ext>
     </p:extLst>
   </p:cSld>
@@ -4205,50 +4147,30 @@
           <a:p>
             <a:r>
               <a:rPr kumimoji="1" lang="ja-JP" altLang="en-US" dirty="0" smtClean="0"/>
-              <a:t>具体的にソフトウェア開発に必要なツールは，表の</a:t>
-            </a:r>
-            <a:r>
-              <a:rPr kumimoji="1" lang="ja-JP" altLang="en-US" dirty="0" err="1" smtClean="0"/>
-              <a:t>．．．．ような</a:t>
+              <a:t>現状，</a:t>
+            </a:r>
+            <a:r>
+              <a:rPr kumimoji="1" lang="en-US" altLang="ja-JP" dirty="0" smtClean="0"/>
+              <a:t>GitHub</a:t>
             </a:r>
             <a:r>
               <a:rPr kumimoji="1" lang="ja-JP" altLang="en-US" dirty="0" smtClean="0"/>
-              <a:t>ものになるが，</a:t>
+              <a:t>上のログはこのように表示され確認することができますが，</a:t>
             </a:r>
             <a:endParaRPr kumimoji="1" lang="en-US" altLang="ja-JP" dirty="0" smtClean="0"/>
           </a:p>
           <a:p>
             <a:r>
+              <a:rPr kumimoji="1" lang="ja-JP" altLang="en-US" dirty="0" smtClean="0"/>
+              <a:t>その人の</a:t>
+            </a:r>
+            <a:r>
               <a:rPr kumimoji="1" lang="en-US" altLang="ja-JP" dirty="0" smtClean="0"/>
-              <a:t>LMS</a:t>
-            </a:r>
-            <a:r>
-              <a:rPr kumimoji="1" lang="ja-JP" altLang="en-US" dirty="0" err="1" smtClean="0"/>
-              <a:t>には</a:t>
+              <a:t>GitHub</a:t>
             </a:r>
             <a:r>
               <a:rPr kumimoji="1" lang="ja-JP" altLang="en-US" dirty="0" smtClean="0"/>
-              <a:t>表にあるような機能はついていません．</a:t>
-            </a:r>
-            <a:r>
-              <a:rPr kumimoji="1" lang="en-US" altLang="ja-JP" dirty="0" smtClean="0"/>
-              <a:t>LMS</a:t>
-            </a:r>
-            <a:r>
-              <a:rPr kumimoji="1" lang="ja-JP" altLang="en-US" dirty="0" smtClean="0"/>
-              <a:t>の機能にもあるのは</a:t>
-            </a:r>
-            <a:r>
-              <a:rPr kumimoji="1" lang="en-US" altLang="ja-JP" dirty="0" smtClean="0"/>
-              <a:t>wiki</a:t>
-            </a:r>
-            <a:r>
-              <a:rPr kumimoji="1" lang="ja-JP" altLang="en-US" dirty="0" err="1" smtClean="0"/>
-              <a:t>ぐらい</a:t>
-            </a:r>
-            <a:r>
-              <a:rPr kumimoji="1" lang="ja-JP" altLang="en-US" dirty="0" smtClean="0"/>
-              <a:t>だと思われます．</a:t>
+              <a:t>上にいかないと見れません．</a:t>
             </a:r>
             <a:endParaRPr kumimoji="1" lang="ja-JP" altLang="en-US" dirty="0"/>
           </a:p>
@@ -4271,7 +4193,7 @@
           <a:p>
             <a:fld id="{C6AA7893-DDB2-4DB8-8B18-3ACD287193B7}" type="slidenum">
               <a:rPr kumimoji="1" lang="ja-JP" altLang="en-US" smtClean="0"/>
-              <a:t>7</a:t>
+              <a:t>9</a:t>
             </a:fld>
             <a:endParaRPr kumimoji="1" lang="ja-JP" altLang="en-US"/>
           </a:p>
@@ -4280,7 +4202,7 @@
     </p:spTree>
     <p:extLst>
       <p:ext uri="{BB962C8B-B14F-4D97-AF65-F5344CB8AC3E}">
-        <p14:creationId xmlns:p14="http://schemas.microsoft.com/office/powerpoint/2010/main" val="4060556482"/>
+        <p14:creationId xmlns:p14="http://schemas.microsoft.com/office/powerpoint/2010/main" val="2106637744"/>
       </p:ext>
     </p:extLst>
   </p:cSld>
@@ -4334,6 +4256,61 @@
           <a:bodyPr/>
           <a:lstStyle/>
           <a:p>
+            <a:r>
+              <a:rPr kumimoji="1" lang="ja-JP" altLang="en-US" dirty="0" smtClean="0"/>
+              <a:t>今回は</a:t>
+            </a:r>
+            <a:r>
+              <a:rPr kumimoji="1" lang="en-US" altLang="ja-JP" dirty="0" smtClean="0"/>
+              <a:t>LMS</a:t>
+            </a:r>
+            <a:r>
+              <a:rPr kumimoji="1" lang="ja-JP" altLang="en-US" dirty="0" smtClean="0"/>
+              <a:t>システムである</a:t>
+            </a:r>
+            <a:r>
+              <a:rPr kumimoji="1" lang="en-US" altLang="ja-JP" dirty="0" smtClean="0"/>
+              <a:t>Moodle</a:t>
+            </a:r>
+            <a:r>
+              <a:rPr kumimoji="1" lang="ja-JP" altLang="en-US" dirty="0" smtClean="0"/>
+              <a:t>と外部サービスである</a:t>
+            </a:r>
+            <a:r>
+              <a:rPr kumimoji="1" lang="en-US" altLang="ja-JP" dirty="0" smtClean="0"/>
+              <a:t>GitHub</a:t>
+            </a:r>
+            <a:r>
+              <a:rPr kumimoji="1" lang="ja-JP" altLang="en-US" dirty="0" smtClean="0"/>
+              <a:t>を連携させ，ログ表示を目的とする．</a:t>
+            </a:r>
+            <a:endParaRPr kumimoji="1" lang="en-US" altLang="ja-JP" dirty="0" smtClean="0"/>
+          </a:p>
+          <a:p>
+            <a:r>
+              <a:rPr kumimoji="1" lang="en-US" altLang="ja-JP" dirty="0" smtClean="0"/>
+              <a:t>LMS</a:t>
+            </a:r>
+            <a:r>
+              <a:rPr kumimoji="1" lang="ja-JP" altLang="en-US" dirty="0" smtClean="0"/>
+              <a:t>で足りない部分を外部サービスで補い，</a:t>
+            </a:r>
+            <a:r>
+              <a:rPr kumimoji="1" lang="en-US" altLang="ja-JP" dirty="0" smtClean="0"/>
+              <a:t>LMS</a:t>
+            </a:r>
+            <a:r>
+              <a:rPr kumimoji="1" lang="ja-JP" altLang="en-US" dirty="0" smtClean="0"/>
+              <a:t>のメリットであるログ生かすために，</a:t>
+            </a:r>
+            <a:r>
+              <a:rPr kumimoji="1" lang="en-US" altLang="ja-JP" dirty="0" smtClean="0"/>
+              <a:t>GitHub</a:t>
+            </a:r>
+            <a:r>
+              <a:rPr kumimoji="1" lang="ja-JP" altLang="en-US" dirty="0" smtClean="0"/>
+              <a:t>のログも一か所で見れるように行います．</a:t>
+            </a:r>
             <a:endParaRPr kumimoji="1" lang="ja-JP" altLang="en-US" dirty="0"/>
           </a:p>
         </p:txBody>
@@ -4355,7 +4332,7 @@
           <a:p>
             <a:fld id="{C6AA7893-DDB2-4DB8-8B18-3ACD287193B7}" type="slidenum">
               <a:rPr kumimoji="1" lang="ja-JP" altLang="en-US" smtClean="0"/>
-              <a:t>8</a:t>
+              <a:t>10</a:t>
             </a:fld>
             <a:endParaRPr kumimoji="1" lang="ja-JP" altLang="en-US"/>
           </a:p>
@@ -4364,7 +4341,7 @@
     </p:spTree>
     <p:extLst>
       <p:ext uri="{BB962C8B-B14F-4D97-AF65-F5344CB8AC3E}">
-        <p14:creationId xmlns:p14="http://schemas.microsoft.com/office/powerpoint/2010/main" val="2106637744"/>
+        <p14:creationId xmlns:p14="http://schemas.microsoft.com/office/powerpoint/2010/main" val="2177655713"/>
       </p:ext>
     </p:extLst>
   </p:cSld>
@@ -4420,7 +4397,31 @@
           <a:p>
             <a:r>
               <a:rPr kumimoji="1" lang="ja-JP" altLang="en-US" dirty="0" smtClean="0"/>
-              <a:t>今回は</a:t>
+              <a:t>方法は</a:t>
+            </a:r>
+            <a:r>
+              <a:rPr kumimoji="1" lang="en-US" altLang="ja-JP" dirty="0" smtClean="0"/>
+              <a:t>GitHub</a:t>
+            </a:r>
+            <a:r>
+              <a:rPr kumimoji="1" lang="ja-JP" altLang="en-US" dirty="0" smtClean="0"/>
+              <a:t>と</a:t>
+            </a:r>
+            <a:r>
+              <a:rPr kumimoji="1" lang="en-US" altLang="ja-JP" dirty="0" smtClean="0"/>
+              <a:t>Moodle</a:t>
+            </a:r>
+            <a:r>
+              <a:rPr kumimoji="1" lang="ja-JP" altLang="en-US" dirty="0" smtClean="0"/>
+              <a:t>のアカウントと繋げる．次にデータを取得するために</a:t>
+            </a:r>
+            <a:r>
+              <a:rPr kumimoji="1" lang="en-US" altLang="ja-JP" dirty="0" smtClean="0"/>
+              <a:t>API</a:t>
+            </a:r>
+            <a:r>
+              <a:rPr kumimoji="1" lang="ja-JP" altLang="en-US" dirty="0" smtClean="0"/>
+              <a:t>を利用し，最後に</a:t>
             </a:r>
             <a:r>
               <a:rPr kumimoji="1" lang="en-US" altLang="ja-JP" dirty="0" smtClean="0"/>
@@ -4428,50 +4429,7 @@
             </a:r>
             <a:r>
               <a:rPr kumimoji="1" lang="ja-JP" altLang="en-US" dirty="0" smtClean="0"/>
-              <a:t>システムである</a:t>
-            </a:r>
-            <a:r>
-              <a:rPr kumimoji="1" lang="en-US" altLang="ja-JP" dirty="0" smtClean="0"/>
-              <a:t>Moodle</a:t>
-            </a:r>
-            <a:r>
-              <a:rPr kumimoji="1" lang="ja-JP" altLang="en-US" dirty="0" smtClean="0"/>
-              <a:t>と外部サービスである</a:t>
-            </a:r>
-            <a:r>
-              <a:rPr kumimoji="1" lang="en-US" altLang="ja-JP" dirty="0" err="1" smtClean="0"/>
-              <a:t>GitHub</a:t>
-            </a:r>
-            <a:r>
-              <a:rPr kumimoji="1" lang="ja-JP" altLang="en-US" dirty="0" smtClean="0"/>
-              <a:t>を連携させ，ログ表示を目的とする．</a:t>
-            </a:r>
-            <a:endParaRPr kumimoji="1" lang="en-US" altLang="ja-JP" dirty="0" smtClean="0"/>
-          </a:p>
-          <a:p>
-            <a:r>
-              <a:rPr kumimoji="1" lang="en-US" altLang="ja-JP" dirty="0" smtClean="0"/>
-              <a:t>LMS</a:t>
-            </a:r>
-            <a:r>
-              <a:rPr kumimoji="1" lang="ja-JP" altLang="en-US" dirty="0" smtClean="0"/>
-              <a:t>で足りない部分を外部サービスで補い，</a:t>
-            </a:r>
-            <a:r>
-              <a:rPr kumimoji="1" lang="en-US" altLang="ja-JP" dirty="0" smtClean="0"/>
-              <a:t>LMS</a:t>
-            </a:r>
-            <a:r>
-              <a:rPr kumimoji="1" lang="ja-JP" altLang="en-US" dirty="0" smtClean="0"/>
-              <a:t>のメリットであるログ生かすために，</a:t>
-            </a:r>
-            <a:r>
-              <a:rPr kumimoji="1" lang="en-US" altLang="ja-JP" dirty="0" err="1" smtClean="0"/>
-              <a:t>GitHub</a:t>
-            </a:r>
-            <a:r>
-              <a:rPr kumimoji="1" lang="ja-JP" altLang="en-US" dirty="0" smtClean="0"/>
-              <a:t>のログも一か所で見れるように行います．</a:t>
+              <a:t>に表示を行います．</a:t>
             </a:r>
             <a:endParaRPr kumimoji="1" lang="ja-JP" altLang="en-US" dirty="0"/>
           </a:p>
@@ -4494,7 +4452,7 @@
           <a:p>
             <a:fld id="{C6AA7893-DDB2-4DB8-8B18-3ACD287193B7}" type="slidenum">
               <a:rPr kumimoji="1" lang="ja-JP" altLang="en-US" smtClean="0"/>
-              <a:t>9</a:t>
+              <a:t>11</a:t>
             </a:fld>
             <a:endParaRPr kumimoji="1" lang="ja-JP" altLang="en-US"/>
           </a:p>
@@ -4503,7 +4461,7 @@
     </p:spTree>
     <p:extLst>
       <p:ext uri="{BB962C8B-B14F-4D97-AF65-F5344CB8AC3E}">
-        <p14:creationId xmlns:p14="http://schemas.microsoft.com/office/powerpoint/2010/main" val="2177655713"/>
+        <p14:creationId xmlns:p14="http://schemas.microsoft.com/office/powerpoint/2010/main" val="2801530815"/>
       </p:ext>
     </p:extLst>
   </p:cSld>
@@ -4557,42 +4515,6 @@
           <a:bodyPr/>
           <a:lstStyle/>
           <a:p>
-            <a:r>
-              <a:rPr kumimoji="1" lang="ja-JP" altLang="en-US" dirty="0" smtClean="0"/>
-              <a:t>方法は</a:t>
-            </a:r>
-            <a:r>
-              <a:rPr kumimoji="1" lang="en-US" altLang="ja-JP" dirty="0" err="1" smtClean="0"/>
-              <a:t>GitHub</a:t>
-            </a:r>
-            <a:r>
-              <a:rPr kumimoji="1" lang="ja-JP" altLang="en-US" dirty="0" smtClean="0"/>
-              <a:t>と</a:t>
-            </a:r>
-            <a:r>
-              <a:rPr kumimoji="1" lang="en-US" altLang="ja-JP" dirty="0" smtClean="0"/>
-              <a:t>Moodle</a:t>
-            </a:r>
-            <a:r>
-              <a:rPr kumimoji="1" lang="ja-JP" altLang="en-US" dirty="0" smtClean="0"/>
-              <a:t>のアカウントと繋げる．次にデータを取得するために</a:t>
-            </a:r>
-            <a:r>
-              <a:rPr kumimoji="1" lang="en-US" altLang="ja-JP" dirty="0" smtClean="0"/>
-              <a:t>API</a:t>
-            </a:r>
-            <a:r>
-              <a:rPr kumimoji="1" lang="ja-JP" altLang="en-US" dirty="0" smtClean="0"/>
-              <a:t>を利用し，最後に</a:t>
-            </a:r>
-            <a:r>
-              <a:rPr kumimoji="1" lang="en-US" altLang="ja-JP" dirty="0" smtClean="0"/>
-              <a:t>LMS</a:t>
-            </a:r>
-            <a:r>
-              <a:rPr kumimoji="1" lang="ja-JP" altLang="en-US" dirty="0" smtClean="0"/>
-              <a:t>に表示を行います．</a:t>
-            </a:r>
             <a:endParaRPr kumimoji="1" lang="ja-JP" altLang="en-US" dirty="0"/>
           </a:p>
         </p:txBody>
@@ -4614,7 +4536,7 @@
           <a:p>
             <a:fld id="{C6AA7893-DDB2-4DB8-8B18-3ACD287193B7}" type="slidenum">
               <a:rPr kumimoji="1" lang="ja-JP" altLang="en-US" smtClean="0"/>
-              <a:t>10</a:t>
+              <a:t>12</a:t>
             </a:fld>
             <a:endParaRPr kumimoji="1" lang="ja-JP" altLang="en-US"/>
           </a:p>
@@ -4623,7 +4545,7 @@
     </p:spTree>
     <p:extLst>
       <p:ext uri="{BB962C8B-B14F-4D97-AF65-F5344CB8AC3E}">
-        <p14:creationId xmlns:p14="http://schemas.microsoft.com/office/powerpoint/2010/main" val="2801530815"/>
+        <p14:creationId xmlns:p14="http://schemas.microsoft.com/office/powerpoint/2010/main" val="564486174"/>
       </p:ext>
     </p:extLst>
   </p:cSld>
@@ -5912,7 +5834,7 @@
           <a:p>
             <a:fld id="{00DC0F73-1C73-4F15-A68E-E91E3D88CA3B}" type="datetimeFigureOut">
               <a:rPr kumimoji="1" lang="ja-JP" altLang="en-US" smtClean="0"/>
-              <a:t>2014/2/3</a:t>
+              <a:t>2014/2/4</a:t>
             </a:fld>
             <a:endParaRPr kumimoji="1" lang="ja-JP" altLang="en-US"/>
           </a:p>
@@ -6114,7 +6036,7 @@
           <a:p>
             <a:fld id="{00DC0F73-1C73-4F15-A68E-E91E3D88CA3B}" type="datetimeFigureOut">
               <a:rPr kumimoji="1" lang="ja-JP" altLang="en-US" smtClean="0"/>
-              <a:t>2014/2/3</a:t>
+              <a:t>2014/2/4</a:t>
             </a:fld>
             <a:endParaRPr kumimoji="1" lang="ja-JP" altLang="en-US"/>
           </a:p>
@@ -6360,7 +6282,7 @@
           <a:p>
             <a:fld id="{00DC0F73-1C73-4F15-A68E-E91E3D88CA3B}" type="datetimeFigureOut">
               <a:rPr kumimoji="1" lang="ja-JP" altLang="en-US" smtClean="0"/>
-              <a:t>2014/2/3</a:t>
+              <a:t>2014/2/4</a:t>
             </a:fld>
             <a:endParaRPr kumimoji="1" lang="ja-JP" altLang="en-US"/>
           </a:p>
@@ -6712,7 +6634,7 @@
           <a:p>
             <a:fld id="{00DC0F73-1C73-4F15-A68E-E91E3D88CA3B}" type="datetimeFigureOut">
               <a:rPr kumimoji="1" lang="ja-JP" altLang="en-US" smtClean="0"/>
-              <a:t>2014/2/3</a:t>
+              <a:t>2014/2/4</a:t>
             </a:fld>
             <a:endParaRPr kumimoji="1" lang="ja-JP" altLang="en-US"/>
           </a:p>
@@ -7198,7 +7120,7 @@
           <a:p>
             <a:fld id="{00DC0F73-1C73-4F15-A68E-E91E3D88CA3B}" type="datetimeFigureOut">
               <a:rPr kumimoji="1" lang="ja-JP" altLang="en-US" smtClean="0"/>
-              <a:t>2014/2/3</a:t>
+              <a:t>2014/2/4</a:t>
             </a:fld>
             <a:endParaRPr kumimoji="1" lang="ja-JP" altLang="en-US"/>
           </a:p>
@@ -7316,7 +7238,7 @@
           <a:p>
             <a:fld id="{00DC0F73-1C73-4F15-A68E-E91E3D88CA3B}" type="datetimeFigureOut">
               <a:rPr kumimoji="1" lang="ja-JP" altLang="en-US" smtClean="0"/>
-              <a:t>2014/2/3</a:t>
+              <a:t>2014/2/4</a:t>
             </a:fld>
             <a:endParaRPr kumimoji="1" lang="ja-JP" altLang="en-US"/>
           </a:p>
@@ -7411,7 +7333,7 @@
           <a:p>
             <a:fld id="{00DC0F73-1C73-4F15-A68E-E91E3D88CA3B}" type="datetimeFigureOut">
               <a:rPr kumimoji="1" lang="ja-JP" altLang="en-US" smtClean="0"/>
-              <a:t>2014/2/3</a:t>
+              <a:t>2014/2/4</a:t>
             </a:fld>
             <a:endParaRPr kumimoji="1" lang="ja-JP" altLang="en-US"/>
           </a:p>
@@ -7720,7 +7642,7 @@
           <a:p>
             <a:fld id="{00DC0F73-1C73-4F15-A68E-E91E3D88CA3B}" type="datetimeFigureOut">
               <a:rPr kumimoji="1" lang="ja-JP" altLang="en-US" smtClean="0"/>
-              <a:t>2014/2/3</a:t>
+              <a:t>2014/2/4</a:t>
             </a:fld>
             <a:endParaRPr kumimoji="1" lang="ja-JP" altLang="en-US"/>
           </a:p>
@@ -8184,7 +8106,7 @@
           <a:p>
             <a:fld id="{00DC0F73-1C73-4F15-A68E-E91E3D88CA3B}" type="datetimeFigureOut">
               <a:rPr kumimoji="1" lang="ja-JP" altLang="en-US" smtClean="0"/>
-              <a:t>2014/2/3</a:t>
+              <a:t>2014/2/4</a:t>
             </a:fld>
             <a:endParaRPr kumimoji="1" lang="ja-JP" altLang="en-US"/>
           </a:p>
@@ -8386,7 +8308,7 @@
           <a:p>
             <a:fld id="{00DC0F73-1C73-4F15-A68E-E91E3D88CA3B}" type="datetimeFigureOut">
               <a:rPr kumimoji="1" lang="ja-JP" altLang="en-US" smtClean="0"/>
-              <a:t>2014/2/3</a:t>
+              <a:t>2014/2/4</a:t>
             </a:fld>
             <a:endParaRPr kumimoji="1" lang="ja-JP" altLang="en-US"/>
           </a:p>
@@ -8598,7 +8520,7 @@
           <a:p>
             <a:fld id="{00DC0F73-1C73-4F15-A68E-E91E3D88CA3B}" type="datetimeFigureOut">
               <a:rPr kumimoji="1" lang="ja-JP" altLang="en-US" smtClean="0"/>
-              <a:t>2014/2/3</a:t>
+              <a:t>2014/2/4</a:t>
             </a:fld>
             <a:endParaRPr kumimoji="1" lang="ja-JP" altLang="en-US"/>
           </a:p>
@@ -12082,7 +12004,7 @@
           <a:p>
             <a:fld id="{00DC0F73-1C73-4F15-A68E-E91E3D88CA3B}" type="datetimeFigureOut">
               <a:rPr kumimoji="1" lang="ja-JP" altLang="en-US" smtClean="0"/>
-              <a:t>2014/2/3</a:t>
+              <a:t>2014/2/4</a:t>
             </a:fld>
             <a:endParaRPr kumimoji="1" lang="ja-JP" altLang="en-US"/>
           </a:p>
@@ -12583,7 +12505,7 @@
           <a:p>
             <a:r>
               <a:rPr kumimoji="1" lang="ja-JP" altLang="en-US" dirty="0" smtClean="0"/>
-              <a:t>方法</a:t>
+              <a:t>目的</a:t>
             </a:r>
             <a:endParaRPr kumimoji="1" lang="ja-JP" altLang="en-US" dirty="0"/>
           </a:p>
@@ -12608,6 +12530,379 @@
               <a:rPr lang="en-US" altLang="ja-JP" smtClean="0"/>
               <a:pPr/>
               <a:t>10</a:t>
+            </a:fld>
+            <a:endParaRPr lang="en-US" altLang="ja-JP"/>
+          </a:p>
+        </p:txBody>
+      </p:sp>
+      <p:sp>
+        <p:nvSpPr>
+          <p:cNvPr id="5" name="角丸四角形 4"/>
+          <p:cNvSpPr/>
+          <p:nvPr/>
+        </p:nvSpPr>
+        <p:spPr>
+          <a:xfrm>
+            <a:off x="538860" y="1700808"/>
+            <a:ext cx="2664296" cy="2880320"/>
+          </a:xfrm>
+          <a:prstGeom prst="roundRect">
+            <a:avLst/>
+          </a:prstGeom>
+        </p:spPr>
+        <p:style>
+          <a:lnRef idx="2">
+            <a:schemeClr val="accent6"/>
+          </a:lnRef>
+          <a:fillRef idx="1">
+            <a:schemeClr val="lt1"/>
+          </a:fillRef>
+          <a:effectRef idx="0">
+            <a:schemeClr val="accent6"/>
+          </a:effectRef>
+          <a:fontRef idx="minor">
+            <a:schemeClr val="dk1"/>
+          </a:fontRef>
+        </p:style>
+        <p:txBody>
+          <a:bodyPr rtlCol="0" anchor="t"/>
+          <a:lstStyle/>
+          <a:p>
+            <a:pPr algn="ctr"/>
+            <a:r>
+              <a:rPr kumimoji="1" lang="en-US" altLang="ja-JP" dirty="0" smtClean="0"/>
+              <a:t>LMS</a:t>
+            </a:r>
+            <a:r>
+              <a:rPr kumimoji="1" lang="ja-JP" altLang="en-US" dirty="0" smtClean="0"/>
+              <a:t>システム</a:t>
+            </a:r>
+            <a:endParaRPr kumimoji="1" lang="ja-JP" altLang="en-US" dirty="0"/>
+          </a:p>
+        </p:txBody>
+      </p:sp>
+      <p:pic>
+        <p:nvPicPr>
+          <p:cNvPr id="7" name="図 6"/>
+          <p:cNvPicPr>
+            <a:picLocks noChangeAspect="1"/>
+          </p:cNvPicPr>
+          <p:nvPr/>
+        </p:nvPicPr>
+        <p:blipFill>
+          <a:blip r:embed="rId3">
+            <a:extLst>
+              <a:ext uri="{28A0092B-C50C-407E-A947-70E740481C1C}">
+                <a14:useLocalDpi xmlns:a14="http://schemas.microsoft.com/office/drawing/2010/main" val="0"/>
+              </a:ext>
+            </a:extLst>
+          </a:blip>
+          <a:stretch>
+            <a:fillRect/>
+          </a:stretch>
+        </p:blipFill>
+        <p:spPr>
+          <a:xfrm>
+            <a:off x="845798" y="2760538"/>
+            <a:ext cx="2050420" cy="985267"/>
+          </a:xfrm>
+          <a:prstGeom prst="rect">
+            <a:avLst/>
+          </a:prstGeom>
+        </p:spPr>
+      </p:pic>
+      <p:pic>
+        <p:nvPicPr>
+          <p:cNvPr id="9" name="図 8"/>
+          <p:cNvPicPr>
+            <a:picLocks noChangeAspect="1"/>
+          </p:cNvPicPr>
+          <p:nvPr/>
+        </p:nvPicPr>
+        <p:blipFill>
+          <a:blip r:embed="rId4">
+            <a:extLst>
+              <a:ext uri="{28A0092B-C50C-407E-A947-70E740481C1C}">
+                <a14:useLocalDpi xmlns:a14="http://schemas.microsoft.com/office/drawing/2010/main" val="0"/>
+              </a:ext>
+            </a:extLst>
+          </a:blip>
+          <a:stretch>
+            <a:fillRect/>
+          </a:stretch>
+        </p:blipFill>
+        <p:spPr>
+          <a:xfrm>
+            <a:off x="5962612" y="2269430"/>
+            <a:ext cx="2619375" cy="1743075"/>
+          </a:xfrm>
+          <a:prstGeom prst="rect">
+            <a:avLst/>
+          </a:prstGeom>
+        </p:spPr>
+      </p:pic>
+      <p:sp>
+        <p:nvSpPr>
+          <p:cNvPr id="8" name="角丸四角形 7"/>
+          <p:cNvSpPr/>
+          <p:nvPr/>
+        </p:nvSpPr>
+        <p:spPr>
+          <a:xfrm>
+            <a:off x="5940152" y="1700808"/>
+            <a:ext cx="2664296" cy="2880320"/>
+          </a:xfrm>
+          <a:prstGeom prst="roundRect">
+            <a:avLst/>
+          </a:prstGeom>
+          <a:noFill/>
+        </p:spPr>
+        <p:style>
+          <a:lnRef idx="2">
+            <a:schemeClr val="accent6"/>
+          </a:lnRef>
+          <a:fillRef idx="1">
+            <a:schemeClr val="lt1"/>
+          </a:fillRef>
+          <a:effectRef idx="0">
+            <a:schemeClr val="accent6"/>
+          </a:effectRef>
+          <a:fontRef idx="minor">
+            <a:schemeClr val="dk1"/>
+          </a:fontRef>
+        </p:style>
+        <p:txBody>
+          <a:bodyPr rtlCol="0" anchor="t"/>
+          <a:lstStyle/>
+          <a:p>
+            <a:pPr algn="ctr"/>
+            <a:r>
+              <a:rPr kumimoji="1" lang="ja-JP" altLang="en-US" dirty="0" smtClean="0"/>
+              <a:t>外部サービス</a:t>
+            </a:r>
+            <a:endParaRPr kumimoji="1" lang="ja-JP" altLang="en-US" dirty="0"/>
+          </a:p>
+        </p:txBody>
+      </p:sp>
+      <p:sp>
+        <p:nvSpPr>
+          <p:cNvPr id="19" name="左矢印 18"/>
+          <p:cNvSpPr/>
+          <p:nvPr/>
+        </p:nvSpPr>
+        <p:spPr>
+          <a:xfrm>
+            <a:off x="3552447" y="3001144"/>
+            <a:ext cx="1975051" cy="504056"/>
+          </a:xfrm>
+          <a:prstGeom prst="leftArrow">
+            <a:avLst/>
+          </a:prstGeom>
+        </p:spPr>
+        <p:style>
+          <a:lnRef idx="2">
+            <a:schemeClr val="accent1">
+              <a:shade val="50000"/>
+            </a:schemeClr>
+          </a:lnRef>
+          <a:fillRef idx="1">
+            <a:schemeClr val="accent1"/>
+          </a:fillRef>
+          <a:effectRef idx="0">
+            <a:schemeClr val="accent1"/>
+          </a:effectRef>
+          <a:fontRef idx="minor">
+            <a:schemeClr val="lt1"/>
+          </a:fontRef>
+        </p:style>
+        <p:txBody>
+          <a:bodyPr rtlCol="0" anchor="ctr"/>
+          <a:lstStyle/>
+          <a:p>
+            <a:pPr algn="ctr"/>
+            <a:endParaRPr kumimoji="1" lang="ja-JP" altLang="en-US" dirty="0"/>
+          </a:p>
+        </p:txBody>
+      </p:sp>
+      <p:pic>
+        <p:nvPicPr>
+          <p:cNvPr id="20" name="図 19"/>
+          <p:cNvPicPr>
+            <a:picLocks noChangeAspect="1"/>
+          </p:cNvPicPr>
+          <p:nvPr/>
+        </p:nvPicPr>
+        <p:blipFill>
+          <a:blip r:embed="rId5" cstate="print">
+            <a:extLst>
+              <a:ext uri="{28A0092B-C50C-407E-A947-70E740481C1C}">
+                <a14:useLocalDpi xmlns:a14="http://schemas.microsoft.com/office/drawing/2010/main" val="0"/>
+              </a:ext>
+            </a:extLst>
+          </a:blip>
+          <a:stretch>
+            <a:fillRect/>
+          </a:stretch>
+        </p:blipFill>
+        <p:spPr>
+          <a:xfrm>
+            <a:off x="3225252" y="4934276"/>
+            <a:ext cx="1884284" cy="1884284"/>
+          </a:xfrm>
+          <a:prstGeom prst="rect">
+            <a:avLst/>
+          </a:prstGeom>
+        </p:spPr>
+      </p:pic>
+      <p:sp>
+        <p:nvSpPr>
+          <p:cNvPr id="17" name="左右矢印 16"/>
+          <p:cNvSpPr/>
+          <p:nvPr/>
+        </p:nvSpPr>
+        <p:spPr>
+          <a:xfrm rot="19568521">
+            <a:off x="5032597" y="4654832"/>
+            <a:ext cx="1012684" cy="360040"/>
+          </a:xfrm>
+          <a:prstGeom prst="leftRightArrow">
+            <a:avLst/>
+          </a:prstGeom>
+        </p:spPr>
+        <p:style>
+          <a:lnRef idx="2">
+            <a:schemeClr val="accent1">
+              <a:shade val="50000"/>
+            </a:schemeClr>
+          </a:lnRef>
+          <a:fillRef idx="1">
+            <a:schemeClr val="accent1"/>
+          </a:fillRef>
+          <a:effectRef idx="0">
+            <a:schemeClr val="accent1"/>
+          </a:effectRef>
+          <a:fontRef idx="minor">
+            <a:schemeClr val="lt1"/>
+          </a:fontRef>
+        </p:style>
+        <p:txBody>
+          <a:bodyPr rtlCol="0" anchor="ctr"/>
+          <a:lstStyle/>
+          <a:p>
+            <a:pPr algn="ctr"/>
+            <a:endParaRPr kumimoji="1" lang="ja-JP" altLang="en-US"/>
+          </a:p>
+        </p:txBody>
+      </p:sp>
+      <p:sp>
+        <p:nvSpPr>
+          <p:cNvPr id="21" name="テキスト ボックス 20"/>
+          <p:cNvSpPr txBox="1"/>
+          <p:nvPr/>
+        </p:nvSpPr>
+        <p:spPr>
+          <a:xfrm>
+            <a:off x="4045550" y="2680608"/>
+            <a:ext cx="1063112" cy="369332"/>
+          </a:xfrm>
+          <a:prstGeom prst="rect">
+            <a:avLst/>
+          </a:prstGeom>
+          <a:noFill/>
+        </p:spPr>
+        <p:txBody>
+          <a:bodyPr wrap="none" rtlCol="0">
+            <a:spAutoFit/>
+          </a:bodyPr>
+          <a:lstStyle/>
+          <a:p>
+            <a:r>
+              <a:rPr kumimoji="1" lang="ja-JP" altLang="en-US" dirty="0" smtClean="0"/>
+              <a:t>ログ表示</a:t>
+            </a:r>
+            <a:endParaRPr kumimoji="1" lang="ja-JP" altLang="en-US" dirty="0"/>
+          </a:p>
+        </p:txBody>
+      </p:sp>
+    </p:spTree>
+    <p:extLst>
+      <p:ext uri="{BB962C8B-B14F-4D97-AF65-F5344CB8AC3E}">
+        <p14:creationId xmlns:p14="http://schemas.microsoft.com/office/powerpoint/2010/main" val="2279212566"/>
+      </p:ext>
+    </p:extLst>
+  </p:cSld>
+  <p:clrMapOvr>
+    <a:masterClrMapping/>
+  </p:clrMapOvr>
+  <p:timing>
+    <p:tnLst>
+      <p:par>
+        <p:cTn id="1" dur="indefinite" restart="never" nodeType="tmRoot"/>
+      </p:par>
+    </p:tnLst>
+  </p:timing>
+</p:sld>
+</file>
+
+<file path=ppt/slides/slide11.xml><?xml version="1.0" encoding="utf-8"?>
+<p:sld xmlns:a="http://schemas.openxmlformats.org/drawingml/2006/main" xmlns:r="http://schemas.openxmlformats.org/officeDocument/2006/relationships" xmlns:p="http://schemas.openxmlformats.org/presentationml/2006/main">
+  <p:cSld>
+    <p:spTree>
+      <p:nvGrpSpPr>
+        <p:cNvPr id="1" name=""/>
+        <p:cNvGrpSpPr/>
+        <p:nvPr/>
+      </p:nvGrpSpPr>
+      <p:grpSpPr>
+        <a:xfrm>
+          <a:off x="0" y="0"/>
+          <a:ext cx="0" cy="0"/>
+          <a:chOff x="0" y="0"/>
+          <a:chExt cx="0" cy="0"/>
+        </a:xfrm>
+      </p:grpSpPr>
+      <p:sp>
+        <p:nvSpPr>
+          <p:cNvPr id="2" name="タイトル 1"/>
+          <p:cNvSpPr>
+            <a:spLocks noGrp="1"/>
+          </p:cNvSpPr>
+          <p:nvPr>
+            <p:ph type="title"/>
+          </p:nvPr>
+        </p:nvSpPr>
+        <p:spPr/>
+        <p:txBody>
+          <a:bodyPr/>
+          <a:lstStyle/>
+          <a:p>
+            <a:r>
+              <a:rPr kumimoji="1" lang="ja-JP" altLang="en-US" dirty="0" smtClean="0"/>
+              <a:t>方法</a:t>
+            </a:r>
+            <a:endParaRPr kumimoji="1" lang="ja-JP" altLang="en-US" dirty="0"/>
+          </a:p>
+        </p:txBody>
+      </p:sp>
+      <p:sp>
+        <p:nvSpPr>
+          <p:cNvPr id="4" name="スライド番号プレースホルダー 3"/>
+          <p:cNvSpPr>
+            <a:spLocks noGrp="1"/>
+          </p:cNvSpPr>
+          <p:nvPr>
+            <p:ph type="sldNum" sz="quarter" idx="12"/>
+          </p:nvPr>
+        </p:nvSpPr>
+        <p:spPr/>
+        <p:txBody>
+          <a:bodyPr/>
+          <a:lstStyle/>
+          <a:p>
+            <a:fld id="{03EB2D0A-B747-4CE5-865B-E5367722D1F0}" type="slidenum">
+              <a:rPr lang="en-US" altLang="ja-JP" smtClean="0"/>
+              <a:pPr/>
+              <a:t>11</a:t>
             </a:fld>
             <a:endParaRPr lang="en-US" altLang="ja-JP"/>
           </a:p>
@@ -13026,7 +13321,7 @@
 </p:sld>
 </file>
 
-<file path=ppt/slides/slide11.xml><?xml version="1.0" encoding="utf-8"?>
+<file path=ppt/slides/slide12.xml><?xml version="1.0" encoding="utf-8"?>
 <p:sld xmlns:a="http://schemas.openxmlformats.org/drawingml/2006/main" xmlns:r="http://schemas.openxmlformats.org/officeDocument/2006/relationships" xmlns:p="http://schemas.openxmlformats.org/presentationml/2006/main">
   <p:cSld>
     <p:spTree>
@@ -13119,7 +13414,7 @@
             <a:fld id="{03EB2D0A-B747-4CE5-865B-E5367722D1F0}" type="slidenum">
               <a:rPr lang="en-US" altLang="ja-JP" smtClean="0"/>
               <a:pPr/>
-              <a:t>11</a:t>
+              <a:t>12</a:t>
             </a:fld>
             <a:endParaRPr lang="en-US" altLang="ja-JP"/>
           </a:p>
@@ -13175,7 +13470,7 @@
 </p:sld>
 </file>
 
-<file path=ppt/slides/slide12.xml><?xml version="1.0" encoding="utf-8"?>
+<file path=ppt/slides/slide13.xml><?xml version="1.0" encoding="utf-8"?>
 <p:sld xmlns:a="http://schemas.openxmlformats.org/drawingml/2006/main" xmlns:r="http://schemas.openxmlformats.org/officeDocument/2006/relationships" xmlns:p="http://schemas.openxmlformats.org/presentationml/2006/main">
   <p:cSld>
     <p:spTree>
@@ -13295,7 +13590,7 @@
             <a:fld id="{03EB2D0A-B747-4CE5-865B-E5367722D1F0}" type="slidenum">
               <a:rPr lang="en-US" altLang="ja-JP" smtClean="0"/>
               <a:pPr/>
-              <a:t>12</a:t>
+              <a:t>13</a:t>
             </a:fld>
             <a:endParaRPr lang="en-US" altLang="ja-JP"/>
           </a:p>
@@ -14269,7 +14564,7 @@
 </p:sld>
 </file>
 
-<file path=ppt/slides/slide13.xml><?xml version="1.0" encoding="utf-8"?>
+<file path=ppt/slides/slide14.xml><?xml version="1.0" encoding="utf-8"?>
 <p:sld xmlns:a="http://schemas.openxmlformats.org/drawingml/2006/main" xmlns:r="http://schemas.openxmlformats.org/officeDocument/2006/relationships" xmlns:p="http://schemas.openxmlformats.org/presentationml/2006/main">
   <p:cSld>
     <p:spTree>
@@ -14311,65 +14606,6 @@
       </p:sp>
       <p:sp>
         <p:nvSpPr>
-          <p:cNvPr id="3" name="コンテンツ プレースホルダー 2"/>
-          <p:cNvSpPr>
-            <a:spLocks noGrp="1"/>
-          </p:cNvSpPr>
-          <p:nvPr>
-            <p:ph idx="1"/>
-          </p:nvPr>
-        </p:nvSpPr>
-        <p:spPr/>
-        <p:txBody>
-          <a:bodyPr/>
-          <a:lstStyle/>
-          <a:p>
-            <a:r>
-              <a:rPr kumimoji="1" lang="en-US" altLang="ja-JP" sz="2800" dirty="0" smtClean="0"/>
-              <a:t>Moodle</a:t>
-            </a:r>
-            <a:r>
-              <a:rPr lang="ja-JP" altLang="en-US" sz="2800" dirty="0" smtClean="0"/>
-              <a:t>にあるレポート機能を利用する</a:t>
-            </a:r>
-            <a:endParaRPr lang="en-US" altLang="ja-JP" dirty="0"/>
-          </a:p>
-          <a:p>
-            <a:endParaRPr lang="en-US" altLang="ja-JP" sz="2800" dirty="0"/>
-          </a:p>
-          <a:p>
-            <a:r>
-              <a:rPr lang="en-US" altLang="ja-JP" sz="2800" dirty="0" smtClean="0"/>
-              <a:t>Moodle</a:t>
-            </a:r>
-            <a:r>
-              <a:rPr lang="ja-JP" altLang="en-US" sz="2800" dirty="0" smtClean="0"/>
-              <a:t>のシステム（</a:t>
-            </a:r>
-            <a:r>
-              <a:rPr lang="en-US" altLang="ja-JP" sz="2800" dirty="0" smtClean="0"/>
-              <a:t>report/log/</a:t>
-            </a:r>
-            <a:r>
-              <a:rPr lang="en-US" altLang="ja-JP" sz="2800" dirty="0" err="1" smtClean="0"/>
-              <a:t>user.php</a:t>
-            </a:r>
-            <a:r>
-              <a:rPr lang="ja-JP" altLang="en-US" sz="2800" dirty="0" smtClean="0"/>
-              <a:t>）の中にプログラムを書き加えることで，レポートに表示した．</a:t>
-            </a:r>
-            <a:endParaRPr lang="en-US" altLang="ja-JP" sz="2800" dirty="0" smtClean="0"/>
-          </a:p>
-          <a:p>
-            <a:endParaRPr lang="en-US" altLang="ja-JP" sz="2800" dirty="0"/>
-          </a:p>
-          <a:p>
-            <a:endParaRPr lang="en-US" altLang="ja-JP" sz="2800" dirty="0" smtClean="0"/>
-          </a:p>
-        </p:txBody>
-      </p:sp>
-      <p:sp>
-        <p:nvSpPr>
           <p:cNvPr id="4" name="スライド番号プレースホルダー 3"/>
           <p:cNvSpPr>
             <a:spLocks noGrp="1"/>
@@ -14386,9 +14622,291 @@
             <a:fld id="{03EB2D0A-B747-4CE5-865B-E5367722D1F0}" type="slidenum">
               <a:rPr lang="en-US" altLang="ja-JP" smtClean="0"/>
               <a:pPr/>
-              <a:t>13</a:t>
+              <a:t>14</a:t>
             </a:fld>
             <a:endParaRPr lang="en-US" altLang="ja-JP"/>
+          </a:p>
+        </p:txBody>
+      </p:sp>
+      <p:sp>
+        <p:nvSpPr>
+          <p:cNvPr id="10" name="角丸四角形 9"/>
+          <p:cNvSpPr/>
+          <p:nvPr/>
+        </p:nvSpPr>
+        <p:spPr>
+          <a:xfrm>
+            <a:off x="539552" y="1772816"/>
+            <a:ext cx="3456384" cy="4104456"/>
+          </a:xfrm>
+          <a:prstGeom prst="roundRect">
+            <a:avLst/>
+          </a:prstGeom>
+        </p:spPr>
+        <p:style>
+          <a:lnRef idx="2">
+            <a:schemeClr val="accent6"/>
+          </a:lnRef>
+          <a:fillRef idx="1">
+            <a:schemeClr val="lt1"/>
+          </a:fillRef>
+          <a:effectRef idx="0">
+            <a:schemeClr val="accent6"/>
+          </a:effectRef>
+          <a:fontRef idx="minor">
+            <a:schemeClr val="dk1"/>
+          </a:fontRef>
+        </p:style>
+        <p:txBody>
+          <a:bodyPr rtlCol="0" anchor="t"/>
+          <a:lstStyle/>
+          <a:p>
+            <a:pPr algn="ctr"/>
+            <a:r>
+              <a:rPr kumimoji="1" lang="en-US" altLang="ja-JP" dirty="0" smtClean="0"/>
+              <a:t>Moodle</a:t>
+            </a:r>
+            <a:endParaRPr kumimoji="1" lang="ja-JP" altLang="en-US" dirty="0"/>
+          </a:p>
+        </p:txBody>
+      </p:sp>
+      <p:sp>
+        <p:nvSpPr>
+          <p:cNvPr id="12" name="正方形/長方形 11"/>
+          <p:cNvSpPr/>
+          <p:nvPr/>
+        </p:nvSpPr>
+        <p:spPr>
+          <a:xfrm>
+            <a:off x="1007604" y="2690918"/>
+            <a:ext cx="2520280" cy="2268252"/>
+          </a:xfrm>
+          <a:prstGeom prst="rect">
+            <a:avLst/>
+          </a:prstGeom>
+        </p:spPr>
+        <p:style>
+          <a:lnRef idx="2">
+            <a:schemeClr val="accent5"/>
+          </a:lnRef>
+          <a:fillRef idx="1">
+            <a:schemeClr val="lt1"/>
+          </a:fillRef>
+          <a:effectRef idx="0">
+            <a:schemeClr val="accent5"/>
+          </a:effectRef>
+          <a:fontRef idx="minor">
+            <a:schemeClr val="dk1"/>
+          </a:fontRef>
+        </p:style>
+        <p:txBody>
+          <a:bodyPr rtlCol="0" anchor="ctr"/>
+          <a:lstStyle/>
+          <a:p>
+            <a:pPr algn="ctr"/>
+            <a:r>
+              <a:rPr kumimoji="1" lang="ja-JP" altLang="en-US" dirty="0" smtClean="0"/>
+              <a:t>学習者の行動</a:t>
+            </a:r>
+            <a:endParaRPr kumimoji="1" lang="ja-JP" altLang="en-US" dirty="0"/>
+          </a:p>
+        </p:txBody>
+      </p:sp>
+      <p:sp>
+        <p:nvSpPr>
+          <p:cNvPr id="13" name="右矢印 12"/>
+          <p:cNvSpPr/>
+          <p:nvPr/>
+        </p:nvSpPr>
+        <p:spPr>
+          <a:xfrm>
+            <a:off x="4211960" y="3530306"/>
+            <a:ext cx="936104" cy="576064"/>
+          </a:xfrm>
+          <a:prstGeom prst="rightArrow">
+            <a:avLst/>
+          </a:prstGeom>
+          <a:solidFill>
+            <a:srgbClr val="FF7C80"/>
+          </a:solidFill>
+          <a:ln>
+            <a:solidFill>
+              <a:srgbClr val="FF7C80"/>
+            </a:solidFill>
+          </a:ln>
+        </p:spPr>
+        <p:style>
+          <a:lnRef idx="2">
+            <a:schemeClr val="accent1">
+              <a:shade val="50000"/>
+            </a:schemeClr>
+          </a:lnRef>
+          <a:fillRef idx="1">
+            <a:schemeClr val="accent1"/>
+          </a:fillRef>
+          <a:effectRef idx="0">
+            <a:schemeClr val="accent1"/>
+          </a:effectRef>
+          <a:fontRef idx="minor">
+            <a:schemeClr val="lt1"/>
+          </a:fontRef>
+        </p:style>
+        <p:txBody>
+          <a:bodyPr rtlCol="0" anchor="ctr"/>
+          <a:lstStyle/>
+          <a:p>
+            <a:pPr algn="ctr"/>
+            <a:endParaRPr kumimoji="1" lang="ja-JP" altLang="en-US"/>
+          </a:p>
+        </p:txBody>
+      </p:sp>
+      <p:sp>
+        <p:nvSpPr>
+          <p:cNvPr id="14" name="角丸四角形 13"/>
+          <p:cNvSpPr/>
+          <p:nvPr/>
+        </p:nvSpPr>
+        <p:spPr>
+          <a:xfrm>
+            <a:off x="5364088" y="1772816"/>
+            <a:ext cx="3456384" cy="4104456"/>
+          </a:xfrm>
+          <a:prstGeom prst="roundRect">
+            <a:avLst/>
+          </a:prstGeom>
+        </p:spPr>
+        <p:style>
+          <a:lnRef idx="2">
+            <a:schemeClr val="accent6"/>
+          </a:lnRef>
+          <a:fillRef idx="1">
+            <a:schemeClr val="lt1"/>
+          </a:fillRef>
+          <a:effectRef idx="0">
+            <a:schemeClr val="accent6"/>
+          </a:effectRef>
+          <a:fontRef idx="minor">
+            <a:schemeClr val="dk1"/>
+          </a:fontRef>
+        </p:style>
+        <p:txBody>
+          <a:bodyPr rtlCol="0" anchor="t"/>
+          <a:lstStyle/>
+          <a:p>
+            <a:pPr algn="ctr"/>
+            <a:r>
+              <a:rPr kumimoji="1" lang="en-US" altLang="ja-JP" dirty="0" smtClean="0"/>
+              <a:t>Moodle</a:t>
+            </a:r>
+            <a:endParaRPr kumimoji="1" lang="ja-JP" altLang="en-US" dirty="0"/>
+          </a:p>
+        </p:txBody>
+      </p:sp>
+      <p:sp>
+        <p:nvSpPr>
+          <p:cNvPr id="16" name="正方形/長方形 15"/>
+          <p:cNvSpPr/>
+          <p:nvPr/>
+        </p:nvSpPr>
+        <p:spPr>
+          <a:xfrm>
+            <a:off x="5832140" y="2492896"/>
+            <a:ext cx="2520280" cy="1422158"/>
+          </a:xfrm>
+          <a:prstGeom prst="rect">
+            <a:avLst/>
+          </a:prstGeom>
+        </p:spPr>
+        <p:style>
+          <a:lnRef idx="2">
+            <a:schemeClr val="accent1"/>
+          </a:lnRef>
+          <a:fillRef idx="1">
+            <a:schemeClr val="lt1"/>
+          </a:fillRef>
+          <a:effectRef idx="0">
+            <a:schemeClr val="accent1"/>
+          </a:effectRef>
+          <a:fontRef idx="minor">
+            <a:schemeClr val="dk1"/>
+          </a:fontRef>
+        </p:style>
+        <p:txBody>
+          <a:bodyPr rtlCol="0" anchor="ctr"/>
+          <a:lstStyle/>
+          <a:p>
+            <a:pPr algn="ctr"/>
+            <a:r>
+              <a:rPr kumimoji="1" lang="en-US" altLang="ja-JP" dirty="0" smtClean="0"/>
+              <a:t>GitHub</a:t>
+            </a:r>
+            <a:r>
+              <a:rPr kumimoji="1" lang="ja-JP" altLang="en-US" dirty="0" smtClean="0"/>
+              <a:t>上の</a:t>
+            </a:r>
+            <a:endParaRPr kumimoji="1" lang="en-US" altLang="ja-JP" dirty="0" smtClean="0"/>
+          </a:p>
+          <a:p>
+            <a:pPr algn="ctr"/>
+            <a:r>
+              <a:rPr kumimoji="1" lang="ja-JP" altLang="en-US" dirty="0" smtClean="0"/>
+              <a:t>学習者の行動</a:t>
+            </a:r>
+            <a:endParaRPr kumimoji="1" lang="ja-JP" altLang="en-US" dirty="0"/>
+          </a:p>
+        </p:txBody>
+      </p:sp>
+      <p:sp>
+        <p:nvSpPr>
+          <p:cNvPr id="17" name="正方形/長方形 16"/>
+          <p:cNvSpPr/>
+          <p:nvPr/>
+        </p:nvSpPr>
+        <p:spPr>
+          <a:xfrm>
+            <a:off x="5832140" y="4113076"/>
+            <a:ext cx="2520280" cy="1422158"/>
+          </a:xfrm>
+          <a:prstGeom prst="rect">
+            <a:avLst/>
+          </a:prstGeom>
+        </p:spPr>
+        <p:style>
+          <a:lnRef idx="2">
+            <a:schemeClr val="accent5"/>
+          </a:lnRef>
+          <a:fillRef idx="1">
+            <a:schemeClr val="lt1"/>
+          </a:fillRef>
+          <a:effectRef idx="0">
+            <a:schemeClr val="accent5"/>
+          </a:effectRef>
+          <a:fontRef idx="minor">
+            <a:schemeClr val="dk1"/>
+          </a:fontRef>
+        </p:style>
+        <p:txBody>
+          <a:bodyPr rtlCol="0" anchor="ctr"/>
+          <a:lstStyle/>
+          <a:p>
+            <a:pPr algn="ctr"/>
+            <a:r>
+              <a:rPr lang="en-US" altLang="ja-JP" dirty="0"/>
+              <a:t>Moodle</a:t>
+            </a:r>
+            <a:r>
+              <a:rPr kumimoji="1" lang="ja-JP" altLang="en-US" dirty="0" smtClean="0"/>
+              <a:t>上の</a:t>
+            </a:r>
+            <a:endParaRPr kumimoji="1" lang="en-US" altLang="ja-JP" dirty="0" smtClean="0"/>
+          </a:p>
+          <a:p>
+            <a:pPr algn="ctr"/>
+            <a:r>
+              <a:rPr kumimoji="1" lang="ja-JP" altLang="en-US" dirty="0" smtClean="0"/>
+              <a:t>学習者の行動</a:t>
+            </a:r>
+            <a:endParaRPr kumimoji="1" lang="ja-JP" altLang="en-US" dirty="0"/>
           </a:p>
         </p:txBody>
       </p:sp>
@@ -14412,7 +14930,7 @@
 </p:sld>
 </file>
 
-<file path=ppt/slides/slide14.xml><?xml version="1.0" encoding="utf-8"?>
+<file path=ppt/slides/slide15.xml><?xml version="1.0" encoding="utf-8"?>
 <p:sld xmlns:a="http://schemas.openxmlformats.org/drawingml/2006/main" xmlns:r="http://schemas.openxmlformats.org/officeDocument/2006/relationships" xmlns:p="http://schemas.openxmlformats.org/presentationml/2006/main">
   <p:cSld>
     <p:spTree>
@@ -14470,7 +14988,7 @@
             <a:fld id="{03EB2D0A-B747-4CE5-865B-E5367722D1F0}" type="slidenum">
               <a:rPr lang="en-US" altLang="ja-JP" smtClean="0"/>
               <a:pPr/>
-              <a:t>14</a:t>
+              <a:t>15</a:t>
             </a:fld>
             <a:endParaRPr lang="en-US" altLang="ja-JP"/>
           </a:p>
@@ -14664,7 +15182,7 @@
 </p:sld>
 </file>
 
-<file path=ppt/slides/slide15.xml><?xml version="1.0" encoding="utf-8"?>
+<file path=ppt/slides/slide16.xml><?xml version="1.0" encoding="utf-8"?>
 <p:sld xmlns:a="http://schemas.openxmlformats.org/drawingml/2006/main" xmlns:r="http://schemas.openxmlformats.org/officeDocument/2006/relationships" xmlns:p="http://schemas.openxmlformats.org/presentationml/2006/main">
   <p:cSld>
     <p:spTree>
@@ -14697,8 +15215,8 @@
           <a:lstStyle/>
           <a:p>
             <a:r>
-              <a:rPr kumimoji="1" lang="ja-JP" altLang="en-US" dirty="0" smtClean="0"/>
-              <a:t>結論</a:t>
+              <a:rPr lang="ja-JP" altLang="en-US" dirty="0"/>
+              <a:t>展望</a:t>
             </a:r>
             <a:endParaRPr kumimoji="1" lang="ja-JP" altLang="en-US" dirty="0"/>
           </a:p>
@@ -14720,22 +15238,22 @@
           <a:lstStyle/>
           <a:p>
             <a:r>
-              <a:rPr lang="ja-JP" altLang="en-US" dirty="0"/>
+              <a:rPr lang="ja-JP" altLang="en-US" sz="2800" dirty="0"/>
               <a:t>本手法を応用すれば，教育の現場に</a:t>
             </a:r>
             <a:r>
-              <a:rPr lang="en-US" altLang="ja-JP" dirty="0"/>
+              <a:rPr lang="en-US" altLang="ja-JP" sz="2800" dirty="0"/>
               <a:t>GitHub</a:t>
             </a:r>
             <a:r>
-              <a:rPr lang="ja-JP" altLang="en-US" dirty="0"/>
+              <a:rPr lang="ja-JP" altLang="en-US" sz="2800" dirty="0"/>
               <a:t>以外のサービスを導入しても，学習者の学習状況を，教師は詳細に把握できるように</a:t>
             </a:r>
             <a:r>
-              <a:rPr lang="ja-JP" altLang="en-US" dirty="0" smtClean="0"/>
+              <a:rPr lang="ja-JP" altLang="en-US" sz="2800" dirty="0" smtClean="0"/>
               <a:t>なると考えられる．</a:t>
             </a:r>
-            <a:endParaRPr kumimoji="1" lang="ja-JP" altLang="en-US" dirty="0"/>
+            <a:endParaRPr kumimoji="1" lang="ja-JP" altLang="en-US" sz="2800" dirty="0"/>
           </a:p>
         </p:txBody>
       </p:sp>
@@ -14757,7 +15275,7 @@
             <a:fld id="{03EB2D0A-B747-4CE5-865B-E5367722D1F0}" type="slidenum">
               <a:rPr lang="en-US" altLang="ja-JP" smtClean="0"/>
               <a:pPr/>
-              <a:t>15</a:t>
+              <a:t>16</a:t>
             </a:fld>
             <a:endParaRPr lang="en-US" altLang="ja-JP"/>
           </a:p>
@@ -14771,7 +15289,7 @@
         </p:nvSpPr>
         <p:spPr>
           <a:xfrm>
-            <a:off x="827582" y="3851332"/>
+            <a:off x="935308" y="3522186"/>
             <a:ext cx="2160241" cy="2478772"/>
           </a:xfrm>
           <a:prstGeom prst="roundRect">
@@ -14817,7 +15335,7 @@
         </p:nvSpPr>
         <p:spPr>
           <a:xfrm>
-            <a:off x="3203848" y="4808149"/>
+            <a:off x="3226336" y="4509120"/>
             <a:ext cx="1944216" cy="504056"/>
           </a:xfrm>
           <a:prstGeom prst="leftRightArrow">
@@ -14871,7 +15389,7 @@
         </p:blipFill>
         <p:spPr>
           <a:xfrm>
-            <a:off x="5148064" y="4509120"/>
+            <a:off x="5331267" y="3958062"/>
             <a:ext cx="1656184" cy="1102115"/>
           </a:xfrm>
           <a:prstGeom prst="rect">
@@ -14887,7 +15405,7 @@
         </p:nvSpPr>
         <p:spPr>
           <a:xfrm>
-            <a:off x="5364088" y="3851332"/>
+            <a:off x="5508104" y="3521762"/>
             <a:ext cx="2232248" cy="2478772"/>
           </a:xfrm>
           <a:prstGeom prst="roundRect">
@@ -14944,7 +15462,7 @@
         </p:blipFill>
         <p:spPr>
           <a:xfrm>
-            <a:off x="935308" y="4761572"/>
+            <a:off x="1114694" y="4509120"/>
             <a:ext cx="1801467" cy="740469"/>
           </a:xfrm>
           <a:prstGeom prst="rect">
@@ -14974,7 +15492,7 @@
         </p:blipFill>
         <p:spPr>
           <a:xfrm>
-            <a:off x="6513956" y="5043040"/>
+            <a:off x="6624228" y="4681394"/>
             <a:ext cx="946991" cy="1136389"/>
           </a:xfrm>
           <a:prstGeom prst="rect">
@@ -14986,188 +15504,6 @@
     <p:extLst>
       <p:ext uri="{BB962C8B-B14F-4D97-AF65-F5344CB8AC3E}">
         <p14:creationId xmlns:p14="http://schemas.microsoft.com/office/powerpoint/2010/main" val="3478883828"/>
-      </p:ext>
-    </p:extLst>
-  </p:cSld>
-  <p:clrMapOvr>
-    <a:masterClrMapping/>
-  </p:clrMapOvr>
-  <p:timing>
-    <p:tnLst>
-      <p:par>
-        <p:cTn id="1" dur="indefinite" restart="never" nodeType="tmRoot"/>
-      </p:par>
-    </p:tnLst>
-  </p:timing>
-</p:sld>
-</file>
-
-<file path=ppt/slides/slide16.xml><?xml version="1.0" encoding="utf-8"?>
-<p:sld xmlns:a="http://schemas.openxmlformats.org/drawingml/2006/main" xmlns:r="http://schemas.openxmlformats.org/officeDocument/2006/relationships" xmlns:p="http://schemas.openxmlformats.org/presentationml/2006/main">
-  <p:cSld>
-    <p:spTree>
-      <p:nvGrpSpPr>
-        <p:cNvPr id="1" name=""/>
-        <p:cNvGrpSpPr/>
-        <p:nvPr/>
-      </p:nvGrpSpPr>
-      <p:grpSpPr>
-        <a:xfrm>
-          <a:off x="0" y="0"/>
-          <a:ext cx="0" cy="0"/>
-          <a:chOff x="0" y="0"/>
-          <a:chExt cx="0" cy="0"/>
-        </a:xfrm>
-      </p:grpSpPr>
-      <p:sp>
-        <p:nvSpPr>
-          <p:cNvPr id="2" name="タイトル 1"/>
-          <p:cNvSpPr>
-            <a:spLocks noGrp="1"/>
-          </p:cNvSpPr>
-          <p:nvPr>
-            <p:ph type="title"/>
-          </p:nvPr>
-        </p:nvSpPr>
-        <p:spPr/>
-        <p:txBody>
-          <a:bodyPr/>
-          <a:lstStyle/>
-          <a:p>
-            <a:r>
-              <a:rPr kumimoji="1" lang="ja-JP" altLang="en-US" dirty="0" smtClean="0"/>
-              <a:t>参考文献</a:t>
-            </a:r>
-            <a:endParaRPr kumimoji="1" lang="ja-JP" altLang="en-US" dirty="0"/>
-          </a:p>
-        </p:txBody>
-      </p:sp>
-      <p:sp>
-        <p:nvSpPr>
-          <p:cNvPr id="3" name="コンテンツ プレースホルダー 2"/>
-          <p:cNvSpPr>
-            <a:spLocks noGrp="1"/>
-          </p:cNvSpPr>
-          <p:nvPr>
-            <p:ph idx="1"/>
-          </p:nvPr>
-        </p:nvSpPr>
-        <p:spPr/>
-        <p:txBody>
-          <a:bodyPr/>
-          <a:lstStyle/>
-          <a:p>
-            <a:r>
-              <a:rPr lang="ja-JP" altLang="en-US" sz="2800" dirty="0" smtClean="0"/>
-              <a:t>高畠</a:t>
-            </a:r>
-            <a:r>
-              <a:rPr lang="ja-JP" altLang="en-US" sz="2800" dirty="0"/>
-              <a:t>勇人</a:t>
-            </a:r>
-            <a:r>
-              <a:rPr lang="en-US" altLang="ja-JP" sz="2800" dirty="0"/>
-              <a:t>, </a:t>
-            </a:r>
-            <a:r>
-              <a:rPr lang="ja-JP" altLang="en-US" sz="2800" dirty="0"/>
-              <a:t>渡辺裕</a:t>
-            </a:r>
-            <a:r>
-              <a:rPr lang="en-US" altLang="ja-JP" sz="2800" dirty="0"/>
-              <a:t>, </a:t>
-            </a:r>
-            <a:r>
-              <a:rPr lang="ja-JP" altLang="en-US" sz="2800" dirty="0"/>
-              <a:t>株式会社テクノロジックアート</a:t>
-            </a:r>
-            <a:r>
-              <a:rPr lang="en-US" altLang="ja-JP" sz="2800" dirty="0"/>
-              <a:t>. </a:t>
-            </a:r>
-            <a:r>
-              <a:rPr lang="ja-JP" altLang="en-US" sz="2800" dirty="0"/>
-              <a:t>アジャイル型開発マネジメント クイックガイド</a:t>
-            </a:r>
-            <a:r>
-              <a:rPr lang="en-US" altLang="ja-JP" sz="2800" dirty="0"/>
-              <a:t>. </a:t>
-            </a:r>
-            <a:r>
-              <a:rPr lang="ja-JP" altLang="en-US" sz="2800" dirty="0"/>
-              <a:t>株式会社技術評論社</a:t>
-            </a:r>
-            <a:r>
-              <a:rPr lang="en-US" altLang="ja-JP" sz="2800" dirty="0"/>
-              <a:t>, </a:t>
-            </a:r>
-            <a:r>
-              <a:rPr lang="en-US" altLang="ja-JP" sz="2800" dirty="0" smtClean="0"/>
-              <a:t>2013.</a:t>
-            </a:r>
-          </a:p>
-          <a:p>
-            <a:endParaRPr lang="en-US" altLang="ja-JP" sz="2800" dirty="0" smtClean="0"/>
-          </a:p>
-          <a:p>
-            <a:r>
-              <a:rPr lang="en-US" altLang="ja-JP" sz="2800" dirty="0" smtClean="0"/>
-              <a:t>Moodle</a:t>
-            </a:r>
-            <a:r>
-              <a:rPr lang="en-US" altLang="ja-JP" sz="2800" dirty="0"/>
-              <a:t>. https://moodle.org/?lang=ja</a:t>
-            </a:r>
-            <a:r>
-              <a:rPr lang="en-US" altLang="ja-JP" sz="2800" dirty="0" smtClean="0"/>
-              <a:t>.</a:t>
-            </a:r>
-          </a:p>
-          <a:p>
-            <a:endParaRPr kumimoji="1" lang="en-US" altLang="ja-JP" sz="2800" dirty="0" smtClean="0"/>
-          </a:p>
-          <a:p>
-            <a:pPr latinLnBrk="1"/>
-            <a:r>
-              <a:rPr lang="en-US" altLang="ja-JP" sz="2800" dirty="0" smtClean="0"/>
-              <a:t>GitHub Developer.http</a:t>
-            </a:r>
-            <a:r>
-              <a:rPr lang="en-US" altLang="ja-JP" sz="2800" dirty="0"/>
-              <a:t>://developer.github.com/libraries/.</a:t>
-            </a:r>
-            <a:endParaRPr kumimoji="1" lang="ja-JP" altLang="en-US" sz="2800" dirty="0"/>
-          </a:p>
-        </p:txBody>
-      </p:sp>
-      <p:sp>
-        <p:nvSpPr>
-          <p:cNvPr id="4" name="スライド番号プレースホルダー 3"/>
-          <p:cNvSpPr>
-            <a:spLocks noGrp="1"/>
-          </p:cNvSpPr>
-          <p:nvPr>
-            <p:ph type="sldNum" sz="quarter" idx="12"/>
-          </p:nvPr>
-        </p:nvSpPr>
-        <p:spPr/>
-        <p:txBody>
-          <a:bodyPr/>
-          <a:lstStyle/>
-          <a:p>
-            <a:fld id="{03EB2D0A-B747-4CE5-865B-E5367722D1F0}" type="slidenum">
-              <a:rPr lang="en-US" altLang="ja-JP" smtClean="0"/>
-              <a:pPr/>
-              <a:t>16</a:t>
-            </a:fld>
-            <a:endParaRPr lang="en-US" altLang="ja-JP"/>
-          </a:p>
-        </p:txBody>
-      </p:sp>
-    </p:spTree>
-    <p:extLst>
-      <p:ext uri="{BB962C8B-B14F-4D97-AF65-F5344CB8AC3E}">
-        <p14:creationId xmlns:p14="http://schemas.microsoft.com/office/powerpoint/2010/main" val="2228062892"/>
       </p:ext>
     </p:extLst>
   </p:cSld>
@@ -15217,10 +15553,81 @@
           <a:lstStyle/>
           <a:p>
             <a:r>
-              <a:rPr kumimoji="1" lang="ja-JP" altLang="en-US" dirty="0" smtClean="0"/>
-              <a:t>プログラム</a:t>
+              <a:rPr lang="ja-JP" altLang="en-US" dirty="0"/>
+              <a:t>結論</a:t>
             </a:r>
             <a:endParaRPr kumimoji="1" lang="ja-JP" altLang="en-US" dirty="0"/>
+          </a:p>
+        </p:txBody>
+      </p:sp>
+      <p:sp>
+        <p:nvSpPr>
+          <p:cNvPr id="3" name="コンテンツ プレースホルダー 2"/>
+          <p:cNvSpPr>
+            <a:spLocks noGrp="1"/>
+          </p:cNvSpPr>
+          <p:nvPr>
+            <p:ph idx="1"/>
+          </p:nvPr>
+        </p:nvSpPr>
+        <p:spPr/>
+        <p:txBody>
+          <a:bodyPr/>
+          <a:lstStyle/>
+          <a:p>
+            <a:r>
+              <a:rPr kumimoji="1" lang="en-US" altLang="ja-JP" sz="2800" dirty="0" smtClean="0"/>
+              <a:t>LMS</a:t>
+            </a:r>
+            <a:r>
+              <a:rPr lang="ja-JP" altLang="en-US" sz="2800" dirty="0" smtClean="0"/>
+              <a:t>単体</a:t>
+            </a:r>
+            <a:r>
+              <a:rPr lang="ja-JP" altLang="en-US" sz="2800" dirty="0"/>
+              <a:t>で</a:t>
+            </a:r>
+            <a:r>
+              <a:rPr lang="ja-JP" altLang="en-US" sz="2800" dirty="0" smtClean="0"/>
+              <a:t>は，</a:t>
+            </a:r>
+            <a:r>
+              <a:rPr kumimoji="1" lang="ja-JP" altLang="en-US" sz="2800" dirty="0" smtClean="0"/>
+              <a:t>ソフトウェア開発の学習に利用することはできないが，連携させることで可能となった．</a:t>
+            </a:r>
+            <a:endParaRPr kumimoji="1" lang="en-US" altLang="ja-JP" sz="2800" dirty="0" smtClean="0"/>
+          </a:p>
+          <a:p>
+            <a:endParaRPr kumimoji="1" lang="en-US" altLang="ja-JP" sz="2800" dirty="0" smtClean="0"/>
+          </a:p>
+          <a:p>
+            <a:r>
+              <a:rPr kumimoji="1" lang="en-US" altLang="ja-JP" sz="2800" dirty="0" smtClean="0"/>
+              <a:t>GitHub</a:t>
+            </a:r>
+            <a:r>
+              <a:rPr kumimoji="1" lang="ja-JP" altLang="en-US" sz="2800" dirty="0" smtClean="0"/>
+              <a:t>を教育現場に取り入れ，</a:t>
+            </a:r>
+            <a:r>
+              <a:rPr kumimoji="1" lang="en-US" altLang="ja-JP" sz="2800" dirty="0" smtClean="0"/>
+              <a:t>Moodle</a:t>
+            </a:r>
+            <a:r>
+              <a:rPr kumimoji="1" lang="ja-JP" altLang="en-US" sz="2800" dirty="0" smtClean="0"/>
+              <a:t>で教師が把握できるように，表示をすることができた．</a:t>
+            </a:r>
+            <a:endParaRPr kumimoji="1" lang="en-US" altLang="ja-JP" sz="2800" dirty="0" smtClean="0"/>
+          </a:p>
+          <a:p>
+            <a:endParaRPr lang="en-US" altLang="ja-JP" sz="2800" dirty="0"/>
+          </a:p>
+          <a:p>
+            <a:r>
+              <a:rPr kumimoji="1" lang="ja-JP" altLang="en-US" sz="2800" dirty="0" smtClean="0"/>
+              <a:t>この方法を利用すれば，他のサービスでも使えるだろうと思う．</a:t>
+            </a:r>
+            <a:endParaRPr kumimoji="1" lang="ja-JP" altLang="en-US" sz="2800" dirty="0"/>
           </a:p>
         </p:txBody>
       </p:sp>
@@ -15243,6 +15650,90 @@
               <a:rPr lang="en-US" altLang="ja-JP" smtClean="0"/>
               <a:pPr/>
               <a:t>17</a:t>
+            </a:fld>
+            <a:endParaRPr lang="en-US" altLang="ja-JP"/>
+          </a:p>
+        </p:txBody>
+      </p:sp>
+    </p:spTree>
+    <p:extLst>
+      <p:ext uri="{BB962C8B-B14F-4D97-AF65-F5344CB8AC3E}">
+        <p14:creationId xmlns:p14="http://schemas.microsoft.com/office/powerpoint/2010/main" val="2228062892"/>
+      </p:ext>
+    </p:extLst>
+  </p:cSld>
+  <p:clrMapOvr>
+    <a:masterClrMapping/>
+  </p:clrMapOvr>
+  <p:timing>
+    <p:tnLst>
+      <p:par>
+        <p:cTn id="1" dur="indefinite" restart="never" nodeType="tmRoot"/>
+      </p:par>
+    </p:tnLst>
+  </p:timing>
+</p:sld>
+</file>
+
+<file path=ppt/slides/slide18.xml><?xml version="1.0" encoding="utf-8"?>
+<p:sld xmlns:a="http://schemas.openxmlformats.org/drawingml/2006/main" xmlns:r="http://schemas.openxmlformats.org/officeDocument/2006/relationships" xmlns:p="http://schemas.openxmlformats.org/presentationml/2006/main">
+  <p:cSld>
+    <p:spTree>
+      <p:nvGrpSpPr>
+        <p:cNvPr id="1" name=""/>
+        <p:cNvGrpSpPr/>
+        <p:nvPr/>
+      </p:nvGrpSpPr>
+      <p:grpSpPr>
+        <a:xfrm>
+          <a:off x="0" y="0"/>
+          <a:ext cx="0" cy="0"/>
+          <a:chOff x="0" y="0"/>
+          <a:chExt cx="0" cy="0"/>
+        </a:xfrm>
+      </p:grpSpPr>
+      <p:sp>
+        <p:nvSpPr>
+          <p:cNvPr id="2" name="タイトル 1"/>
+          <p:cNvSpPr>
+            <a:spLocks noGrp="1"/>
+          </p:cNvSpPr>
+          <p:nvPr>
+            <p:ph type="title"/>
+          </p:nvPr>
+        </p:nvSpPr>
+        <p:spPr/>
+        <p:txBody>
+          <a:bodyPr/>
+          <a:lstStyle/>
+          <a:p>
+            <a:r>
+              <a:rPr kumimoji="1" lang="ja-JP" altLang="en-US" dirty="0" smtClean="0"/>
+              <a:t>プログラム</a:t>
+            </a:r>
+            <a:endParaRPr kumimoji="1" lang="ja-JP" altLang="en-US" dirty="0"/>
+          </a:p>
+        </p:txBody>
+      </p:sp>
+      <p:sp>
+        <p:nvSpPr>
+          <p:cNvPr id="4" name="スライド番号プレースホルダー 3"/>
+          <p:cNvSpPr>
+            <a:spLocks noGrp="1"/>
+          </p:cNvSpPr>
+          <p:nvPr>
+            <p:ph type="sldNum" sz="quarter" idx="12"/>
+          </p:nvPr>
+        </p:nvSpPr>
+        <p:spPr/>
+        <p:txBody>
+          <a:bodyPr/>
+          <a:lstStyle/>
+          <a:p>
+            <a:fld id="{03EB2D0A-B747-4CE5-865B-E5367722D1F0}" type="slidenum">
+              <a:rPr lang="en-US" altLang="ja-JP" smtClean="0"/>
+              <a:pPr/>
+              <a:t>18</a:t>
             </a:fld>
             <a:endParaRPr lang="en-US" altLang="ja-JP"/>
           </a:p>
@@ -15705,105 +16196,10 @@
           <a:lstStyle/>
           <a:p>
             <a:r>
-              <a:rPr lang="en-US" altLang="ja-JP" dirty="0"/>
+              <a:rPr kumimoji="1" lang="en-US" altLang="ja-JP" dirty="0" smtClean="0"/>
               <a:t>LMS</a:t>
             </a:r>
             <a:endParaRPr kumimoji="1" lang="ja-JP" altLang="en-US" dirty="0"/>
-          </a:p>
-        </p:txBody>
-      </p:sp>
-      <p:sp>
-        <p:nvSpPr>
-          <p:cNvPr id="3" name="コンテンツ プレースホルダー 2"/>
-          <p:cNvSpPr>
-            <a:spLocks noGrp="1"/>
-          </p:cNvSpPr>
-          <p:nvPr>
-            <p:ph idx="1"/>
-          </p:nvPr>
-        </p:nvSpPr>
-        <p:spPr>
-          <a:xfrm>
-            <a:off x="457200" y="1600200"/>
-            <a:ext cx="8229600" cy="4709120"/>
-          </a:xfrm>
-        </p:spPr>
-        <p:txBody>
-          <a:bodyPr/>
-          <a:lstStyle/>
-          <a:p>
-            <a:pPr marL="0" indent="0">
-              <a:buNone/>
-            </a:pPr>
-            <a:r>
-              <a:rPr lang="en-US" altLang="ja-JP" sz="2800" dirty="0" smtClean="0"/>
-              <a:t>LMS</a:t>
-            </a:r>
-            <a:r>
-              <a:rPr lang="ja-JP" altLang="en-US" sz="2800" dirty="0" smtClean="0"/>
-              <a:t>を利用すると．．．</a:t>
-            </a:r>
-            <a:endParaRPr lang="en-US" altLang="ja-JP" sz="2800" dirty="0" smtClean="0"/>
-          </a:p>
-          <a:p>
-            <a:pPr marL="0" indent="0">
-              <a:buNone/>
-            </a:pPr>
-            <a:endParaRPr kumimoji="1" lang="en-US" altLang="ja-JP" sz="2800" dirty="0"/>
-          </a:p>
-          <a:p>
-            <a:r>
-              <a:rPr kumimoji="1" lang="ja-JP" altLang="en-US" sz="2800" dirty="0" smtClean="0"/>
-              <a:t>デメリット</a:t>
-            </a:r>
-            <a:endParaRPr kumimoji="1" lang="en-US" altLang="ja-JP" sz="2800" dirty="0" smtClean="0"/>
-          </a:p>
-          <a:p>
-            <a:pPr marL="0" indent="0">
-              <a:buNone/>
-            </a:pPr>
-            <a:r>
-              <a:rPr lang="ja-JP" altLang="en-US" sz="2800" dirty="0" smtClean="0"/>
-              <a:t>　対面式でなくなるため，行動が把握しにくい</a:t>
-            </a:r>
-            <a:endParaRPr lang="en-US" altLang="ja-JP" sz="2800" dirty="0" smtClean="0"/>
-          </a:p>
-          <a:p>
-            <a:pPr marL="0" indent="0">
-              <a:buNone/>
-            </a:pPr>
-            <a:endParaRPr lang="en-US" altLang="ja-JP" sz="2800" dirty="0"/>
-          </a:p>
-          <a:p>
-            <a:r>
-              <a:rPr kumimoji="1" lang="ja-JP" altLang="en-US" sz="2800" dirty="0" smtClean="0"/>
-              <a:t>メリット</a:t>
-            </a:r>
-            <a:endParaRPr kumimoji="1" lang="en-US" altLang="ja-JP" sz="2800" dirty="0" smtClean="0"/>
-          </a:p>
-          <a:p>
-            <a:pPr marL="0" indent="0">
-              <a:buNone/>
-            </a:pPr>
-            <a:r>
-              <a:rPr kumimoji="1" lang="ja-JP" altLang="en-US" sz="2800" dirty="0" smtClean="0"/>
-              <a:t>　時間や場所に縛られない</a:t>
-            </a:r>
-            <a:endParaRPr kumimoji="1" lang="en-US" altLang="ja-JP" sz="2800" dirty="0" smtClean="0"/>
-          </a:p>
-          <a:p>
-            <a:pPr marL="0" indent="0">
-              <a:buNone/>
-            </a:pPr>
-            <a:r>
-              <a:rPr lang="ja-JP" altLang="en-US" sz="2800" dirty="0"/>
-              <a:t>　</a:t>
-            </a:r>
-            <a:r>
-              <a:rPr lang="ja-JP" altLang="en-US" sz="2800" dirty="0" smtClean="0"/>
-              <a:t>簡単に行動の詳細が把握できる</a:t>
-            </a:r>
-            <a:endParaRPr kumimoji="1" lang="en-US" altLang="ja-JP" sz="2800" dirty="0" smtClean="0"/>
           </a:p>
         </p:txBody>
       </p:sp>
@@ -15831,10 +16227,691 @@
           </a:p>
         </p:txBody>
       </p:sp>
+      <p:pic>
+        <p:nvPicPr>
+          <p:cNvPr id="5" name="コンテンツ プレースホルダー 4"/>
+          <p:cNvPicPr>
+            <a:picLocks noGrp="1" noChangeAspect="1"/>
+          </p:cNvPicPr>
+          <p:nvPr>
+            <p:ph idx="1"/>
+          </p:nvPr>
+        </p:nvPicPr>
+        <p:blipFill>
+          <a:blip r:embed="rId2">
+            <a:extLst>
+              <a:ext uri="{28A0092B-C50C-407E-A947-70E740481C1C}">
+                <a14:useLocalDpi xmlns:a14="http://schemas.microsoft.com/office/drawing/2010/main" val="0"/>
+              </a:ext>
+            </a:extLst>
+          </a:blip>
+          <a:stretch>
+            <a:fillRect/>
+          </a:stretch>
+        </p:blipFill>
+        <p:spPr>
+          <a:xfrm>
+            <a:off x="467544" y="1700808"/>
+            <a:ext cx="2304256" cy="1107240"/>
+          </a:xfrm>
+          <a:prstGeom prst="rect">
+            <a:avLst/>
+          </a:prstGeom>
+        </p:spPr>
+      </p:pic>
+      <p:graphicFrame>
+        <p:nvGraphicFramePr>
+          <p:cNvPr id="8" name="表 7"/>
+          <p:cNvGraphicFramePr>
+            <a:graphicFrameLocks noGrp="1"/>
+          </p:cNvGraphicFramePr>
+          <p:nvPr>
+            <p:extLst>
+              <p:ext uri="{D42A27DB-BD31-4B8C-83A1-F6EECF244321}">
+                <p14:modId xmlns:p14="http://schemas.microsoft.com/office/powerpoint/2010/main" val="4247916639"/>
+              </p:ext>
+            </p:extLst>
+          </p:nvPr>
+        </p:nvGraphicFramePr>
+        <p:xfrm>
+          <a:off x="5796136" y="1988840"/>
+          <a:ext cx="2232248" cy="4320486"/>
+        </p:xfrm>
+        <a:graphic>
+          <a:graphicData uri="http://schemas.openxmlformats.org/drawingml/2006/table">
+            <a:tbl>
+              <a:tblPr firstRow="1" firstCol="1" bandRow="1">
+                <a:tableStyleId>{9DCAF9ED-07DC-4A11-8D7F-57B35C25682E}</a:tableStyleId>
+              </a:tblPr>
+              <a:tblGrid>
+                <a:gridCol w="2232248"/>
+              </a:tblGrid>
+              <a:tr h="227394">
+                <a:tc>
+                  <a:txBody>
+                    <a:bodyPr/>
+                    <a:lstStyle/>
+                    <a:p>
+                      <a:pPr algn="l">
+                        <a:spcAft>
+                          <a:spcPts val="0"/>
+                        </a:spcAft>
+                      </a:pPr>
+                      <a:r>
+                        <a:rPr lang="ja-JP" sz="1400" kern="100" dirty="0">
+                          <a:effectLst/>
+                        </a:rPr>
+                        <a:t>機能名</a:t>
+                      </a:r>
+                      <a:endParaRPr lang="ja-JP" sz="1400" kern="100" dirty="0">
+                        <a:effectLst/>
+                        <a:latin typeface="Century"/>
+                        <a:ea typeface="ＭＳ 明朝"/>
+                        <a:cs typeface="Times New Roman"/>
+                      </a:endParaRPr>
+                    </a:p>
+                  </a:txBody>
+                  <a:tcPr marL="68580" marR="68580" marT="0" marB="0"/>
+                </a:tc>
+              </a:tr>
+              <a:tr h="227394">
+                <a:tc>
+                  <a:txBody>
+                    <a:bodyPr/>
+                    <a:lstStyle/>
+                    <a:p>
+                      <a:pPr algn="l">
+                        <a:spcAft>
+                          <a:spcPts val="0"/>
+                        </a:spcAft>
+                      </a:pPr>
+                      <a:r>
+                        <a:rPr lang="en-US" sz="1400" kern="100" dirty="0">
+                          <a:effectLst/>
+                        </a:rPr>
+                        <a:t>SCORM</a:t>
+                      </a:r>
+                      <a:endParaRPr lang="ja-JP" sz="1400" b="0" kern="100" dirty="0">
+                        <a:effectLst/>
+                        <a:latin typeface="Century"/>
+                        <a:ea typeface="ＭＳ 明朝"/>
+                        <a:cs typeface="Times New Roman"/>
+                      </a:endParaRPr>
+                    </a:p>
+                  </a:txBody>
+                  <a:tcPr marL="68580" marR="68580" marT="0" marB="0"/>
+                </a:tc>
+              </a:tr>
+              <a:tr h="227394">
+                <a:tc>
+                  <a:txBody>
+                    <a:bodyPr/>
+                    <a:lstStyle/>
+                    <a:p>
+                      <a:pPr algn="l">
+                        <a:spcAft>
+                          <a:spcPts val="0"/>
+                        </a:spcAft>
+                      </a:pPr>
+                      <a:r>
+                        <a:rPr lang="en-US" sz="1400" kern="100" dirty="0">
+                          <a:effectLst/>
+                        </a:rPr>
+                        <a:t>Wiki</a:t>
+                      </a:r>
+                      <a:endParaRPr lang="ja-JP" sz="1400" b="0" kern="100" dirty="0">
+                        <a:effectLst/>
+                        <a:latin typeface="Century"/>
+                        <a:ea typeface="ＭＳ 明朝"/>
+                        <a:cs typeface="Times New Roman"/>
+                      </a:endParaRPr>
+                    </a:p>
+                  </a:txBody>
+                  <a:tcPr marL="68580" marR="68580" marT="0" marB="0"/>
+                </a:tc>
+              </a:tr>
+              <a:tr h="227394">
+                <a:tc>
+                  <a:txBody>
+                    <a:bodyPr/>
+                    <a:lstStyle/>
+                    <a:p>
+                      <a:pPr algn="l">
+                        <a:spcAft>
+                          <a:spcPts val="0"/>
+                        </a:spcAft>
+                      </a:pPr>
+                      <a:r>
+                        <a:rPr lang="ja-JP" sz="1400" kern="100" dirty="0">
+                          <a:effectLst/>
+                        </a:rPr>
+                        <a:t>チャット</a:t>
+                      </a:r>
+                      <a:endParaRPr lang="ja-JP" sz="1400" b="0" kern="100" dirty="0">
+                        <a:effectLst/>
+                        <a:latin typeface="Century"/>
+                        <a:ea typeface="ＭＳ 明朝"/>
+                        <a:cs typeface="Times New Roman"/>
+                      </a:endParaRPr>
+                    </a:p>
+                  </a:txBody>
+                  <a:tcPr marL="68580" marR="68580" marT="0" marB="0"/>
+                </a:tc>
+              </a:tr>
+              <a:tr h="227394">
+                <a:tc>
+                  <a:txBody>
+                    <a:bodyPr/>
+                    <a:lstStyle/>
+                    <a:p>
+                      <a:pPr algn="l">
+                        <a:spcAft>
+                          <a:spcPts val="0"/>
+                        </a:spcAft>
+                      </a:pPr>
+                      <a:r>
+                        <a:rPr lang="ja-JP" sz="1400" kern="100" dirty="0">
+                          <a:effectLst/>
+                        </a:rPr>
+                        <a:t>データベース</a:t>
+                      </a:r>
+                      <a:endParaRPr lang="ja-JP" sz="1400" b="0" kern="100" dirty="0">
+                        <a:effectLst/>
+                        <a:latin typeface="Century"/>
+                        <a:ea typeface="ＭＳ 明朝"/>
+                        <a:cs typeface="Times New Roman"/>
+                      </a:endParaRPr>
+                    </a:p>
+                  </a:txBody>
+                  <a:tcPr marL="68580" marR="68580" marT="0" marB="0"/>
+                </a:tc>
+              </a:tr>
+              <a:tr h="227394">
+                <a:tc>
+                  <a:txBody>
+                    <a:bodyPr/>
+                    <a:lstStyle/>
+                    <a:p>
+                      <a:pPr algn="l">
+                        <a:spcAft>
+                          <a:spcPts val="0"/>
+                        </a:spcAft>
+                      </a:pPr>
+                      <a:r>
+                        <a:rPr lang="ja-JP" sz="1400" kern="100" dirty="0">
+                          <a:effectLst/>
+                        </a:rPr>
+                        <a:t>フォーラム</a:t>
+                      </a:r>
+                      <a:endParaRPr lang="ja-JP" sz="1400" b="0" kern="100" dirty="0">
+                        <a:effectLst/>
+                        <a:latin typeface="Century"/>
+                        <a:ea typeface="ＭＳ 明朝"/>
+                        <a:cs typeface="Times New Roman"/>
+                      </a:endParaRPr>
+                    </a:p>
+                  </a:txBody>
+                  <a:tcPr marL="68580" marR="68580" marT="0" marB="0"/>
+                </a:tc>
+              </a:tr>
+              <a:tr h="227394">
+                <a:tc>
+                  <a:txBody>
+                    <a:bodyPr/>
+                    <a:lstStyle/>
+                    <a:p>
+                      <a:pPr algn="l">
+                        <a:spcAft>
+                          <a:spcPts val="0"/>
+                        </a:spcAft>
+                      </a:pPr>
+                      <a:r>
+                        <a:rPr lang="ja-JP" sz="1400" kern="100" dirty="0">
+                          <a:effectLst/>
+                        </a:rPr>
+                        <a:t>レッスン</a:t>
+                      </a:r>
+                      <a:endParaRPr lang="ja-JP" sz="1400" b="0" kern="100" dirty="0">
+                        <a:effectLst/>
+                        <a:latin typeface="Century"/>
+                        <a:ea typeface="ＭＳ 明朝"/>
+                        <a:cs typeface="Times New Roman"/>
+                      </a:endParaRPr>
+                    </a:p>
+                  </a:txBody>
+                  <a:tcPr marL="68580" marR="68580" marT="0" marB="0"/>
+                </a:tc>
+              </a:tr>
+              <a:tr h="227394">
+                <a:tc>
+                  <a:txBody>
+                    <a:bodyPr/>
+                    <a:lstStyle/>
+                    <a:p>
+                      <a:pPr algn="l">
+                        <a:spcAft>
+                          <a:spcPts val="0"/>
+                        </a:spcAft>
+                      </a:pPr>
+                      <a:r>
+                        <a:rPr lang="ja-JP" sz="1400" kern="100" dirty="0">
+                          <a:effectLst/>
+                        </a:rPr>
+                        <a:t>課題</a:t>
+                      </a:r>
+                      <a:endParaRPr lang="ja-JP" sz="1400" b="0" kern="100" dirty="0">
+                        <a:effectLst/>
+                        <a:latin typeface="Century"/>
+                        <a:ea typeface="ＭＳ 明朝"/>
+                        <a:cs typeface="Times New Roman"/>
+                      </a:endParaRPr>
+                    </a:p>
+                  </a:txBody>
+                  <a:tcPr marL="68580" marR="68580" marT="0" marB="0"/>
+                </a:tc>
+              </a:tr>
+              <a:tr h="227394">
+                <a:tc>
+                  <a:txBody>
+                    <a:bodyPr/>
+                    <a:lstStyle/>
+                    <a:p>
+                      <a:pPr algn="l">
+                        <a:spcAft>
+                          <a:spcPts val="0"/>
+                        </a:spcAft>
+                      </a:pPr>
+                      <a:r>
+                        <a:rPr lang="ja-JP" sz="1400" kern="100" dirty="0">
+                          <a:effectLst/>
+                        </a:rPr>
+                        <a:t>ワークショップ</a:t>
+                      </a:r>
+                      <a:endParaRPr lang="ja-JP" sz="1400" b="0" kern="100" dirty="0">
+                        <a:effectLst/>
+                        <a:latin typeface="Century"/>
+                        <a:ea typeface="ＭＳ 明朝"/>
+                        <a:cs typeface="Times New Roman"/>
+                      </a:endParaRPr>
+                    </a:p>
+                  </a:txBody>
+                  <a:tcPr marL="68580" marR="68580" marT="0" marB="0"/>
+                </a:tc>
+              </a:tr>
+              <a:tr h="227394">
+                <a:tc>
+                  <a:txBody>
+                    <a:bodyPr/>
+                    <a:lstStyle/>
+                    <a:p>
+                      <a:pPr algn="l">
+                        <a:spcAft>
+                          <a:spcPts val="0"/>
+                        </a:spcAft>
+                      </a:pPr>
+                      <a:r>
+                        <a:rPr lang="ja-JP" sz="1400" kern="100" dirty="0">
+                          <a:effectLst/>
+                        </a:rPr>
+                        <a:t>外部ツール</a:t>
+                      </a:r>
+                      <a:endParaRPr lang="ja-JP" sz="1400" b="0" kern="100" dirty="0">
+                        <a:effectLst/>
+                        <a:latin typeface="Century"/>
+                        <a:ea typeface="ＭＳ 明朝"/>
+                        <a:cs typeface="Times New Roman"/>
+                      </a:endParaRPr>
+                    </a:p>
+                  </a:txBody>
+                  <a:tcPr marL="68580" marR="68580" marT="0" marB="0"/>
+                </a:tc>
+              </a:tr>
+              <a:tr h="227394">
+                <a:tc>
+                  <a:txBody>
+                    <a:bodyPr/>
+                    <a:lstStyle/>
+                    <a:p>
+                      <a:pPr algn="l">
+                        <a:spcAft>
+                          <a:spcPts val="0"/>
+                        </a:spcAft>
+                      </a:pPr>
+                      <a:r>
+                        <a:rPr lang="ja-JP" sz="1400" kern="100" dirty="0">
+                          <a:effectLst/>
+                        </a:rPr>
+                        <a:t>小テスト</a:t>
+                      </a:r>
+                      <a:endParaRPr lang="ja-JP" sz="1400" b="0" kern="100" dirty="0">
+                        <a:effectLst/>
+                        <a:latin typeface="Century"/>
+                        <a:ea typeface="ＭＳ 明朝"/>
+                        <a:cs typeface="Times New Roman"/>
+                      </a:endParaRPr>
+                    </a:p>
+                  </a:txBody>
+                  <a:tcPr marL="68580" marR="68580" marT="0" marB="0"/>
+                </a:tc>
+              </a:tr>
+              <a:tr h="227394">
+                <a:tc>
+                  <a:txBody>
+                    <a:bodyPr/>
+                    <a:lstStyle/>
+                    <a:p>
+                      <a:pPr algn="l">
+                        <a:spcAft>
+                          <a:spcPts val="0"/>
+                        </a:spcAft>
+                      </a:pPr>
+                      <a:r>
+                        <a:rPr lang="ja-JP" sz="1400" kern="100" dirty="0">
+                          <a:effectLst/>
+                        </a:rPr>
+                        <a:t>調査</a:t>
+                      </a:r>
+                      <a:endParaRPr lang="ja-JP" sz="1400" b="0" kern="100" dirty="0">
+                        <a:effectLst/>
+                        <a:latin typeface="Century"/>
+                        <a:ea typeface="ＭＳ 明朝"/>
+                        <a:cs typeface="Times New Roman"/>
+                      </a:endParaRPr>
+                    </a:p>
+                  </a:txBody>
+                  <a:tcPr marL="68580" marR="68580" marT="0" marB="0"/>
+                </a:tc>
+              </a:tr>
+              <a:tr h="227394">
+                <a:tc>
+                  <a:txBody>
+                    <a:bodyPr/>
+                    <a:lstStyle/>
+                    <a:p>
+                      <a:pPr algn="l">
+                        <a:spcAft>
+                          <a:spcPts val="0"/>
+                        </a:spcAft>
+                      </a:pPr>
+                      <a:r>
+                        <a:rPr lang="ja-JP" sz="1400" kern="100" dirty="0">
+                          <a:effectLst/>
+                        </a:rPr>
+                        <a:t>投票</a:t>
+                      </a:r>
+                      <a:endParaRPr lang="ja-JP" sz="1400" b="0" kern="100" dirty="0">
+                        <a:effectLst/>
+                        <a:latin typeface="Century"/>
+                        <a:ea typeface="ＭＳ 明朝"/>
+                        <a:cs typeface="Times New Roman"/>
+                      </a:endParaRPr>
+                    </a:p>
+                  </a:txBody>
+                  <a:tcPr marL="68580" marR="68580" marT="0" marB="0"/>
+                </a:tc>
+              </a:tr>
+              <a:tr h="227394">
+                <a:tc>
+                  <a:txBody>
+                    <a:bodyPr/>
+                    <a:lstStyle/>
+                    <a:p>
+                      <a:pPr algn="l">
+                        <a:spcAft>
+                          <a:spcPts val="0"/>
+                        </a:spcAft>
+                      </a:pPr>
+                      <a:r>
+                        <a:rPr lang="ja-JP" sz="1400" kern="100" dirty="0">
+                          <a:effectLst/>
+                        </a:rPr>
+                        <a:t>用語集</a:t>
+                      </a:r>
+                      <a:endParaRPr lang="ja-JP" sz="1400" b="0" kern="100" dirty="0">
+                        <a:effectLst/>
+                        <a:latin typeface="Century"/>
+                        <a:ea typeface="ＭＳ 明朝"/>
+                        <a:cs typeface="Times New Roman"/>
+                      </a:endParaRPr>
+                    </a:p>
+                  </a:txBody>
+                  <a:tcPr marL="68580" marR="68580" marT="0" marB="0"/>
+                </a:tc>
+              </a:tr>
+              <a:tr h="227394">
+                <a:tc>
+                  <a:txBody>
+                    <a:bodyPr/>
+                    <a:lstStyle/>
+                    <a:p>
+                      <a:pPr algn="l">
+                        <a:spcAft>
+                          <a:spcPts val="0"/>
+                        </a:spcAft>
+                      </a:pPr>
+                      <a:r>
+                        <a:rPr lang="ja-JP" sz="1400" kern="100" dirty="0">
+                          <a:effectLst/>
+                        </a:rPr>
+                        <a:t>日誌</a:t>
+                      </a:r>
+                      <a:endParaRPr lang="ja-JP" sz="1400" b="0" kern="100" dirty="0">
+                        <a:effectLst/>
+                        <a:latin typeface="Century"/>
+                        <a:ea typeface="ＭＳ 明朝"/>
+                        <a:cs typeface="Times New Roman"/>
+                      </a:endParaRPr>
+                    </a:p>
+                  </a:txBody>
+                  <a:tcPr marL="68580" marR="68580" marT="0" marB="0"/>
+                </a:tc>
+              </a:tr>
+              <a:tr h="227394">
+                <a:tc>
+                  <a:txBody>
+                    <a:bodyPr/>
+                    <a:lstStyle/>
+                    <a:p>
+                      <a:pPr algn="l">
+                        <a:spcAft>
+                          <a:spcPts val="0"/>
+                        </a:spcAft>
+                      </a:pPr>
+                      <a:r>
+                        <a:rPr lang="en-US" sz="1400" kern="100" dirty="0">
+                          <a:effectLst/>
+                        </a:rPr>
+                        <a:t>LAMS</a:t>
+                      </a:r>
+                      <a:endParaRPr lang="ja-JP" sz="1400" b="0" kern="100" dirty="0">
+                        <a:effectLst/>
+                        <a:latin typeface="Century"/>
+                        <a:ea typeface="ＭＳ 明朝"/>
+                        <a:cs typeface="Times New Roman"/>
+                      </a:endParaRPr>
+                    </a:p>
+                  </a:txBody>
+                  <a:tcPr marL="68580" marR="68580" marT="0" marB="0"/>
+                </a:tc>
+              </a:tr>
+              <a:tr h="227394">
+                <a:tc>
+                  <a:txBody>
+                    <a:bodyPr/>
+                    <a:lstStyle/>
+                    <a:p>
+                      <a:pPr algn="l">
+                        <a:spcAft>
+                          <a:spcPts val="0"/>
+                        </a:spcAft>
+                      </a:pPr>
+                      <a:r>
+                        <a:rPr lang="en-US" sz="1400" kern="100" dirty="0">
+                          <a:effectLst/>
+                        </a:rPr>
+                        <a:t>Hot Potatoes</a:t>
+                      </a:r>
+                      <a:endParaRPr lang="ja-JP" sz="1400" b="0" kern="100" dirty="0">
+                        <a:effectLst/>
+                        <a:latin typeface="Century"/>
+                        <a:ea typeface="ＭＳ 明朝"/>
+                        <a:cs typeface="Times New Roman"/>
+                      </a:endParaRPr>
+                    </a:p>
+                  </a:txBody>
+                  <a:tcPr marL="68580" marR="68580" marT="0" marB="0"/>
+                </a:tc>
+              </a:tr>
+              <a:tr h="227394">
+                <a:tc>
+                  <a:txBody>
+                    <a:bodyPr/>
+                    <a:lstStyle/>
+                    <a:p>
+                      <a:pPr algn="l">
+                        <a:spcAft>
+                          <a:spcPts val="0"/>
+                        </a:spcAft>
+                      </a:pPr>
+                      <a:r>
+                        <a:rPr lang="ja-JP" sz="1400" kern="100" dirty="0">
+                          <a:effectLst/>
+                        </a:rPr>
+                        <a:t>エクササイズ</a:t>
+                      </a:r>
+                      <a:endParaRPr lang="ja-JP" sz="1400" b="0" kern="100" dirty="0">
+                        <a:effectLst/>
+                        <a:latin typeface="Century"/>
+                        <a:ea typeface="ＭＳ 明朝"/>
+                        <a:cs typeface="Times New Roman"/>
+                      </a:endParaRPr>
+                    </a:p>
+                  </a:txBody>
+                  <a:tcPr marL="68580" marR="68580" marT="0" marB="0"/>
+                </a:tc>
+              </a:tr>
+              <a:tr h="227394">
+                <a:tc>
+                  <a:txBody>
+                    <a:bodyPr/>
+                    <a:lstStyle/>
+                    <a:p>
+                      <a:pPr algn="l">
+                        <a:spcAft>
+                          <a:spcPts val="0"/>
+                        </a:spcAft>
+                      </a:pPr>
+                      <a:r>
+                        <a:rPr lang="ja-JP" sz="1400" kern="100" dirty="0">
+                          <a:effectLst/>
+                        </a:rPr>
+                        <a:t>カレンダー</a:t>
+                      </a:r>
+                      <a:endParaRPr lang="ja-JP" sz="1400" b="0" kern="100" dirty="0">
+                        <a:effectLst/>
+                        <a:latin typeface="Century"/>
+                        <a:ea typeface="ＭＳ 明朝"/>
+                        <a:cs typeface="Times New Roman"/>
+                      </a:endParaRPr>
+                    </a:p>
+                  </a:txBody>
+                  <a:tcPr marL="68580" marR="68580" marT="0" marB="0"/>
+                </a:tc>
+              </a:tr>
+            </a:tbl>
+          </a:graphicData>
+        </a:graphic>
+      </p:graphicFrame>
+      <p:sp>
+        <p:nvSpPr>
+          <p:cNvPr id="9" name="テキスト ボックス 8"/>
+          <p:cNvSpPr txBox="1"/>
+          <p:nvPr/>
+        </p:nvSpPr>
+        <p:spPr>
+          <a:xfrm>
+            <a:off x="899592" y="2681044"/>
+            <a:ext cx="4608511" cy="1846659"/>
+          </a:xfrm>
+          <a:prstGeom prst="rect">
+            <a:avLst/>
+          </a:prstGeom>
+          <a:noFill/>
+        </p:spPr>
+        <p:txBody>
+          <a:bodyPr wrap="square" rtlCol="0">
+            <a:spAutoFit/>
+          </a:bodyPr>
+          <a:lstStyle/>
+          <a:p>
+            <a:pPr marL="342900" indent="-342900">
+              <a:buFont typeface="Arial" panose="020B0604020202020204" pitchFamily="34" charset="0"/>
+              <a:buChar char="•"/>
+            </a:pPr>
+            <a:r>
+              <a:rPr lang="ja-JP" altLang="en-US" sz="2400" dirty="0"/>
+              <a:t>オープンソース</a:t>
+            </a:r>
+            <a:r>
+              <a:rPr lang="ja-JP" altLang="en-US" sz="2400" dirty="0" smtClean="0"/>
+              <a:t>の</a:t>
+            </a:r>
+            <a:r>
+              <a:rPr lang="en-US" altLang="ja-JP" sz="2400" dirty="0" smtClean="0"/>
+              <a:t>e</a:t>
+            </a:r>
+            <a:r>
+              <a:rPr lang="ja-JP" altLang="en-US" sz="2400" dirty="0" smtClean="0"/>
+              <a:t>ラーニング</a:t>
+            </a:r>
+            <a:endParaRPr lang="en-US" altLang="ja-JP" sz="2400" dirty="0" smtClean="0"/>
+          </a:p>
+          <a:p>
+            <a:r>
+              <a:rPr lang="ja-JP" altLang="en-US" sz="2400" dirty="0"/>
+              <a:t>　</a:t>
+            </a:r>
+            <a:r>
+              <a:rPr lang="ja-JP" altLang="en-US" sz="2400" dirty="0" smtClean="0"/>
+              <a:t>　プラットフォーム．</a:t>
+            </a:r>
+            <a:endParaRPr lang="en-US" altLang="ja-JP" sz="2400" dirty="0" smtClean="0"/>
+          </a:p>
+          <a:p>
+            <a:pPr marL="342900" indent="-342900">
+              <a:buFont typeface="Arial" panose="020B0604020202020204" pitchFamily="34" charset="0"/>
+              <a:buChar char="•"/>
+            </a:pPr>
+            <a:endParaRPr lang="en-US" altLang="ja-JP" sz="2400" dirty="0"/>
+          </a:p>
+          <a:p>
+            <a:pPr marL="342900" indent="-342900">
+              <a:buFont typeface="Arial" panose="020B0604020202020204" pitchFamily="34" charset="0"/>
+              <a:buChar char="•"/>
+            </a:pPr>
+            <a:r>
+              <a:rPr lang="ja-JP" altLang="en-US" sz="2400" dirty="0" smtClean="0"/>
+              <a:t>よく利用されている</a:t>
+            </a:r>
+            <a:r>
+              <a:rPr lang="en-US" altLang="ja-JP" sz="2400" dirty="0" smtClean="0"/>
+              <a:t>LMS</a:t>
+            </a:r>
+            <a:r>
+              <a:rPr lang="ja-JP" altLang="en-US" sz="2400" dirty="0" smtClean="0"/>
+              <a:t>である．</a:t>
+            </a:r>
+            <a:endParaRPr lang="en-US" altLang="ja-JP" sz="2400" dirty="0" smtClean="0"/>
+          </a:p>
+          <a:p>
+            <a:endParaRPr kumimoji="1" lang="ja-JP" altLang="en-US" dirty="0"/>
+          </a:p>
+        </p:txBody>
+      </p:sp>
     </p:spTree>
     <p:extLst>
       <p:ext uri="{BB962C8B-B14F-4D97-AF65-F5344CB8AC3E}">
-        <p14:creationId xmlns:p14="http://schemas.microsoft.com/office/powerpoint/2010/main" val="1348833814"/>
+        <p14:creationId xmlns:p14="http://schemas.microsoft.com/office/powerpoint/2010/main" val="61167782"/>
       </p:ext>
     </p:extLst>
   </p:cSld>
@@ -15868,39 +16945,32 @@
           <a:chExt cx="0" cy="0"/>
         </a:xfrm>
       </p:grpSpPr>
-      <p:pic>
-        <p:nvPicPr>
-          <p:cNvPr id="2" name="図 1"/>
-          <p:cNvPicPr>
-            <a:picLocks noChangeAspect="1"/>
-          </p:cNvPicPr>
-          <p:nvPr/>
-        </p:nvPicPr>
-        <p:blipFill>
-          <a:blip r:embed="rId3">
-            <a:extLst>
-              <a:ext uri="{28A0092B-C50C-407E-A947-70E740481C1C}">
-                <a14:useLocalDpi xmlns:a14="http://schemas.microsoft.com/office/drawing/2010/main" val="0"/>
-              </a:ext>
-            </a:extLst>
-          </a:blip>
-          <a:stretch>
-            <a:fillRect/>
-          </a:stretch>
-        </p:blipFill>
-        <p:spPr>
-          <a:xfrm>
-            <a:off x="0" y="0"/>
-            <a:ext cx="9144000" cy="6858000"/>
-          </a:xfrm>
-          <a:prstGeom prst="rect">
-            <a:avLst/>
-          </a:prstGeom>
-        </p:spPr>
-      </p:pic>
-      <p:sp>
-        <p:nvSpPr>
-          <p:cNvPr id="4" name="コンテンツ プレースホルダー 3"/>
+      <p:sp>
+        <p:nvSpPr>
+          <p:cNvPr id="2" name="タイトル 1"/>
+          <p:cNvSpPr>
+            <a:spLocks noGrp="1"/>
+          </p:cNvSpPr>
+          <p:nvPr>
+            <p:ph type="title"/>
+          </p:nvPr>
+        </p:nvSpPr>
+        <p:spPr/>
+        <p:txBody>
+          <a:bodyPr/>
+          <a:lstStyle/>
+          <a:p>
+            <a:r>
+              <a:rPr lang="ja-JP" altLang="en-US" dirty="0" smtClean="0"/>
+              <a:t>ソフトウェア開発</a:t>
+            </a:r>
+            <a:endParaRPr kumimoji="1" lang="ja-JP" altLang="en-US" dirty="0"/>
+          </a:p>
+        </p:txBody>
+      </p:sp>
+      <p:sp>
+        <p:nvSpPr>
+          <p:cNvPr id="3" name="コンテンツ プレースホルダー 2"/>
           <p:cNvSpPr>
             <a:spLocks noGrp="1"/>
           </p:cNvSpPr>
@@ -15916,10 +16986,6 @@
             <a:pPr marL="0" indent="0" algn="ctr">
               <a:buNone/>
             </a:pPr>
-            <a:r>
-              <a:rPr kumimoji="1" lang="ja-JP" altLang="en-US" sz="2800" dirty="0" smtClean="0"/>
-              <a:t>簡単に行動が把握できる</a:t>
-            </a:r>
             <a:endParaRPr kumimoji="1" lang="en-US" altLang="ja-JP" sz="2800" dirty="0" smtClean="0"/>
           </a:p>
           <a:p>
@@ -15927,8 +16993,20 @@
               <a:buNone/>
             </a:pPr>
             <a:r>
+              <a:rPr kumimoji="1" lang="ja-JP" altLang="en-US" sz="2800" dirty="0" smtClean="0"/>
+              <a:t>しかし，どんな場面でも</a:t>
+            </a:r>
+            <a:r>
+              <a:rPr kumimoji="1" lang="en-US" altLang="ja-JP" sz="2800" dirty="0" smtClean="0"/>
+              <a:t>LMS</a:t>
+            </a:r>
+            <a:r>
+              <a:rPr kumimoji="1" lang="ja-JP" altLang="en-US" sz="2800" dirty="0" smtClean="0"/>
+              <a:t>だけ</a:t>
+            </a:r>
+            <a:r>
               <a:rPr lang="ja-JP" altLang="en-US" sz="2800" dirty="0" smtClean="0"/>
-              <a:t>サーバに行動が記録される</a:t>
+              <a:t>では学べない！</a:t>
             </a:r>
             <a:endParaRPr lang="en-US" altLang="ja-JP" sz="2800" dirty="0" smtClean="0"/>
           </a:p>
@@ -15936,19 +17014,27 @@
             <a:pPr marL="0" indent="0" algn="ctr">
               <a:buNone/>
             </a:pPr>
-            <a:endParaRPr lang="en-US" altLang="ja-JP" sz="2800" dirty="0" smtClean="0"/>
+            <a:endParaRPr kumimoji="1" lang="en-US" altLang="ja-JP" sz="2800" dirty="0"/>
           </a:p>
           <a:p>
             <a:pPr marL="0" indent="0" algn="ctr">
               <a:buNone/>
             </a:pPr>
+            <a:r>
+              <a:rPr lang="ja-JP" altLang="en-US" sz="2800" dirty="0" smtClean="0"/>
+              <a:t>ソフトウェア開発を学ぶ上で，</a:t>
+            </a:r>
             <a:endParaRPr lang="en-US" altLang="ja-JP" sz="2800" dirty="0" smtClean="0"/>
           </a:p>
           <a:p>
             <a:pPr marL="0" indent="0" algn="ctr">
               <a:buNone/>
             </a:pPr>
-            <a:endParaRPr lang="en-US" altLang="ja-JP" sz="2800" dirty="0" smtClean="0"/>
+            <a:r>
+              <a:rPr lang="ja-JP" altLang="en-US" sz="2800" dirty="0" smtClean="0"/>
+              <a:t>さまざまなツールを</a:t>
+            </a:r>
+            <a:endParaRPr kumimoji="1" lang="en-US" altLang="ja-JP" sz="2800" dirty="0"/>
           </a:p>
           <a:p>
             <a:pPr marL="0" indent="0" algn="ctr">
@@ -15956,15 +17042,35 @@
             </a:pPr>
             <a:r>
               <a:rPr kumimoji="1" lang="ja-JP" altLang="en-US" sz="2800" dirty="0" smtClean="0"/>
-              <a:t>ポートフォリオを作成することが可能</a:t>
-            </a:r>
-            <a:endParaRPr kumimoji="1" lang="ja-JP" altLang="en-US" sz="2800" dirty="0"/>
-          </a:p>
-        </p:txBody>
-      </p:sp>
-      <p:sp>
-        <p:nvSpPr>
-          <p:cNvPr id="5" name="スライド番号プレースホルダー 4"/>
+              <a:t>利用してみることが必要だが，</a:t>
+            </a:r>
+            <a:endParaRPr kumimoji="1" lang="en-US" altLang="ja-JP" sz="2800" dirty="0" smtClean="0"/>
+          </a:p>
+          <a:p>
+            <a:pPr marL="0" indent="0" algn="ctr">
+              <a:buNone/>
+            </a:pPr>
+            <a:endParaRPr kumimoji="1" lang="en-US" altLang="ja-JP" sz="2800" dirty="0"/>
+          </a:p>
+          <a:p>
+            <a:pPr marL="0" indent="0" algn="ctr">
+              <a:buNone/>
+            </a:pPr>
+            <a:r>
+              <a:rPr lang="en-US" altLang="ja-JP" sz="2800" dirty="0" smtClean="0"/>
+              <a:t>LMS</a:t>
+            </a:r>
+            <a:r>
+              <a:rPr lang="ja-JP" altLang="en-US" sz="2800" dirty="0" smtClean="0"/>
+              <a:t>は対応していない．</a:t>
+            </a:r>
+            <a:endParaRPr lang="en-US" altLang="ja-JP" sz="2800" dirty="0" smtClean="0"/>
+          </a:p>
+        </p:txBody>
+      </p:sp>
+      <p:sp>
+        <p:nvSpPr>
+          <p:cNvPr id="4" name="スライド番号プレースホルダー 3"/>
           <p:cNvSpPr>
             <a:spLocks noGrp="1"/>
           </p:cNvSpPr>
@@ -15981,224 +17087,6 @@
               <a:rPr lang="en-US" altLang="ja-JP" smtClean="0"/>
               <a:pPr/>
               <a:t>5</a:t>
-            </a:fld>
-            <a:endParaRPr lang="en-US" altLang="ja-JP"/>
-          </a:p>
-        </p:txBody>
-      </p:sp>
-      <p:sp>
-        <p:nvSpPr>
-          <p:cNvPr id="6" name="下矢印 5"/>
-          <p:cNvSpPr/>
-          <p:nvPr/>
-        </p:nvSpPr>
-        <p:spPr>
-          <a:xfrm>
-            <a:off x="4283968" y="3068960"/>
-            <a:ext cx="792088" cy="648072"/>
-          </a:xfrm>
-          <a:prstGeom prst="downArrow">
-            <a:avLst/>
-          </a:prstGeom>
-          <a:solidFill>
-            <a:schemeClr val="accent2">
-              <a:lumMod val="40000"/>
-              <a:lumOff val="60000"/>
-            </a:schemeClr>
-          </a:solidFill>
-          <a:ln>
-            <a:solidFill>
-              <a:schemeClr val="accent2">
-                <a:lumMod val="40000"/>
-                <a:lumOff val="60000"/>
-              </a:schemeClr>
-            </a:solidFill>
-          </a:ln>
-        </p:spPr>
-        <p:style>
-          <a:lnRef idx="2">
-            <a:schemeClr val="accent1">
-              <a:shade val="50000"/>
-            </a:schemeClr>
-          </a:lnRef>
-          <a:fillRef idx="1">
-            <a:schemeClr val="accent1"/>
-          </a:fillRef>
-          <a:effectRef idx="0">
-            <a:schemeClr val="accent1"/>
-          </a:effectRef>
-          <a:fontRef idx="minor">
-            <a:schemeClr val="lt1"/>
-          </a:fontRef>
-        </p:style>
-        <p:txBody>
-          <a:bodyPr rtlCol="0" anchor="ctr"/>
-          <a:lstStyle/>
-          <a:p>
-            <a:pPr algn="ctr"/>
-            <a:endParaRPr kumimoji="1" lang="ja-JP" altLang="en-US"/>
-          </a:p>
-        </p:txBody>
-      </p:sp>
-    </p:spTree>
-    <p:extLst>
-      <p:ext uri="{BB962C8B-B14F-4D97-AF65-F5344CB8AC3E}">
-        <p14:creationId xmlns:p14="http://schemas.microsoft.com/office/powerpoint/2010/main" val="368436791"/>
-      </p:ext>
-    </p:extLst>
-  </p:cSld>
-  <p:clrMapOvr>
-    <a:masterClrMapping/>
-  </p:clrMapOvr>
-  <p:timing>
-    <p:tnLst>
-      <p:par>
-        <p:cTn id="1" dur="indefinite" restart="never" nodeType="tmRoot"/>
-      </p:par>
-    </p:tnLst>
-  </p:timing>
-</p:sld>
-</file>
-
-<file path=ppt/slides/slide6.xml><?xml version="1.0" encoding="utf-8"?>
-<p:sld xmlns:a="http://schemas.openxmlformats.org/drawingml/2006/main" xmlns:r="http://schemas.openxmlformats.org/officeDocument/2006/relationships" xmlns:p="http://schemas.openxmlformats.org/presentationml/2006/main">
-  <p:cSld>
-    <p:spTree>
-      <p:nvGrpSpPr>
-        <p:cNvPr id="1" name=""/>
-        <p:cNvGrpSpPr/>
-        <p:nvPr/>
-      </p:nvGrpSpPr>
-      <p:grpSpPr>
-        <a:xfrm>
-          <a:off x="0" y="0"/>
-          <a:ext cx="0" cy="0"/>
-          <a:chOff x="0" y="0"/>
-          <a:chExt cx="0" cy="0"/>
-        </a:xfrm>
-      </p:grpSpPr>
-      <p:sp>
-        <p:nvSpPr>
-          <p:cNvPr id="2" name="タイトル 1"/>
-          <p:cNvSpPr>
-            <a:spLocks noGrp="1"/>
-          </p:cNvSpPr>
-          <p:nvPr>
-            <p:ph type="title"/>
-          </p:nvPr>
-        </p:nvSpPr>
-        <p:spPr/>
-        <p:txBody>
-          <a:bodyPr/>
-          <a:lstStyle/>
-          <a:p>
-            <a:r>
-              <a:rPr lang="ja-JP" altLang="en-US" dirty="0" smtClean="0"/>
-              <a:t>ソフトウェア開発</a:t>
-            </a:r>
-            <a:endParaRPr kumimoji="1" lang="ja-JP" altLang="en-US" dirty="0"/>
-          </a:p>
-        </p:txBody>
-      </p:sp>
-      <p:sp>
-        <p:nvSpPr>
-          <p:cNvPr id="3" name="コンテンツ プレースホルダー 2"/>
-          <p:cNvSpPr>
-            <a:spLocks noGrp="1"/>
-          </p:cNvSpPr>
-          <p:nvPr>
-            <p:ph idx="1"/>
-          </p:nvPr>
-        </p:nvSpPr>
-        <p:spPr/>
-        <p:txBody>
-          <a:bodyPr/>
-          <a:lstStyle/>
-          <a:p>
-            <a:pPr marL="0" indent="0" algn="ctr">
-              <a:buNone/>
-            </a:pPr>
-            <a:endParaRPr kumimoji="1" lang="en-US" altLang="ja-JP" sz="2800" dirty="0" smtClean="0"/>
-          </a:p>
-          <a:p>
-            <a:pPr marL="0" indent="0" algn="ctr">
-              <a:buNone/>
-            </a:pPr>
-            <a:r>
-              <a:rPr kumimoji="1" lang="ja-JP" altLang="en-US" sz="2800" dirty="0" smtClean="0"/>
-              <a:t>しかし，どんな場面でも</a:t>
-            </a:r>
-            <a:r>
-              <a:rPr kumimoji="1" lang="en-US" altLang="ja-JP" sz="2800" dirty="0" smtClean="0"/>
-              <a:t>LMS</a:t>
-            </a:r>
-            <a:r>
-              <a:rPr kumimoji="1" lang="ja-JP" altLang="en-US" sz="2800" dirty="0" smtClean="0"/>
-              <a:t>だけ</a:t>
-            </a:r>
-            <a:r>
-              <a:rPr lang="ja-JP" altLang="en-US" sz="2800" dirty="0" smtClean="0"/>
-              <a:t>では学べない</a:t>
-            </a:r>
-            <a:endParaRPr lang="en-US" altLang="ja-JP" sz="2800" dirty="0" smtClean="0"/>
-          </a:p>
-          <a:p>
-            <a:pPr marL="0" indent="0" algn="ctr">
-              <a:buNone/>
-            </a:pPr>
-            <a:endParaRPr kumimoji="1" lang="en-US" altLang="ja-JP" sz="2800" dirty="0"/>
-          </a:p>
-          <a:p>
-            <a:pPr marL="0" indent="0" algn="ctr">
-              <a:buNone/>
-            </a:pPr>
-            <a:r>
-              <a:rPr lang="ja-JP" altLang="en-US" sz="2800" dirty="0" smtClean="0"/>
-              <a:t>ソフトウェア開発を学ぶ上でパソコンが必須だが，</a:t>
-            </a:r>
-            <a:endParaRPr lang="en-US" altLang="ja-JP" sz="2800" dirty="0" smtClean="0"/>
-          </a:p>
-          <a:p>
-            <a:pPr marL="0" indent="0" algn="ctr">
-              <a:buNone/>
-            </a:pPr>
-            <a:endParaRPr kumimoji="1" lang="en-US" altLang="ja-JP" sz="2800" dirty="0"/>
-          </a:p>
-          <a:p>
-            <a:pPr marL="0" indent="0" algn="ctr">
-              <a:buNone/>
-            </a:pPr>
-            <a:r>
-              <a:rPr lang="en-US" altLang="ja-JP" sz="2800" dirty="0" smtClean="0"/>
-              <a:t>LMS</a:t>
-            </a:r>
-            <a:r>
-              <a:rPr lang="ja-JP" altLang="en-US" sz="2800" dirty="0" smtClean="0"/>
-              <a:t>は対応していない．</a:t>
-            </a:r>
-            <a:endParaRPr lang="en-US" altLang="ja-JP" sz="2800" dirty="0" smtClean="0"/>
-          </a:p>
-        </p:txBody>
-      </p:sp>
-      <p:sp>
-        <p:nvSpPr>
-          <p:cNvPr id="4" name="スライド番号プレースホルダー 3"/>
-          <p:cNvSpPr>
-            <a:spLocks noGrp="1"/>
-          </p:cNvSpPr>
-          <p:nvPr>
-            <p:ph type="sldNum" sz="quarter" idx="12"/>
-          </p:nvPr>
-        </p:nvSpPr>
-        <p:spPr/>
-        <p:txBody>
-          <a:bodyPr/>
-          <a:lstStyle/>
-          <a:p>
-            <a:fld id="{03EB2D0A-B747-4CE5-865B-E5367722D1F0}" type="slidenum">
-              <a:rPr lang="en-US" altLang="ja-JP" smtClean="0"/>
-              <a:pPr/>
-              <a:t>6</a:t>
             </a:fld>
             <a:endParaRPr lang="en-US" altLang="ja-JP"/>
           </a:p>
@@ -16224,7 +17112,7 @@
 </p:sld>
 </file>
 
-<file path=ppt/slides/slide7.xml><?xml version="1.0" encoding="utf-8"?>
+<file path=ppt/slides/slide6.xml><?xml version="1.0" encoding="utf-8"?>
 <p:sld xmlns:a="http://schemas.openxmlformats.org/drawingml/2006/main" xmlns:r="http://schemas.openxmlformats.org/officeDocument/2006/relationships" xmlns:p="http://schemas.openxmlformats.org/presentationml/2006/main">
   <p:cSld>
     <p:spTree>
@@ -16281,14 +17169,14 @@
             <p:ph idx="1"/>
             <p:extLst>
               <p:ext uri="{D42A27DB-BD31-4B8C-83A1-F6EECF244321}">
-                <p14:modId xmlns:p14="http://schemas.microsoft.com/office/powerpoint/2010/main" val="473591152"/>
+                <p14:modId xmlns:p14="http://schemas.microsoft.com/office/powerpoint/2010/main" val="1230779570"/>
               </p:ext>
             </p:extLst>
           </p:nvPr>
         </p:nvGraphicFramePr>
         <p:xfrm>
           <a:off x="395536" y="1309410"/>
-          <a:ext cx="5040600" cy="4694129"/>
+          <a:ext cx="5040600" cy="4966922"/>
         </p:xfrm>
         <a:graphic>
           <a:graphicData uri="http://schemas.openxmlformats.org/drawingml/2006/table">
@@ -16312,12 +17200,12 @@
                         </a:spcAft>
                       </a:pPr>
                       <a:r>
-                        <a:rPr lang="ja-JP" sz="1200" kern="0" dirty="0">
+                        <a:rPr lang="ja-JP" sz="1600" kern="0" dirty="0">
                           <a:effectLst/>
                         </a:rPr>
                         <a:t>ツール</a:t>
                       </a:r>
-                      <a:endParaRPr lang="ja-JP" sz="1200" kern="100" dirty="0">
+                      <a:endParaRPr lang="ja-JP" sz="1600" kern="100" dirty="0">
                         <a:effectLst/>
                         <a:latin typeface="Century"/>
                         <a:ea typeface="ＭＳ 明朝"/>
@@ -16338,12 +17226,12 @@
                         </a:spcAft>
                       </a:pPr>
                       <a:r>
-                        <a:rPr lang="ja-JP" sz="1200" kern="0">
+                        <a:rPr lang="ja-JP" sz="1600" kern="0" dirty="0">
                           <a:effectLst/>
                         </a:rPr>
                         <a:t>内容</a:t>
                       </a:r>
-                      <a:endParaRPr lang="ja-JP" sz="1200" kern="100">
+                      <a:endParaRPr lang="ja-JP" sz="1600" kern="100" dirty="0">
                         <a:effectLst/>
                         <a:latin typeface="Century"/>
                         <a:ea typeface="ＭＳ 明朝"/>
@@ -16366,12 +17254,12 @@
                         </a:spcAft>
                       </a:pPr>
                       <a:r>
-                        <a:rPr lang="ja-JP" sz="1200" kern="0" dirty="0">
+                        <a:rPr lang="ja-JP" sz="1600" kern="0" dirty="0">
                           <a:effectLst/>
                         </a:rPr>
                         <a:t>ソースコード</a:t>
                       </a:r>
-                      <a:endParaRPr lang="ja-JP" sz="1200" kern="100" dirty="0">
+                      <a:endParaRPr lang="ja-JP" sz="1600" kern="100" dirty="0">
                         <a:effectLst/>
                         <a:latin typeface="Century"/>
                         <a:ea typeface="ＭＳ 明朝"/>
@@ -16432,12 +17320,28 @@
                         </a:spcAft>
                       </a:pPr>
                       <a:r>
-                        <a:rPr lang="ja-JP" sz="1200" kern="0" dirty="0">
+                        <a:rPr lang="ja-JP" sz="1600" kern="0" dirty="0" smtClean="0">
                           <a:effectLst/>
                         </a:rPr>
-                        <a:t>コードインスペクション</a:t>
+                        <a:t>コード</a:t>
                       </a:r>
-                      <a:endParaRPr lang="ja-JP" sz="1200" kern="100" dirty="0">
+                      <a:endParaRPr lang="en-US" altLang="ja-JP" sz="1600" kern="0" dirty="0" smtClean="0">
+                        <a:effectLst/>
+                      </a:endParaRPr>
+                    </a:p>
+                    <a:p>
+                      <a:pPr algn="just">
+                        <a:spcAft>
+                          <a:spcPts val="0"/>
+                        </a:spcAft>
+                      </a:pPr>
+                      <a:r>
+                        <a:rPr lang="ja-JP" sz="1600" kern="0" dirty="0" smtClean="0">
+                          <a:effectLst/>
+                        </a:rPr>
+                        <a:t>インスペクション</a:t>
+                      </a:r>
+                      <a:endParaRPr lang="ja-JP" sz="1600" kern="100" dirty="0">
                         <a:effectLst/>
                         <a:latin typeface="Century"/>
                         <a:ea typeface="ＭＳ 明朝"/>
@@ -16498,12 +17402,12 @@
                         </a:spcAft>
                       </a:pPr>
                       <a:r>
-                        <a:rPr lang="ja-JP" sz="1200" kern="0" dirty="0">
+                        <a:rPr lang="ja-JP" sz="1600" kern="0" dirty="0">
                           <a:effectLst/>
                         </a:rPr>
                         <a:t>タスクボード</a:t>
                       </a:r>
-                      <a:endParaRPr lang="ja-JP" sz="1200" kern="100" dirty="0">
+                      <a:endParaRPr lang="ja-JP" sz="1600" kern="100" dirty="0">
                         <a:effectLst/>
                         <a:latin typeface="Century"/>
                         <a:ea typeface="ＭＳ 明朝"/>
@@ -16564,12 +17468,28 @@
                         </a:spcAft>
                       </a:pPr>
                       <a:r>
-                        <a:rPr lang="ja-JP" sz="1200" kern="0" dirty="0">
+                        <a:rPr lang="ja-JP" sz="1600" kern="0" dirty="0" smtClean="0">
                           <a:effectLst/>
                         </a:rPr>
-                        <a:t>バーンダウンチャート</a:t>
+                        <a:t>バーン</a:t>
                       </a:r>
-                      <a:endParaRPr lang="ja-JP" sz="1200" kern="100" dirty="0">
+                      <a:endParaRPr lang="en-US" altLang="ja-JP" sz="1600" kern="0" dirty="0" smtClean="0">
+                        <a:effectLst/>
+                      </a:endParaRPr>
+                    </a:p>
+                    <a:p>
+                      <a:pPr algn="just">
+                        <a:spcAft>
+                          <a:spcPts val="0"/>
+                        </a:spcAft>
+                      </a:pPr>
+                      <a:r>
+                        <a:rPr lang="ja-JP" sz="1600" kern="0" dirty="0" smtClean="0">
+                          <a:effectLst/>
+                        </a:rPr>
+                        <a:t>ダウンチャート</a:t>
+                      </a:r>
+                      <a:endParaRPr lang="ja-JP" sz="1600" kern="100" dirty="0">
                         <a:effectLst/>
                         <a:latin typeface="Century"/>
                         <a:ea typeface="ＭＳ 明朝"/>
@@ -16630,12 +17550,34 @@
                         </a:spcAft>
                       </a:pPr>
                       <a:r>
-                        <a:rPr lang="ja-JP" sz="1200" kern="0" dirty="0">
+                        <a:rPr lang="ja-JP" sz="1600" kern="0" dirty="0">
                           <a:effectLst/>
                         </a:rPr>
-                        <a:t>ビルド，デプロイ</a:t>
+                        <a:t>ビルド</a:t>
                       </a:r>
-                      <a:endParaRPr lang="ja-JP" sz="1200" kern="100" dirty="0">
+                      <a:r>
+                        <a:rPr lang="ja-JP" sz="1600" kern="0" dirty="0" smtClean="0">
+                          <a:effectLst/>
+                        </a:rPr>
+                        <a:t>，</a:t>
+                      </a:r>
+                      <a:endParaRPr lang="en-US" altLang="ja-JP" sz="1600" kern="0" dirty="0" smtClean="0">
+                        <a:effectLst/>
+                      </a:endParaRPr>
+                    </a:p>
+                    <a:p>
+                      <a:pPr algn="just">
+                        <a:spcAft>
+                          <a:spcPts val="0"/>
+                        </a:spcAft>
+                      </a:pPr>
+                      <a:r>
+                        <a:rPr lang="ja-JP" sz="1600" kern="0" dirty="0" smtClean="0">
+                          <a:effectLst/>
+                        </a:rPr>
+                        <a:t>デプロイ</a:t>
+                      </a:r>
+                      <a:endParaRPr lang="ja-JP" sz="1600" kern="100" dirty="0">
                         <a:effectLst/>
                         <a:latin typeface="Century"/>
                         <a:ea typeface="ＭＳ 明朝"/>
@@ -16696,12 +17638,12 @@
                         </a:spcAft>
                       </a:pPr>
                       <a:r>
-                        <a:rPr lang="ja-JP" sz="1200" kern="0">
+                        <a:rPr lang="ja-JP" sz="1600" kern="0" dirty="0">
                           <a:effectLst/>
                         </a:rPr>
                         <a:t>テスト</a:t>
                       </a:r>
-                      <a:endParaRPr lang="ja-JP" sz="1200" kern="100">
+                      <a:endParaRPr lang="ja-JP" sz="1600" kern="100" dirty="0">
                         <a:effectLst/>
                         <a:latin typeface="Century"/>
                         <a:ea typeface="ＭＳ 明朝"/>
@@ -16762,12 +17704,12 @@
                         </a:spcAft>
                       </a:pPr>
                       <a:r>
-                        <a:rPr lang="ja-JP" sz="1200" kern="0" dirty="0">
+                        <a:rPr lang="ja-JP" sz="1600" kern="0" dirty="0">
                           <a:effectLst/>
                         </a:rPr>
                         <a:t>常時結合</a:t>
                       </a:r>
-                      <a:endParaRPr lang="ja-JP" sz="1200" kern="100" dirty="0">
+                      <a:endParaRPr lang="ja-JP" sz="1600" kern="100" dirty="0">
                         <a:effectLst/>
                         <a:latin typeface="Century"/>
                         <a:ea typeface="ＭＳ 明朝"/>
@@ -16828,12 +17770,12 @@
                         </a:spcAft>
                       </a:pPr>
                       <a:r>
-                        <a:rPr lang="ja-JP" sz="1200" kern="0">
+                        <a:rPr lang="ja-JP" sz="1600" kern="0" dirty="0">
                           <a:effectLst/>
                         </a:rPr>
                         <a:t>バージョン管理</a:t>
                       </a:r>
-                      <a:endParaRPr lang="ja-JP" sz="1200" kern="100">
+                      <a:endParaRPr lang="ja-JP" sz="1600" kern="100" dirty="0">
                         <a:effectLst/>
                         <a:latin typeface="Century"/>
                         <a:ea typeface="ＭＳ 明朝"/>
@@ -16894,12 +17836,12 @@
                         </a:spcAft>
                       </a:pPr>
                       <a:r>
-                        <a:rPr lang="ja-JP" altLang="en-US" sz="1200" kern="100" dirty="0" smtClean="0">
+                        <a:rPr lang="ja-JP" altLang="en-US" sz="1600" kern="100" dirty="0" smtClean="0">
                           <a:effectLst/>
                         </a:rPr>
                         <a:t>リファクタリング</a:t>
                       </a:r>
-                      <a:endParaRPr lang="ja-JP" sz="1200" kern="100" dirty="0">
+                      <a:endParaRPr lang="ja-JP" sz="1600" kern="100" dirty="0">
                         <a:effectLst/>
                         <a:latin typeface="Century"/>
                         <a:ea typeface="ＭＳ 明朝"/>
@@ -16945,7 +17887,7 @@
                         </a:spcAft>
                       </a:pPr>
                       <a:r>
-                        <a:rPr lang="en-US" altLang="ja-JP" sz="1200" b="1" kern="100" dirty="0" smtClean="0">
+                        <a:rPr lang="en-US" altLang="ja-JP" sz="1600" b="1" kern="100" dirty="0" smtClean="0">
                           <a:effectLst/>
                           <a:latin typeface="ＭＳ Ｐゴシック" panose="020B0600070205080204" pitchFamily="50" charset="-128"/>
                           <a:ea typeface="ＭＳ Ｐゴシック" panose="020B0600070205080204" pitchFamily="50" charset="-128"/>
@@ -16953,7 +17895,7 @@
                         </a:rPr>
                         <a:t>wiki</a:t>
                       </a:r>
-                      <a:endParaRPr lang="ja-JP" sz="1200" b="1" kern="100" dirty="0">
+                      <a:endParaRPr lang="ja-JP" sz="1600" b="1" kern="100" dirty="0">
                         <a:effectLst/>
                         <a:latin typeface="ＭＳ Ｐゴシック" panose="020B0600070205080204" pitchFamily="50" charset="-128"/>
                         <a:ea typeface="ＭＳ Ｐゴシック" panose="020B0600070205080204" pitchFamily="50" charset="-128"/>
@@ -17054,7 +17996,7 @@
             <a:fld id="{B00D3F2E-DE63-47B2-B880-D31FF3972C3E}" type="slidenum">
               <a:rPr lang="en-US" altLang="ja-JP" smtClean="0"/>
               <a:pPr/>
-              <a:t>7</a:t>
+              <a:t>6</a:t>
             </a:fld>
             <a:endParaRPr lang="en-US" altLang="ja-JP"/>
           </a:p>
@@ -17203,6 +18145,245 @@
     <p:extLst>
       <p:ext uri="{BB962C8B-B14F-4D97-AF65-F5344CB8AC3E}">
         <p14:creationId xmlns:p14="http://schemas.microsoft.com/office/powerpoint/2010/main" val="274655748"/>
+      </p:ext>
+    </p:extLst>
+  </p:cSld>
+  <p:clrMapOvr>
+    <a:masterClrMapping/>
+  </p:clrMapOvr>
+  <p:timing>
+    <p:tnLst>
+      <p:par>
+        <p:cTn id="1" dur="indefinite" restart="never" nodeType="tmRoot"/>
+      </p:par>
+    </p:tnLst>
+  </p:timing>
+</p:sld>
+</file>
+
+<file path=ppt/slides/slide7.xml><?xml version="1.0" encoding="utf-8"?>
+<p:sld xmlns:a="http://schemas.openxmlformats.org/drawingml/2006/main" xmlns:r="http://schemas.openxmlformats.org/officeDocument/2006/relationships" xmlns:p="http://schemas.openxmlformats.org/presentationml/2006/main">
+  <p:cSld>
+    <p:spTree>
+      <p:nvGrpSpPr>
+        <p:cNvPr id="1" name=""/>
+        <p:cNvGrpSpPr/>
+        <p:nvPr/>
+      </p:nvGrpSpPr>
+      <p:grpSpPr>
+        <a:xfrm>
+          <a:off x="0" y="0"/>
+          <a:ext cx="0" cy="0"/>
+          <a:chOff x="0" y="0"/>
+          <a:chExt cx="0" cy="0"/>
+        </a:xfrm>
+      </p:grpSpPr>
+      <p:sp>
+        <p:nvSpPr>
+          <p:cNvPr id="2" name="タイトル 1"/>
+          <p:cNvSpPr>
+            <a:spLocks noGrp="1"/>
+          </p:cNvSpPr>
+          <p:nvPr>
+            <p:ph type="title"/>
+          </p:nvPr>
+        </p:nvSpPr>
+        <p:spPr/>
+        <p:txBody>
+          <a:bodyPr/>
+          <a:lstStyle/>
+          <a:p>
+            <a:r>
+              <a:rPr lang="en-US" altLang="ja-JP" dirty="0"/>
+              <a:t>LMS</a:t>
+            </a:r>
+            <a:endParaRPr kumimoji="1" lang="ja-JP" altLang="en-US" dirty="0"/>
+          </a:p>
+        </p:txBody>
+      </p:sp>
+      <p:sp>
+        <p:nvSpPr>
+          <p:cNvPr id="3" name="コンテンツ プレースホルダー 2"/>
+          <p:cNvSpPr>
+            <a:spLocks noGrp="1"/>
+          </p:cNvSpPr>
+          <p:nvPr>
+            <p:ph idx="1"/>
+          </p:nvPr>
+        </p:nvSpPr>
+        <p:spPr>
+          <a:xfrm>
+            <a:off x="457200" y="1600200"/>
+            <a:ext cx="8229600" cy="4709120"/>
+          </a:xfrm>
+        </p:spPr>
+        <p:txBody>
+          <a:bodyPr/>
+          <a:lstStyle/>
+          <a:p>
+            <a:pPr marL="0" indent="0">
+              <a:buNone/>
+            </a:pPr>
+            <a:r>
+              <a:rPr lang="en-US" altLang="ja-JP" sz="2800" dirty="0" smtClean="0"/>
+              <a:t>LMS</a:t>
+            </a:r>
+            <a:r>
+              <a:rPr lang="ja-JP" altLang="en-US" sz="2800" dirty="0" smtClean="0"/>
+              <a:t>を利用すると．．．</a:t>
+            </a:r>
+            <a:endParaRPr lang="en-US" altLang="ja-JP" sz="2800" dirty="0" smtClean="0"/>
+          </a:p>
+          <a:p>
+            <a:pPr marL="0" indent="0">
+              <a:buNone/>
+            </a:pPr>
+            <a:endParaRPr kumimoji="1" lang="en-US" altLang="ja-JP" sz="2800" dirty="0" smtClean="0"/>
+          </a:p>
+          <a:p>
+            <a:r>
+              <a:rPr kumimoji="1" lang="ja-JP" altLang="en-US" sz="2800" dirty="0" smtClean="0"/>
+              <a:t>時間や場所に縛られない</a:t>
+            </a:r>
+            <a:endParaRPr kumimoji="1" lang="en-US" altLang="ja-JP" sz="2800" dirty="0" smtClean="0"/>
+          </a:p>
+          <a:p>
+            <a:r>
+              <a:rPr lang="ja-JP" altLang="en-US" sz="2800" dirty="0" smtClean="0"/>
+              <a:t>簡単に行動の詳細が把握できる</a:t>
+            </a:r>
+            <a:endParaRPr lang="en-US" altLang="ja-JP" sz="2800" dirty="0" smtClean="0"/>
+          </a:p>
+          <a:p>
+            <a:pPr marL="0" indent="0">
+              <a:buNone/>
+            </a:pPr>
+            <a:r>
+              <a:rPr kumimoji="1" lang="ja-JP" altLang="en-US" sz="2800" dirty="0" smtClean="0"/>
+              <a:t>　</a:t>
+            </a:r>
+            <a:endParaRPr kumimoji="1" lang="en-US" altLang="ja-JP" sz="2800" dirty="0" smtClean="0"/>
+          </a:p>
+          <a:p>
+            <a:r>
+              <a:rPr kumimoji="1" lang="ja-JP" altLang="en-US" sz="2800" dirty="0" smtClean="0"/>
+              <a:t>サーバに行動が記録される</a:t>
+            </a:r>
+            <a:endParaRPr kumimoji="1" lang="en-US" altLang="ja-JP" sz="2800" dirty="0" smtClean="0"/>
+          </a:p>
+          <a:p>
+            <a:pPr marL="0" indent="0">
+              <a:buNone/>
+            </a:pPr>
+            <a:endParaRPr lang="en-US" altLang="ja-JP" sz="2800" dirty="0"/>
+          </a:p>
+          <a:p>
+            <a:pPr marL="0" indent="0">
+              <a:buNone/>
+            </a:pPr>
+            <a:endParaRPr kumimoji="1" lang="en-US" altLang="ja-JP" sz="2800" dirty="0" smtClean="0"/>
+          </a:p>
+          <a:p>
+            <a:pPr marL="0" indent="0">
+              <a:buNone/>
+            </a:pPr>
+            <a:r>
+              <a:rPr lang="ja-JP" altLang="en-US" sz="2800" dirty="0"/>
+              <a:t>　</a:t>
+            </a:r>
+            <a:r>
+              <a:rPr lang="ja-JP" altLang="en-US" sz="2800" dirty="0" smtClean="0"/>
+              <a:t>ポートフォリオを作成することが可能</a:t>
+            </a:r>
+            <a:endParaRPr kumimoji="1" lang="en-US" altLang="ja-JP" sz="2800" dirty="0" smtClean="0"/>
+          </a:p>
+        </p:txBody>
+      </p:sp>
+      <p:sp>
+        <p:nvSpPr>
+          <p:cNvPr id="4" name="スライド番号プレースホルダー 3"/>
+          <p:cNvSpPr>
+            <a:spLocks noGrp="1"/>
+          </p:cNvSpPr>
+          <p:nvPr>
+            <p:ph type="sldNum" sz="quarter" idx="12"/>
+          </p:nvPr>
+        </p:nvSpPr>
+        <p:spPr/>
+        <p:txBody>
+          <a:bodyPr/>
+          <a:lstStyle/>
+          <a:p>
+            <a:fld id="{03EB2D0A-B747-4CE5-865B-E5367722D1F0}" type="slidenum">
+              <a:rPr lang="en-US" altLang="ja-JP" smtClean="0"/>
+              <a:pPr/>
+              <a:t>7</a:t>
+            </a:fld>
+            <a:endParaRPr lang="en-US" altLang="ja-JP"/>
+          </a:p>
+        </p:txBody>
+      </p:sp>
+      <p:sp>
+        <p:nvSpPr>
+          <p:cNvPr id="5" name="下矢印 4"/>
+          <p:cNvSpPr/>
+          <p:nvPr/>
+        </p:nvSpPr>
+        <p:spPr>
+          <a:xfrm>
+            <a:off x="2447763" y="4941168"/>
+            <a:ext cx="576066" cy="576062"/>
+          </a:xfrm>
+          <a:prstGeom prst="downArrow">
+            <a:avLst>
+              <a:gd name="adj1" fmla="val 50000"/>
+              <a:gd name="adj2" fmla="val 48432"/>
+            </a:avLst>
+          </a:prstGeom>
+          <a:solidFill>
+            <a:schemeClr val="accent2">
+              <a:lumMod val="40000"/>
+              <a:lumOff val="60000"/>
+            </a:schemeClr>
+          </a:solidFill>
+          <a:ln>
+            <a:solidFill>
+              <a:schemeClr val="accent2">
+                <a:lumMod val="40000"/>
+                <a:lumOff val="60000"/>
+              </a:schemeClr>
+            </a:solidFill>
+          </a:ln>
+        </p:spPr>
+        <p:style>
+          <a:lnRef idx="2">
+            <a:schemeClr val="accent1">
+              <a:shade val="50000"/>
+            </a:schemeClr>
+          </a:lnRef>
+          <a:fillRef idx="1">
+            <a:schemeClr val="accent1"/>
+          </a:fillRef>
+          <a:effectRef idx="0">
+            <a:schemeClr val="accent1"/>
+          </a:effectRef>
+          <a:fontRef idx="minor">
+            <a:schemeClr val="lt1"/>
+          </a:fontRef>
+        </p:style>
+        <p:txBody>
+          <a:bodyPr rtlCol="0" anchor="ctr"/>
+          <a:lstStyle/>
+          <a:p>
+            <a:pPr algn="ctr"/>
+            <a:endParaRPr kumimoji="1" lang="ja-JP" altLang="en-US"/>
+          </a:p>
+        </p:txBody>
+      </p:sp>
+    </p:spTree>
+    <p:extLst>
+      <p:ext uri="{BB962C8B-B14F-4D97-AF65-F5344CB8AC3E}">
+        <p14:creationId xmlns:p14="http://schemas.microsoft.com/office/powerpoint/2010/main" val="1348833814"/>
       </p:ext>
     </p:extLst>
   </p:cSld>
@@ -17252,7 +18433,7 @@
           <a:lstStyle/>
           <a:p>
             <a:r>
-              <a:rPr lang="ja-JP" altLang="en-US" dirty="0"/>
+              <a:rPr kumimoji="1" lang="ja-JP" altLang="en-US" dirty="0" smtClean="0"/>
               <a:t>現状</a:t>
             </a:r>
             <a:endParaRPr kumimoji="1" lang="ja-JP" altLang="en-US" dirty="0"/>
@@ -17283,119 +18464,10 @@
           </a:p>
         </p:txBody>
       </p:sp>
-      <p:pic>
-        <p:nvPicPr>
-          <p:cNvPr id="5" name="図 4"/>
-          <p:cNvPicPr>
-            <a:picLocks noChangeAspect="1"/>
-          </p:cNvPicPr>
-          <p:nvPr/>
-        </p:nvPicPr>
-        <p:blipFill>
-          <a:blip r:embed="rId3">
-            <a:extLst>
-              <a:ext uri="{28A0092B-C50C-407E-A947-70E740481C1C}">
-                <a14:useLocalDpi xmlns:a14="http://schemas.microsoft.com/office/drawing/2010/main" val="0"/>
-              </a:ext>
-            </a:extLst>
-          </a:blip>
-          <a:stretch>
-            <a:fillRect/>
-          </a:stretch>
-        </p:blipFill>
-        <p:spPr>
-          <a:xfrm>
-            <a:off x="611560" y="1515864"/>
-            <a:ext cx="3804906" cy="5112568"/>
-          </a:xfrm>
-          <a:prstGeom prst="rect">
-            <a:avLst/>
-          </a:prstGeom>
-        </p:spPr>
-      </p:pic>
-      <p:sp>
-        <p:nvSpPr>
-          <p:cNvPr id="8" name="左矢印吹き出し 7"/>
-          <p:cNvSpPr/>
-          <p:nvPr/>
-        </p:nvSpPr>
-        <p:spPr>
-          <a:xfrm>
-            <a:off x="4499992" y="2492896"/>
-            <a:ext cx="4248472" cy="2736304"/>
-          </a:xfrm>
-          <a:prstGeom prst="leftArrowCallout">
-            <a:avLst>
-              <a:gd name="adj1" fmla="val 13861"/>
-              <a:gd name="adj2" fmla="val 25000"/>
-              <a:gd name="adj3" fmla="val 25000"/>
-              <a:gd name="adj4" fmla="val 70016"/>
-            </a:avLst>
-          </a:prstGeom>
-        </p:spPr>
-        <p:style>
-          <a:lnRef idx="2">
-            <a:schemeClr val="accent2"/>
-          </a:lnRef>
-          <a:fillRef idx="1">
-            <a:schemeClr val="lt1"/>
-          </a:fillRef>
-          <a:effectRef idx="0">
-            <a:schemeClr val="accent2"/>
-          </a:effectRef>
-          <a:fontRef idx="minor">
-            <a:schemeClr val="dk1"/>
-          </a:fontRef>
-        </p:style>
-        <p:txBody>
-          <a:bodyPr rtlCol="0" anchor="ctr"/>
-          <a:lstStyle/>
-          <a:p>
-            <a:pPr algn="ctr"/>
-            <a:r>
-              <a:rPr kumimoji="1" lang="en-US" altLang="ja-JP" sz="2400" dirty="0" smtClean="0"/>
-              <a:t>GitHub</a:t>
-            </a:r>
-            <a:r>
-              <a:rPr kumimoji="1" lang="ja-JP" altLang="en-US" sz="2400" dirty="0" smtClean="0"/>
-              <a:t>上のログは</a:t>
-            </a:r>
-            <a:endParaRPr kumimoji="1" lang="en-US" altLang="ja-JP" sz="2400" dirty="0" smtClean="0"/>
-          </a:p>
-          <a:p>
-            <a:pPr algn="ctr"/>
-            <a:r>
-              <a:rPr lang="ja-JP" altLang="en-US" sz="2400" dirty="0"/>
-              <a:t>このよう</a:t>
-            </a:r>
-            <a:r>
-              <a:rPr lang="ja-JP" altLang="en-US" sz="2400" dirty="0" smtClean="0"/>
-              <a:t>に表示され</a:t>
-            </a:r>
-            <a:endParaRPr lang="en-US" altLang="ja-JP" sz="2400" dirty="0" smtClean="0"/>
-          </a:p>
-          <a:p>
-            <a:pPr algn="ctr"/>
-            <a:r>
-              <a:rPr kumimoji="1" lang="ja-JP" altLang="en-US" sz="2400" dirty="0" smtClean="0"/>
-              <a:t>確認</a:t>
-            </a:r>
-            <a:r>
-              <a:rPr kumimoji="1" lang="ja-JP" altLang="en-US" sz="2400" dirty="0"/>
-              <a:t>すること</a:t>
-            </a:r>
-            <a:r>
-              <a:rPr kumimoji="1" lang="ja-JP" altLang="en-US" sz="2400" dirty="0" smtClean="0"/>
-              <a:t>ができる</a:t>
-            </a:r>
-            <a:endParaRPr kumimoji="1" lang="ja-JP" altLang="en-US" sz="2400" dirty="0"/>
-          </a:p>
-        </p:txBody>
-      </p:sp>
     </p:spTree>
     <p:extLst>
       <p:ext uri="{BB962C8B-B14F-4D97-AF65-F5344CB8AC3E}">
-        <p14:creationId xmlns:p14="http://schemas.microsoft.com/office/powerpoint/2010/main" val="1627996364"/>
+        <p14:creationId xmlns:p14="http://schemas.microsoft.com/office/powerpoint/2010/main" val="642538679"/>
       </p:ext>
     </p:extLst>
   </p:cSld>
@@ -17445,8 +18517,8 @@
           <a:lstStyle/>
           <a:p>
             <a:r>
-              <a:rPr kumimoji="1" lang="ja-JP" altLang="en-US" dirty="0" smtClean="0"/>
-              <a:t>目的</a:t>
+              <a:rPr lang="ja-JP" altLang="en-US" dirty="0"/>
+              <a:t>現状</a:t>
             </a:r>
             <a:endParaRPr kumimoji="1" lang="ja-JP" altLang="en-US" dirty="0"/>
           </a:p>
@@ -17476,55 +18548,9 @@
           </a:p>
         </p:txBody>
       </p:sp>
-      <p:sp>
-        <p:nvSpPr>
-          <p:cNvPr id="5" name="角丸四角形 4"/>
-          <p:cNvSpPr/>
-          <p:nvPr/>
-        </p:nvSpPr>
-        <p:spPr>
-          <a:xfrm>
-            <a:off x="538860" y="1700808"/>
-            <a:ext cx="2664296" cy="2880320"/>
-          </a:xfrm>
-          <a:prstGeom prst="roundRect">
-            <a:avLst/>
-          </a:prstGeom>
-        </p:spPr>
-        <p:style>
-          <a:lnRef idx="2">
-            <a:schemeClr val="accent6"/>
-          </a:lnRef>
-          <a:fillRef idx="1">
-            <a:schemeClr val="lt1"/>
-          </a:fillRef>
-          <a:effectRef idx="0">
-            <a:schemeClr val="accent6"/>
-          </a:effectRef>
-          <a:fontRef idx="minor">
-            <a:schemeClr val="dk1"/>
-          </a:fontRef>
-        </p:style>
-        <p:txBody>
-          <a:bodyPr rtlCol="0" anchor="t"/>
-          <a:lstStyle/>
-          <a:p>
-            <a:pPr algn="ctr"/>
-            <a:r>
-              <a:rPr kumimoji="1" lang="en-US" altLang="ja-JP" dirty="0" smtClean="0"/>
-              <a:t>LMS</a:t>
-            </a:r>
-            <a:r>
-              <a:rPr kumimoji="1" lang="ja-JP" altLang="en-US" dirty="0" smtClean="0"/>
-              <a:t>システム</a:t>
-            </a:r>
-            <a:endParaRPr kumimoji="1" lang="ja-JP" altLang="en-US" dirty="0"/>
-          </a:p>
-        </p:txBody>
-      </p:sp>
       <p:pic>
         <p:nvPicPr>
-          <p:cNvPr id="7" name="図 6"/>
+          <p:cNvPr id="5" name="図 4"/>
           <p:cNvPicPr>
             <a:picLocks noChangeAspect="1"/>
           </p:cNvPicPr>
@@ -17544,231 +18570,97 @@
         </p:blipFill>
         <p:spPr>
           <a:xfrm>
-            <a:off x="845798" y="2760538"/>
-            <a:ext cx="2050420" cy="985267"/>
+            <a:off x="611560" y="1515864"/>
+            <a:ext cx="3804906" cy="5112568"/>
           </a:xfrm>
           <a:prstGeom prst="rect">
             <a:avLst/>
           </a:prstGeom>
         </p:spPr>
       </p:pic>
-      <p:pic>
-        <p:nvPicPr>
-          <p:cNvPr id="9" name="図 8"/>
-          <p:cNvPicPr>
-            <a:picLocks noChangeAspect="1"/>
-          </p:cNvPicPr>
+      <p:sp>
+        <p:nvSpPr>
+          <p:cNvPr id="8" name="左矢印吹き出し 7"/>
+          <p:cNvSpPr/>
           <p:nvPr/>
-        </p:nvPicPr>
-        <p:blipFill>
-          <a:blip r:embed="rId4">
-            <a:extLst>
-              <a:ext uri="{28A0092B-C50C-407E-A947-70E740481C1C}">
-                <a14:useLocalDpi xmlns:a14="http://schemas.microsoft.com/office/drawing/2010/main" val="0"/>
-              </a:ext>
-            </a:extLst>
-          </a:blip>
-          <a:stretch>
-            <a:fillRect/>
-          </a:stretch>
-        </p:blipFill>
+        </p:nvSpPr>
         <p:spPr>
           <a:xfrm>
-            <a:off x="5962612" y="2269430"/>
-            <a:ext cx="2619375" cy="1743075"/>
+            <a:off x="4499992" y="2492896"/>
+            <a:ext cx="4248472" cy="2736304"/>
           </a:xfrm>
-          <a:prstGeom prst="rect">
-            <a:avLst/>
+          <a:prstGeom prst="leftArrowCallout">
+            <a:avLst>
+              <a:gd name="adj1" fmla="val 13861"/>
+              <a:gd name="adj2" fmla="val 25000"/>
+              <a:gd name="adj3" fmla="val 25000"/>
+              <a:gd name="adj4" fmla="val 70016"/>
+            </a:avLst>
           </a:prstGeom>
-        </p:spPr>
-      </p:pic>
-      <p:sp>
-        <p:nvSpPr>
-          <p:cNvPr id="8" name="角丸四角形 7"/>
-          <p:cNvSpPr/>
-          <p:nvPr/>
-        </p:nvSpPr>
-        <p:spPr>
-          <a:xfrm>
-            <a:off x="5940152" y="1700808"/>
-            <a:ext cx="2664296" cy="2880320"/>
-          </a:xfrm>
-          <a:prstGeom prst="roundRect">
-            <a:avLst/>
-          </a:prstGeom>
-          <a:noFill/>
         </p:spPr>
         <p:style>
           <a:lnRef idx="2">
-            <a:schemeClr val="accent6"/>
+            <a:schemeClr val="accent2"/>
           </a:lnRef>
           <a:fillRef idx="1">
             <a:schemeClr val="lt1"/>
           </a:fillRef>
           <a:effectRef idx="0">
-            <a:schemeClr val="accent6"/>
+            <a:schemeClr val="accent2"/>
           </a:effectRef>
           <a:fontRef idx="minor">
             <a:schemeClr val="dk1"/>
           </a:fontRef>
         </p:style>
         <p:txBody>
-          <a:bodyPr rtlCol="0" anchor="t"/>
-          <a:lstStyle/>
-          <a:p>
-            <a:pPr algn="ctr"/>
-            <a:r>
-              <a:rPr kumimoji="1" lang="ja-JP" altLang="en-US" dirty="0" smtClean="0"/>
-              <a:t>外部サービス</a:t>
-            </a:r>
-            <a:endParaRPr kumimoji="1" lang="ja-JP" altLang="en-US" dirty="0"/>
-          </a:p>
-        </p:txBody>
-      </p:sp>
-      <p:sp>
-        <p:nvSpPr>
-          <p:cNvPr id="19" name="左矢印 18"/>
-          <p:cNvSpPr/>
-          <p:nvPr/>
-        </p:nvSpPr>
-        <p:spPr>
-          <a:xfrm>
-            <a:off x="3552447" y="3001144"/>
-            <a:ext cx="1975051" cy="504056"/>
-          </a:xfrm>
-          <a:prstGeom prst="leftArrow">
-            <a:avLst/>
-          </a:prstGeom>
-        </p:spPr>
-        <p:style>
-          <a:lnRef idx="2">
-            <a:schemeClr val="accent1">
-              <a:shade val="50000"/>
-            </a:schemeClr>
-          </a:lnRef>
-          <a:fillRef idx="1">
-            <a:schemeClr val="accent1"/>
-          </a:fillRef>
-          <a:effectRef idx="0">
-            <a:schemeClr val="accent1"/>
-          </a:effectRef>
-          <a:fontRef idx="minor">
-            <a:schemeClr val="lt1"/>
-          </a:fontRef>
-        </p:style>
-        <p:txBody>
           <a:bodyPr rtlCol="0" anchor="ctr"/>
           <a:lstStyle/>
           <a:p>
             <a:pPr algn="ctr"/>
-            <a:endParaRPr kumimoji="1" lang="ja-JP" altLang="en-US" dirty="0"/>
-          </a:p>
-        </p:txBody>
-      </p:sp>
-      <p:pic>
-        <p:nvPicPr>
-          <p:cNvPr id="20" name="図 19"/>
-          <p:cNvPicPr>
-            <a:picLocks noChangeAspect="1"/>
-          </p:cNvPicPr>
-          <p:nvPr/>
-        </p:nvPicPr>
-        <p:blipFill>
-          <a:blip r:embed="rId5" cstate="print">
-            <a:extLst>
-              <a:ext uri="{28A0092B-C50C-407E-A947-70E740481C1C}">
-                <a14:useLocalDpi xmlns:a14="http://schemas.microsoft.com/office/drawing/2010/main" val="0"/>
-              </a:ext>
-            </a:extLst>
-          </a:blip>
-          <a:stretch>
-            <a:fillRect/>
-          </a:stretch>
-        </p:blipFill>
-        <p:spPr>
-          <a:xfrm>
-            <a:off x="3225252" y="4934276"/>
-            <a:ext cx="1884284" cy="1884284"/>
-          </a:xfrm>
-          <a:prstGeom prst="rect">
-            <a:avLst/>
-          </a:prstGeom>
-        </p:spPr>
-      </p:pic>
-      <p:sp>
-        <p:nvSpPr>
-          <p:cNvPr id="17" name="左右矢印 16"/>
-          <p:cNvSpPr/>
-          <p:nvPr/>
-        </p:nvSpPr>
-        <p:spPr>
-          <a:xfrm rot="19568521">
-            <a:off x="5032597" y="4654832"/>
-            <a:ext cx="1012684" cy="360040"/>
-          </a:xfrm>
-          <a:prstGeom prst="leftRightArrow">
-            <a:avLst/>
-          </a:prstGeom>
-        </p:spPr>
-        <p:style>
-          <a:lnRef idx="2">
-            <a:schemeClr val="accent1">
-              <a:shade val="50000"/>
-            </a:schemeClr>
-          </a:lnRef>
-          <a:fillRef idx="1">
-            <a:schemeClr val="accent1"/>
-          </a:fillRef>
-          <a:effectRef idx="0">
-            <a:schemeClr val="accent1"/>
-          </a:effectRef>
-          <a:fontRef idx="minor">
-            <a:schemeClr val="lt1"/>
-          </a:fontRef>
-        </p:style>
-        <p:txBody>
-          <a:bodyPr rtlCol="0" anchor="ctr"/>
-          <a:lstStyle/>
+            <a:r>
+              <a:rPr kumimoji="1" lang="en-US" altLang="ja-JP" sz="2400" dirty="0" smtClean="0"/>
+              <a:t>GitHub</a:t>
+            </a:r>
+            <a:r>
+              <a:rPr kumimoji="1" lang="ja-JP" altLang="en-US" sz="2400" dirty="0" smtClean="0"/>
+              <a:t>上のログは</a:t>
+            </a:r>
+            <a:endParaRPr kumimoji="1" lang="en-US" altLang="ja-JP" sz="2400" dirty="0" smtClean="0"/>
+          </a:p>
           <a:p>
             <a:pPr algn="ctr"/>
-            <a:endParaRPr kumimoji="1" lang="ja-JP" altLang="en-US"/>
-          </a:p>
-        </p:txBody>
-      </p:sp>
-      <p:sp>
-        <p:nvSpPr>
-          <p:cNvPr id="21" name="テキスト ボックス 20"/>
-          <p:cNvSpPr txBox="1"/>
-          <p:nvPr/>
-        </p:nvSpPr>
-        <p:spPr>
-          <a:xfrm>
-            <a:off x="4045550" y="2680608"/>
-            <a:ext cx="1063112" cy="369332"/>
-          </a:xfrm>
-          <a:prstGeom prst="rect">
-            <a:avLst/>
-          </a:prstGeom>
-          <a:noFill/>
-        </p:spPr>
-        <p:txBody>
-          <a:bodyPr wrap="none" rtlCol="0">
-            <a:spAutoFit/>
-          </a:bodyPr>
-          <a:lstStyle/>
-          <a:p>
-            <a:r>
-              <a:rPr kumimoji="1" lang="ja-JP" altLang="en-US" dirty="0" smtClean="0"/>
-              <a:t>ログ表示</a:t>
-            </a:r>
-            <a:endParaRPr kumimoji="1" lang="ja-JP" altLang="en-US" dirty="0"/>
+            <a:r>
+              <a:rPr lang="ja-JP" altLang="en-US" sz="2400" dirty="0"/>
+              <a:t>このよう</a:t>
+            </a:r>
+            <a:r>
+              <a:rPr lang="ja-JP" altLang="en-US" sz="2400" dirty="0" smtClean="0"/>
+              <a:t>に表示され</a:t>
+            </a:r>
+            <a:endParaRPr lang="en-US" altLang="ja-JP" sz="2400" dirty="0" smtClean="0"/>
+          </a:p>
+          <a:p>
+            <a:pPr algn="ctr"/>
+            <a:r>
+              <a:rPr kumimoji="1" lang="ja-JP" altLang="en-US" sz="2400" dirty="0" smtClean="0"/>
+              <a:t>確認</a:t>
+            </a:r>
+            <a:r>
+              <a:rPr kumimoji="1" lang="ja-JP" altLang="en-US" sz="2400" dirty="0"/>
+              <a:t>すること</a:t>
+            </a:r>
+            <a:r>
+              <a:rPr kumimoji="1" lang="ja-JP" altLang="en-US" sz="2400" dirty="0" smtClean="0"/>
+              <a:t>ができる</a:t>
+            </a:r>
+            <a:endParaRPr kumimoji="1" lang="ja-JP" altLang="en-US" sz="2400" dirty="0"/>
           </a:p>
         </p:txBody>
       </p:sp>
     </p:spTree>
     <p:extLst>
       <p:ext uri="{BB962C8B-B14F-4D97-AF65-F5344CB8AC3E}">
-        <p14:creationId xmlns:p14="http://schemas.microsoft.com/office/powerpoint/2010/main" val="2279212566"/>
+        <p14:creationId xmlns:p14="http://schemas.microsoft.com/office/powerpoint/2010/main" val="1627996364"/>
       </p:ext>
     </p:extLst>
   </p:cSld>

--- a/卒業論文/2012/野口杏子/最終発表.pptx
+++ b/卒業論文/2012/野口杏子/最終発表.pptx
@@ -12438,21 +12438,32 @@
           <a:lstStyle/>
           <a:p>
             <a:r>
-              <a:rPr lang="ja-JP" altLang="en-US" sz="2800" dirty="0" smtClean="0"/>
-              <a:t>矢吹研究室</a:t>
-            </a:r>
-            <a:endParaRPr lang="en-US" altLang="ja-JP" sz="2800" dirty="0" smtClean="0"/>
-          </a:p>
-          <a:p>
-            <a:r>
-              <a:rPr lang="en-US" altLang="ja-JP" sz="2800" dirty="0" smtClean="0"/>
+              <a:rPr lang="ja-JP" altLang="en-US" sz="2400" dirty="0" smtClean="0"/>
+              <a:t>プロジェクトマネジメント学科</a:t>
+            </a:r>
+            <a:endParaRPr lang="en-US" altLang="ja-JP" sz="2400" dirty="0" smtClean="0"/>
+          </a:p>
+          <a:p>
+            <a:r>
+              <a:rPr lang="ja-JP" altLang="en-US" sz="2400" dirty="0" smtClean="0"/>
+              <a:t>矢吹</a:t>
+            </a:r>
+            <a:r>
+              <a:rPr lang="ja-JP" altLang="en-US" sz="2400" dirty="0" smtClean="0"/>
+              <a:t>研究室</a:t>
+            </a:r>
+            <a:endParaRPr lang="en-US" altLang="ja-JP" sz="2400" dirty="0" smtClean="0"/>
+          </a:p>
+          <a:p>
+            <a:r>
+              <a:rPr lang="en-US" altLang="ja-JP" sz="2400" dirty="0" smtClean="0"/>
               <a:t>1042098 </a:t>
             </a:r>
             <a:r>
-              <a:rPr lang="ja-JP" altLang="en-US" sz="2800" dirty="0" smtClean="0"/>
+              <a:rPr lang="ja-JP" altLang="en-US" sz="2400" dirty="0" smtClean="0"/>
               <a:t>野口杏子</a:t>
             </a:r>
-            <a:endParaRPr lang="en-US" altLang="ja-JP" sz="2800" dirty="0"/>
+            <a:endParaRPr lang="en-US" altLang="ja-JP" sz="2400" dirty="0"/>
           </a:p>
         </p:txBody>
       </p:sp>
@@ -15912,6 +15923,13 @@
           </a:p>
           <a:p>
             <a:r>
+              <a:rPr lang="ja-JP" altLang="en-US" sz="2800" dirty="0"/>
+              <a:t>展望</a:t>
+            </a:r>
+            <a:endParaRPr kumimoji="1" lang="en-US" altLang="ja-JP" sz="2800" dirty="0" smtClean="0"/>
+          </a:p>
+          <a:p>
+            <a:r>
               <a:rPr lang="ja-JP" altLang="en-US" sz="2800" dirty="0" smtClean="0"/>
               <a:t>結論</a:t>
             </a:r>
@@ -18461,6 +18479,111 @@
               <a:t>8</a:t>
             </a:fld>
             <a:endParaRPr lang="en-US" altLang="ja-JP"/>
+          </a:p>
+        </p:txBody>
+      </p:sp>
+      <p:pic>
+        <p:nvPicPr>
+          <p:cNvPr id="3" name="図 2"/>
+          <p:cNvPicPr>
+            <a:picLocks noChangeAspect="1"/>
+          </p:cNvPicPr>
+          <p:nvPr/>
+        </p:nvPicPr>
+        <p:blipFill>
+          <a:blip r:embed="rId2">
+            <a:extLst>
+              <a:ext uri="{28A0092B-C50C-407E-A947-70E740481C1C}">
+                <a14:useLocalDpi xmlns:a14="http://schemas.microsoft.com/office/drawing/2010/main" val="0"/>
+              </a:ext>
+            </a:extLst>
+          </a:blip>
+          <a:stretch>
+            <a:fillRect/>
+          </a:stretch>
+        </p:blipFill>
+        <p:spPr>
+          <a:xfrm>
+            <a:off x="323528" y="1556792"/>
+            <a:ext cx="5904656" cy="4844851"/>
+          </a:xfrm>
+          <a:prstGeom prst="rect">
+            <a:avLst/>
+          </a:prstGeom>
+        </p:spPr>
+      </p:pic>
+      <p:sp>
+        <p:nvSpPr>
+          <p:cNvPr id="6" name="左矢印吹き出し 5"/>
+          <p:cNvSpPr/>
+          <p:nvPr/>
+        </p:nvSpPr>
+        <p:spPr>
+          <a:xfrm>
+            <a:off x="5436096" y="3789040"/>
+            <a:ext cx="3471192" cy="2232248"/>
+          </a:xfrm>
+          <a:prstGeom prst="leftArrowCallout">
+            <a:avLst>
+              <a:gd name="adj1" fmla="val 13861"/>
+              <a:gd name="adj2" fmla="val 25000"/>
+              <a:gd name="adj3" fmla="val 25000"/>
+              <a:gd name="adj4" fmla="val 61635"/>
+            </a:avLst>
+          </a:prstGeom>
+        </p:spPr>
+        <p:style>
+          <a:lnRef idx="2">
+            <a:schemeClr val="accent2"/>
+          </a:lnRef>
+          <a:fillRef idx="1">
+            <a:schemeClr val="lt1"/>
+          </a:fillRef>
+          <a:effectRef idx="0">
+            <a:schemeClr val="accent2"/>
+          </a:effectRef>
+          <a:fontRef idx="minor">
+            <a:schemeClr val="dk1"/>
+          </a:fontRef>
+        </p:style>
+        <p:txBody>
+          <a:bodyPr rtlCol="0" anchor="ctr"/>
+          <a:lstStyle/>
+          <a:p>
+            <a:pPr algn="ctr"/>
+            <a:r>
+              <a:rPr lang="en-US" altLang="ja-JP" sz="2000" dirty="0" smtClean="0"/>
+              <a:t>Moodle</a:t>
+            </a:r>
+            <a:r>
+              <a:rPr kumimoji="1" lang="ja-JP" altLang="en-US" sz="2000" dirty="0" smtClean="0"/>
+              <a:t>のログ</a:t>
+            </a:r>
+            <a:r>
+              <a:rPr kumimoji="1" lang="ja-JP" altLang="en-US" sz="2000" dirty="0" smtClean="0"/>
+              <a:t>は</a:t>
+            </a:r>
+            <a:endParaRPr kumimoji="1" lang="en-US" altLang="ja-JP" sz="2000" dirty="0" smtClean="0"/>
+          </a:p>
+          <a:p>
+            <a:pPr algn="ctr"/>
+            <a:r>
+              <a:rPr lang="ja-JP" altLang="en-US" sz="2000" dirty="0"/>
+              <a:t>このよう</a:t>
+            </a:r>
+            <a:r>
+              <a:rPr lang="ja-JP" altLang="en-US" sz="2000" dirty="0" smtClean="0"/>
+              <a:t>に</a:t>
+            </a:r>
+            <a:endParaRPr lang="en-US" altLang="ja-JP" sz="2000" dirty="0" smtClean="0"/>
+          </a:p>
+          <a:p>
+            <a:pPr algn="ctr"/>
+            <a:r>
+              <a:rPr lang="ja-JP" altLang="en-US" sz="2000" dirty="0" smtClean="0"/>
+              <a:t>表示される</a:t>
+            </a:r>
+            <a:endParaRPr lang="en-US" altLang="ja-JP" sz="2000" dirty="0" smtClean="0"/>
           </a:p>
         </p:txBody>
       </p:sp>

--- a/卒業論文/2012/野口杏子/最終発表.pptx
+++ b/卒業論文/2012/野口杏子/最終発表.pptx
@@ -12446,11 +12446,7 @@
           <a:p>
             <a:r>
               <a:rPr lang="ja-JP" altLang="en-US" sz="2400" dirty="0" smtClean="0"/>
-              <a:t>矢吹</a:t>
-            </a:r>
-            <a:r>
-              <a:rPr lang="ja-JP" altLang="en-US" sz="2400" dirty="0" smtClean="0"/>
-              <a:t>研究室</a:t>
+              <a:t>矢吹研究室</a:t>
             </a:r>
             <a:endParaRPr lang="en-US" altLang="ja-JP" sz="2400" dirty="0" smtClean="0"/>
           </a:p>
@@ -15565,7 +15561,7 @@
           <a:p>
             <a:r>
               <a:rPr lang="ja-JP" altLang="en-US" dirty="0"/>
-              <a:t>結論</a:t>
+              <a:t>まとめ</a:t>
             </a:r>
             <a:endParaRPr kumimoji="1" lang="ja-JP" altLang="en-US" dirty="0"/>
           </a:p>
@@ -18557,11 +18553,7 @@
             </a:r>
             <a:r>
               <a:rPr kumimoji="1" lang="ja-JP" altLang="en-US" sz="2000" dirty="0" smtClean="0"/>
-              <a:t>のログ</a:t>
-            </a:r>
-            <a:r>
-              <a:rPr kumimoji="1" lang="ja-JP" altLang="en-US" sz="2000" dirty="0" smtClean="0"/>
-              <a:t>は</a:t>
+              <a:t>のログは</a:t>
             </a:r>
             <a:endParaRPr kumimoji="1" lang="en-US" altLang="ja-JP" sz="2000" dirty="0" smtClean="0"/>
           </a:p>

--- a/卒業論文/2012/野口杏子/最終発表.pptx
+++ b/卒業論文/2012/野口杏子/最終発表.pptx
@@ -6,27 +6,28 @@
     <p:sldMasterId id="2147483660" r:id="rId2"/>
   </p:sldMasterIdLst>
   <p:notesMasterIdLst>
-    <p:notesMasterId r:id="rId21"/>
+    <p:notesMasterId r:id="rId22"/>
   </p:notesMasterIdLst>
   <p:sldIdLst>
     <p:sldId id="256" r:id="rId3"/>
     <p:sldId id="257" r:id="rId4"/>
     <p:sldId id="258" r:id="rId5"/>
     <p:sldId id="275" r:id="rId6"/>
-    <p:sldId id="260" r:id="rId7"/>
-    <p:sldId id="269" r:id="rId8"/>
-    <p:sldId id="259" r:id="rId9"/>
-    <p:sldId id="276" r:id="rId10"/>
-    <p:sldId id="273" r:id="rId11"/>
-    <p:sldId id="261" r:id="rId12"/>
-    <p:sldId id="270" r:id="rId13"/>
-    <p:sldId id="262" r:id="rId14"/>
-    <p:sldId id="271" r:id="rId15"/>
-    <p:sldId id="272" r:id="rId16"/>
-    <p:sldId id="263" r:id="rId17"/>
-    <p:sldId id="266" r:id="rId18"/>
-    <p:sldId id="267" r:id="rId19"/>
-    <p:sldId id="274" r:id="rId20"/>
+    <p:sldId id="259" r:id="rId7"/>
+    <p:sldId id="260" r:id="rId8"/>
+    <p:sldId id="269" r:id="rId9"/>
+    <p:sldId id="277" r:id="rId10"/>
+    <p:sldId id="276" r:id="rId11"/>
+    <p:sldId id="273" r:id="rId12"/>
+    <p:sldId id="261" r:id="rId13"/>
+    <p:sldId id="270" r:id="rId14"/>
+    <p:sldId id="262" r:id="rId15"/>
+    <p:sldId id="271" r:id="rId16"/>
+    <p:sldId id="272" r:id="rId17"/>
+    <p:sldId id="263" r:id="rId18"/>
+    <p:sldId id="266" r:id="rId19"/>
+    <p:sldId id="267" r:id="rId20"/>
+    <p:sldId id="274" r:id="rId21"/>
   </p:sldIdLst>
   <p:sldSz cx="9144000" cy="6858000" type="screen4x3"/>
   <p:notesSz cx="6858000" cy="9144000"/>
@@ -3798,40 +3799,21 @@
           <a:lstStyle/>
           <a:p>
             <a:r>
-              <a:rPr kumimoji="1" lang="ja-JP" altLang="en-US" dirty="0" smtClean="0"/>
-              <a:t>しかし，どんな場面でも</a:t>
-            </a:r>
-            <a:r>
               <a:rPr kumimoji="1" lang="en-US" altLang="ja-JP" dirty="0" smtClean="0"/>
               <a:t>LMS</a:t>
             </a:r>
             <a:r>
-              <a:rPr kumimoji="1" lang="ja-JP" altLang="en-US" dirty="0" err="1" smtClean="0"/>
-              <a:t>だけ</a:t>
-            </a:r>
-            <a:r>
               <a:rPr kumimoji="1" lang="ja-JP" altLang="en-US" dirty="0" smtClean="0"/>
-              <a:t>では学ぶことはできません．</a:t>
+              <a:t>を教育現場で利用すると，学習者と教師ではなくなり，学習者とパソコンになってしまうため，学習者の行動が把握しにくいというデメリットがある．</a:t>
             </a:r>
             <a:endParaRPr kumimoji="1" lang="en-US" altLang="ja-JP" dirty="0" smtClean="0"/>
           </a:p>
           <a:p>
             <a:r>
               <a:rPr kumimoji="1" lang="ja-JP" altLang="en-US" dirty="0" smtClean="0"/>
-              <a:t>たとえば，ソフトウェア開発を学ぶ上でパソコンが必要であり，さまざまなツールを利用することが必要だが</a:t>
-            </a:r>
-            <a:endParaRPr kumimoji="1" lang="en-US" altLang="ja-JP" dirty="0" smtClean="0"/>
-          </a:p>
-          <a:p>
-            <a:r>
-              <a:rPr kumimoji="1" lang="en-US" altLang="ja-JP" dirty="0" smtClean="0"/>
-              <a:t>LMS</a:t>
-            </a:r>
-            <a:r>
-              <a:rPr kumimoji="1" lang="ja-JP" altLang="en-US" dirty="0" smtClean="0"/>
-              <a:t>はあくまで一般的な教育で必要なツールしかないため，ソフトウェア開発には対応していない．</a:t>
-            </a:r>
-            <a:endParaRPr kumimoji="1" lang="en-US" altLang="ja-JP" dirty="0" smtClean="0"/>
+              <a:t>しかし，その一方，時間や場所に縛られなく学習することが可能であり，その中での行動が把握することができるといったメリットがあります．</a:t>
+            </a:r>
+            <a:endParaRPr kumimoji="1" lang="ja-JP" altLang="en-US" dirty="0"/>
           </a:p>
         </p:txBody>
       </p:sp>
@@ -3861,7 +3843,7 @@
     </p:spTree>
     <p:extLst>
       <p:ext uri="{BB962C8B-B14F-4D97-AF65-F5344CB8AC3E}">
-        <p14:creationId xmlns:p14="http://schemas.microsoft.com/office/powerpoint/2010/main" val="3252736391"/>
+        <p14:creationId xmlns:p14="http://schemas.microsoft.com/office/powerpoint/2010/main" val="2984603310"/>
       </p:ext>
     </p:extLst>
   </p:cSld>
@@ -3917,52 +3899,39 @@
           <a:p>
             <a:r>
               <a:rPr kumimoji="1" lang="ja-JP" altLang="en-US" dirty="0" smtClean="0"/>
-              <a:t>具体的にソフトウェア開発に必要なツールは，表の</a:t>
-            </a:r>
-            <a:r>
-              <a:rPr kumimoji="1" lang="ja-JP" altLang="en-US" dirty="0" err="1" smtClean="0"/>
-              <a:t>．．．．ような</a:t>
-            </a:r>
-            <a:r>
-              <a:rPr kumimoji="1" lang="ja-JP" altLang="en-US" dirty="0" smtClean="0"/>
-              <a:t>ものになるが，</a:t>
-            </a:r>
-            <a:endParaRPr kumimoji="1" lang="en-US" altLang="ja-JP" dirty="0" smtClean="0"/>
-          </a:p>
-          <a:p>
+              <a:t>しかし，どんな場面でも</a:t>
+            </a:r>
             <a:r>
               <a:rPr kumimoji="1" lang="en-US" altLang="ja-JP" dirty="0" smtClean="0"/>
               <a:t>LMS</a:t>
             </a:r>
             <a:r>
               <a:rPr kumimoji="1" lang="ja-JP" altLang="en-US" dirty="0" err="1" smtClean="0"/>
-              <a:t>には</a:t>
+              <a:t>だけ</a:t>
             </a:r>
             <a:r>
               <a:rPr kumimoji="1" lang="ja-JP" altLang="en-US" dirty="0" smtClean="0"/>
-              <a:t>表にあるような機能はついていません．</a:t>
-            </a:r>
+              <a:t>では学ぶことはできません．</a:t>
+            </a:r>
+            <a:endParaRPr kumimoji="1" lang="en-US" altLang="ja-JP" dirty="0" smtClean="0"/>
+          </a:p>
+          <a:p>
+            <a:r>
+              <a:rPr kumimoji="1" lang="ja-JP" altLang="en-US" dirty="0" smtClean="0"/>
+              <a:t>たとえば，ソフトウェア開発を学ぶ上でパソコンが必要であり，さまざまなツールを利用することが必要だが</a:t>
+            </a:r>
+            <a:endParaRPr kumimoji="1" lang="en-US" altLang="ja-JP" dirty="0" smtClean="0"/>
+          </a:p>
+          <a:p>
             <a:r>
               <a:rPr kumimoji="1" lang="en-US" altLang="ja-JP" dirty="0" smtClean="0"/>
               <a:t>LMS</a:t>
             </a:r>
             <a:r>
               <a:rPr kumimoji="1" lang="ja-JP" altLang="en-US" dirty="0" smtClean="0"/>
-              <a:t>の機能にもあるのは</a:t>
-            </a:r>
-            <a:r>
-              <a:rPr kumimoji="1" lang="en-US" altLang="ja-JP" dirty="0" smtClean="0"/>
-              <a:t>wiki</a:t>
-            </a:r>
-            <a:r>
-              <a:rPr kumimoji="1" lang="ja-JP" altLang="en-US" dirty="0" err="1" smtClean="0"/>
-              <a:t>ぐらい</a:t>
-            </a:r>
-            <a:r>
-              <a:rPr kumimoji="1" lang="ja-JP" altLang="en-US" dirty="0" smtClean="0"/>
-              <a:t>だと思われます．</a:t>
-            </a:r>
-            <a:endParaRPr kumimoji="1" lang="ja-JP" altLang="en-US" dirty="0"/>
+              <a:t>はあくまで一般的な教育で必要なツールしかないため，ソフトウェア開発には対応していない．</a:t>
+            </a:r>
+            <a:endParaRPr kumimoji="1" lang="en-US" altLang="ja-JP" dirty="0" smtClean="0"/>
           </a:p>
         </p:txBody>
       </p:sp>
@@ -3992,7 +3961,7 @@
     </p:spTree>
     <p:extLst>
       <p:ext uri="{BB962C8B-B14F-4D97-AF65-F5344CB8AC3E}">
-        <p14:creationId xmlns:p14="http://schemas.microsoft.com/office/powerpoint/2010/main" val="4060556482"/>
+        <p14:creationId xmlns:p14="http://schemas.microsoft.com/office/powerpoint/2010/main" val="3252736391"/>
       </p:ext>
     </p:extLst>
   </p:cSld>
@@ -4047,19 +4016,51 @@
           <a:lstStyle/>
           <a:p>
             <a:r>
+              <a:rPr kumimoji="1" lang="ja-JP" altLang="en-US" dirty="0" smtClean="0"/>
+              <a:t>具体的にソフトウェア開発に必要なツールは，表の</a:t>
+            </a:r>
+            <a:r>
+              <a:rPr kumimoji="1" lang="ja-JP" altLang="en-US" dirty="0" err="1" smtClean="0"/>
+              <a:t>．．．．ような</a:t>
+            </a:r>
+            <a:r>
+              <a:rPr kumimoji="1" lang="ja-JP" altLang="en-US" dirty="0" smtClean="0"/>
+              <a:t>ものになるが，</a:t>
+            </a:r>
+            <a:endParaRPr kumimoji="1" lang="en-US" altLang="ja-JP" dirty="0" smtClean="0"/>
+          </a:p>
+          <a:p>
+            <a:r>
               <a:rPr kumimoji="1" lang="en-US" altLang="ja-JP" dirty="0" smtClean="0"/>
               <a:t>LMS</a:t>
             </a:r>
             <a:r>
+              <a:rPr kumimoji="1" lang="ja-JP" altLang="en-US" dirty="0" err="1" smtClean="0"/>
+              <a:t>には</a:t>
+            </a:r>
+            <a:r>
               <a:rPr kumimoji="1" lang="ja-JP" altLang="en-US" dirty="0" smtClean="0"/>
-              <a:t>を教育現場で利用すると，学習者と教師ではなくなり，学習者とパソコンになってしまうため，学習者の行動が把握しにくいというデメリットがある．</a:t>
-            </a:r>
-            <a:endParaRPr kumimoji="1" lang="en-US" altLang="ja-JP" dirty="0" smtClean="0"/>
-          </a:p>
-          <a:p>
+              <a:t>表にあるような機能はついていません．</a:t>
+            </a:r>
+            <a:r>
+              <a:rPr kumimoji="1" lang="en-US" altLang="ja-JP" dirty="0" smtClean="0"/>
+              <a:t>LMS</a:t>
+            </a:r>
             <a:r>
               <a:rPr kumimoji="1" lang="ja-JP" altLang="en-US" dirty="0" smtClean="0"/>
-              <a:t>しかし，その一方，時間や場所に縛られなく学習することが可能であり，その中での行動が把握することができるといったメリットがあります．</a:t>
+              <a:t>の機能にもあるのは</a:t>
+            </a:r>
+            <a:r>
+              <a:rPr kumimoji="1" lang="en-US" altLang="ja-JP" dirty="0" smtClean="0"/>
+              <a:t>wiki</a:t>
+            </a:r>
+            <a:r>
+              <a:rPr kumimoji="1" lang="ja-JP" altLang="en-US" dirty="0" err="1" smtClean="0"/>
+              <a:t>ぐらい</a:t>
+            </a:r>
+            <a:r>
+              <a:rPr kumimoji="1" lang="ja-JP" altLang="en-US" dirty="0" smtClean="0"/>
+              <a:t>だと思われます．</a:t>
             </a:r>
             <a:endParaRPr kumimoji="1" lang="ja-JP" altLang="en-US" dirty="0"/>
           </a:p>
@@ -4091,7 +4092,7 @@
     </p:spTree>
     <p:extLst>
       <p:ext uri="{BB962C8B-B14F-4D97-AF65-F5344CB8AC3E}">
-        <p14:creationId xmlns:p14="http://schemas.microsoft.com/office/powerpoint/2010/main" val="2984603310"/>
+        <p14:creationId xmlns:p14="http://schemas.microsoft.com/office/powerpoint/2010/main" val="4060556482"/>
       </p:ext>
     </p:extLst>
   </p:cSld>
@@ -4193,7 +4194,7 @@
           <a:p>
             <a:fld id="{C6AA7893-DDB2-4DB8-8B18-3ACD287193B7}" type="slidenum">
               <a:rPr kumimoji="1" lang="ja-JP" altLang="en-US" smtClean="0"/>
-              <a:t>9</a:t>
+              <a:t>10</a:t>
             </a:fld>
             <a:endParaRPr kumimoji="1" lang="ja-JP" altLang="en-US"/>
           </a:p>
@@ -4332,7 +4333,7 @@
           <a:p>
             <a:fld id="{C6AA7893-DDB2-4DB8-8B18-3ACD287193B7}" type="slidenum">
               <a:rPr kumimoji="1" lang="ja-JP" altLang="en-US" smtClean="0"/>
-              <a:t>10</a:t>
+              <a:t>11</a:t>
             </a:fld>
             <a:endParaRPr kumimoji="1" lang="ja-JP" altLang="en-US"/>
           </a:p>
@@ -4452,7 +4453,7 @@
           <a:p>
             <a:fld id="{C6AA7893-DDB2-4DB8-8B18-3ACD287193B7}" type="slidenum">
               <a:rPr kumimoji="1" lang="ja-JP" altLang="en-US" smtClean="0"/>
-              <a:t>11</a:t>
+              <a:t>12</a:t>
             </a:fld>
             <a:endParaRPr kumimoji="1" lang="ja-JP" altLang="en-US"/>
           </a:p>
@@ -4536,7 +4537,7 @@
           <a:p>
             <a:fld id="{C6AA7893-DDB2-4DB8-8B18-3ACD287193B7}" type="slidenum">
               <a:rPr kumimoji="1" lang="ja-JP" altLang="en-US" smtClean="0"/>
-              <a:t>12</a:t>
+              <a:t>13</a:t>
             </a:fld>
             <a:endParaRPr kumimoji="1" lang="ja-JP" altLang="en-US"/>
           </a:p>
@@ -12468,6 +12469,14 @@
   <p:clrMapOvr>
     <a:masterClrMapping/>
   </p:clrMapOvr>
+  <mc:AlternateContent xmlns:mc="http://schemas.openxmlformats.org/markup-compatibility/2006" xmlns:p14="http://schemas.microsoft.com/office/powerpoint/2010/main">
+    <mc:Choice Requires="p14">
+      <p:transition spd="slow" p14:dur="2000" advTm="2898"/>
+    </mc:Choice>
+    <mc:Fallback xmlns="">
+      <p:transition spd="slow" advTm="2898"/>
+    </mc:Fallback>
+  </mc:AlternateContent>
   <p:timing>
     <p:tnLst>
       <p:par>
@@ -12511,10 +12520,10 @@
           <a:lstStyle/>
           <a:p>
             <a:r>
-              <a:rPr kumimoji="1" lang="ja-JP" altLang="en-US" dirty="0" smtClean="0"/>
-              <a:t>目的</a:t>
-            </a:r>
-            <a:endParaRPr kumimoji="1" lang="ja-JP" altLang="en-US" dirty="0"/>
+              <a:rPr lang="ja-JP" altLang="en-US" sz="4000" dirty="0"/>
+              <a:t>現状</a:t>
+            </a:r>
+            <a:endParaRPr kumimoji="1" lang="ja-JP" altLang="en-US" sz="4000" dirty="0"/>
           </a:p>
         </p:txBody>
       </p:sp>
@@ -12537,6 +12546,199 @@
               <a:rPr lang="en-US" altLang="ja-JP" smtClean="0"/>
               <a:pPr/>
               <a:t>10</a:t>
+            </a:fld>
+            <a:endParaRPr lang="en-US" altLang="ja-JP"/>
+          </a:p>
+        </p:txBody>
+      </p:sp>
+      <p:pic>
+        <p:nvPicPr>
+          <p:cNvPr id="5" name="図 4"/>
+          <p:cNvPicPr>
+            <a:picLocks noChangeAspect="1"/>
+          </p:cNvPicPr>
+          <p:nvPr/>
+        </p:nvPicPr>
+        <p:blipFill>
+          <a:blip r:embed="rId3">
+            <a:extLst>
+              <a:ext uri="{28A0092B-C50C-407E-A947-70E740481C1C}">
+                <a14:useLocalDpi xmlns:a14="http://schemas.microsoft.com/office/drawing/2010/main" val="0"/>
+              </a:ext>
+            </a:extLst>
+          </a:blip>
+          <a:stretch>
+            <a:fillRect/>
+          </a:stretch>
+        </p:blipFill>
+        <p:spPr>
+          <a:xfrm>
+            <a:off x="611560" y="1515864"/>
+            <a:ext cx="3804906" cy="5112568"/>
+          </a:xfrm>
+          <a:prstGeom prst="rect">
+            <a:avLst/>
+          </a:prstGeom>
+        </p:spPr>
+      </p:pic>
+      <p:sp>
+        <p:nvSpPr>
+          <p:cNvPr id="8" name="左矢印吹き出し 7"/>
+          <p:cNvSpPr/>
+          <p:nvPr/>
+        </p:nvSpPr>
+        <p:spPr>
+          <a:xfrm>
+            <a:off x="4499992" y="2492896"/>
+            <a:ext cx="4248472" cy="2736304"/>
+          </a:xfrm>
+          <a:prstGeom prst="leftArrowCallout">
+            <a:avLst>
+              <a:gd name="adj1" fmla="val 13861"/>
+              <a:gd name="adj2" fmla="val 25000"/>
+              <a:gd name="adj3" fmla="val 25000"/>
+              <a:gd name="adj4" fmla="val 70016"/>
+            </a:avLst>
+          </a:prstGeom>
+        </p:spPr>
+        <p:style>
+          <a:lnRef idx="2">
+            <a:schemeClr val="accent2"/>
+          </a:lnRef>
+          <a:fillRef idx="1">
+            <a:schemeClr val="lt1"/>
+          </a:fillRef>
+          <a:effectRef idx="0">
+            <a:schemeClr val="accent2"/>
+          </a:effectRef>
+          <a:fontRef idx="minor">
+            <a:schemeClr val="dk1"/>
+          </a:fontRef>
+        </p:style>
+        <p:txBody>
+          <a:bodyPr rtlCol="0" anchor="ctr"/>
+          <a:lstStyle/>
+          <a:p>
+            <a:pPr algn="ctr"/>
+            <a:r>
+              <a:rPr kumimoji="1" lang="en-US" altLang="ja-JP" sz="2400" dirty="0" smtClean="0"/>
+              <a:t>GitHub</a:t>
+            </a:r>
+            <a:r>
+              <a:rPr kumimoji="1" lang="ja-JP" altLang="en-US" sz="2400" dirty="0" smtClean="0"/>
+              <a:t>上のログは</a:t>
+            </a:r>
+            <a:endParaRPr kumimoji="1" lang="en-US" altLang="ja-JP" sz="2400" dirty="0" smtClean="0"/>
+          </a:p>
+          <a:p>
+            <a:pPr algn="ctr"/>
+            <a:r>
+              <a:rPr lang="ja-JP" altLang="en-US" sz="2400" dirty="0"/>
+              <a:t>このよう</a:t>
+            </a:r>
+            <a:r>
+              <a:rPr lang="ja-JP" altLang="en-US" sz="2400" dirty="0" smtClean="0"/>
+              <a:t>に表示され</a:t>
+            </a:r>
+            <a:endParaRPr lang="en-US" altLang="ja-JP" sz="2400" dirty="0" smtClean="0"/>
+          </a:p>
+          <a:p>
+            <a:pPr algn="ctr"/>
+            <a:r>
+              <a:rPr kumimoji="1" lang="ja-JP" altLang="en-US" sz="2400" dirty="0" smtClean="0"/>
+              <a:t>確認</a:t>
+            </a:r>
+            <a:r>
+              <a:rPr kumimoji="1" lang="ja-JP" altLang="en-US" sz="2400" dirty="0"/>
+              <a:t>すること</a:t>
+            </a:r>
+            <a:r>
+              <a:rPr kumimoji="1" lang="ja-JP" altLang="en-US" sz="2400" dirty="0" smtClean="0"/>
+              <a:t>ができる</a:t>
+            </a:r>
+            <a:endParaRPr kumimoji="1" lang="ja-JP" altLang="en-US" sz="2400" dirty="0"/>
+          </a:p>
+        </p:txBody>
+      </p:sp>
+    </p:spTree>
+    <p:extLst>
+      <p:ext uri="{BB962C8B-B14F-4D97-AF65-F5344CB8AC3E}">
+        <p14:creationId xmlns:p14="http://schemas.microsoft.com/office/powerpoint/2010/main" val="1627996364"/>
+      </p:ext>
+    </p:extLst>
+  </p:cSld>
+  <p:clrMapOvr>
+    <a:masterClrMapping/>
+  </p:clrMapOvr>
+  <p:timing>
+    <p:tnLst>
+      <p:par>
+        <p:cTn id="1" dur="indefinite" restart="never" nodeType="tmRoot"/>
+      </p:par>
+    </p:tnLst>
+  </p:timing>
+</p:sld>
+</file>
+
+<file path=ppt/slides/slide11.xml><?xml version="1.0" encoding="utf-8"?>
+<p:sld xmlns:a="http://schemas.openxmlformats.org/drawingml/2006/main" xmlns:r="http://schemas.openxmlformats.org/officeDocument/2006/relationships" xmlns:p="http://schemas.openxmlformats.org/presentationml/2006/main">
+  <p:cSld>
+    <p:spTree>
+      <p:nvGrpSpPr>
+        <p:cNvPr id="1" name=""/>
+        <p:cNvGrpSpPr/>
+        <p:nvPr/>
+      </p:nvGrpSpPr>
+      <p:grpSpPr>
+        <a:xfrm>
+          <a:off x="0" y="0"/>
+          <a:ext cx="0" cy="0"/>
+          <a:chOff x="0" y="0"/>
+          <a:chExt cx="0" cy="0"/>
+        </a:xfrm>
+      </p:grpSpPr>
+      <p:sp>
+        <p:nvSpPr>
+          <p:cNvPr id="2" name="タイトル 1"/>
+          <p:cNvSpPr>
+            <a:spLocks noGrp="1"/>
+          </p:cNvSpPr>
+          <p:nvPr>
+            <p:ph type="title"/>
+          </p:nvPr>
+        </p:nvSpPr>
+        <p:spPr/>
+        <p:txBody>
+          <a:bodyPr/>
+          <a:lstStyle/>
+          <a:p>
+            <a:r>
+              <a:rPr kumimoji="1" lang="ja-JP" altLang="en-US" sz="4000" dirty="0" smtClean="0"/>
+              <a:t>開発するもの</a:t>
+            </a:r>
+            <a:endParaRPr kumimoji="1" lang="ja-JP" altLang="en-US" sz="4000" dirty="0"/>
+          </a:p>
+        </p:txBody>
+      </p:sp>
+      <p:sp>
+        <p:nvSpPr>
+          <p:cNvPr id="4" name="スライド番号プレースホルダー 3"/>
+          <p:cNvSpPr>
+            <a:spLocks noGrp="1"/>
+          </p:cNvSpPr>
+          <p:nvPr>
+            <p:ph type="sldNum" sz="quarter" idx="12"/>
+          </p:nvPr>
+        </p:nvSpPr>
+        <p:spPr/>
+        <p:txBody>
+          <a:bodyPr/>
+          <a:lstStyle/>
+          <a:p>
+            <a:fld id="{03EB2D0A-B747-4CE5-865B-E5367722D1F0}" type="slidenum">
+              <a:rPr lang="en-US" altLang="ja-JP" smtClean="0"/>
+              <a:pPr/>
+              <a:t>11</a:t>
             </a:fld>
             <a:endParaRPr lang="en-US" altLang="ja-JP"/>
           </a:p>
@@ -12851,7 +13053,7 @@
 </p:sld>
 </file>
 
-<file path=ppt/slides/slide11.xml><?xml version="1.0" encoding="utf-8"?>
+<file path=ppt/slides/slide12.xml><?xml version="1.0" encoding="utf-8"?>
 <p:sld xmlns:a="http://schemas.openxmlformats.org/drawingml/2006/main" xmlns:r="http://schemas.openxmlformats.org/officeDocument/2006/relationships" xmlns:p="http://schemas.openxmlformats.org/presentationml/2006/main">
   <p:cSld>
     <p:spTree>
@@ -12884,10 +13086,10 @@
           <a:lstStyle/>
           <a:p>
             <a:r>
-              <a:rPr kumimoji="1" lang="ja-JP" altLang="en-US" dirty="0" smtClean="0"/>
+              <a:rPr kumimoji="1" lang="ja-JP" altLang="en-US" sz="4000" dirty="0" smtClean="0"/>
               <a:t>方法</a:t>
             </a:r>
-            <a:endParaRPr kumimoji="1" lang="ja-JP" altLang="en-US" dirty="0"/>
+            <a:endParaRPr kumimoji="1" lang="ja-JP" altLang="en-US" sz="4000" dirty="0"/>
           </a:p>
         </p:txBody>
       </p:sp>
@@ -12909,7 +13111,7 @@
             <a:fld id="{03EB2D0A-B747-4CE5-865B-E5367722D1F0}" type="slidenum">
               <a:rPr lang="en-US" altLang="ja-JP" smtClean="0"/>
               <a:pPr/>
-              <a:t>11</a:t>
+              <a:t>12</a:t>
             </a:fld>
             <a:endParaRPr lang="en-US" altLang="ja-JP"/>
           </a:p>
@@ -13328,7 +13530,7 @@
 </p:sld>
 </file>
 
-<file path=ppt/slides/slide12.xml><?xml version="1.0" encoding="utf-8"?>
+<file path=ppt/slides/slide13.xml><?xml version="1.0" encoding="utf-8"?>
 <p:sld xmlns:a="http://schemas.openxmlformats.org/drawingml/2006/main" xmlns:r="http://schemas.openxmlformats.org/officeDocument/2006/relationships" xmlns:p="http://schemas.openxmlformats.org/presentationml/2006/main">
   <p:cSld>
     <p:spTree>
@@ -13361,10 +13563,10 @@
           <a:lstStyle/>
           <a:p>
             <a:r>
-              <a:rPr lang="ja-JP" altLang="en-US" dirty="0" smtClean="0"/>
+              <a:rPr lang="ja-JP" altLang="en-US" sz="4000" dirty="0" smtClean="0"/>
               <a:t>①アカウント</a:t>
             </a:r>
-            <a:endParaRPr kumimoji="1" lang="ja-JP" altLang="en-US" dirty="0"/>
+            <a:endParaRPr kumimoji="1" lang="ja-JP" altLang="en-US" sz="4000" dirty="0"/>
           </a:p>
         </p:txBody>
       </p:sp>
@@ -13421,7 +13623,7 @@
             <a:fld id="{03EB2D0A-B747-4CE5-865B-E5367722D1F0}" type="slidenum">
               <a:rPr lang="en-US" altLang="ja-JP" smtClean="0"/>
               <a:pPr/>
-              <a:t>12</a:t>
+              <a:t>13</a:t>
             </a:fld>
             <a:endParaRPr lang="en-US" altLang="ja-JP"/>
           </a:p>
@@ -13477,7 +13679,7 @@
 </p:sld>
 </file>
 
-<file path=ppt/slides/slide13.xml><?xml version="1.0" encoding="utf-8"?>
+<file path=ppt/slides/slide14.xml><?xml version="1.0" encoding="utf-8"?>
 <p:sld xmlns:a="http://schemas.openxmlformats.org/drawingml/2006/main" xmlns:r="http://schemas.openxmlformats.org/officeDocument/2006/relationships" xmlns:p="http://schemas.openxmlformats.org/presentationml/2006/main">
   <p:cSld>
     <p:spTree>
@@ -13510,14 +13712,14 @@
           <a:lstStyle/>
           <a:p>
             <a:r>
-              <a:rPr kumimoji="1" lang="ja-JP" altLang="en-US" dirty="0" smtClean="0"/>
+              <a:rPr kumimoji="1" lang="ja-JP" altLang="en-US" sz="4000" dirty="0" smtClean="0"/>
               <a:t>②</a:t>
             </a:r>
             <a:r>
-              <a:rPr kumimoji="1" lang="en-US" altLang="ja-JP" dirty="0" smtClean="0"/>
+              <a:rPr kumimoji="1" lang="en-US" altLang="ja-JP" sz="4000" dirty="0" smtClean="0"/>
               <a:t>API</a:t>
             </a:r>
-            <a:endParaRPr kumimoji="1" lang="ja-JP" altLang="en-US" dirty="0"/>
+            <a:endParaRPr kumimoji="1" lang="ja-JP" altLang="en-US" sz="4000" dirty="0"/>
           </a:p>
         </p:txBody>
       </p:sp>
@@ -13597,7 +13799,7 @@
             <a:fld id="{03EB2D0A-B747-4CE5-865B-E5367722D1F0}" type="slidenum">
               <a:rPr lang="en-US" altLang="ja-JP" smtClean="0"/>
               <a:pPr/>
-              <a:t>13</a:t>
+              <a:t>14</a:t>
             </a:fld>
             <a:endParaRPr lang="en-US" altLang="ja-JP"/>
           </a:p>
@@ -14571,7 +14773,7 @@
 </p:sld>
 </file>
 
-<file path=ppt/slides/slide14.xml><?xml version="1.0" encoding="utf-8"?>
+<file path=ppt/slides/slide15.xml><?xml version="1.0" encoding="utf-8"?>
 <p:sld xmlns:a="http://schemas.openxmlformats.org/drawingml/2006/main" xmlns:r="http://schemas.openxmlformats.org/officeDocument/2006/relationships" xmlns:p="http://schemas.openxmlformats.org/presentationml/2006/main">
   <p:cSld>
     <p:spTree>
@@ -14604,10 +14806,10 @@
           <a:lstStyle/>
           <a:p>
             <a:r>
-              <a:rPr kumimoji="1" lang="ja-JP" altLang="en-US" dirty="0" smtClean="0"/>
+              <a:rPr kumimoji="1" lang="ja-JP" altLang="en-US" sz="4000" dirty="0" smtClean="0"/>
               <a:t>③表示</a:t>
             </a:r>
-            <a:endParaRPr kumimoji="1" lang="ja-JP" altLang="en-US" dirty="0"/>
+            <a:endParaRPr kumimoji="1" lang="ja-JP" altLang="en-US" sz="4000" dirty="0"/>
           </a:p>
         </p:txBody>
       </p:sp>
@@ -14629,7 +14831,7 @@
             <a:fld id="{03EB2D0A-B747-4CE5-865B-E5367722D1F0}" type="slidenum">
               <a:rPr lang="en-US" altLang="ja-JP" smtClean="0"/>
               <a:pPr/>
-              <a:t>14</a:t>
+              <a:t>15</a:t>
             </a:fld>
             <a:endParaRPr lang="en-US" altLang="ja-JP"/>
           </a:p>
@@ -14937,7 +15139,7 @@
 </p:sld>
 </file>
 
-<file path=ppt/slides/slide15.xml><?xml version="1.0" encoding="utf-8"?>
+<file path=ppt/slides/slide16.xml><?xml version="1.0" encoding="utf-8"?>
 <p:sld xmlns:a="http://schemas.openxmlformats.org/drawingml/2006/main" xmlns:r="http://schemas.openxmlformats.org/officeDocument/2006/relationships" xmlns:p="http://schemas.openxmlformats.org/presentationml/2006/main">
   <p:cSld>
     <p:spTree>
@@ -14970,10 +15172,10 @@
           <a:lstStyle/>
           <a:p>
             <a:r>
-              <a:rPr kumimoji="1" lang="ja-JP" altLang="en-US" dirty="0" smtClean="0"/>
+              <a:rPr kumimoji="1" lang="ja-JP" altLang="en-US" sz="4000" dirty="0" smtClean="0"/>
               <a:t>結果</a:t>
             </a:r>
-            <a:endParaRPr kumimoji="1" lang="ja-JP" altLang="en-US" dirty="0"/>
+            <a:endParaRPr kumimoji="1" lang="ja-JP" altLang="en-US" sz="4000" dirty="0"/>
           </a:p>
         </p:txBody>
       </p:sp>
@@ -14995,7 +15197,7 @@
             <a:fld id="{03EB2D0A-B747-4CE5-865B-E5367722D1F0}" type="slidenum">
               <a:rPr lang="en-US" altLang="ja-JP" smtClean="0"/>
               <a:pPr/>
-              <a:t>15</a:t>
+              <a:t>16</a:t>
             </a:fld>
             <a:endParaRPr lang="en-US" altLang="ja-JP"/>
           </a:p>
@@ -15189,7 +15391,7 @@
 </p:sld>
 </file>
 
-<file path=ppt/slides/slide16.xml><?xml version="1.0" encoding="utf-8"?>
+<file path=ppt/slides/slide17.xml><?xml version="1.0" encoding="utf-8"?>
 <p:sld xmlns:a="http://schemas.openxmlformats.org/drawingml/2006/main" xmlns:r="http://schemas.openxmlformats.org/officeDocument/2006/relationships" xmlns:p="http://schemas.openxmlformats.org/presentationml/2006/main">
   <p:cSld>
     <p:spTree>
@@ -15222,10 +15424,10 @@
           <a:lstStyle/>
           <a:p>
             <a:r>
-              <a:rPr lang="ja-JP" altLang="en-US" dirty="0"/>
+              <a:rPr lang="ja-JP" altLang="en-US" sz="4000" dirty="0"/>
               <a:t>展望</a:t>
             </a:r>
-            <a:endParaRPr kumimoji="1" lang="ja-JP" altLang="en-US" dirty="0"/>
+            <a:endParaRPr kumimoji="1" lang="ja-JP" altLang="en-US" sz="4000" dirty="0"/>
           </a:p>
         </p:txBody>
       </p:sp>
@@ -15282,7 +15484,7 @@
             <a:fld id="{03EB2D0A-B747-4CE5-865B-E5367722D1F0}" type="slidenum">
               <a:rPr lang="en-US" altLang="ja-JP" smtClean="0"/>
               <a:pPr/>
-              <a:t>16</a:t>
+              <a:t>17</a:t>
             </a:fld>
             <a:endParaRPr lang="en-US" altLang="ja-JP"/>
           </a:p>
@@ -15527,7 +15729,7 @@
 </p:sld>
 </file>
 
-<file path=ppt/slides/slide17.xml><?xml version="1.0" encoding="utf-8"?>
+<file path=ppt/slides/slide18.xml><?xml version="1.0" encoding="utf-8"?>
 <p:sld xmlns:a="http://schemas.openxmlformats.org/drawingml/2006/main" xmlns:r="http://schemas.openxmlformats.org/officeDocument/2006/relationships" xmlns:p="http://schemas.openxmlformats.org/presentationml/2006/main">
   <p:cSld>
     <p:spTree>
@@ -15560,10 +15762,10 @@
           <a:lstStyle/>
           <a:p>
             <a:r>
-              <a:rPr lang="ja-JP" altLang="en-US" dirty="0"/>
+              <a:rPr lang="ja-JP" altLang="en-US" sz="4000" dirty="0"/>
               <a:t>まとめ</a:t>
             </a:r>
-            <a:endParaRPr kumimoji="1" lang="ja-JP" altLang="en-US" dirty="0"/>
+            <a:endParaRPr kumimoji="1" lang="ja-JP" altLang="en-US" sz="4000" dirty="0"/>
           </a:p>
         </p:txBody>
       </p:sp>
@@ -15584,57 +15786,72 @@
           <a:p>
             <a:r>
               <a:rPr kumimoji="1" lang="en-US" altLang="ja-JP" sz="2800" dirty="0" smtClean="0"/>
+              <a:t>API</a:t>
+            </a:r>
+            <a:r>
+              <a:rPr kumimoji="1" lang="ja-JP" altLang="en-US" sz="2800" dirty="0" smtClean="0"/>
+              <a:t>を利用して，</a:t>
+            </a:r>
+            <a:r>
+              <a:rPr kumimoji="1" lang="en-US" altLang="ja-JP" sz="2800" dirty="0" smtClean="0"/>
               <a:t>LMS</a:t>
             </a:r>
             <a:r>
               <a:rPr lang="ja-JP" altLang="en-US" sz="2800" dirty="0" smtClean="0"/>
-              <a:t>単体</a:t>
-            </a:r>
-            <a:r>
-              <a:rPr lang="ja-JP" altLang="en-US" sz="2800" dirty="0"/>
-              <a:t>で</a:t>
+              <a:t>と外部サービスの連携</a:t>
+            </a:r>
+            <a:endParaRPr lang="en-US" altLang="ja-JP" sz="2800" dirty="0"/>
+          </a:p>
+          <a:p>
+            <a:pPr lvl="1"/>
+            <a:r>
+              <a:rPr lang="ja-JP" altLang="en-US" sz="2400" dirty="0" smtClean="0"/>
+              <a:t>教師の負担軽減</a:t>
+            </a:r>
+            <a:endParaRPr lang="en-US" altLang="ja-JP" sz="2400" dirty="0" smtClean="0"/>
+          </a:p>
+          <a:p>
+            <a:pPr lvl="1"/>
+            <a:endParaRPr lang="en-US" altLang="ja-JP" sz="2400" dirty="0"/>
+          </a:p>
+          <a:p>
+            <a:r>
+              <a:rPr lang="en-US" altLang="ja-JP" sz="2800" dirty="0" smtClean="0"/>
+              <a:t>Moodle</a:t>
             </a:r>
             <a:r>
               <a:rPr lang="ja-JP" altLang="en-US" sz="2800" dirty="0" smtClean="0"/>
-              <a:t>は，</a:t>
-            </a:r>
-            <a:r>
-              <a:rPr kumimoji="1" lang="ja-JP" altLang="en-US" sz="2800" dirty="0" smtClean="0"/>
-              <a:t>ソフトウェア開発の学習に利用することはできないが，連携させることで可能となった．</a:t>
-            </a:r>
-            <a:endParaRPr kumimoji="1" lang="en-US" altLang="ja-JP" sz="2800" dirty="0" smtClean="0"/>
-          </a:p>
-          <a:p>
-            <a:endParaRPr kumimoji="1" lang="en-US" altLang="ja-JP" sz="2800" dirty="0" smtClean="0"/>
-          </a:p>
-          <a:p>
-            <a:r>
-              <a:rPr kumimoji="1" lang="en-US" altLang="ja-JP" sz="2800" dirty="0" smtClean="0"/>
+              <a:t>と</a:t>
+            </a:r>
+            <a:r>
+              <a:rPr lang="en-US" altLang="ja-JP" sz="2800" dirty="0" smtClean="0"/>
               <a:t>GitHub</a:t>
             </a:r>
             <a:r>
-              <a:rPr kumimoji="1" lang="ja-JP" altLang="en-US" sz="2800" dirty="0" smtClean="0"/>
-              <a:t>を教育現場に取り入れ，</a:t>
-            </a:r>
-            <a:r>
-              <a:rPr kumimoji="1" lang="en-US" altLang="ja-JP" sz="2800" dirty="0" smtClean="0"/>
-              <a:t>Moodle</a:t>
-            </a:r>
-            <a:r>
-              <a:rPr kumimoji="1" lang="ja-JP" altLang="en-US" sz="2800" dirty="0" smtClean="0"/>
-              <a:t>で教師が把握できるように，表示をすることができた．</a:t>
-            </a:r>
-            <a:endParaRPr kumimoji="1" lang="en-US" altLang="ja-JP" sz="2800" dirty="0" smtClean="0"/>
-          </a:p>
-          <a:p>
-            <a:endParaRPr lang="en-US" altLang="ja-JP" sz="2800" dirty="0"/>
-          </a:p>
-          <a:p>
-            <a:r>
-              <a:rPr kumimoji="1" lang="ja-JP" altLang="en-US" sz="2800" dirty="0" smtClean="0"/>
-              <a:t>この方法を利用すれば，他のサービスでも使えるだろうと思う．</a:t>
-            </a:r>
-            <a:endParaRPr kumimoji="1" lang="ja-JP" altLang="en-US" sz="2800" dirty="0"/>
+              <a:rPr lang="ja-JP" altLang="en-US" sz="2800" dirty="0" smtClean="0"/>
+              <a:t>の結合</a:t>
+            </a:r>
+            <a:endParaRPr lang="en-US" altLang="ja-JP" sz="2800" dirty="0" smtClean="0"/>
+          </a:p>
+          <a:p>
+            <a:pPr lvl="1"/>
+            <a:r>
+              <a:rPr lang="ja-JP" altLang="en-US" sz="2400" dirty="0" smtClean="0"/>
+              <a:t>ソフトウェア教育</a:t>
+            </a:r>
+            <a:endParaRPr lang="en-US" altLang="ja-JP" sz="2400" dirty="0" smtClean="0"/>
+          </a:p>
+          <a:p>
+            <a:pPr lvl="1"/>
+            <a:r>
+              <a:rPr lang="ja-JP" altLang="en-US" sz="2400" dirty="0"/>
+              <a:t>外部</a:t>
+            </a:r>
+            <a:r>
+              <a:rPr lang="ja-JP" altLang="en-US" sz="2400" dirty="0" smtClean="0"/>
+              <a:t>サービスでも学習者の行動を把握</a:t>
+            </a:r>
+            <a:endParaRPr lang="en-US" altLang="ja-JP" sz="2400" dirty="0" smtClean="0"/>
           </a:p>
         </p:txBody>
       </p:sp>
@@ -15656,7 +15873,7 @@
             <a:fld id="{03EB2D0A-B747-4CE5-865B-E5367722D1F0}" type="slidenum">
               <a:rPr lang="en-US" altLang="ja-JP" smtClean="0"/>
               <a:pPr/>
-              <a:t>17</a:t>
+              <a:t>18</a:t>
             </a:fld>
             <a:endParaRPr lang="en-US" altLang="ja-JP"/>
           </a:p>
@@ -15682,7 +15899,7 @@
 </p:sld>
 </file>
 
-<file path=ppt/slides/slide18.xml><?xml version="1.0" encoding="utf-8"?>
+<file path=ppt/slides/slide19.xml><?xml version="1.0" encoding="utf-8"?>
 <p:sld xmlns:a="http://schemas.openxmlformats.org/drawingml/2006/main" xmlns:r="http://schemas.openxmlformats.org/officeDocument/2006/relationships" xmlns:p="http://schemas.openxmlformats.org/presentationml/2006/main">
   <p:cSld>
     <p:spTree>
@@ -15715,10 +15932,10 @@
           <a:lstStyle/>
           <a:p>
             <a:r>
-              <a:rPr kumimoji="1" lang="ja-JP" altLang="en-US" dirty="0" smtClean="0"/>
+              <a:rPr kumimoji="1" lang="ja-JP" altLang="en-US" sz="4000" dirty="0" smtClean="0"/>
               <a:t>プログラム</a:t>
             </a:r>
-            <a:endParaRPr kumimoji="1" lang="ja-JP" altLang="en-US" dirty="0"/>
+            <a:endParaRPr kumimoji="1" lang="ja-JP" altLang="en-US" sz="4000" dirty="0"/>
           </a:p>
         </p:txBody>
       </p:sp>
@@ -15740,7 +15957,7 @@
             <a:fld id="{03EB2D0A-B747-4CE5-865B-E5367722D1F0}" type="slidenum">
               <a:rPr lang="en-US" altLang="ja-JP" smtClean="0"/>
               <a:pPr/>
-              <a:t>18</a:t>
+              <a:t>19</a:t>
             </a:fld>
             <a:endParaRPr lang="en-US" altLang="ja-JP"/>
           </a:p>
@@ -15829,10 +16046,10 @@
           <a:lstStyle/>
           <a:p>
             <a:r>
-              <a:rPr kumimoji="1" lang="ja-JP" altLang="en-US" dirty="0" smtClean="0"/>
+              <a:rPr kumimoji="1" lang="ja-JP" altLang="en-US" sz="4000" dirty="0" smtClean="0"/>
               <a:t>目次</a:t>
             </a:r>
-            <a:endParaRPr kumimoji="1" lang="ja-JP" altLang="en-US" dirty="0"/>
+            <a:endParaRPr kumimoji="1" lang="ja-JP" altLang="en-US" sz="4000" dirty="0"/>
           </a:p>
         </p:txBody>
       </p:sp>
@@ -15877,22 +16094,6 @@
             </a:r>
           </a:p>
           <a:p>
-            <a:pPr lvl="1"/>
-            <a:r>
-              <a:rPr lang="ja-JP" altLang="en-US" sz="2400" dirty="0" smtClean="0"/>
-              <a:t>ソフトウェア開発</a:t>
-            </a:r>
-            <a:endParaRPr lang="en-US" altLang="ja-JP" sz="2400" dirty="0" smtClean="0"/>
-          </a:p>
-          <a:p>
-            <a:pPr lvl="1"/>
-            <a:r>
-              <a:rPr kumimoji="1" lang="ja-JP" altLang="en-US" sz="2400" dirty="0" smtClean="0"/>
-              <a:t>現状</a:t>
-            </a:r>
-            <a:endParaRPr kumimoji="1" lang="en-US" altLang="ja-JP" sz="2400" dirty="0" smtClean="0"/>
-          </a:p>
-          <a:p>
             <a:r>
               <a:rPr kumimoji="1" lang="ja-JP" altLang="en-US" sz="2800" dirty="0" smtClean="0"/>
               <a:t>目的</a:t>
@@ -15900,20 +16101,24 @@
             <a:endParaRPr kumimoji="1" lang="en-US" altLang="ja-JP" sz="2800" dirty="0" smtClean="0"/>
           </a:p>
           <a:p>
+            <a:pPr lvl="1"/>
+            <a:r>
+              <a:rPr lang="ja-JP" altLang="en-US" sz="2400" dirty="0"/>
+              <a:t>現状</a:t>
+            </a:r>
+            <a:endParaRPr kumimoji="1" lang="en-US" altLang="ja-JP" sz="2400" dirty="0" smtClean="0"/>
+          </a:p>
+          <a:p>
+            <a:r>
+              <a:rPr kumimoji="1" lang="ja-JP" altLang="en-US" sz="2800" dirty="0" smtClean="0"/>
+              <a:t>開発するもの</a:t>
+            </a:r>
+            <a:endParaRPr kumimoji="1" lang="en-US" altLang="ja-JP" sz="2800" dirty="0" smtClean="0"/>
+          </a:p>
+          <a:p>
             <a:r>
               <a:rPr lang="ja-JP" altLang="en-US" sz="2800" dirty="0"/>
-              <a:t>研究</a:t>
-            </a:r>
-            <a:r>
-              <a:rPr lang="ja-JP" altLang="en-US" sz="2800" dirty="0" smtClean="0"/>
               <a:t>方法</a:t>
-            </a:r>
-            <a:endParaRPr lang="en-US" altLang="ja-JP" sz="2800" dirty="0" smtClean="0"/>
-          </a:p>
-          <a:p>
-            <a:r>
-              <a:rPr kumimoji="1" lang="ja-JP" altLang="en-US" sz="2800" dirty="0" smtClean="0"/>
-              <a:t>結果</a:t>
             </a:r>
             <a:endParaRPr kumimoji="1" lang="en-US" altLang="ja-JP" sz="2800" dirty="0" smtClean="0"/>
           </a:p>
@@ -15926,8 +16131,8 @@
           </a:p>
           <a:p>
             <a:r>
-              <a:rPr lang="ja-JP" altLang="en-US" sz="2800" dirty="0" smtClean="0"/>
-              <a:t>結論</a:t>
+              <a:rPr lang="ja-JP" altLang="en-US" sz="2800" dirty="0"/>
+              <a:t>まとめ</a:t>
             </a:r>
             <a:endParaRPr lang="en-US" altLang="ja-JP" sz="2800" dirty="0" smtClean="0"/>
           </a:p>
@@ -16010,14 +16215,14 @@
           <a:lstStyle/>
           <a:p>
             <a:r>
-              <a:rPr lang="en-US" altLang="ja-JP" dirty="0"/>
+              <a:rPr lang="en-US" altLang="ja-JP" sz="4000" dirty="0"/>
               <a:t>e</a:t>
             </a:r>
             <a:r>
-              <a:rPr lang="ja-JP" altLang="en-US" dirty="0" smtClean="0"/>
+              <a:rPr lang="ja-JP" altLang="en-US" sz="4000" dirty="0" smtClean="0"/>
               <a:t>ラーニング</a:t>
             </a:r>
-            <a:endParaRPr kumimoji="1" lang="ja-JP" altLang="en-US" dirty="0"/>
+            <a:endParaRPr kumimoji="1" lang="ja-JP" altLang="en-US" sz="4000" dirty="0"/>
           </a:p>
         </p:txBody>
       </p:sp>
@@ -16210,10 +16415,10 @@
           <a:lstStyle/>
           <a:p>
             <a:r>
-              <a:rPr kumimoji="1" lang="en-US" altLang="ja-JP" dirty="0" smtClean="0"/>
+              <a:rPr kumimoji="1" lang="en-US" altLang="ja-JP" sz="4000" dirty="0" smtClean="0"/>
               <a:t>LMS</a:t>
             </a:r>
-            <a:endParaRPr kumimoji="1" lang="ja-JP" altLang="en-US" dirty="0"/>
+            <a:endParaRPr kumimoji="1" lang="ja-JP" altLang="en-US" sz="4000" dirty="0"/>
           </a:p>
         </p:txBody>
       </p:sp>
@@ -16975,10 +17180,10 @@
           <a:lstStyle/>
           <a:p>
             <a:r>
-              <a:rPr lang="ja-JP" altLang="en-US" dirty="0" smtClean="0"/>
-              <a:t>ソフトウェア開発</a:t>
-            </a:r>
-            <a:endParaRPr kumimoji="1" lang="ja-JP" altLang="en-US" dirty="0"/>
+              <a:rPr lang="en-US" altLang="ja-JP" sz="4000" dirty="0"/>
+              <a:t>LMS</a:t>
+            </a:r>
+            <a:endParaRPr kumimoji="1" lang="ja-JP" altLang="en-US" sz="4000" dirty="0"/>
           </a:p>
         </p:txBody>
       </p:sp>
@@ -16992,93 +17197,91 @@
             <p:ph idx="1"/>
           </p:nvPr>
         </p:nvSpPr>
-        <p:spPr/>
+        <p:spPr>
+          <a:xfrm>
+            <a:off x="457200" y="1600200"/>
+            <a:ext cx="8229600" cy="4709120"/>
+          </a:xfrm>
+        </p:spPr>
         <p:txBody>
           <a:bodyPr/>
           <a:lstStyle/>
           <a:p>
-            <a:pPr marL="0" indent="0" algn="ctr">
+            <a:pPr marL="0" indent="0">
+              <a:buNone/>
+            </a:pPr>
+            <a:r>
+              <a:rPr lang="en-US" altLang="ja-JP" sz="2800" dirty="0" smtClean="0"/>
+              <a:t>LMS</a:t>
+            </a:r>
+            <a:r>
+              <a:rPr lang="ja-JP" altLang="en-US" sz="2800" dirty="0" smtClean="0"/>
+              <a:t>を利用すると．．．</a:t>
+            </a:r>
+            <a:endParaRPr lang="en-US" altLang="ja-JP" sz="2800" dirty="0" smtClean="0"/>
+          </a:p>
+          <a:p>
+            <a:pPr marL="0" indent="0">
               <a:buNone/>
             </a:pPr>
             <a:endParaRPr kumimoji="1" lang="en-US" altLang="ja-JP" sz="2800" dirty="0" smtClean="0"/>
           </a:p>
           <a:p>
-            <a:pPr marL="0" indent="0" algn="ctr">
+            <a:r>
+              <a:rPr kumimoji="1" lang="ja-JP" altLang="en-US" sz="2800" dirty="0" smtClean="0"/>
+              <a:t>時間や場所に縛られない</a:t>
+            </a:r>
+            <a:endParaRPr kumimoji="1" lang="en-US" altLang="ja-JP" sz="2800" dirty="0" smtClean="0"/>
+          </a:p>
+          <a:p>
+            <a:r>
+              <a:rPr lang="ja-JP" altLang="en-US" sz="2800" dirty="0" smtClean="0"/>
+              <a:t>簡単に行動の詳細が把握できる</a:t>
+            </a:r>
+            <a:endParaRPr lang="en-US" altLang="ja-JP" sz="2800" dirty="0" smtClean="0"/>
+          </a:p>
+          <a:p>
+            <a:pPr marL="0" indent="0">
               <a:buNone/>
             </a:pPr>
             <a:r>
               <a:rPr kumimoji="1" lang="ja-JP" altLang="en-US" sz="2800" dirty="0" smtClean="0"/>
-              <a:t>しかし，どんな場面でも</a:t>
-            </a:r>
-            <a:r>
-              <a:rPr kumimoji="1" lang="en-US" altLang="ja-JP" sz="2800" dirty="0" smtClean="0"/>
-              <a:t>LMS</a:t>
-            </a:r>
+              <a:t>　</a:t>
+            </a:r>
+            <a:endParaRPr kumimoji="1" lang="en-US" altLang="ja-JP" sz="2800" dirty="0" smtClean="0"/>
+          </a:p>
+          <a:p>
             <a:r>
               <a:rPr kumimoji="1" lang="ja-JP" altLang="en-US" sz="2800" dirty="0" smtClean="0"/>
-              <a:t>だけ</a:t>
-            </a:r>
-            <a:r>
-              <a:rPr lang="ja-JP" altLang="en-US" sz="2800" dirty="0" smtClean="0"/>
-              <a:t>では学べない！</a:t>
-            </a:r>
-            <a:endParaRPr lang="en-US" altLang="ja-JP" sz="2800" dirty="0" smtClean="0"/>
-          </a:p>
-          <a:p>
-            <a:pPr marL="0" indent="0" algn="ctr">
+              <a:t>サーバに行動が記録される</a:t>
+            </a:r>
+            <a:endParaRPr kumimoji="1" lang="en-US" altLang="ja-JP" sz="2800" dirty="0" smtClean="0"/>
+          </a:p>
+          <a:p>
+            <a:pPr marL="0" indent="0">
               <a:buNone/>
             </a:pPr>
-            <a:endParaRPr kumimoji="1" lang="en-US" altLang="ja-JP" sz="2800" dirty="0"/>
-          </a:p>
-          <a:p>
-            <a:pPr marL="0" indent="0" algn="ctr">
+            <a:endParaRPr lang="en-US" altLang="ja-JP" sz="2800" dirty="0"/>
+          </a:p>
+          <a:p>
+            <a:pPr marL="0" indent="0">
               <a:buNone/>
             </a:pPr>
-            <a:r>
-              <a:rPr lang="ja-JP" altLang="en-US" sz="2800" dirty="0" smtClean="0"/>
-              <a:t>ソフトウェア開発を学ぶ上で，</a:t>
-            </a:r>
-            <a:endParaRPr lang="en-US" altLang="ja-JP" sz="2800" dirty="0" smtClean="0"/>
-          </a:p>
-          <a:p>
-            <a:pPr marL="0" indent="0" algn="ctr">
+            <a:endParaRPr kumimoji="1" lang="en-US" altLang="ja-JP" sz="2800" dirty="0" smtClean="0"/>
+          </a:p>
+          <a:p>
+            <a:pPr marL="0" indent="0">
               <a:buNone/>
             </a:pPr>
             <a:r>
+              <a:rPr lang="ja-JP" altLang="en-US" sz="2800" dirty="0"/>
+              <a:t>　</a:t>
+            </a:r>
+            <a:r>
               <a:rPr lang="ja-JP" altLang="en-US" sz="2800" dirty="0" smtClean="0"/>
-              <a:t>さまざまなツールを</a:t>
-            </a:r>
-            <a:endParaRPr kumimoji="1" lang="en-US" altLang="ja-JP" sz="2800" dirty="0"/>
-          </a:p>
-          <a:p>
-            <a:pPr marL="0" indent="0" algn="ctr">
-              <a:buNone/>
-            </a:pPr>
-            <a:r>
-              <a:rPr kumimoji="1" lang="ja-JP" altLang="en-US" sz="2800" dirty="0" smtClean="0"/>
-              <a:t>利用してみることが必要だが，</a:t>
+              <a:t>ポートフォリオを作成することが可能</a:t>
             </a:r>
             <a:endParaRPr kumimoji="1" lang="en-US" altLang="ja-JP" sz="2800" dirty="0" smtClean="0"/>
-          </a:p>
-          <a:p>
-            <a:pPr marL="0" indent="0" algn="ctr">
-              <a:buNone/>
-            </a:pPr>
-            <a:endParaRPr kumimoji="1" lang="en-US" altLang="ja-JP" sz="2800" dirty="0"/>
-          </a:p>
-          <a:p>
-            <a:pPr marL="0" indent="0" algn="ctr">
-              <a:buNone/>
-            </a:pPr>
-            <a:r>
-              <a:rPr lang="en-US" altLang="ja-JP" sz="2800" dirty="0" smtClean="0"/>
-              <a:t>LMS</a:t>
-            </a:r>
-            <a:r>
-              <a:rPr lang="ja-JP" altLang="en-US" sz="2800" dirty="0" smtClean="0"/>
-              <a:t>は対応していない．</a:t>
-            </a:r>
-            <a:endParaRPr lang="en-US" altLang="ja-JP" sz="2800" dirty="0" smtClean="0"/>
           </a:p>
         </p:txBody>
       </p:sp>
@@ -17103,6 +17306,313 @@
               <a:t>5</a:t>
             </a:fld>
             <a:endParaRPr lang="en-US" altLang="ja-JP"/>
+          </a:p>
+        </p:txBody>
+      </p:sp>
+      <p:sp>
+        <p:nvSpPr>
+          <p:cNvPr id="5" name="下矢印 4"/>
+          <p:cNvSpPr/>
+          <p:nvPr/>
+        </p:nvSpPr>
+        <p:spPr>
+          <a:xfrm>
+            <a:off x="2447763" y="4941168"/>
+            <a:ext cx="576066" cy="576062"/>
+          </a:xfrm>
+          <a:prstGeom prst="downArrow">
+            <a:avLst>
+              <a:gd name="adj1" fmla="val 50000"/>
+              <a:gd name="adj2" fmla="val 48432"/>
+            </a:avLst>
+          </a:prstGeom>
+          <a:solidFill>
+            <a:schemeClr val="accent2">
+              <a:lumMod val="40000"/>
+              <a:lumOff val="60000"/>
+            </a:schemeClr>
+          </a:solidFill>
+          <a:ln>
+            <a:solidFill>
+              <a:schemeClr val="accent2">
+                <a:lumMod val="40000"/>
+                <a:lumOff val="60000"/>
+              </a:schemeClr>
+            </a:solidFill>
+          </a:ln>
+        </p:spPr>
+        <p:style>
+          <a:lnRef idx="2">
+            <a:schemeClr val="accent1">
+              <a:shade val="50000"/>
+            </a:schemeClr>
+          </a:lnRef>
+          <a:fillRef idx="1">
+            <a:schemeClr val="accent1"/>
+          </a:fillRef>
+          <a:effectRef idx="0">
+            <a:schemeClr val="accent1"/>
+          </a:effectRef>
+          <a:fontRef idx="minor">
+            <a:schemeClr val="lt1"/>
+          </a:fontRef>
+        </p:style>
+        <p:txBody>
+          <a:bodyPr rtlCol="0" anchor="ctr"/>
+          <a:lstStyle/>
+          <a:p>
+            <a:pPr algn="ctr"/>
+            <a:endParaRPr kumimoji="1" lang="ja-JP" altLang="en-US"/>
+          </a:p>
+        </p:txBody>
+      </p:sp>
+    </p:spTree>
+    <p:extLst>
+      <p:ext uri="{BB962C8B-B14F-4D97-AF65-F5344CB8AC3E}">
+        <p14:creationId xmlns:p14="http://schemas.microsoft.com/office/powerpoint/2010/main" val="1348833814"/>
+      </p:ext>
+    </p:extLst>
+  </p:cSld>
+  <p:clrMapOvr>
+    <a:masterClrMapping/>
+  </p:clrMapOvr>
+  <p:timing>
+    <p:tnLst>
+      <p:par>
+        <p:cTn id="1" dur="indefinite" restart="never" nodeType="tmRoot"/>
+      </p:par>
+    </p:tnLst>
+  </p:timing>
+</p:sld>
+</file>
+
+<file path=ppt/slides/slide6.xml><?xml version="1.0" encoding="utf-8"?>
+<p:sld xmlns:a="http://schemas.openxmlformats.org/drawingml/2006/main" xmlns:r="http://schemas.openxmlformats.org/officeDocument/2006/relationships" xmlns:p="http://schemas.openxmlformats.org/presentationml/2006/main">
+  <p:cSld>
+    <p:spTree>
+      <p:nvGrpSpPr>
+        <p:cNvPr id="1" name=""/>
+        <p:cNvGrpSpPr/>
+        <p:nvPr/>
+      </p:nvGrpSpPr>
+      <p:grpSpPr>
+        <a:xfrm>
+          <a:off x="0" y="0"/>
+          <a:ext cx="0" cy="0"/>
+          <a:chOff x="0" y="0"/>
+          <a:chExt cx="0" cy="0"/>
+        </a:xfrm>
+      </p:grpSpPr>
+      <p:sp>
+        <p:nvSpPr>
+          <p:cNvPr id="2" name="タイトル 1"/>
+          <p:cNvSpPr>
+            <a:spLocks noGrp="1"/>
+          </p:cNvSpPr>
+          <p:nvPr>
+            <p:ph type="title"/>
+          </p:nvPr>
+        </p:nvSpPr>
+        <p:spPr/>
+        <p:txBody>
+          <a:bodyPr/>
+          <a:lstStyle/>
+          <a:p>
+            <a:r>
+              <a:rPr lang="en-US" altLang="ja-JP" sz="4000" dirty="0" smtClean="0"/>
+              <a:t>LMS</a:t>
+            </a:r>
+            <a:r>
+              <a:rPr lang="ja-JP" altLang="en-US" sz="4000" dirty="0" smtClean="0"/>
+              <a:t>の万能性</a:t>
+            </a:r>
+            <a:endParaRPr kumimoji="1" lang="ja-JP" altLang="en-US" sz="4000" dirty="0"/>
+          </a:p>
+        </p:txBody>
+      </p:sp>
+      <p:sp>
+        <p:nvSpPr>
+          <p:cNvPr id="3" name="コンテンツ プレースホルダー 2"/>
+          <p:cNvSpPr>
+            <a:spLocks noGrp="1"/>
+          </p:cNvSpPr>
+          <p:nvPr>
+            <p:ph idx="1"/>
+          </p:nvPr>
+        </p:nvSpPr>
+        <p:spPr/>
+        <p:txBody>
+          <a:bodyPr/>
+          <a:lstStyle/>
+          <a:p>
+            <a:pPr marL="0" indent="0" algn="ctr">
+              <a:buNone/>
+            </a:pPr>
+            <a:endParaRPr kumimoji="1" lang="en-US" altLang="ja-JP" sz="2800" dirty="0" smtClean="0"/>
+          </a:p>
+          <a:p>
+            <a:pPr marL="0" indent="0" algn="ctr">
+              <a:buNone/>
+            </a:pPr>
+            <a:r>
+              <a:rPr kumimoji="1" lang="ja-JP" altLang="en-US" sz="2800" dirty="0" smtClean="0"/>
+              <a:t>しかし</a:t>
+            </a:r>
+            <a:r>
+              <a:rPr kumimoji="1" lang="ja-JP" altLang="en-US" sz="2800" dirty="0" smtClean="0"/>
+              <a:t>，</a:t>
+            </a:r>
+            <a:r>
+              <a:rPr kumimoji="1" lang="en-US" altLang="ja-JP" sz="2800" dirty="0" smtClean="0"/>
+              <a:t>LMS</a:t>
+            </a:r>
+            <a:r>
+              <a:rPr kumimoji="1" lang="ja-JP" altLang="en-US" sz="2800" dirty="0" smtClean="0"/>
+              <a:t>は一般的なツールを集めたもので</a:t>
+            </a:r>
+            <a:endParaRPr kumimoji="1" lang="en-US" altLang="ja-JP" sz="2800" dirty="0" smtClean="0"/>
+          </a:p>
+          <a:p>
+            <a:pPr marL="0" indent="0" algn="ctr">
+              <a:buNone/>
+            </a:pPr>
+            <a:r>
+              <a:rPr lang="ja-JP" altLang="en-US" sz="2800" dirty="0" smtClean="0"/>
+              <a:t>特化しているわけではない</a:t>
+            </a:r>
+            <a:r>
+              <a:rPr lang="ja-JP" altLang="en-US" sz="2800" dirty="0" smtClean="0"/>
+              <a:t>！</a:t>
+            </a:r>
+            <a:endParaRPr lang="en-US" altLang="ja-JP" sz="2800" dirty="0" smtClean="0"/>
+          </a:p>
+          <a:p>
+            <a:pPr marL="0" indent="0" algn="ctr">
+              <a:buNone/>
+            </a:pPr>
+            <a:endParaRPr lang="en-US" altLang="ja-JP" sz="2800" dirty="0" smtClean="0"/>
+          </a:p>
+          <a:p>
+            <a:pPr marL="0" indent="0" algn="ctr">
+              <a:buNone/>
+            </a:pPr>
+            <a:endParaRPr kumimoji="1" lang="en-US" altLang="ja-JP" sz="2800" dirty="0"/>
+          </a:p>
+          <a:p>
+            <a:pPr marL="0" indent="0" algn="ctr">
+              <a:buNone/>
+            </a:pPr>
+            <a:endParaRPr kumimoji="1" lang="en-US" altLang="ja-JP" sz="2800" dirty="0" smtClean="0"/>
+          </a:p>
+          <a:p>
+            <a:pPr marL="0" indent="0" algn="ctr">
+              <a:buNone/>
+            </a:pPr>
+            <a:endParaRPr lang="en-US" altLang="ja-JP" sz="2800" dirty="0"/>
+          </a:p>
+          <a:p>
+            <a:pPr marL="0" indent="0" algn="ctr">
+              <a:buNone/>
+            </a:pPr>
+            <a:endParaRPr kumimoji="1" lang="en-US" altLang="ja-JP" sz="2800" dirty="0"/>
+          </a:p>
+          <a:p>
+            <a:pPr marL="0" indent="0" algn="ctr">
+              <a:buNone/>
+            </a:pPr>
+            <a:r>
+              <a:rPr lang="en-US" altLang="ja-JP" sz="2800" dirty="0" smtClean="0"/>
+              <a:t>LMS</a:t>
+            </a:r>
+            <a:r>
+              <a:rPr lang="ja-JP" altLang="en-US" sz="2800" dirty="0" smtClean="0"/>
+              <a:t>は対応していない．</a:t>
+            </a:r>
+            <a:endParaRPr lang="en-US" altLang="ja-JP" sz="2800" dirty="0" smtClean="0"/>
+          </a:p>
+        </p:txBody>
+      </p:sp>
+      <p:sp>
+        <p:nvSpPr>
+          <p:cNvPr id="4" name="スライド番号プレースホルダー 3"/>
+          <p:cNvSpPr>
+            <a:spLocks noGrp="1"/>
+          </p:cNvSpPr>
+          <p:nvPr>
+            <p:ph type="sldNum" sz="quarter" idx="12"/>
+          </p:nvPr>
+        </p:nvSpPr>
+        <p:spPr/>
+        <p:txBody>
+          <a:bodyPr/>
+          <a:lstStyle/>
+          <a:p>
+            <a:fld id="{03EB2D0A-B747-4CE5-865B-E5367722D1F0}" type="slidenum">
+              <a:rPr lang="en-US" altLang="ja-JP" smtClean="0"/>
+              <a:pPr/>
+              <a:t>6</a:t>
+            </a:fld>
+            <a:endParaRPr lang="en-US" altLang="ja-JP" dirty="0"/>
+          </a:p>
+        </p:txBody>
+      </p:sp>
+      <p:sp>
+        <p:nvSpPr>
+          <p:cNvPr id="5" name="角丸四角形 4"/>
+          <p:cNvSpPr/>
+          <p:nvPr/>
+        </p:nvSpPr>
+        <p:spPr>
+          <a:xfrm>
+            <a:off x="1691680" y="3501008"/>
+            <a:ext cx="5828060" cy="1728192"/>
+          </a:xfrm>
+          <a:prstGeom prst="roundRect">
+            <a:avLst/>
+          </a:prstGeom>
+        </p:spPr>
+        <p:style>
+          <a:lnRef idx="2">
+            <a:schemeClr val="accent2"/>
+          </a:lnRef>
+          <a:fillRef idx="1">
+            <a:schemeClr val="lt1"/>
+          </a:fillRef>
+          <a:effectRef idx="0">
+            <a:schemeClr val="accent2"/>
+          </a:effectRef>
+          <a:fontRef idx="minor">
+            <a:schemeClr val="dk1"/>
+          </a:fontRef>
+        </p:style>
+        <p:txBody>
+          <a:bodyPr rtlCol="0" anchor="ctr"/>
+          <a:lstStyle/>
+          <a:p>
+            <a:pPr algn="ctr"/>
+            <a:r>
+              <a:rPr lang="ja-JP" altLang="en-US" sz="2400" dirty="0"/>
+              <a:t>ソフトウェア開発を学ぶ上で，</a:t>
+            </a:r>
+          </a:p>
+          <a:p>
+            <a:pPr algn="ctr"/>
+            <a:r>
+              <a:rPr lang="ja-JP" altLang="en-US" sz="2400" dirty="0"/>
+              <a:t>さまざまな</a:t>
+            </a:r>
+            <a:r>
+              <a:rPr lang="ja-JP" altLang="en-US" sz="2400" dirty="0" smtClean="0"/>
+              <a:t>ツール（バージョン管理とか）を</a:t>
+            </a:r>
+            <a:endParaRPr lang="ja-JP" altLang="en-US" sz="2400" dirty="0"/>
+          </a:p>
+          <a:p>
+            <a:pPr algn="ctr"/>
+            <a:r>
+              <a:rPr lang="ja-JP" altLang="en-US" sz="2400" dirty="0"/>
+              <a:t>利用してみることが必要</a:t>
+            </a:r>
           </a:p>
         </p:txBody>
       </p:sp>
@@ -17126,7 +17636,7 @@
 </p:sld>
 </file>
 
-<file path=ppt/slides/slide6.xml><?xml version="1.0" encoding="utf-8"?>
+<file path=ppt/slides/slide7.xml><?xml version="1.0" encoding="utf-8"?>
 <p:sld xmlns:a="http://schemas.openxmlformats.org/drawingml/2006/main" xmlns:r="http://schemas.openxmlformats.org/officeDocument/2006/relationships" xmlns:p="http://schemas.openxmlformats.org/presentationml/2006/main">
   <p:cSld>
     <p:spTree>
@@ -18010,7 +18520,7 @@
             <a:fld id="{B00D3F2E-DE63-47B2-B880-D31FF3972C3E}" type="slidenum">
               <a:rPr lang="en-US" altLang="ja-JP" smtClean="0"/>
               <a:pPr/>
-              <a:t>6</a:t>
+              <a:t>7</a:t>
             </a:fld>
             <a:endParaRPr lang="en-US" altLang="ja-JP"/>
           </a:p>
@@ -18159,245 +18669,6 @@
     <p:extLst>
       <p:ext uri="{BB962C8B-B14F-4D97-AF65-F5344CB8AC3E}">
         <p14:creationId xmlns:p14="http://schemas.microsoft.com/office/powerpoint/2010/main" val="274655748"/>
-      </p:ext>
-    </p:extLst>
-  </p:cSld>
-  <p:clrMapOvr>
-    <a:masterClrMapping/>
-  </p:clrMapOvr>
-  <p:timing>
-    <p:tnLst>
-      <p:par>
-        <p:cTn id="1" dur="indefinite" restart="never" nodeType="tmRoot"/>
-      </p:par>
-    </p:tnLst>
-  </p:timing>
-</p:sld>
-</file>
-
-<file path=ppt/slides/slide7.xml><?xml version="1.0" encoding="utf-8"?>
-<p:sld xmlns:a="http://schemas.openxmlformats.org/drawingml/2006/main" xmlns:r="http://schemas.openxmlformats.org/officeDocument/2006/relationships" xmlns:p="http://schemas.openxmlformats.org/presentationml/2006/main">
-  <p:cSld>
-    <p:spTree>
-      <p:nvGrpSpPr>
-        <p:cNvPr id="1" name=""/>
-        <p:cNvGrpSpPr/>
-        <p:nvPr/>
-      </p:nvGrpSpPr>
-      <p:grpSpPr>
-        <a:xfrm>
-          <a:off x="0" y="0"/>
-          <a:ext cx="0" cy="0"/>
-          <a:chOff x="0" y="0"/>
-          <a:chExt cx="0" cy="0"/>
-        </a:xfrm>
-      </p:grpSpPr>
-      <p:sp>
-        <p:nvSpPr>
-          <p:cNvPr id="2" name="タイトル 1"/>
-          <p:cNvSpPr>
-            <a:spLocks noGrp="1"/>
-          </p:cNvSpPr>
-          <p:nvPr>
-            <p:ph type="title"/>
-          </p:nvPr>
-        </p:nvSpPr>
-        <p:spPr/>
-        <p:txBody>
-          <a:bodyPr/>
-          <a:lstStyle/>
-          <a:p>
-            <a:r>
-              <a:rPr lang="en-US" altLang="ja-JP" dirty="0"/>
-              <a:t>LMS</a:t>
-            </a:r>
-            <a:endParaRPr kumimoji="1" lang="ja-JP" altLang="en-US" dirty="0"/>
-          </a:p>
-        </p:txBody>
-      </p:sp>
-      <p:sp>
-        <p:nvSpPr>
-          <p:cNvPr id="3" name="コンテンツ プレースホルダー 2"/>
-          <p:cNvSpPr>
-            <a:spLocks noGrp="1"/>
-          </p:cNvSpPr>
-          <p:nvPr>
-            <p:ph idx="1"/>
-          </p:nvPr>
-        </p:nvSpPr>
-        <p:spPr>
-          <a:xfrm>
-            <a:off x="457200" y="1600200"/>
-            <a:ext cx="8229600" cy="4709120"/>
-          </a:xfrm>
-        </p:spPr>
-        <p:txBody>
-          <a:bodyPr/>
-          <a:lstStyle/>
-          <a:p>
-            <a:pPr marL="0" indent="0">
-              <a:buNone/>
-            </a:pPr>
-            <a:r>
-              <a:rPr lang="en-US" altLang="ja-JP" sz="2800" dirty="0" smtClean="0"/>
-              <a:t>LMS</a:t>
-            </a:r>
-            <a:r>
-              <a:rPr lang="ja-JP" altLang="en-US" sz="2800" dirty="0" smtClean="0"/>
-              <a:t>を利用すると．．．</a:t>
-            </a:r>
-            <a:endParaRPr lang="en-US" altLang="ja-JP" sz="2800" dirty="0" smtClean="0"/>
-          </a:p>
-          <a:p>
-            <a:pPr marL="0" indent="0">
-              <a:buNone/>
-            </a:pPr>
-            <a:endParaRPr kumimoji="1" lang="en-US" altLang="ja-JP" sz="2800" dirty="0" smtClean="0"/>
-          </a:p>
-          <a:p>
-            <a:r>
-              <a:rPr kumimoji="1" lang="ja-JP" altLang="en-US" sz="2800" dirty="0" smtClean="0"/>
-              <a:t>時間や場所に縛られない</a:t>
-            </a:r>
-            <a:endParaRPr kumimoji="1" lang="en-US" altLang="ja-JP" sz="2800" dirty="0" smtClean="0"/>
-          </a:p>
-          <a:p>
-            <a:r>
-              <a:rPr lang="ja-JP" altLang="en-US" sz="2800" dirty="0" smtClean="0"/>
-              <a:t>簡単に行動の詳細が把握できる</a:t>
-            </a:r>
-            <a:endParaRPr lang="en-US" altLang="ja-JP" sz="2800" dirty="0" smtClean="0"/>
-          </a:p>
-          <a:p>
-            <a:pPr marL="0" indent="0">
-              <a:buNone/>
-            </a:pPr>
-            <a:r>
-              <a:rPr kumimoji="1" lang="ja-JP" altLang="en-US" sz="2800" dirty="0" smtClean="0"/>
-              <a:t>　</a:t>
-            </a:r>
-            <a:endParaRPr kumimoji="1" lang="en-US" altLang="ja-JP" sz="2800" dirty="0" smtClean="0"/>
-          </a:p>
-          <a:p>
-            <a:r>
-              <a:rPr kumimoji="1" lang="ja-JP" altLang="en-US" sz="2800" dirty="0" smtClean="0"/>
-              <a:t>サーバに行動が記録される</a:t>
-            </a:r>
-            <a:endParaRPr kumimoji="1" lang="en-US" altLang="ja-JP" sz="2800" dirty="0" smtClean="0"/>
-          </a:p>
-          <a:p>
-            <a:pPr marL="0" indent="0">
-              <a:buNone/>
-            </a:pPr>
-            <a:endParaRPr lang="en-US" altLang="ja-JP" sz="2800" dirty="0"/>
-          </a:p>
-          <a:p>
-            <a:pPr marL="0" indent="0">
-              <a:buNone/>
-            </a:pPr>
-            <a:endParaRPr kumimoji="1" lang="en-US" altLang="ja-JP" sz="2800" dirty="0" smtClean="0"/>
-          </a:p>
-          <a:p>
-            <a:pPr marL="0" indent="0">
-              <a:buNone/>
-            </a:pPr>
-            <a:r>
-              <a:rPr lang="ja-JP" altLang="en-US" sz="2800" dirty="0"/>
-              <a:t>　</a:t>
-            </a:r>
-            <a:r>
-              <a:rPr lang="ja-JP" altLang="en-US" sz="2800" dirty="0" smtClean="0"/>
-              <a:t>ポートフォリオを作成することが可能</a:t>
-            </a:r>
-            <a:endParaRPr kumimoji="1" lang="en-US" altLang="ja-JP" sz="2800" dirty="0" smtClean="0"/>
-          </a:p>
-        </p:txBody>
-      </p:sp>
-      <p:sp>
-        <p:nvSpPr>
-          <p:cNvPr id="4" name="スライド番号プレースホルダー 3"/>
-          <p:cNvSpPr>
-            <a:spLocks noGrp="1"/>
-          </p:cNvSpPr>
-          <p:nvPr>
-            <p:ph type="sldNum" sz="quarter" idx="12"/>
-          </p:nvPr>
-        </p:nvSpPr>
-        <p:spPr/>
-        <p:txBody>
-          <a:bodyPr/>
-          <a:lstStyle/>
-          <a:p>
-            <a:fld id="{03EB2D0A-B747-4CE5-865B-E5367722D1F0}" type="slidenum">
-              <a:rPr lang="en-US" altLang="ja-JP" smtClean="0"/>
-              <a:pPr/>
-              <a:t>7</a:t>
-            </a:fld>
-            <a:endParaRPr lang="en-US" altLang="ja-JP"/>
-          </a:p>
-        </p:txBody>
-      </p:sp>
-      <p:sp>
-        <p:nvSpPr>
-          <p:cNvPr id="5" name="下矢印 4"/>
-          <p:cNvSpPr/>
-          <p:nvPr/>
-        </p:nvSpPr>
-        <p:spPr>
-          <a:xfrm>
-            <a:off x="2447763" y="4941168"/>
-            <a:ext cx="576066" cy="576062"/>
-          </a:xfrm>
-          <a:prstGeom prst="downArrow">
-            <a:avLst>
-              <a:gd name="adj1" fmla="val 50000"/>
-              <a:gd name="adj2" fmla="val 48432"/>
-            </a:avLst>
-          </a:prstGeom>
-          <a:solidFill>
-            <a:schemeClr val="accent2">
-              <a:lumMod val="40000"/>
-              <a:lumOff val="60000"/>
-            </a:schemeClr>
-          </a:solidFill>
-          <a:ln>
-            <a:solidFill>
-              <a:schemeClr val="accent2">
-                <a:lumMod val="40000"/>
-                <a:lumOff val="60000"/>
-              </a:schemeClr>
-            </a:solidFill>
-          </a:ln>
-        </p:spPr>
-        <p:style>
-          <a:lnRef idx="2">
-            <a:schemeClr val="accent1">
-              <a:shade val="50000"/>
-            </a:schemeClr>
-          </a:lnRef>
-          <a:fillRef idx="1">
-            <a:schemeClr val="accent1"/>
-          </a:fillRef>
-          <a:effectRef idx="0">
-            <a:schemeClr val="accent1"/>
-          </a:effectRef>
-          <a:fontRef idx="minor">
-            <a:schemeClr val="lt1"/>
-          </a:fontRef>
-        </p:style>
-        <p:txBody>
-          <a:bodyPr rtlCol="0" anchor="ctr"/>
-          <a:lstStyle/>
-          <a:p>
-            <a:pPr algn="ctr"/>
-            <a:endParaRPr kumimoji="1" lang="ja-JP" altLang="en-US"/>
-          </a:p>
-        </p:txBody>
-      </p:sp>
-    </p:spTree>
-    <p:extLst>
-      <p:ext uri="{BB962C8B-B14F-4D97-AF65-F5344CB8AC3E}">
-        <p14:creationId xmlns:p14="http://schemas.microsoft.com/office/powerpoint/2010/main" val="1348833814"/>
       </p:ext>
     </p:extLst>
   </p:cSld>
@@ -18447,10 +18718,106 @@
           <a:lstStyle/>
           <a:p>
             <a:r>
-              <a:rPr kumimoji="1" lang="ja-JP" altLang="en-US" dirty="0" smtClean="0"/>
-              <a:t>現状</a:t>
-            </a:r>
-            <a:endParaRPr kumimoji="1" lang="ja-JP" altLang="en-US" dirty="0"/>
+              <a:rPr kumimoji="1" lang="ja-JP" altLang="en-US" sz="4000" dirty="0" smtClean="0"/>
+              <a:t>目的</a:t>
+            </a:r>
+            <a:endParaRPr kumimoji="1" lang="ja-JP" altLang="en-US" sz="4000" dirty="0"/>
+          </a:p>
+        </p:txBody>
+      </p:sp>
+      <p:sp>
+        <p:nvSpPr>
+          <p:cNvPr id="3" name="コンテンツ プレースホルダー 2"/>
+          <p:cNvSpPr>
+            <a:spLocks noGrp="1"/>
+          </p:cNvSpPr>
+          <p:nvPr>
+            <p:ph idx="1"/>
+          </p:nvPr>
+        </p:nvSpPr>
+        <p:spPr/>
+        <p:txBody>
+          <a:bodyPr/>
+          <a:lstStyle/>
+          <a:p>
+            <a:r>
+              <a:rPr lang="ja-JP" altLang="en-US" sz="2800" dirty="0"/>
+              <a:t>オープンソースの</a:t>
+            </a:r>
+            <a:r>
+              <a:rPr lang="en-US" altLang="ja-JP" sz="2800" dirty="0"/>
+              <a:t>LMS</a:t>
+            </a:r>
+            <a:r>
+              <a:rPr lang="ja-JP" altLang="en-US" sz="2800" dirty="0"/>
+              <a:t>である</a:t>
+            </a:r>
+            <a:r>
+              <a:rPr lang="en-US" altLang="ja-JP" sz="2800" dirty="0"/>
+              <a:t>Moodle</a:t>
+            </a:r>
+            <a:r>
+              <a:rPr lang="ja-JP" altLang="en-US" sz="2800" dirty="0"/>
+              <a:t>上で</a:t>
+            </a:r>
+            <a:r>
+              <a:rPr lang="ja-JP" altLang="en-US" sz="2800" dirty="0" smtClean="0"/>
+              <a:t>，学習者</a:t>
+            </a:r>
+            <a:r>
+              <a:rPr lang="ja-JP" altLang="en-US" sz="2800" dirty="0"/>
+              <a:t>の</a:t>
+            </a:r>
+            <a:r>
+              <a:rPr lang="en-US" altLang="ja-JP" sz="2800" dirty="0" smtClean="0"/>
+              <a:t>GitHub</a:t>
+            </a:r>
+            <a:r>
+              <a:rPr lang="ja-JP" altLang="en-US" sz="2800" dirty="0" smtClean="0"/>
+              <a:t>の統合を目的とする．</a:t>
+            </a:r>
+            <a:endParaRPr lang="en-US" altLang="ja-JP" sz="2800" dirty="0" smtClean="0"/>
+          </a:p>
+          <a:p>
+            <a:endParaRPr kumimoji="1" lang="en-US" altLang="ja-JP" sz="2800" dirty="0"/>
+          </a:p>
+          <a:p>
+            <a:r>
+              <a:rPr lang="en-US" altLang="ja-JP" sz="2800" dirty="0" smtClean="0"/>
+              <a:t>GitHub</a:t>
+            </a:r>
+            <a:r>
+              <a:rPr lang="ja-JP" altLang="en-US" sz="2800" dirty="0" smtClean="0"/>
+              <a:t>のログを</a:t>
+            </a:r>
+            <a:r>
+              <a:rPr lang="en-US" altLang="ja-JP" sz="2800" dirty="0" smtClean="0"/>
+              <a:t>Moodle</a:t>
+            </a:r>
+            <a:r>
+              <a:rPr lang="ja-JP" altLang="en-US" sz="2800" dirty="0" smtClean="0"/>
+              <a:t>に表示できるように行う．</a:t>
+            </a:r>
+            <a:endParaRPr lang="en-US" altLang="ja-JP" sz="2800" dirty="0" smtClean="0"/>
+          </a:p>
+          <a:p>
+            <a:pPr lvl="1"/>
+            <a:r>
+              <a:rPr kumimoji="1" lang="ja-JP" altLang="en-US" sz="2400" dirty="0" smtClean="0"/>
+              <a:t>ログを表示できることが</a:t>
+            </a:r>
+            <a:r>
+              <a:rPr kumimoji="1" lang="en-US" altLang="ja-JP" sz="2400" dirty="0" smtClean="0"/>
+              <a:t>LMS</a:t>
+            </a:r>
+            <a:r>
+              <a:rPr kumimoji="1" lang="ja-JP" altLang="en-US" sz="2400" dirty="0" smtClean="0"/>
+              <a:t>のメリット</a:t>
+            </a:r>
+            <a:endParaRPr kumimoji="1" lang="en-US" altLang="ja-JP" sz="2400" dirty="0"/>
+          </a:p>
+          <a:p>
+            <a:endParaRPr kumimoji="1" lang="en-US" altLang="ja-JP" sz="2800" dirty="0" smtClean="0"/>
           </a:p>
         </p:txBody>
       </p:sp>
@@ -18473,6 +18840,83 @@
               <a:rPr lang="en-US" altLang="ja-JP" smtClean="0"/>
               <a:pPr/>
               <a:t>8</a:t>
+            </a:fld>
+            <a:endParaRPr lang="en-US" altLang="ja-JP"/>
+          </a:p>
+        </p:txBody>
+      </p:sp>
+    </p:spTree>
+    <p:extLst>
+      <p:ext uri="{BB962C8B-B14F-4D97-AF65-F5344CB8AC3E}">
+        <p14:creationId xmlns:p14="http://schemas.microsoft.com/office/powerpoint/2010/main" val="151831692"/>
+      </p:ext>
+    </p:extLst>
+  </p:cSld>
+  <p:clrMapOvr>
+    <a:masterClrMapping/>
+  </p:clrMapOvr>
+</p:sld>
+</file>
+
+<file path=ppt/slides/slide9.xml><?xml version="1.0" encoding="utf-8"?>
+<p:sld xmlns:a="http://schemas.openxmlformats.org/drawingml/2006/main" xmlns:r="http://schemas.openxmlformats.org/officeDocument/2006/relationships" xmlns:p="http://schemas.openxmlformats.org/presentationml/2006/main">
+  <p:cSld>
+    <p:spTree>
+      <p:nvGrpSpPr>
+        <p:cNvPr id="1" name=""/>
+        <p:cNvGrpSpPr/>
+        <p:nvPr/>
+      </p:nvGrpSpPr>
+      <p:grpSpPr>
+        <a:xfrm>
+          <a:off x="0" y="0"/>
+          <a:ext cx="0" cy="0"/>
+          <a:chOff x="0" y="0"/>
+          <a:chExt cx="0" cy="0"/>
+        </a:xfrm>
+      </p:grpSpPr>
+      <p:sp>
+        <p:nvSpPr>
+          <p:cNvPr id="2" name="タイトル 1"/>
+          <p:cNvSpPr>
+            <a:spLocks noGrp="1"/>
+          </p:cNvSpPr>
+          <p:nvPr>
+            <p:ph type="title"/>
+          </p:nvPr>
+        </p:nvSpPr>
+        <p:spPr/>
+        <p:txBody>
+          <a:bodyPr/>
+          <a:lstStyle/>
+          <a:p>
+            <a:r>
+              <a:rPr kumimoji="1" lang="ja-JP" altLang="en-US" sz="4000" dirty="0" smtClean="0"/>
+              <a:t>現状</a:t>
+            </a:r>
+            <a:endParaRPr kumimoji="1" lang="ja-JP" altLang="en-US" sz="4000" dirty="0"/>
+          </a:p>
+        </p:txBody>
+      </p:sp>
+      <p:sp>
+        <p:nvSpPr>
+          <p:cNvPr id="4" name="スライド番号プレースホルダー 3"/>
+          <p:cNvSpPr>
+            <a:spLocks noGrp="1"/>
+          </p:cNvSpPr>
+          <p:nvPr>
+            <p:ph type="sldNum" sz="quarter" idx="12"/>
+          </p:nvPr>
+        </p:nvSpPr>
+        <p:spPr/>
+        <p:txBody>
+          <a:bodyPr/>
+          <a:lstStyle/>
+          <a:p>
+            <a:fld id="{03EB2D0A-B747-4CE5-865B-E5367722D1F0}" type="slidenum">
+              <a:rPr lang="en-US" altLang="ja-JP" smtClean="0"/>
+              <a:pPr/>
+              <a:t>9</a:t>
             </a:fld>
             <a:endParaRPr lang="en-US" altLang="ja-JP"/>
           </a:p>
@@ -18583,199 +19027,6 @@
     <p:extLst>
       <p:ext uri="{BB962C8B-B14F-4D97-AF65-F5344CB8AC3E}">
         <p14:creationId xmlns:p14="http://schemas.microsoft.com/office/powerpoint/2010/main" val="642538679"/>
-      </p:ext>
-    </p:extLst>
-  </p:cSld>
-  <p:clrMapOvr>
-    <a:masterClrMapping/>
-  </p:clrMapOvr>
-  <p:timing>
-    <p:tnLst>
-      <p:par>
-        <p:cTn id="1" dur="indefinite" restart="never" nodeType="tmRoot"/>
-      </p:par>
-    </p:tnLst>
-  </p:timing>
-</p:sld>
-</file>
-
-<file path=ppt/slides/slide9.xml><?xml version="1.0" encoding="utf-8"?>
-<p:sld xmlns:a="http://schemas.openxmlformats.org/drawingml/2006/main" xmlns:r="http://schemas.openxmlformats.org/officeDocument/2006/relationships" xmlns:p="http://schemas.openxmlformats.org/presentationml/2006/main">
-  <p:cSld>
-    <p:spTree>
-      <p:nvGrpSpPr>
-        <p:cNvPr id="1" name=""/>
-        <p:cNvGrpSpPr/>
-        <p:nvPr/>
-      </p:nvGrpSpPr>
-      <p:grpSpPr>
-        <a:xfrm>
-          <a:off x="0" y="0"/>
-          <a:ext cx="0" cy="0"/>
-          <a:chOff x="0" y="0"/>
-          <a:chExt cx="0" cy="0"/>
-        </a:xfrm>
-      </p:grpSpPr>
-      <p:sp>
-        <p:nvSpPr>
-          <p:cNvPr id="2" name="タイトル 1"/>
-          <p:cNvSpPr>
-            <a:spLocks noGrp="1"/>
-          </p:cNvSpPr>
-          <p:nvPr>
-            <p:ph type="title"/>
-          </p:nvPr>
-        </p:nvSpPr>
-        <p:spPr/>
-        <p:txBody>
-          <a:bodyPr/>
-          <a:lstStyle/>
-          <a:p>
-            <a:r>
-              <a:rPr lang="ja-JP" altLang="en-US" dirty="0"/>
-              <a:t>現状</a:t>
-            </a:r>
-            <a:endParaRPr kumimoji="1" lang="ja-JP" altLang="en-US" dirty="0"/>
-          </a:p>
-        </p:txBody>
-      </p:sp>
-      <p:sp>
-        <p:nvSpPr>
-          <p:cNvPr id="4" name="スライド番号プレースホルダー 3"/>
-          <p:cNvSpPr>
-            <a:spLocks noGrp="1"/>
-          </p:cNvSpPr>
-          <p:nvPr>
-            <p:ph type="sldNum" sz="quarter" idx="12"/>
-          </p:nvPr>
-        </p:nvSpPr>
-        <p:spPr/>
-        <p:txBody>
-          <a:bodyPr/>
-          <a:lstStyle/>
-          <a:p>
-            <a:fld id="{03EB2D0A-B747-4CE5-865B-E5367722D1F0}" type="slidenum">
-              <a:rPr lang="en-US" altLang="ja-JP" smtClean="0"/>
-              <a:pPr/>
-              <a:t>9</a:t>
-            </a:fld>
-            <a:endParaRPr lang="en-US" altLang="ja-JP"/>
-          </a:p>
-        </p:txBody>
-      </p:sp>
-      <p:pic>
-        <p:nvPicPr>
-          <p:cNvPr id="5" name="図 4"/>
-          <p:cNvPicPr>
-            <a:picLocks noChangeAspect="1"/>
-          </p:cNvPicPr>
-          <p:nvPr/>
-        </p:nvPicPr>
-        <p:blipFill>
-          <a:blip r:embed="rId3">
-            <a:extLst>
-              <a:ext uri="{28A0092B-C50C-407E-A947-70E740481C1C}">
-                <a14:useLocalDpi xmlns:a14="http://schemas.microsoft.com/office/drawing/2010/main" val="0"/>
-              </a:ext>
-            </a:extLst>
-          </a:blip>
-          <a:stretch>
-            <a:fillRect/>
-          </a:stretch>
-        </p:blipFill>
-        <p:spPr>
-          <a:xfrm>
-            <a:off x="611560" y="1515864"/>
-            <a:ext cx="3804906" cy="5112568"/>
-          </a:xfrm>
-          <a:prstGeom prst="rect">
-            <a:avLst/>
-          </a:prstGeom>
-        </p:spPr>
-      </p:pic>
-      <p:sp>
-        <p:nvSpPr>
-          <p:cNvPr id="8" name="左矢印吹き出し 7"/>
-          <p:cNvSpPr/>
-          <p:nvPr/>
-        </p:nvSpPr>
-        <p:spPr>
-          <a:xfrm>
-            <a:off x="4499992" y="2492896"/>
-            <a:ext cx="4248472" cy="2736304"/>
-          </a:xfrm>
-          <a:prstGeom prst="leftArrowCallout">
-            <a:avLst>
-              <a:gd name="adj1" fmla="val 13861"/>
-              <a:gd name="adj2" fmla="val 25000"/>
-              <a:gd name="adj3" fmla="val 25000"/>
-              <a:gd name="adj4" fmla="val 70016"/>
-            </a:avLst>
-          </a:prstGeom>
-        </p:spPr>
-        <p:style>
-          <a:lnRef idx="2">
-            <a:schemeClr val="accent2"/>
-          </a:lnRef>
-          <a:fillRef idx="1">
-            <a:schemeClr val="lt1"/>
-          </a:fillRef>
-          <a:effectRef idx="0">
-            <a:schemeClr val="accent2"/>
-          </a:effectRef>
-          <a:fontRef idx="minor">
-            <a:schemeClr val="dk1"/>
-          </a:fontRef>
-        </p:style>
-        <p:txBody>
-          <a:bodyPr rtlCol="0" anchor="ctr"/>
-          <a:lstStyle/>
-          <a:p>
-            <a:pPr algn="ctr"/>
-            <a:r>
-              <a:rPr kumimoji="1" lang="en-US" altLang="ja-JP" sz="2400" dirty="0" smtClean="0"/>
-              <a:t>GitHub</a:t>
-            </a:r>
-            <a:r>
-              <a:rPr kumimoji="1" lang="ja-JP" altLang="en-US" sz="2400" dirty="0" smtClean="0"/>
-              <a:t>上のログは</a:t>
-            </a:r>
-            <a:endParaRPr kumimoji="1" lang="en-US" altLang="ja-JP" sz="2400" dirty="0" smtClean="0"/>
-          </a:p>
-          <a:p>
-            <a:pPr algn="ctr"/>
-            <a:r>
-              <a:rPr lang="ja-JP" altLang="en-US" sz="2400" dirty="0"/>
-              <a:t>このよう</a:t>
-            </a:r>
-            <a:r>
-              <a:rPr lang="ja-JP" altLang="en-US" sz="2400" dirty="0" smtClean="0"/>
-              <a:t>に表示され</a:t>
-            </a:r>
-            <a:endParaRPr lang="en-US" altLang="ja-JP" sz="2400" dirty="0" smtClean="0"/>
-          </a:p>
-          <a:p>
-            <a:pPr algn="ctr"/>
-            <a:r>
-              <a:rPr kumimoji="1" lang="ja-JP" altLang="en-US" sz="2400" dirty="0" smtClean="0"/>
-              <a:t>確認</a:t>
-            </a:r>
-            <a:r>
-              <a:rPr kumimoji="1" lang="ja-JP" altLang="en-US" sz="2400" dirty="0"/>
-              <a:t>すること</a:t>
-            </a:r>
-            <a:r>
-              <a:rPr kumimoji="1" lang="ja-JP" altLang="en-US" sz="2400" dirty="0" smtClean="0"/>
-              <a:t>ができる</a:t>
-            </a:r>
-            <a:endParaRPr kumimoji="1" lang="ja-JP" altLang="en-US" sz="2400" dirty="0"/>
-          </a:p>
-        </p:txBody>
-      </p:sp>
-    </p:spTree>
-    <p:extLst>
-      <p:ext uri="{BB962C8B-B14F-4D97-AF65-F5344CB8AC3E}">
-        <p14:creationId xmlns:p14="http://schemas.microsoft.com/office/powerpoint/2010/main" val="1627996364"/>
       </p:ext>
     </p:extLst>
   </p:cSld>

--- a/卒業論文/2012/野口杏子/最終発表.pptx
+++ b/卒業論文/2012/野口杏子/最終発表.pptx
@@ -3,19 +3,19 @@
 <p:presentation xmlns:a="http://schemas.openxmlformats.org/drawingml/2006/main" xmlns:r="http://schemas.openxmlformats.org/officeDocument/2006/relationships" xmlns:p="http://schemas.openxmlformats.org/presentationml/2006/main" showSpecialPlsOnTitleSld="0" saveSubsetFonts="1">
   <p:sldMasterIdLst>
     <p:sldMasterId id="2147483648" r:id="rId1"/>
-    <p:sldMasterId id="2147483660" r:id="rId2"/>
   </p:sldMasterIdLst>
   <p:notesMasterIdLst>
     <p:notesMasterId r:id="rId22"/>
   </p:notesMasterIdLst>
   <p:sldIdLst>
-    <p:sldId id="256" r:id="rId3"/>
-    <p:sldId id="257" r:id="rId4"/>
-    <p:sldId id="258" r:id="rId5"/>
-    <p:sldId id="275" r:id="rId6"/>
-    <p:sldId id="259" r:id="rId7"/>
-    <p:sldId id="260" r:id="rId8"/>
-    <p:sldId id="269" r:id="rId9"/>
+    <p:sldId id="256" r:id="rId2"/>
+    <p:sldId id="257" r:id="rId3"/>
+    <p:sldId id="258" r:id="rId4"/>
+    <p:sldId id="275" r:id="rId5"/>
+    <p:sldId id="259" r:id="rId6"/>
+    <p:sldId id="260" r:id="rId7"/>
+    <p:sldId id="269" r:id="rId8"/>
+    <p:sldId id="278" r:id="rId9"/>
     <p:sldId id="277" r:id="rId10"/>
     <p:sldId id="276" r:id="rId11"/>
     <p:sldId id="273" r:id="rId12"/>
@@ -3897,40 +3897,6 @@
           <a:bodyPr/>
           <a:lstStyle/>
           <a:p>
-            <a:r>
-              <a:rPr kumimoji="1" lang="ja-JP" altLang="en-US" dirty="0" smtClean="0"/>
-              <a:t>しかし，どんな場面でも</a:t>
-            </a:r>
-            <a:r>
-              <a:rPr kumimoji="1" lang="en-US" altLang="ja-JP" dirty="0" smtClean="0"/>
-              <a:t>LMS</a:t>
-            </a:r>
-            <a:r>
-              <a:rPr kumimoji="1" lang="ja-JP" altLang="en-US" dirty="0" err="1" smtClean="0"/>
-              <a:t>だけ</a:t>
-            </a:r>
-            <a:r>
-              <a:rPr kumimoji="1" lang="ja-JP" altLang="en-US" dirty="0" smtClean="0"/>
-              <a:t>では学ぶことはできません．</a:t>
-            </a:r>
-            <a:endParaRPr kumimoji="1" lang="en-US" altLang="ja-JP" dirty="0" smtClean="0"/>
-          </a:p>
-          <a:p>
-            <a:r>
-              <a:rPr kumimoji="1" lang="ja-JP" altLang="en-US" dirty="0" smtClean="0"/>
-              <a:t>たとえば，ソフトウェア開発を学ぶ上でパソコンが必要であり，さまざまなツールを利用することが必要だが</a:t>
-            </a:r>
-            <a:endParaRPr kumimoji="1" lang="en-US" altLang="ja-JP" dirty="0" smtClean="0"/>
-          </a:p>
-          <a:p>
-            <a:r>
-              <a:rPr kumimoji="1" lang="en-US" altLang="ja-JP" dirty="0" smtClean="0"/>
-              <a:t>LMS</a:t>
-            </a:r>
-            <a:r>
-              <a:rPr kumimoji="1" lang="ja-JP" altLang="en-US" dirty="0" smtClean="0"/>
-              <a:t>はあくまで一般的な教育で必要なツールしかないため，ソフトウェア開発には対応していない．</a:t>
-            </a:r>
             <a:endParaRPr kumimoji="1" lang="en-US" altLang="ja-JP" dirty="0" smtClean="0"/>
           </a:p>
         </p:txBody>
@@ -4015,53 +3981,6 @@
           <a:bodyPr/>
           <a:lstStyle/>
           <a:p>
-            <a:r>
-              <a:rPr kumimoji="1" lang="ja-JP" altLang="en-US" dirty="0" smtClean="0"/>
-              <a:t>具体的にソフトウェア開発に必要なツールは，表の</a:t>
-            </a:r>
-            <a:r>
-              <a:rPr kumimoji="1" lang="ja-JP" altLang="en-US" dirty="0" err="1" smtClean="0"/>
-              <a:t>．．．．ような</a:t>
-            </a:r>
-            <a:r>
-              <a:rPr kumimoji="1" lang="ja-JP" altLang="en-US" dirty="0" smtClean="0"/>
-              <a:t>ものになるが，</a:t>
-            </a:r>
-            <a:endParaRPr kumimoji="1" lang="en-US" altLang="ja-JP" dirty="0" smtClean="0"/>
-          </a:p>
-          <a:p>
-            <a:r>
-              <a:rPr kumimoji="1" lang="en-US" altLang="ja-JP" dirty="0" smtClean="0"/>
-              <a:t>LMS</a:t>
-            </a:r>
-            <a:r>
-              <a:rPr kumimoji="1" lang="ja-JP" altLang="en-US" dirty="0" err="1" smtClean="0"/>
-              <a:t>には</a:t>
-            </a:r>
-            <a:r>
-              <a:rPr kumimoji="1" lang="ja-JP" altLang="en-US" dirty="0" smtClean="0"/>
-              <a:t>表にあるような機能はついていません．</a:t>
-            </a:r>
-            <a:r>
-              <a:rPr kumimoji="1" lang="en-US" altLang="ja-JP" dirty="0" smtClean="0"/>
-              <a:t>LMS</a:t>
-            </a:r>
-            <a:r>
-              <a:rPr kumimoji="1" lang="ja-JP" altLang="en-US" dirty="0" smtClean="0"/>
-              <a:t>の機能にもあるのは</a:t>
-            </a:r>
-            <a:r>
-              <a:rPr kumimoji="1" lang="en-US" altLang="ja-JP" dirty="0" smtClean="0"/>
-              <a:t>wiki</a:t>
-            </a:r>
-            <a:r>
-              <a:rPr kumimoji="1" lang="ja-JP" altLang="en-US" dirty="0" err="1" smtClean="0"/>
-              <a:t>ぐらい</a:t>
-            </a:r>
-            <a:r>
-              <a:rPr kumimoji="1" lang="ja-JP" altLang="en-US" dirty="0" smtClean="0"/>
-              <a:t>だと思われます．</a:t>
-            </a:r>
             <a:endParaRPr kumimoji="1" lang="ja-JP" altLang="en-US" dirty="0"/>
           </a:p>
         </p:txBody>
@@ -4194,7 +4113,7 @@
           <a:p>
             <a:fld id="{C6AA7893-DDB2-4DB8-8B18-3ACD287193B7}" type="slidenum">
               <a:rPr kumimoji="1" lang="ja-JP" altLang="en-US" smtClean="0"/>
-              <a:t>10</a:t>
+              <a:t>11</a:t>
             </a:fld>
             <a:endParaRPr kumimoji="1" lang="ja-JP" altLang="en-US"/>
           </a:p>
@@ -4333,7 +4252,7 @@
           <a:p>
             <a:fld id="{C6AA7893-DDB2-4DB8-8B18-3ACD287193B7}" type="slidenum">
               <a:rPr kumimoji="1" lang="ja-JP" altLang="en-US" smtClean="0"/>
-              <a:t>11</a:t>
+              <a:t>12</a:t>
             </a:fld>
             <a:endParaRPr kumimoji="1" lang="ja-JP" altLang="en-US"/>
           </a:p>
@@ -4453,7 +4372,7 @@
           <a:p>
             <a:fld id="{C6AA7893-DDB2-4DB8-8B18-3ACD287193B7}" type="slidenum">
               <a:rPr kumimoji="1" lang="ja-JP" altLang="en-US" smtClean="0"/>
-              <a:t>12</a:t>
+              <a:t>13</a:t>
             </a:fld>
             <a:endParaRPr kumimoji="1" lang="ja-JP" altLang="en-US"/>
           </a:p>
@@ -4537,7 +4456,7 @@
           <a:p>
             <a:fld id="{C6AA7893-DDB2-4DB8-8B18-3ACD287193B7}" type="slidenum">
               <a:rPr kumimoji="1" lang="ja-JP" altLang="en-US" smtClean="0"/>
-              <a:t>13</a:t>
+              <a:t>14</a:t>
             </a:fld>
             <a:endParaRPr kumimoji="1" lang="ja-JP" altLang="en-US"/>
           </a:p>
@@ -5654,2056 +5573,6 @@
 </p:sldLayout>
 </file>
 
-<file path=ppt/slideLayouts/slideLayout12.xml><?xml version="1.0" encoding="utf-8"?>
-<p:sldLayout xmlns:a="http://schemas.openxmlformats.org/drawingml/2006/main" xmlns:r="http://schemas.openxmlformats.org/officeDocument/2006/relationships" xmlns:p="http://schemas.openxmlformats.org/presentationml/2006/main" type="title" preserve="1">
-  <p:cSld name="タイトル スライド">
-    <p:spTree>
-      <p:nvGrpSpPr>
-        <p:cNvPr id="1" name=""/>
-        <p:cNvGrpSpPr/>
-        <p:nvPr/>
-      </p:nvGrpSpPr>
-      <p:grpSpPr>
-        <a:xfrm>
-          <a:off x="0" y="0"/>
-          <a:ext cx="0" cy="0"/>
-          <a:chOff x="0" y="0"/>
-          <a:chExt cx="0" cy="0"/>
-        </a:xfrm>
-      </p:grpSpPr>
-      <p:sp>
-        <p:nvSpPr>
-          <p:cNvPr id="2" name="タイトル 1"/>
-          <p:cNvSpPr>
-            <a:spLocks noGrp="1"/>
-          </p:cNvSpPr>
-          <p:nvPr>
-            <p:ph type="ctrTitle"/>
-          </p:nvPr>
-        </p:nvSpPr>
-        <p:spPr>
-          <a:xfrm>
-            <a:off x="685800" y="2130425"/>
-            <a:ext cx="7772400" cy="1470025"/>
-          </a:xfrm>
-        </p:spPr>
-        <p:txBody>
-          <a:bodyPr/>
-          <a:lstStyle/>
-          <a:p>
-            <a:r>
-              <a:rPr kumimoji="1" lang="ja-JP" altLang="en-US" smtClean="0"/>
-              <a:t>マスター タイトルの書式設定</a:t>
-            </a:r>
-            <a:endParaRPr kumimoji="1" lang="ja-JP" altLang="en-US"/>
-          </a:p>
-        </p:txBody>
-      </p:sp>
-      <p:sp>
-        <p:nvSpPr>
-          <p:cNvPr id="3" name="サブタイトル 2"/>
-          <p:cNvSpPr>
-            <a:spLocks noGrp="1"/>
-          </p:cNvSpPr>
-          <p:nvPr>
-            <p:ph type="subTitle" idx="1"/>
-          </p:nvPr>
-        </p:nvSpPr>
-        <p:spPr>
-          <a:xfrm>
-            <a:off x="1371600" y="3886200"/>
-            <a:ext cx="6400800" cy="1752600"/>
-          </a:xfrm>
-        </p:spPr>
-        <p:txBody>
-          <a:bodyPr/>
-          <a:lstStyle>
-            <a:lvl1pPr marL="0" indent="0" algn="ctr">
-              <a:buNone/>
-              <a:defRPr>
-                <a:solidFill>
-                  <a:schemeClr val="tx1">
-                    <a:tint val="75000"/>
-                  </a:schemeClr>
-                </a:solidFill>
-              </a:defRPr>
-            </a:lvl1pPr>
-            <a:lvl2pPr marL="457200" indent="0" algn="ctr">
-              <a:buNone/>
-              <a:defRPr>
-                <a:solidFill>
-                  <a:schemeClr val="tx1">
-                    <a:tint val="75000"/>
-                  </a:schemeClr>
-                </a:solidFill>
-              </a:defRPr>
-            </a:lvl2pPr>
-            <a:lvl3pPr marL="914400" indent="0" algn="ctr">
-              <a:buNone/>
-              <a:defRPr>
-                <a:solidFill>
-                  <a:schemeClr val="tx1">
-                    <a:tint val="75000"/>
-                  </a:schemeClr>
-                </a:solidFill>
-              </a:defRPr>
-            </a:lvl3pPr>
-            <a:lvl4pPr marL="1371600" indent="0" algn="ctr">
-              <a:buNone/>
-              <a:defRPr>
-                <a:solidFill>
-                  <a:schemeClr val="tx1">
-                    <a:tint val="75000"/>
-                  </a:schemeClr>
-                </a:solidFill>
-              </a:defRPr>
-            </a:lvl4pPr>
-            <a:lvl5pPr marL="1828800" indent="0" algn="ctr">
-              <a:buNone/>
-              <a:defRPr>
-                <a:solidFill>
-                  <a:schemeClr val="tx1">
-                    <a:tint val="75000"/>
-                  </a:schemeClr>
-                </a:solidFill>
-              </a:defRPr>
-            </a:lvl5pPr>
-            <a:lvl6pPr marL="2286000" indent="0" algn="ctr">
-              <a:buNone/>
-              <a:defRPr>
-                <a:solidFill>
-                  <a:schemeClr val="tx1">
-                    <a:tint val="75000"/>
-                  </a:schemeClr>
-                </a:solidFill>
-              </a:defRPr>
-            </a:lvl6pPr>
-            <a:lvl7pPr marL="2743200" indent="0" algn="ctr">
-              <a:buNone/>
-              <a:defRPr>
-                <a:solidFill>
-                  <a:schemeClr val="tx1">
-                    <a:tint val="75000"/>
-                  </a:schemeClr>
-                </a:solidFill>
-              </a:defRPr>
-            </a:lvl7pPr>
-            <a:lvl8pPr marL="3200400" indent="0" algn="ctr">
-              <a:buNone/>
-              <a:defRPr>
-                <a:solidFill>
-                  <a:schemeClr val="tx1">
-                    <a:tint val="75000"/>
-                  </a:schemeClr>
-                </a:solidFill>
-              </a:defRPr>
-            </a:lvl8pPr>
-            <a:lvl9pPr marL="3657600" indent="0" algn="ctr">
-              <a:buNone/>
-              <a:defRPr>
-                <a:solidFill>
-                  <a:schemeClr val="tx1">
-                    <a:tint val="75000"/>
-                  </a:schemeClr>
-                </a:solidFill>
-              </a:defRPr>
-            </a:lvl9pPr>
-          </a:lstStyle>
-          <a:p>
-            <a:r>
-              <a:rPr kumimoji="1" lang="ja-JP" altLang="en-US" smtClean="0"/>
-              <a:t>マスター サブタイトルの書式設定</a:t>
-            </a:r>
-            <a:endParaRPr kumimoji="1" lang="ja-JP" altLang="en-US"/>
-          </a:p>
-        </p:txBody>
-      </p:sp>
-      <p:sp>
-        <p:nvSpPr>
-          <p:cNvPr id="4" name="日付プレースホルダー 3"/>
-          <p:cNvSpPr>
-            <a:spLocks noGrp="1"/>
-          </p:cNvSpPr>
-          <p:nvPr>
-            <p:ph type="dt" sz="half" idx="10"/>
-          </p:nvPr>
-        </p:nvSpPr>
-        <p:spPr/>
-        <p:txBody>
-          <a:bodyPr/>
-          <a:lstStyle/>
-          <a:p>
-            <a:fld id="{00DC0F73-1C73-4F15-A68E-E91E3D88CA3B}" type="datetimeFigureOut">
-              <a:rPr kumimoji="1" lang="ja-JP" altLang="en-US" smtClean="0"/>
-              <a:t>2014/2/4</a:t>
-            </a:fld>
-            <a:endParaRPr kumimoji="1" lang="ja-JP" altLang="en-US"/>
-          </a:p>
-        </p:txBody>
-      </p:sp>
-      <p:sp>
-        <p:nvSpPr>
-          <p:cNvPr id="5" name="フッター プレースホルダー 4"/>
-          <p:cNvSpPr>
-            <a:spLocks noGrp="1"/>
-          </p:cNvSpPr>
-          <p:nvPr>
-            <p:ph type="ftr" sz="quarter" idx="11"/>
-          </p:nvPr>
-        </p:nvSpPr>
-        <p:spPr/>
-        <p:txBody>
-          <a:bodyPr/>
-          <a:lstStyle/>
-          <a:p>
-            <a:endParaRPr kumimoji="1" lang="ja-JP" altLang="en-US"/>
-          </a:p>
-        </p:txBody>
-      </p:sp>
-      <p:sp>
-        <p:nvSpPr>
-          <p:cNvPr id="6" name="スライド番号プレースホルダー 5"/>
-          <p:cNvSpPr>
-            <a:spLocks noGrp="1"/>
-          </p:cNvSpPr>
-          <p:nvPr>
-            <p:ph type="sldNum" sz="quarter" idx="12"/>
-          </p:nvPr>
-        </p:nvSpPr>
-        <p:spPr/>
-        <p:txBody>
-          <a:bodyPr/>
-          <a:lstStyle/>
-          <a:p>
-            <a:fld id="{965354E3-DBBC-481A-994F-9487516C896B}" type="slidenum">
-              <a:rPr kumimoji="1" lang="ja-JP" altLang="en-US" smtClean="0"/>
-              <a:t>‹#›</a:t>
-            </a:fld>
-            <a:endParaRPr kumimoji="1" lang="ja-JP" altLang="en-US"/>
-          </a:p>
-        </p:txBody>
-      </p:sp>
-    </p:spTree>
-    <p:extLst>
-      <p:ext uri="{BB962C8B-B14F-4D97-AF65-F5344CB8AC3E}">
-        <p14:creationId xmlns:p14="http://schemas.microsoft.com/office/powerpoint/2010/main" val="2137426942"/>
-      </p:ext>
-    </p:extLst>
-  </p:cSld>
-  <p:clrMapOvr>
-    <a:masterClrMapping/>
-  </p:clrMapOvr>
-</p:sldLayout>
-</file>
-
-<file path=ppt/slideLayouts/slideLayout13.xml><?xml version="1.0" encoding="utf-8"?>
-<p:sldLayout xmlns:a="http://schemas.openxmlformats.org/drawingml/2006/main" xmlns:r="http://schemas.openxmlformats.org/officeDocument/2006/relationships" xmlns:p="http://schemas.openxmlformats.org/presentationml/2006/main" type="obj" preserve="1">
-  <p:cSld name="タイトルとコンテンツ">
-    <p:spTree>
-      <p:nvGrpSpPr>
-        <p:cNvPr id="1" name=""/>
-        <p:cNvGrpSpPr/>
-        <p:nvPr/>
-      </p:nvGrpSpPr>
-      <p:grpSpPr>
-        <a:xfrm>
-          <a:off x="0" y="0"/>
-          <a:ext cx="0" cy="0"/>
-          <a:chOff x="0" y="0"/>
-          <a:chExt cx="0" cy="0"/>
-        </a:xfrm>
-      </p:grpSpPr>
-      <p:sp>
-        <p:nvSpPr>
-          <p:cNvPr id="2" name="タイトル 1"/>
-          <p:cNvSpPr>
-            <a:spLocks noGrp="1"/>
-          </p:cNvSpPr>
-          <p:nvPr>
-            <p:ph type="title"/>
-          </p:nvPr>
-        </p:nvSpPr>
-        <p:spPr/>
-        <p:txBody>
-          <a:bodyPr/>
-          <a:lstStyle/>
-          <a:p>
-            <a:r>
-              <a:rPr kumimoji="1" lang="ja-JP" altLang="en-US" smtClean="0"/>
-              <a:t>マスター タイトルの書式設定</a:t>
-            </a:r>
-            <a:endParaRPr kumimoji="1" lang="ja-JP" altLang="en-US"/>
-          </a:p>
-        </p:txBody>
-      </p:sp>
-      <p:sp>
-        <p:nvSpPr>
-          <p:cNvPr id="3" name="コンテンツ プレースホルダー 2"/>
-          <p:cNvSpPr>
-            <a:spLocks noGrp="1"/>
-          </p:cNvSpPr>
-          <p:nvPr>
-            <p:ph idx="1"/>
-          </p:nvPr>
-        </p:nvSpPr>
-        <p:spPr/>
-        <p:txBody>
-          <a:bodyPr/>
-          <a:lstStyle/>
-          <a:p>
-            <a:pPr lvl="0"/>
-            <a:r>
-              <a:rPr kumimoji="1" lang="ja-JP" altLang="en-US" smtClean="0"/>
-              <a:t>マスター テキストの書式設定</a:t>
-            </a:r>
-          </a:p>
-          <a:p>
-            <a:pPr lvl="1"/>
-            <a:r>
-              <a:rPr kumimoji="1" lang="ja-JP" altLang="en-US" smtClean="0"/>
-              <a:t>第 </a:t>
-            </a:r>
-            <a:r>
-              <a:rPr kumimoji="1" lang="en-US" altLang="ja-JP" smtClean="0"/>
-              <a:t>2 </a:t>
-            </a:r>
-            <a:r>
-              <a:rPr kumimoji="1" lang="ja-JP" altLang="en-US" smtClean="0"/>
-              <a:t>レベル</a:t>
-            </a:r>
-          </a:p>
-          <a:p>
-            <a:pPr lvl="2"/>
-            <a:r>
-              <a:rPr kumimoji="1" lang="ja-JP" altLang="en-US" smtClean="0"/>
-              <a:t>第 </a:t>
-            </a:r>
-            <a:r>
-              <a:rPr kumimoji="1" lang="en-US" altLang="ja-JP" smtClean="0"/>
-              <a:t>3 </a:t>
-            </a:r>
-            <a:r>
-              <a:rPr kumimoji="1" lang="ja-JP" altLang="en-US" smtClean="0"/>
-              <a:t>レベル</a:t>
-            </a:r>
-          </a:p>
-          <a:p>
-            <a:pPr lvl="3"/>
-            <a:r>
-              <a:rPr kumimoji="1" lang="ja-JP" altLang="en-US" smtClean="0"/>
-              <a:t>第 </a:t>
-            </a:r>
-            <a:r>
-              <a:rPr kumimoji="1" lang="en-US" altLang="ja-JP" smtClean="0"/>
-              <a:t>4 </a:t>
-            </a:r>
-            <a:r>
-              <a:rPr kumimoji="1" lang="ja-JP" altLang="en-US" smtClean="0"/>
-              <a:t>レベル</a:t>
-            </a:r>
-          </a:p>
-          <a:p>
-            <a:pPr lvl="4"/>
-            <a:r>
-              <a:rPr kumimoji="1" lang="ja-JP" altLang="en-US" smtClean="0"/>
-              <a:t>第 </a:t>
-            </a:r>
-            <a:r>
-              <a:rPr kumimoji="1" lang="en-US" altLang="ja-JP" smtClean="0"/>
-              <a:t>5 </a:t>
-            </a:r>
-            <a:r>
-              <a:rPr kumimoji="1" lang="ja-JP" altLang="en-US" smtClean="0"/>
-              <a:t>レベル</a:t>
-            </a:r>
-            <a:endParaRPr kumimoji="1" lang="ja-JP" altLang="en-US"/>
-          </a:p>
-        </p:txBody>
-      </p:sp>
-      <p:sp>
-        <p:nvSpPr>
-          <p:cNvPr id="4" name="日付プレースホルダー 3"/>
-          <p:cNvSpPr>
-            <a:spLocks noGrp="1"/>
-          </p:cNvSpPr>
-          <p:nvPr>
-            <p:ph type="dt" sz="half" idx="10"/>
-          </p:nvPr>
-        </p:nvSpPr>
-        <p:spPr/>
-        <p:txBody>
-          <a:bodyPr/>
-          <a:lstStyle/>
-          <a:p>
-            <a:fld id="{00DC0F73-1C73-4F15-A68E-E91E3D88CA3B}" type="datetimeFigureOut">
-              <a:rPr kumimoji="1" lang="ja-JP" altLang="en-US" smtClean="0"/>
-              <a:t>2014/2/4</a:t>
-            </a:fld>
-            <a:endParaRPr kumimoji="1" lang="ja-JP" altLang="en-US"/>
-          </a:p>
-        </p:txBody>
-      </p:sp>
-      <p:sp>
-        <p:nvSpPr>
-          <p:cNvPr id="5" name="フッター プレースホルダー 4"/>
-          <p:cNvSpPr>
-            <a:spLocks noGrp="1"/>
-          </p:cNvSpPr>
-          <p:nvPr>
-            <p:ph type="ftr" sz="quarter" idx="11"/>
-          </p:nvPr>
-        </p:nvSpPr>
-        <p:spPr/>
-        <p:txBody>
-          <a:bodyPr/>
-          <a:lstStyle/>
-          <a:p>
-            <a:endParaRPr kumimoji="1" lang="ja-JP" altLang="en-US"/>
-          </a:p>
-        </p:txBody>
-      </p:sp>
-      <p:sp>
-        <p:nvSpPr>
-          <p:cNvPr id="6" name="スライド番号プレースホルダー 5"/>
-          <p:cNvSpPr>
-            <a:spLocks noGrp="1"/>
-          </p:cNvSpPr>
-          <p:nvPr>
-            <p:ph type="sldNum" sz="quarter" idx="12"/>
-          </p:nvPr>
-        </p:nvSpPr>
-        <p:spPr/>
-        <p:txBody>
-          <a:bodyPr/>
-          <a:lstStyle/>
-          <a:p>
-            <a:fld id="{965354E3-DBBC-481A-994F-9487516C896B}" type="slidenum">
-              <a:rPr kumimoji="1" lang="ja-JP" altLang="en-US" smtClean="0"/>
-              <a:t>‹#›</a:t>
-            </a:fld>
-            <a:endParaRPr kumimoji="1" lang="ja-JP" altLang="en-US"/>
-          </a:p>
-        </p:txBody>
-      </p:sp>
-    </p:spTree>
-    <p:extLst>
-      <p:ext uri="{BB962C8B-B14F-4D97-AF65-F5344CB8AC3E}">
-        <p14:creationId xmlns:p14="http://schemas.microsoft.com/office/powerpoint/2010/main" val="4294434530"/>
-      </p:ext>
-    </p:extLst>
-  </p:cSld>
-  <p:clrMapOvr>
-    <a:masterClrMapping/>
-  </p:clrMapOvr>
-</p:sldLayout>
-</file>
-
-<file path=ppt/slideLayouts/slideLayout14.xml><?xml version="1.0" encoding="utf-8"?>
-<p:sldLayout xmlns:a="http://schemas.openxmlformats.org/drawingml/2006/main" xmlns:r="http://schemas.openxmlformats.org/officeDocument/2006/relationships" xmlns:p="http://schemas.openxmlformats.org/presentationml/2006/main" type="secHead" preserve="1">
-  <p:cSld name="セクション見出し">
-    <p:spTree>
-      <p:nvGrpSpPr>
-        <p:cNvPr id="1" name=""/>
-        <p:cNvGrpSpPr/>
-        <p:nvPr/>
-      </p:nvGrpSpPr>
-      <p:grpSpPr>
-        <a:xfrm>
-          <a:off x="0" y="0"/>
-          <a:ext cx="0" cy="0"/>
-          <a:chOff x="0" y="0"/>
-          <a:chExt cx="0" cy="0"/>
-        </a:xfrm>
-      </p:grpSpPr>
-      <p:sp>
-        <p:nvSpPr>
-          <p:cNvPr id="2" name="タイトル 1"/>
-          <p:cNvSpPr>
-            <a:spLocks noGrp="1"/>
-          </p:cNvSpPr>
-          <p:nvPr>
-            <p:ph type="title"/>
-          </p:nvPr>
-        </p:nvSpPr>
-        <p:spPr>
-          <a:xfrm>
-            <a:off x="722313" y="4406900"/>
-            <a:ext cx="7772400" cy="1362075"/>
-          </a:xfrm>
-        </p:spPr>
-        <p:txBody>
-          <a:bodyPr anchor="t"/>
-          <a:lstStyle>
-            <a:lvl1pPr algn="l">
-              <a:defRPr sz="4000" b="1" cap="all"/>
-            </a:lvl1pPr>
-          </a:lstStyle>
-          <a:p>
-            <a:r>
-              <a:rPr kumimoji="1" lang="ja-JP" altLang="en-US" smtClean="0"/>
-              <a:t>マスター タイトルの書式設定</a:t>
-            </a:r>
-            <a:endParaRPr kumimoji="1" lang="ja-JP" altLang="en-US"/>
-          </a:p>
-        </p:txBody>
-      </p:sp>
-      <p:sp>
-        <p:nvSpPr>
-          <p:cNvPr id="3" name="テキスト プレースホルダー 2"/>
-          <p:cNvSpPr>
-            <a:spLocks noGrp="1"/>
-          </p:cNvSpPr>
-          <p:nvPr>
-            <p:ph type="body" idx="1"/>
-          </p:nvPr>
-        </p:nvSpPr>
-        <p:spPr>
-          <a:xfrm>
-            <a:off x="722313" y="2906713"/>
-            <a:ext cx="7772400" cy="1500187"/>
-          </a:xfrm>
-        </p:spPr>
-        <p:txBody>
-          <a:bodyPr anchor="b"/>
-          <a:lstStyle>
-            <a:lvl1pPr marL="0" indent="0">
-              <a:buNone/>
-              <a:defRPr sz="2000">
-                <a:solidFill>
-                  <a:schemeClr val="tx1">
-                    <a:tint val="75000"/>
-                  </a:schemeClr>
-                </a:solidFill>
-              </a:defRPr>
-            </a:lvl1pPr>
-            <a:lvl2pPr marL="457200" indent="0">
-              <a:buNone/>
-              <a:defRPr sz="1800">
-                <a:solidFill>
-                  <a:schemeClr val="tx1">
-                    <a:tint val="75000"/>
-                  </a:schemeClr>
-                </a:solidFill>
-              </a:defRPr>
-            </a:lvl2pPr>
-            <a:lvl3pPr marL="914400" indent="0">
-              <a:buNone/>
-              <a:defRPr sz="1600">
-                <a:solidFill>
-                  <a:schemeClr val="tx1">
-                    <a:tint val="75000"/>
-                  </a:schemeClr>
-                </a:solidFill>
-              </a:defRPr>
-            </a:lvl3pPr>
-            <a:lvl4pPr marL="1371600" indent="0">
-              <a:buNone/>
-              <a:defRPr sz="1400">
-                <a:solidFill>
-                  <a:schemeClr val="tx1">
-                    <a:tint val="75000"/>
-                  </a:schemeClr>
-                </a:solidFill>
-              </a:defRPr>
-            </a:lvl4pPr>
-            <a:lvl5pPr marL="1828800" indent="0">
-              <a:buNone/>
-              <a:defRPr sz="1400">
-                <a:solidFill>
-                  <a:schemeClr val="tx1">
-                    <a:tint val="75000"/>
-                  </a:schemeClr>
-                </a:solidFill>
-              </a:defRPr>
-            </a:lvl5pPr>
-            <a:lvl6pPr marL="2286000" indent="0">
-              <a:buNone/>
-              <a:defRPr sz="1400">
-                <a:solidFill>
-                  <a:schemeClr val="tx1">
-                    <a:tint val="75000"/>
-                  </a:schemeClr>
-                </a:solidFill>
-              </a:defRPr>
-            </a:lvl6pPr>
-            <a:lvl7pPr marL="2743200" indent="0">
-              <a:buNone/>
-              <a:defRPr sz="1400">
-                <a:solidFill>
-                  <a:schemeClr val="tx1">
-                    <a:tint val="75000"/>
-                  </a:schemeClr>
-                </a:solidFill>
-              </a:defRPr>
-            </a:lvl7pPr>
-            <a:lvl8pPr marL="3200400" indent="0">
-              <a:buNone/>
-              <a:defRPr sz="1400">
-                <a:solidFill>
-                  <a:schemeClr val="tx1">
-                    <a:tint val="75000"/>
-                  </a:schemeClr>
-                </a:solidFill>
-              </a:defRPr>
-            </a:lvl8pPr>
-            <a:lvl9pPr marL="3657600" indent="0">
-              <a:buNone/>
-              <a:defRPr sz="1400">
-                <a:solidFill>
-                  <a:schemeClr val="tx1">
-                    <a:tint val="75000"/>
-                  </a:schemeClr>
-                </a:solidFill>
-              </a:defRPr>
-            </a:lvl9pPr>
-          </a:lstStyle>
-          <a:p>
-            <a:pPr lvl="0"/>
-            <a:r>
-              <a:rPr kumimoji="1" lang="ja-JP" altLang="en-US" smtClean="0"/>
-              <a:t>マスター テキストの書式設定</a:t>
-            </a:r>
-          </a:p>
-        </p:txBody>
-      </p:sp>
-      <p:sp>
-        <p:nvSpPr>
-          <p:cNvPr id="4" name="日付プレースホルダー 3"/>
-          <p:cNvSpPr>
-            <a:spLocks noGrp="1"/>
-          </p:cNvSpPr>
-          <p:nvPr>
-            <p:ph type="dt" sz="half" idx="10"/>
-          </p:nvPr>
-        </p:nvSpPr>
-        <p:spPr/>
-        <p:txBody>
-          <a:bodyPr/>
-          <a:lstStyle/>
-          <a:p>
-            <a:fld id="{00DC0F73-1C73-4F15-A68E-E91E3D88CA3B}" type="datetimeFigureOut">
-              <a:rPr kumimoji="1" lang="ja-JP" altLang="en-US" smtClean="0"/>
-              <a:t>2014/2/4</a:t>
-            </a:fld>
-            <a:endParaRPr kumimoji="1" lang="ja-JP" altLang="en-US"/>
-          </a:p>
-        </p:txBody>
-      </p:sp>
-      <p:sp>
-        <p:nvSpPr>
-          <p:cNvPr id="5" name="フッター プレースホルダー 4"/>
-          <p:cNvSpPr>
-            <a:spLocks noGrp="1"/>
-          </p:cNvSpPr>
-          <p:nvPr>
-            <p:ph type="ftr" sz="quarter" idx="11"/>
-          </p:nvPr>
-        </p:nvSpPr>
-        <p:spPr/>
-        <p:txBody>
-          <a:bodyPr/>
-          <a:lstStyle/>
-          <a:p>
-            <a:endParaRPr kumimoji="1" lang="ja-JP" altLang="en-US"/>
-          </a:p>
-        </p:txBody>
-      </p:sp>
-      <p:sp>
-        <p:nvSpPr>
-          <p:cNvPr id="6" name="スライド番号プレースホルダー 5"/>
-          <p:cNvSpPr>
-            <a:spLocks noGrp="1"/>
-          </p:cNvSpPr>
-          <p:nvPr>
-            <p:ph type="sldNum" sz="quarter" idx="12"/>
-          </p:nvPr>
-        </p:nvSpPr>
-        <p:spPr/>
-        <p:txBody>
-          <a:bodyPr/>
-          <a:lstStyle/>
-          <a:p>
-            <a:fld id="{965354E3-DBBC-481A-994F-9487516C896B}" type="slidenum">
-              <a:rPr kumimoji="1" lang="ja-JP" altLang="en-US" smtClean="0"/>
-              <a:t>‹#›</a:t>
-            </a:fld>
-            <a:endParaRPr kumimoji="1" lang="ja-JP" altLang="en-US"/>
-          </a:p>
-        </p:txBody>
-      </p:sp>
-    </p:spTree>
-    <p:extLst>
-      <p:ext uri="{BB962C8B-B14F-4D97-AF65-F5344CB8AC3E}">
-        <p14:creationId xmlns:p14="http://schemas.microsoft.com/office/powerpoint/2010/main" val="2761488835"/>
-      </p:ext>
-    </p:extLst>
-  </p:cSld>
-  <p:clrMapOvr>
-    <a:masterClrMapping/>
-  </p:clrMapOvr>
-</p:sldLayout>
-</file>
-
-<file path=ppt/slideLayouts/slideLayout15.xml><?xml version="1.0" encoding="utf-8"?>
-<p:sldLayout xmlns:a="http://schemas.openxmlformats.org/drawingml/2006/main" xmlns:r="http://schemas.openxmlformats.org/officeDocument/2006/relationships" xmlns:p="http://schemas.openxmlformats.org/presentationml/2006/main" type="twoObj" preserve="1">
-  <p:cSld name="2 つのコンテンツ">
-    <p:spTree>
-      <p:nvGrpSpPr>
-        <p:cNvPr id="1" name=""/>
-        <p:cNvGrpSpPr/>
-        <p:nvPr/>
-      </p:nvGrpSpPr>
-      <p:grpSpPr>
-        <a:xfrm>
-          <a:off x="0" y="0"/>
-          <a:ext cx="0" cy="0"/>
-          <a:chOff x="0" y="0"/>
-          <a:chExt cx="0" cy="0"/>
-        </a:xfrm>
-      </p:grpSpPr>
-      <p:sp>
-        <p:nvSpPr>
-          <p:cNvPr id="2" name="タイトル 1"/>
-          <p:cNvSpPr>
-            <a:spLocks noGrp="1"/>
-          </p:cNvSpPr>
-          <p:nvPr>
-            <p:ph type="title"/>
-          </p:nvPr>
-        </p:nvSpPr>
-        <p:spPr/>
-        <p:txBody>
-          <a:bodyPr/>
-          <a:lstStyle/>
-          <a:p>
-            <a:r>
-              <a:rPr kumimoji="1" lang="ja-JP" altLang="en-US" smtClean="0"/>
-              <a:t>マスター タイトルの書式設定</a:t>
-            </a:r>
-            <a:endParaRPr kumimoji="1" lang="ja-JP" altLang="en-US"/>
-          </a:p>
-        </p:txBody>
-      </p:sp>
-      <p:sp>
-        <p:nvSpPr>
-          <p:cNvPr id="3" name="コンテンツ プレースホルダー 2"/>
-          <p:cNvSpPr>
-            <a:spLocks noGrp="1"/>
-          </p:cNvSpPr>
-          <p:nvPr>
-            <p:ph sz="half" idx="1"/>
-          </p:nvPr>
-        </p:nvSpPr>
-        <p:spPr>
-          <a:xfrm>
-            <a:off x="457200" y="1600200"/>
-            <a:ext cx="4038600" cy="4525963"/>
-          </a:xfrm>
-        </p:spPr>
-        <p:txBody>
-          <a:bodyPr/>
-          <a:lstStyle>
-            <a:lvl1pPr>
-              <a:defRPr sz="2800"/>
-            </a:lvl1pPr>
-            <a:lvl2pPr>
-              <a:defRPr sz="2400"/>
-            </a:lvl2pPr>
-            <a:lvl3pPr>
-              <a:defRPr sz="2000"/>
-            </a:lvl3pPr>
-            <a:lvl4pPr>
-              <a:defRPr sz="1800"/>
-            </a:lvl4pPr>
-            <a:lvl5pPr>
-              <a:defRPr sz="1800"/>
-            </a:lvl5pPr>
-            <a:lvl6pPr>
-              <a:defRPr sz="1800"/>
-            </a:lvl6pPr>
-            <a:lvl7pPr>
-              <a:defRPr sz="1800"/>
-            </a:lvl7pPr>
-            <a:lvl8pPr>
-              <a:defRPr sz="1800"/>
-            </a:lvl8pPr>
-            <a:lvl9pPr>
-              <a:defRPr sz="1800"/>
-            </a:lvl9pPr>
-          </a:lstStyle>
-          <a:p>
-            <a:pPr lvl="0"/>
-            <a:r>
-              <a:rPr kumimoji="1" lang="ja-JP" altLang="en-US" smtClean="0"/>
-              <a:t>マスター テキストの書式設定</a:t>
-            </a:r>
-          </a:p>
-          <a:p>
-            <a:pPr lvl="1"/>
-            <a:r>
-              <a:rPr kumimoji="1" lang="ja-JP" altLang="en-US" smtClean="0"/>
-              <a:t>第 </a:t>
-            </a:r>
-            <a:r>
-              <a:rPr kumimoji="1" lang="en-US" altLang="ja-JP" smtClean="0"/>
-              <a:t>2 </a:t>
-            </a:r>
-            <a:r>
-              <a:rPr kumimoji="1" lang="ja-JP" altLang="en-US" smtClean="0"/>
-              <a:t>レベル</a:t>
-            </a:r>
-          </a:p>
-          <a:p>
-            <a:pPr lvl="2"/>
-            <a:r>
-              <a:rPr kumimoji="1" lang="ja-JP" altLang="en-US" smtClean="0"/>
-              <a:t>第 </a:t>
-            </a:r>
-            <a:r>
-              <a:rPr kumimoji="1" lang="en-US" altLang="ja-JP" smtClean="0"/>
-              <a:t>3 </a:t>
-            </a:r>
-            <a:r>
-              <a:rPr kumimoji="1" lang="ja-JP" altLang="en-US" smtClean="0"/>
-              <a:t>レベル</a:t>
-            </a:r>
-          </a:p>
-          <a:p>
-            <a:pPr lvl="3"/>
-            <a:r>
-              <a:rPr kumimoji="1" lang="ja-JP" altLang="en-US" smtClean="0"/>
-              <a:t>第 </a:t>
-            </a:r>
-            <a:r>
-              <a:rPr kumimoji="1" lang="en-US" altLang="ja-JP" smtClean="0"/>
-              <a:t>4 </a:t>
-            </a:r>
-            <a:r>
-              <a:rPr kumimoji="1" lang="ja-JP" altLang="en-US" smtClean="0"/>
-              <a:t>レベル</a:t>
-            </a:r>
-          </a:p>
-          <a:p>
-            <a:pPr lvl="4"/>
-            <a:r>
-              <a:rPr kumimoji="1" lang="ja-JP" altLang="en-US" smtClean="0"/>
-              <a:t>第 </a:t>
-            </a:r>
-            <a:r>
-              <a:rPr kumimoji="1" lang="en-US" altLang="ja-JP" smtClean="0"/>
-              <a:t>5 </a:t>
-            </a:r>
-            <a:r>
-              <a:rPr kumimoji="1" lang="ja-JP" altLang="en-US" smtClean="0"/>
-              <a:t>レベル</a:t>
-            </a:r>
-            <a:endParaRPr kumimoji="1" lang="ja-JP" altLang="en-US"/>
-          </a:p>
-        </p:txBody>
-      </p:sp>
-      <p:sp>
-        <p:nvSpPr>
-          <p:cNvPr id="4" name="コンテンツ プレースホルダー 3"/>
-          <p:cNvSpPr>
-            <a:spLocks noGrp="1"/>
-          </p:cNvSpPr>
-          <p:nvPr>
-            <p:ph sz="half" idx="2"/>
-          </p:nvPr>
-        </p:nvSpPr>
-        <p:spPr>
-          <a:xfrm>
-            <a:off x="4648200" y="1600200"/>
-            <a:ext cx="4038600" cy="4525963"/>
-          </a:xfrm>
-        </p:spPr>
-        <p:txBody>
-          <a:bodyPr/>
-          <a:lstStyle>
-            <a:lvl1pPr>
-              <a:defRPr sz="2800"/>
-            </a:lvl1pPr>
-            <a:lvl2pPr>
-              <a:defRPr sz="2400"/>
-            </a:lvl2pPr>
-            <a:lvl3pPr>
-              <a:defRPr sz="2000"/>
-            </a:lvl3pPr>
-            <a:lvl4pPr>
-              <a:defRPr sz="1800"/>
-            </a:lvl4pPr>
-            <a:lvl5pPr>
-              <a:defRPr sz="1800"/>
-            </a:lvl5pPr>
-            <a:lvl6pPr>
-              <a:defRPr sz="1800"/>
-            </a:lvl6pPr>
-            <a:lvl7pPr>
-              <a:defRPr sz="1800"/>
-            </a:lvl7pPr>
-            <a:lvl8pPr>
-              <a:defRPr sz="1800"/>
-            </a:lvl8pPr>
-            <a:lvl9pPr>
-              <a:defRPr sz="1800"/>
-            </a:lvl9pPr>
-          </a:lstStyle>
-          <a:p>
-            <a:pPr lvl="0"/>
-            <a:r>
-              <a:rPr kumimoji="1" lang="ja-JP" altLang="en-US" smtClean="0"/>
-              <a:t>マスター テキストの書式設定</a:t>
-            </a:r>
-          </a:p>
-          <a:p>
-            <a:pPr lvl="1"/>
-            <a:r>
-              <a:rPr kumimoji="1" lang="ja-JP" altLang="en-US" smtClean="0"/>
-              <a:t>第 </a:t>
-            </a:r>
-            <a:r>
-              <a:rPr kumimoji="1" lang="en-US" altLang="ja-JP" smtClean="0"/>
-              <a:t>2 </a:t>
-            </a:r>
-            <a:r>
-              <a:rPr kumimoji="1" lang="ja-JP" altLang="en-US" smtClean="0"/>
-              <a:t>レベル</a:t>
-            </a:r>
-          </a:p>
-          <a:p>
-            <a:pPr lvl="2"/>
-            <a:r>
-              <a:rPr kumimoji="1" lang="ja-JP" altLang="en-US" smtClean="0"/>
-              <a:t>第 </a:t>
-            </a:r>
-            <a:r>
-              <a:rPr kumimoji="1" lang="en-US" altLang="ja-JP" smtClean="0"/>
-              <a:t>3 </a:t>
-            </a:r>
-            <a:r>
-              <a:rPr kumimoji="1" lang="ja-JP" altLang="en-US" smtClean="0"/>
-              <a:t>レベル</a:t>
-            </a:r>
-          </a:p>
-          <a:p>
-            <a:pPr lvl="3"/>
-            <a:r>
-              <a:rPr kumimoji="1" lang="ja-JP" altLang="en-US" smtClean="0"/>
-              <a:t>第 </a:t>
-            </a:r>
-            <a:r>
-              <a:rPr kumimoji="1" lang="en-US" altLang="ja-JP" smtClean="0"/>
-              <a:t>4 </a:t>
-            </a:r>
-            <a:r>
-              <a:rPr kumimoji="1" lang="ja-JP" altLang="en-US" smtClean="0"/>
-              <a:t>レベル</a:t>
-            </a:r>
-          </a:p>
-          <a:p>
-            <a:pPr lvl="4"/>
-            <a:r>
-              <a:rPr kumimoji="1" lang="ja-JP" altLang="en-US" smtClean="0"/>
-              <a:t>第 </a:t>
-            </a:r>
-            <a:r>
-              <a:rPr kumimoji="1" lang="en-US" altLang="ja-JP" smtClean="0"/>
-              <a:t>5 </a:t>
-            </a:r>
-            <a:r>
-              <a:rPr kumimoji="1" lang="ja-JP" altLang="en-US" smtClean="0"/>
-              <a:t>レベル</a:t>
-            </a:r>
-            <a:endParaRPr kumimoji="1" lang="ja-JP" altLang="en-US"/>
-          </a:p>
-        </p:txBody>
-      </p:sp>
-      <p:sp>
-        <p:nvSpPr>
-          <p:cNvPr id="5" name="日付プレースホルダー 4"/>
-          <p:cNvSpPr>
-            <a:spLocks noGrp="1"/>
-          </p:cNvSpPr>
-          <p:nvPr>
-            <p:ph type="dt" sz="half" idx="10"/>
-          </p:nvPr>
-        </p:nvSpPr>
-        <p:spPr/>
-        <p:txBody>
-          <a:bodyPr/>
-          <a:lstStyle/>
-          <a:p>
-            <a:fld id="{00DC0F73-1C73-4F15-A68E-E91E3D88CA3B}" type="datetimeFigureOut">
-              <a:rPr kumimoji="1" lang="ja-JP" altLang="en-US" smtClean="0"/>
-              <a:t>2014/2/4</a:t>
-            </a:fld>
-            <a:endParaRPr kumimoji="1" lang="ja-JP" altLang="en-US"/>
-          </a:p>
-        </p:txBody>
-      </p:sp>
-      <p:sp>
-        <p:nvSpPr>
-          <p:cNvPr id="6" name="フッター プレースホルダー 5"/>
-          <p:cNvSpPr>
-            <a:spLocks noGrp="1"/>
-          </p:cNvSpPr>
-          <p:nvPr>
-            <p:ph type="ftr" sz="quarter" idx="11"/>
-          </p:nvPr>
-        </p:nvSpPr>
-        <p:spPr/>
-        <p:txBody>
-          <a:bodyPr/>
-          <a:lstStyle/>
-          <a:p>
-            <a:endParaRPr kumimoji="1" lang="ja-JP" altLang="en-US"/>
-          </a:p>
-        </p:txBody>
-      </p:sp>
-      <p:sp>
-        <p:nvSpPr>
-          <p:cNvPr id="7" name="スライド番号プレースホルダー 6"/>
-          <p:cNvSpPr>
-            <a:spLocks noGrp="1"/>
-          </p:cNvSpPr>
-          <p:nvPr>
-            <p:ph type="sldNum" sz="quarter" idx="12"/>
-          </p:nvPr>
-        </p:nvSpPr>
-        <p:spPr/>
-        <p:txBody>
-          <a:bodyPr/>
-          <a:lstStyle/>
-          <a:p>
-            <a:fld id="{965354E3-DBBC-481A-994F-9487516C896B}" type="slidenum">
-              <a:rPr kumimoji="1" lang="ja-JP" altLang="en-US" smtClean="0"/>
-              <a:t>‹#›</a:t>
-            </a:fld>
-            <a:endParaRPr kumimoji="1" lang="ja-JP" altLang="en-US"/>
-          </a:p>
-        </p:txBody>
-      </p:sp>
-    </p:spTree>
-    <p:extLst>
-      <p:ext uri="{BB962C8B-B14F-4D97-AF65-F5344CB8AC3E}">
-        <p14:creationId xmlns:p14="http://schemas.microsoft.com/office/powerpoint/2010/main" val="499253585"/>
-      </p:ext>
-    </p:extLst>
-  </p:cSld>
-  <p:clrMapOvr>
-    <a:masterClrMapping/>
-  </p:clrMapOvr>
-</p:sldLayout>
-</file>
-
-<file path=ppt/slideLayouts/slideLayout16.xml><?xml version="1.0" encoding="utf-8"?>
-<p:sldLayout xmlns:a="http://schemas.openxmlformats.org/drawingml/2006/main" xmlns:r="http://schemas.openxmlformats.org/officeDocument/2006/relationships" xmlns:p="http://schemas.openxmlformats.org/presentationml/2006/main" type="twoTxTwoObj" preserve="1">
-  <p:cSld name="比較">
-    <p:spTree>
-      <p:nvGrpSpPr>
-        <p:cNvPr id="1" name=""/>
-        <p:cNvGrpSpPr/>
-        <p:nvPr/>
-      </p:nvGrpSpPr>
-      <p:grpSpPr>
-        <a:xfrm>
-          <a:off x="0" y="0"/>
-          <a:ext cx="0" cy="0"/>
-          <a:chOff x="0" y="0"/>
-          <a:chExt cx="0" cy="0"/>
-        </a:xfrm>
-      </p:grpSpPr>
-      <p:sp>
-        <p:nvSpPr>
-          <p:cNvPr id="2" name="タイトル 1"/>
-          <p:cNvSpPr>
-            <a:spLocks noGrp="1"/>
-          </p:cNvSpPr>
-          <p:nvPr>
-            <p:ph type="title"/>
-          </p:nvPr>
-        </p:nvSpPr>
-        <p:spPr/>
-        <p:txBody>
-          <a:bodyPr/>
-          <a:lstStyle>
-            <a:lvl1pPr>
-              <a:defRPr/>
-            </a:lvl1pPr>
-          </a:lstStyle>
-          <a:p>
-            <a:r>
-              <a:rPr kumimoji="1" lang="ja-JP" altLang="en-US" smtClean="0"/>
-              <a:t>マスター タイトルの書式設定</a:t>
-            </a:r>
-            <a:endParaRPr kumimoji="1" lang="ja-JP" altLang="en-US"/>
-          </a:p>
-        </p:txBody>
-      </p:sp>
-      <p:sp>
-        <p:nvSpPr>
-          <p:cNvPr id="3" name="テキスト プレースホルダー 2"/>
-          <p:cNvSpPr>
-            <a:spLocks noGrp="1"/>
-          </p:cNvSpPr>
-          <p:nvPr>
-            <p:ph type="body" idx="1"/>
-          </p:nvPr>
-        </p:nvSpPr>
-        <p:spPr>
-          <a:xfrm>
-            <a:off x="457200" y="1535113"/>
-            <a:ext cx="4040188" cy="639762"/>
-          </a:xfrm>
-        </p:spPr>
-        <p:txBody>
-          <a:bodyPr anchor="b"/>
-          <a:lstStyle>
-            <a:lvl1pPr marL="0" indent="0">
-              <a:buNone/>
-              <a:defRPr sz="2400" b="1"/>
-            </a:lvl1pPr>
-            <a:lvl2pPr marL="457200" indent="0">
-              <a:buNone/>
-              <a:defRPr sz="2000" b="1"/>
-            </a:lvl2pPr>
-            <a:lvl3pPr marL="914400" indent="0">
-              <a:buNone/>
-              <a:defRPr sz="1800" b="1"/>
-            </a:lvl3pPr>
-            <a:lvl4pPr marL="1371600" indent="0">
-              <a:buNone/>
-              <a:defRPr sz="1600" b="1"/>
-            </a:lvl4pPr>
-            <a:lvl5pPr marL="1828800" indent="0">
-              <a:buNone/>
-              <a:defRPr sz="1600" b="1"/>
-            </a:lvl5pPr>
-            <a:lvl6pPr marL="2286000" indent="0">
-              <a:buNone/>
-              <a:defRPr sz="1600" b="1"/>
-            </a:lvl6pPr>
-            <a:lvl7pPr marL="2743200" indent="0">
-              <a:buNone/>
-              <a:defRPr sz="1600" b="1"/>
-            </a:lvl7pPr>
-            <a:lvl8pPr marL="3200400" indent="0">
-              <a:buNone/>
-              <a:defRPr sz="1600" b="1"/>
-            </a:lvl8pPr>
-            <a:lvl9pPr marL="3657600" indent="0">
-              <a:buNone/>
-              <a:defRPr sz="1600" b="1"/>
-            </a:lvl9pPr>
-          </a:lstStyle>
-          <a:p>
-            <a:pPr lvl="0"/>
-            <a:r>
-              <a:rPr kumimoji="1" lang="ja-JP" altLang="en-US" smtClean="0"/>
-              <a:t>マスター テキストの書式設定</a:t>
-            </a:r>
-          </a:p>
-        </p:txBody>
-      </p:sp>
-      <p:sp>
-        <p:nvSpPr>
-          <p:cNvPr id="4" name="コンテンツ プレースホルダー 3"/>
-          <p:cNvSpPr>
-            <a:spLocks noGrp="1"/>
-          </p:cNvSpPr>
-          <p:nvPr>
-            <p:ph sz="half" idx="2"/>
-          </p:nvPr>
-        </p:nvSpPr>
-        <p:spPr>
-          <a:xfrm>
-            <a:off x="457200" y="2174875"/>
-            <a:ext cx="4040188" cy="3951288"/>
-          </a:xfrm>
-        </p:spPr>
-        <p:txBody>
-          <a:bodyPr/>
-          <a:lstStyle>
-            <a:lvl1pPr>
-              <a:defRPr sz="2400"/>
-            </a:lvl1pPr>
-            <a:lvl2pPr>
-              <a:defRPr sz="2000"/>
-            </a:lvl2pPr>
-            <a:lvl3pPr>
-              <a:defRPr sz="1800"/>
-            </a:lvl3pPr>
-            <a:lvl4pPr>
-              <a:defRPr sz="1600"/>
-            </a:lvl4pPr>
-            <a:lvl5pPr>
-              <a:defRPr sz="1600"/>
-            </a:lvl5pPr>
-            <a:lvl6pPr>
-              <a:defRPr sz="1600"/>
-            </a:lvl6pPr>
-            <a:lvl7pPr>
-              <a:defRPr sz="1600"/>
-            </a:lvl7pPr>
-            <a:lvl8pPr>
-              <a:defRPr sz="1600"/>
-            </a:lvl8pPr>
-            <a:lvl9pPr>
-              <a:defRPr sz="1600"/>
-            </a:lvl9pPr>
-          </a:lstStyle>
-          <a:p>
-            <a:pPr lvl="0"/>
-            <a:r>
-              <a:rPr kumimoji="1" lang="ja-JP" altLang="en-US" smtClean="0"/>
-              <a:t>マスター テキストの書式設定</a:t>
-            </a:r>
-          </a:p>
-          <a:p>
-            <a:pPr lvl="1"/>
-            <a:r>
-              <a:rPr kumimoji="1" lang="ja-JP" altLang="en-US" smtClean="0"/>
-              <a:t>第 </a:t>
-            </a:r>
-            <a:r>
-              <a:rPr kumimoji="1" lang="en-US" altLang="ja-JP" smtClean="0"/>
-              <a:t>2 </a:t>
-            </a:r>
-            <a:r>
-              <a:rPr kumimoji="1" lang="ja-JP" altLang="en-US" smtClean="0"/>
-              <a:t>レベル</a:t>
-            </a:r>
-          </a:p>
-          <a:p>
-            <a:pPr lvl="2"/>
-            <a:r>
-              <a:rPr kumimoji="1" lang="ja-JP" altLang="en-US" smtClean="0"/>
-              <a:t>第 </a:t>
-            </a:r>
-            <a:r>
-              <a:rPr kumimoji="1" lang="en-US" altLang="ja-JP" smtClean="0"/>
-              <a:t>3 </a:t>
-            </a:r>
-            <a:r>
-              <a:rPr kumimoji="1" lang="ja-JP" altLang="en-US" smtClean="0"/>
-              <a:t>レベル</a:t>
-            </a:r>
-          </a:p>
-          <a:p>
-            <a:pPr lvl="3"/>
-            <a:r>
-              <a:rPr kumimoji="1" lang="ja-JP" altLang="en-US" smtClean="0"/>
-              <a:t>第 </a:t>
-            </a:r>
-            <a:r>
-              <a:rPr kumimoji="1" lang="en-US" altLang="ja-JP" smtClean="0"/>
-              <a:t>4 </a:t>
-            </a:r>
-            <a:r>
-              <a:rPr kumimoji="1" lang="ja-JP" altLang="en-US" smtClean="0"/>
-              <a:t>レベル</a:t>
-            </a:r>
-          </a:p>
-          <a:p>
-            <a:pPr lvl="4"/>
-            <a:r>
-              <a:rPr kumimoji="1" lang="ja-JP" altLang="en-US" smtClean="0"/>
-              <a:t>第 </a:t>
-            </a:r>
-            <a:r>
-              <a:rPr kumimoji="1" lang="en-US" altLang="ja-JP" smtClean="0"/>
-              <a:t>5 </a:t>
-            </a:r>
-            <a:r>
-              <a:rPr kumimoji="1" lang="ja-JP" altLang="en-US" smtClean="0"/>
-              <a:t>レベル</a:t>
-            </a:r>
-            <a:endParaRPr kumimoji="1" lang="ja-JP" altLang="en-US"/>
-          </a:p>
-        </p:txBody>
-      </p:sp>
-      <p:sp>
-        <p:nvSpPr>
-          <p:cNvPr id="5" name="テキスト プレースホルダー 4"/>
-          <p:cNvSpPr>
-            <a:spLocks noGrp="1"/>
-          </p:cNvSpPr>
-          <p:nvPr>
-            <p:ph type="body" sz="quarter" idx="3"/>
-          </p:nvPr>
-        </p:nvSpPr>
-        <p:spPr>
-          <a:xfrm>
-            <a:off x="4645025" y="1535113"/>
-            <a:ext cx="4041775" cy="639762"/>
-          </a:xfrm>
-        </p:spPr>
-        <p:txBody>
-          <a:bodyPr anchor="b"/>
-          <a:lstStyle>
-            <a:lvl1pPr marL="0" indent="0">
-              <a:buNone/>
-              <a:defRPr sz="2400" b="1"/>
-            </a:lvl1pPr>
-            <a:lvl2pPr marL="457200" indent="0">
-              <a:buNone/>
-              <a:defRPr sz="2000" b="1"/>
-            </a:lvl2pPr>
-            <a:lvl3pPr marL="914400" indent="0">
-              <a:buNone/>
-              <a:defRPr sz="1800" b="1"/>
-            </a:lvl3pPr>
-            <a:lvl4pPr marL="1371600" indent="0">
-              <a:buNone/>
-              <a:defRPr sz="1600" b="1"/>
-            </a:lvl4pPr>
-            <a:lvl5pPr marL="1828800" indent="0">
-              <a:buNone/>
-              <a:defRPr sz="1600" b="1"/>
-            </a:lvl5pPr>
-            <a:lvl6pPr marL="2286000" indent="0">
-              <a:buNone/>
-              <a:defRPr sz="1600" b="1"/>
-            </a:lvl6pPr>
-            <a:lvl7pPr marL="2743200" indent="0">
-              <a:buNone/>
-              <a:defRPr sz="1600" b="1"/>
-            </a:lvl7pPr>
-            <a:lvl8pPr marL="3200400" indent="0">
-              <a:buNone/>
-              <a:defRPr sz="1600" b="1"/>
-            </a:lvl8pPr>
-            <a:lvl9pPr marL="3657600" indent="0">
-              <a:buNone/>
-              <a:defRPr sz="1600" b="1"/>
-            </a:lvl9pPr>
-          </a:lstStyle>
-          <a:p>
-            <a:pPr lvl="0"/>
-            <a:r>
-              <a:rPr kumimoji="1" lang="ja-JP" altLang="en-US" smtClean="0"/>
-              <a:t>マスター テキストの書式設定</a:t>
-            </a:r>
-          </a:p>
-        </p:txBody>
-      </p:sp>
-      <p:sp>
-        <p:nvSpPr>
-          <p:cNvPr id="6" name="コンテンツ プレースホルダー 5"/>
-          <p:cNvSpPr>
-            <a:spLocks noGrp="1"/>
-          </p:cNvSpPr>
-          <p:nvPr>
-            <p:ph sz="quarter" idx="4"/>
-          </p:nvPr>
-        </p:nvSpPr>
-        <p:spPr>
-          <a:xfrm>
-            <a:off x="4645025" y="2174875"/>
-            <a:ext cx="4041775" cy="3951288"/>
-          </a:xfrm>
-        </p:spPr>
-        <p:txBody>
-          <a:bodyPr/>
-          <a:lstStyle>
-            <a:lvl1pPr>
-              <a:defRPr sz="2400"/>
-            </a:lvl1pPr>
-            <a:lvl2pPr>
-              <a:defRPr sz="2000"/>
-            </a:lvl2pPr>
-            <a:lvl3pPr>
-              <a:defRPr sz="1800"/>
-            </a:lvl3pPr>
-            <a:lvl4pPr>
-              <a:defRPr sz="1600"/>
-            </a:lvl4pPr>
-            <a:lvl5pPr>
-              <a:defRPr sz="1600"/>
-            </a:lvl5pPr>
-            <a:lvl6pPr>
-              <a:defRPr sz="1600"/>
-            </a:lvl6pPr>
-            <a:lvl7pPr>
-              <a:defRPr sz="1600"/>
-            </a:lvl7pPr>
-            <a:lvl8pPr>
-              <a:defRPr sz="1600"/>
-            </a:lvl8pPr>
-            <a:lvl9pPr>
-              <a:defRPr sz="1600"/>
-            </a:lvl9pPr>
-          </a:lstStyle>
-          <a:p>
-            <a:pPr lvl="0"/>
-            <a:r>
-              <a:rPr kumimoji="1" lang="ja-JP" altLang="en-US" smtClean="0"/>
-              <a:t>マスター テキストの書式設定</a:t>
-            </a:r>
-          </a:p>
-          <a:p>
-            <a:pPr lvl="1"/>
-            <a:r>
-              <a:rPr kumimoji="1" lang="ja-JP" altLang="en-US" smtClean="0"/>
-              <a:t>第 </a:t>
-            </a:r>
-            <a:r>
-              <a:rPr kumimoji="1" lang="en-US" altLang="ja-JP" smtClean="0"/>
-              <a:t>2 </a:t>
-            </a:r>
-            <a:r>
-              <a:rPr kumimoji="1" lang="ja-JP" altLang="en-US" smtClean="0"/>
-              <a:t>レベル</a:t>
-            </a:r>
-          </a:p>
-          <a:p>
-            <a:pPr lvl="2"/>
-            <a:r>
-              <a:rPr kumimoji="1" lang="ja-JP" altLang="en-US" smtClean="0"/>
-              <a:t>第 </a:t>
-            </a:r>
-            <a:r>
-              <a:rPr kumimoji="1" lang="en-US" altLang="ja-JP" smtClean="0"/>
-              <a:t>3 </a:t>
-            </a:r>
-            <a:r>
-              <a:rPr kumimoji="1" lang="ja-JP" altLang="en-US" smtClean="0"/>
-              <a:t>レベル</a:t>
-            </a:r>
-          </a:p>
-          <a:p>
-            <a:pPr lvl="3"/>
-            <a:r>
-              <a:rPr kumimoji="1" lang="ja-JP" altLang="en-US" smtClean="0"/>
-              <a:t>第 </a:t>
-            </a:r>
-            <a:r>
-              <a:rPr kumimoji="1" lang="en-US" altLang="ja-JP" smtClean="0"/>
-              <a:t>4 </a:t>
-            </a:r>
-            <a:r>
-              <a:rPr kumimoji="1" lang="ja-JP" altLang="en-US" smtClean="0"/>
-              <a:t>レベル</a:t>
-            </a:r>
-          </a:p>
-          <a:p>
-            <a:pPr lvl="4"/>
-            <a:r>
-              <a:rPr kumimoji="1" lang="ja-JP" altLang="en-US" smtClean="0"/>
-              <a:t>第 </a:t>
-            </a:r>
-            <a:r>
-              <a:rPr kumimoji="1" lang="en-US" altLang="ja-JP" smtClean="0"/>
-              <a:t>5 </a:t>
-            </a:r>
-            <a:r>
-              <a:rPr kumimoji="1" lang="ja-JP" altLang="en-US" smtClean="0"/>
-              <a:t>レベル</a:t>
-            </a:r>
-            <a:endParaRPr kumimoji="1" lang="ja-JP" altLang="en-US"/>
-          </a:p>
-        </p:txBody>
-      </p:sp>
-      <p:sp>
-        <p:nvSpPr>
-          <p:cNvPr id="7" name="日付プレースホルダー 6"/>
-          <p:cNvSpPr>
-            <a:spLocks noGrp="1"/>
-          </p:cNvSpPr>
-          <p:nvPr>
-            <p:ph type="dt" sz="half" idx="10"/>
-          </p:nvPr>
-        </p:nvSpPr>
-        <p:spPr/>
-        <p:txBody>
-          <a:bodyPr/>
-          <a:lstStyle/>
-          <a:p>
-            <a:fld id="{00DC0F73-1C73-4F15-A68E-E91E3D88CA3B}" type="datetimeFigureOut">
-              <a:rPr kumimoji="1" lang="ja-JP" altLang="en-US" smtClean="0"/>
-              <a:t>2014/2/4</a:t>
-            </a:fld>
-            <a:endParaRPr kumimoji="1" lang="ja-JP" altLang="en-US"/>
-          </a:p>
-        </p:txBody>
-      </p:sp>
-      <p:sp>
-        <p:nvSpPr>
-          <p:cNvPr id="8" name="フッター プレースホルダー 7"/>
-          <p:cNvSpPr>
-            <a:spLocks noGrp="1"/>
-          </p:cNvSpPr>
-          <p:nvPr>
-            <p:ph type="ftr" sz="quarter" idx="11"/>
-          </p:nvPr>
-        </p:nvSpPr>
-        <p:spPr/>
-        <p:txBody>
-          <a:bodyPr/>
-          <a:lstStyle/>
-          <a:p>
-            <a:endParaRPr kumimoji="1" lang="ja-JP" altLang="en-US"/>
-          </a:p>
-        </p:txBody>
-      </p:sp>
-      <p:sp>
-        <p:nvSpPr>
-          <p:cNvPr id="9" name="スライド番号プレースホルダー 8"/>
-          <p:cNvSpPr>
-            <a:spLocks noGrp="1"/>
-          </p:cNvSpPr>
-          <p:nvPr>
-            <p:ph type="sldNum" sz="quarter" idx="12"/>
-          </p:nvPr>
-        </p:nvSpPr>
-        <p:spPr/>
-        <p:txBody>
-          <a:bodyPr/>
-          <a:lstStyle/>
-          <a:p>
-            <a:fld id="{965354E3-DBBC-481A-994F-9487516C896B}" type="slidenum">
-              <a:rPr kumimoji="1" lang="ja-JP" altLang="en-US" smtClean="0"/>
-              <a:t>‹#›</a:t>
-            </a:fld>
-            <a:endParaRPr kumimoji="1" lang="ja-JP" altLang="en-US"/>
-          </a:p>
-        </p:txBody>
-      </p:sp>
-    </p:spTree>
-    <p:extLst>
-      <p:ext uri="{BB962C8B-B14F-4D97-AF65-F5344CB8AC3E}">
-        <p14:creationId xmlns:p14="http://schemas.microsoft.com/office/powerpoint/2010/main" val="1121812068"/>
-      </p:ext>
-    </p:extLst>
-  </p:cSld>
-  <p:clrMapOvr>
-    <a:masterClrMapping/>
-  </p:clrMapOvr>
-</p:sldLayout>
-</file>
-
-<file path=ppt/slideLayouts/slideLayout17.xml><?xml version="1.0" encoding="utf-8"?>
-<p:sldLayout xmlns:a="http://schemas.openxmlformats.org/drawingml/2006/main" xmlns:r="http://schemas.openxmlformats.org/officeDocument/2006/relationships" xmlns:p="http://schemas.openxmlformats.org/presentationml/2006/main" type="titleOnly" preserve="1">
-  <p:cSld name="タイトルのみ">
-    <p:spTree>
-      <p:nvGrpSpPr>
-        <p:cNvPr id="1" name=""/>
-        <p:cNvGrpSpPr/>
-        <p:nvPr/>
-      </p:nvGrpSpPr>
-      <p:grpSpPr>
-        <a:xfrm>
-          <a:off x="0" y="0"/>
-          <a:ext cx="0" cy="0"/>
-          <a:chOff x="0" y="0"/>
-          <a:chExt cx="0" cy="0"/>
-        </a:xfrm>
-      </p:grpSpPr>
-      <p:sp>
-        <p:nvSpPr>
-          <p:cNvPr id="2" name="タイトル 1"/>
-          <p:cNvSpPr>
-            <a:spLocks noGrp="1"/>
-          </p:cNvSpPr>
-          <p:nvPr>
-            <p:ph type="title"/>
-          </p:nvPr>
-        </p:nvSpPr>
-        <p:spPr/>
-        <p:txBody>
-          <a:bodyPr/>
-          <a:lstStyle/>
-          <a:p>
-            <a:r>
-              <a:rPr kumimoji="1" lang="ja-JP" altLang="en-US" smtClean="0"/>
-              <a:t>マスター タイトルの書式設定</a:t>
-            </a:r>
-            <a:endParaRPr kumimoji="1" lang="ja-JP" altLang="en-US"/>
-          </a:p>
-        </p:txBody>
-      </p:sp>
-      <p:sp>
-        <p:nvSpPr>
-          <p:cNvPr id="3" name="日付プレースホルダー 2"/>
-          <p:cNvSpPr>
-            <a:spLocks noGrp="1"/>
-          </p:cNvSpPr>
-          <p:nvPr>
-            <p:ph type="dt" sz="half" idx="10"/>
-          </p:nvPr>
-        </p:nvSpPr>
-        <p:spPr/>
-        <p:txBody>
-          <a:bodyPr/>
-          <a:lstStyle/>
-          <a:p>
-            <a:fld id="{00DC0F73-1C73-4F15-A68E-E91E3D88CA3B}" type="datetimeFigureOut">
-              <a:rPr kumimoji="1" lang="ja-JP" altLang="en-US" smtClean="0"/>
-              <a:t>2014/2/4</a:t>
-            </a:fld>
-            <a:endParaRPr kumimoji="1" lang="ja-JP" altLang="en-US"/>
-          </a:p>
-        </p:txBody>
-      </p:sp>
-      <p:sp>
-        <p:nvSpPr>
-          <p:cNvPr id="4" name="フッター プレースホルダー 3"/>
-          <p:cNvSpPr>
-            <a:spLocks noGrp="1"/>
-          </p:cNvSpPr>
-          <p:nvPr>
-            <p:ph type="ftr" sz="quarter" idx="11"/>
-          </p:nvPr>
-        </p:nvSpPr>
-        <p:spPr/>
-        <p:txBody>
-          <a:bodyPr/>
-          <a:lstStyle/>
-          <a:p>
-            <a:endParaRPr kumimoji="1" lang="ja-JP" altLang="en-US"/>
-          </a:p>
-        </p:txBody>
-      </p:sp>
-      <p:sp>
-        <p:nvSpPr>
-          <p:cNvPr id="5" name="スライド番号プレースホルダー 4"/>
-          <p:cNvSpPr>
-            <a:spLocks noGrp="1"/>
-          </p:cNvSpPr>
-          <p:nvPr>
-            <p:ph type="sldNum" sz="quarter" idx="12"/>
-          </p:nvPr>
-        </p:nvSpPr>
-        <p:spPr/>
-        <p:txBody>
-          <a:bodyPr/>
-          <a:lstStyle/>
-          <a:p>
-            <a:fld id="{965354E3-DBBC-481A-994F-9487516C896B}" type="slidenum">
-              <a:rPr kumimoji="1" lang="ja-JP" altLang="en-US" smtClean="0"/>
-              <a:t>‹#›</a:t>
-            </a:fld>
-            <a:endParaRPr kumimoji="1" lang="ja-JP" altLang="en-US"/>
-          </a:p>
-        </p:txBody>
-      </p:sp>
-    </p:spTree>
-    <p:extLst>
-      <p:ext uri="{BB962C8B-B14F-4D97-AF65-F5344CB8AC3E}">
-        <p14:creationId xmlns:p14="http://schemas.microsoft.com/office/powerpoint/2010/main" val="2483032590"/>
-      </p:ext>
-    </p:extLst>
-  </p:cSld>
-  <p:clrMapOvr>
-    <a:masterClrMapping/>
-  </p:clrMapOvr>
-</p:sldLayout>
-</file>
-
-<file path=ppt/slideLayouts/slideLayout18.xml><?xml version="1.0" encoding="utf-8"?>
-<p:sldLayout xmlns:a="http://schemas.openxmlformats.org/drawingml/2006/main" xmlns:r="http://schemas.openxmlformats.org/officeDocument/2006/relationships" xmlns:p="http://schemas.openxmlformats.org/presentationml/2006/main" type="blank" preserve="1">
-  <p:cSld name="白紙">
-    <p:spTree>
-      <p:nvGrpSpPr>
-        <p:cNvPr id="1" name=""/>
-        <p:cNvGrpSpPr/>
-        <p:nvPr/>
-      </p:nvGrpSpPr>
-      <p:grpSpPr>
-        <a:xfrm>
-          <a:off x="0" y="0"/>
-          <a:ext cx="0" cy="0"/>
-          <a:chOff x="0" y="0"/>
-          <a:chExt cx="0" cy="0"/>
-        </a:xfrm>
-      </p:grpSpPr>
-      <p:sp>
-        <p:nvSpPr>
-          <p:cNvPr id="2" name="日付プレースホルダー 1"/>
-          <p:cNvSpPr>
-            <a:spLocks noGrp="1"/>
-          </p:cNvSpPr>
-          <p:nvPr>
-            <p:ph type="dt" sz="half" idx="10"/>
-          </p:nvPr>
-        </p:nvSpPr>
-        <p:spPr/>
-        <p:txBody>
-          <a:bodyPr/>
-          <a:lstStyle/>
-          <a:p>
-            <a:fld id="{00DC0F73-1C73-4F15-A68E-E91E3D88CA3B}" type="datetimeFigureOut">
-              <a:rPr kumimoji="1" lang="ja-JP" altLang="en-US" smtClean="0"/>
-              <a:t>2014/2/4</a:t>
-            </a:fld>
-            <a:endParaRPr kumimoji="1" lang="ja-JP" altLang="en-US"/>
-          </a:p>
-        </p:txBody>
-      </p:sp>
-      <p:sp>
-        <p:nvSpPr>
-          <p:cNvPr id="3" name="フッター プレースホルダー 2"/>
-          <p:cNvSpPr>
-            <a:spLocks noGrp="1"/>
-          </p:cNvSpPr>
-          <p:nvPr>
-            <p:ph type="ftr" sz="quarter" idx="11"/>
-          </p:nvPr>
-        </p:nvSpPr>
-        <p:spPr/>
-        <p:txBody>
-          <a:bodyPr/>
-          <a:lstStyle/>
-          <a:p>
-            <a:endParaRPr kumimoji="1" lang="ja-JP" altLang="en-US"/>
-          </a:p>
-        </p:txBody>
-      </p:sp>
-      <p:sp>
-        <p:nvSpPr>
-          <p:cNvPr id="4" name="スライド番号プレースホルダー 3"/>
-          <p:cNvSpPr>
-            <a:spLocks noGrp="1"/>
-          </p:cNvSpPr>
-          <p:nvPr>
-            <p:ph type="sldNum" sz="quarter" idx="12"/>
-          </p:nvPr>
-        </p:nvSpPr>
-        <p:spPr/>
-        <p:txBody>
-          <a:bodyPr/>
-          <a:lstStyle/>
-          <a:p>
-            <a:fld id="{965354E3-DBBC-481A-994F-9487516C896B}" type="slidenum">
-              <a:rPr kumimoji="1" lang="ja-JP" altLang="en-US" smtClean="0"/>
-              <a:t>‹#›</a:t>
-            </a:fld>
-            <a:endParaRPr kumimoji="1" lang="ja-JP" altLang="en-US"/>
-          </a:p>
-        </p:txBody>
-      </p:sp>
-    </p:spTree>
-    <p:extLst>
-      <p:ext uri="{BB962C8B-B14F-4D97-AF65-F5344CB8AC3E}">
-        <p14:creationId xmlns:p14="http://schemas.microsoft.com/office/powerpoint/2010/main" val="665001129"/>
-      </p:ext>
-    </p:extLst>
-  </p:cSld>
-  <p:clrMapOvr>
-    <a:masterClrMapping/>
-  </p:clrMapOvr>
-</p:sldLayout>
-</file>
-
-<file path=ppt/slideLayouts/slideLayout19.xml><?xml version="1.0" encoding="utf-8"?>
-<p:sldLayout xmlns:a="http://schemas.openxmlformats.org/drawingml/2006/main" xmlns:r="http://schemas.openxmlformats.org/officeDocument/2006/relationships" xmlns:p="http://schemas.openxmlformats.org/presentationml/2006/main" type="objTx" preserve="1">
-  <p:cSld name="タイトル付きの&#10;コンテンツ">
-    <p:spTree>
-      <p:nvGrpSpPr>
-        <p:cNvPr id="1" name=""/>
-        <p:cNvGrpSpPr/>
-        <p:nvPr/>
-      </p:nvGrpSpPr>
-      <p:grpSpPr>
-        <a:xfrm>
-          <a:off x="0" y="0"/>
-          <a:ext cx="0" cy="0"/>
-          <a:chOff x="0" y="0"/>
-          <a:chExt cx="0" cy="0"/>
-        </a:xfrm>
-      </p:grpSpPr>
-      <p:sp>
-        <p:nvSpPr>
-          <p:cNvPr id="2" name="タイトル 1"/>
-          <p:cNvSpPr>
-            <a:spLocks noGrp="1"/>
-          </p:cNvSpPr>
-          <p:nvPr>
-            <p:ph type="title"/>
-          </p:nvPr>
-        </p:nvSpPr>
-        <p:spPr>
-          <a:xfrm>
-            <a:off x="457200" y="273050"/>
-            <a:ext cx="3008313" cy="1162050"/>
-          </a:xfrm>
-        </p:spPr>
-        <p:txBody>
-          <a:bodyPr anchor="b"/>
-          <a:lstStyle>
-            <a:lvl1pPr algn="l">
-              <a:defRPr sz="2000" b="1"/>
-            </a:lvl1pPr>
-          </a:lstStyle>
-          <a:p>
-            <a:r>
-              <a:rPr kumimoji="1" lang="ja-JP" altLang="en-US" smtClean="0"/>
-              <a:t>マスター タイトルの書式設定</a:t>
-            </a:r>
-            <a:endParaRPr kumimoji="1" lang="ja-JP" altLang="en-US"/>
-          </a:p>
-        </p:txBody>
-      </p:sp>
-      <p:sp>
-        <p:nvSpPr>
-          <p:cNvPr id="3" name="コンテンツ プレースホルダー 2"/>
-          <p:cNvSpPr>
-            <a:spLocks noGrp="1"/>
-          </p:cNvSpPr>
-          <p:nvPr>
-            <p:ph idx="1"/>
-          </p:nvPr>
-        </p:nvSpPr>
-        <p:spPr>
-          <a:xfrm>
-            <a:off x="3575050" y="273050"/>
-            <a:ext cx="5111750" cy="5853113"/>
-          </a:xfrm>
-        </p:spPr>
-        <p:txBody>
-          <a:bodyPr/>
-          <a:lstStyle>
-            <a:lvl1pPr>
-              <a:defRPr sz="3200"/>
-            </a:lvl1pPr>
-            <a:lvl2pPr>
-              <a:defRPr sz="2800"/>
-            </a:lvl2pPr>
-            <a:lvl3pPr>
-              <a:defRPr sz="2400"/>
-            </a:lvl3pPr>
-            <a:lvl4pPr>
-              <a:defRPr sz="2000"/>
-            </a:lvl4pPr>
-            <a:lvl5pPr>
-              <a:defRPr sz="2000"/>
-            </a:lvl5pPr>
-            <a:lvl6pPr>
-              <a:defRPr sz="2000"/>
-            </a:lvl6pPr>
-            <a:lvl7pPr>
-              <a:defRPr sz="2000"/>
-            </a:lvl7pPr>
-            <a:lvl8pPr>
-              <a:defRPr sz="2000"/>
-            </a:lvl8pPr>
-            <a:lvl9pPr>
-              <a:defRPr sz="2000"/>
-            </a:lvl9pPr>
-          </a:lstStyle>
-          <a:p>
-            <a:pPr lvl="0"/>
-            <a:r>
-              <a:rPr kumimoji="1" lang="ja-JP" altLang="en-US" smtClean="0"/>
-              <a:t>マスター テキストの書式設定</a:t>
-            </a:r>
-          </a:p>
-          <a:p>
-            <a:pPr lvl="1"/>
-            <a:r>
-              <a:rPr kumimoji="1" lang="ja-JP" altLang="en-US" smtClean="0"/>
-              <a:t>第 </a:t>
-            </a:r>
-            <a:r>
-              <a:rPr kumimoji="1" lang="en-US" altLang="ja-JP" smtClean="0"/>
-              <a:t>2 </a:t>
-            </a:r>
-            <a:r>
-              <a:rPr kumimoji="1" lang="ja-JP" altLang="en-US" smtClean="0"/>
-              <a:t>レベル</a:t>
-            </a:r>
-          </a:p>
-          <a:p>
-            <a:pPr lvl="2"/>
-            <a:r>
-              <a:rPr kumimoji="1" lang="ja-JP" altLang="en-US" smtClean="0"/>
-              <a:t>第 </a:t>
-            </a:r>
-            <a:r>
-              <a:rPr kumimoji="1" lang="en-US" altLang="ja-JP" smtClean="0"/>
-              <a:t>3 </a:t>
-            </a:r>
-            <a:r>
-              <a:rPr kumimoji="1" lang="ja-JP" altLang="en-US" smtClean="0"/>
-              <a:t>レベル</a:t>
-            </a:r>
-          </a:p>
-          <a:p>
-            <a:pPr lvl="3"/>
-            <a:r>
-              <a:rPr kumimoji="1" lang="ja-JP" altLang="en-US" smtClean="0"/>
-              <a:t>第 </a:t>
-            </a:r>
-            <a:r>
-              <a:rPr kumimoji="1" lang="en-US" altLang="ja-JP" smtClean="0"/>
-              <a:t>4 </a:t>
-            </a:r>
-            <a:r>
-              <a:rPr kumimoji="1" lang="ja-JP" altLang="en-US" smtClean="0"/>
-              <a:t>レベル</a:t>
-            </a:r>
-          </a:p>
-          <a:p>
-            <a:pPr lvl="4"/>
-            <a:r>
-              <a:rPr kumimoji="1" lang="ja-JP" altLang="en-US" smtClean="0"/>
-              <a:t>第 </a:t>
-            </a:r>
-            <a:r>
-              <a:rPr kumimoji="1" lang="en-US" altLang="ja-JP" smtClean="0"/>
-              <a:t>5 </a:t>
-            </a:r>
-            <a:r>
-              <a:rPr kumimoji="1" lang="ja-JP" altLang="en-US" smtClean="0"/>
-              <a:t>レベル</a:t>
-            </a:r>
-            <a:endParaRPr kumimoji="1" lang="ja-JP" altLang="en-US"/>
-          </a:p>
-        </p:txBody>
-      </p:sp>
-      <p:sp>
-        <p:nvSpPr>
-          <p:cNvPr id="4" name="テキスト プレースホルダー 3"/>
-          <p:cNvSpPr>
-            <a:spLocks noGrp="1"/>
-          </p:cNvSpPr>
-          <p:nvPr>
-            <p:ph type="body" sz="half" idx="2"/>
-          </p:nvPr>
-        </p:nvSpPr>
-        <p:spPr>
-          <a:xfrm>
-            <a:off x="457200" y="1435100"/>
-            <a:ext cx="3008313" cy="4691063"/>
-          </a:xfrm>
-        </p:spPr>
-        <p:txBody>
-          <a:bodyPr/>
-          <a:lstStyle>
-            <a:lvl1pPr marL="0" indent="0">
-              <a:buNone/>
-              <a:defRPr sz="1400"/>
-            </a:lvl1pPr>
-            <a:lvl2pPr marL="457200" indent="0">
-              <a:buNone/>
-              <a:defRPr sz="1200"/>
-            </a:lvl2pPr>
-            <a:lvl3pPr marL="914400" indent="0">
-              <a:buNone/>
-              <a:defRPr sz="1000"/>
-            </a:lvl3pPr>
-            <a:lvl4pPr marL="1371600" indent="0">
-              <a:buNone/>
-              <a:defRPr sz="900"/>
-            </a:lvl4pPr>
-            <a:lvl5pPr marL="1828800" indent="0">
-              <a:buNone/>
-              <a:defRPr sz="900"/>
-            </a:lvl5pPr>
-            <a:lvl6pPr marL="2286000" indent="0">
-              <a:buNone/>
-              <a:defRPr sz="900"/>
-            </a:lvl6pPr>
-            <a:lvl7pPr marL="2743200" indent="0">
-              <a:buNone/>
-              <a:defRPr sz="900"/>
-            </a:lvl7pPr>
-            <a:lvl8pPr marL="3200400" indent="0">
-              <a:buNone/>
-              <a:defRPr sz="900"/>
-            </a:lvl8pPr>
-            <a:lvl9pPr marL="3657600" indent="0">
-              <a:buNone/>
-              <a:defRPr sz="900"/>
-            </a:lvl9pPr>
-          </a:lstStyle>
-          <a:p>
-            <a:pPr lvl="0"/>
-            <a:r>
-              <a:rPr kumimoji="1" lang="ja-JP" altLang="en-US" smtClean="0"/>
-              <a:t>マスター テキストの書式設定</a:t>
-            </a:r>
-          </a:p>
-        </p:txBody>
-      </p:sp>
-      <p:sp>
-        <p:nvSpPr>
-          <p:cNvPr id="5" name="日付プレースホルダー 4"/>
-          <p:cNvSpPr>
-            <a:spLocks noGrp="1"/>
-          </p:cNvSpPr>
-          <p:nvPr>
-            <p:ph type="dt" sz="half" idx="10"/>
-          </p:nvPr>
-        </p:nvSpPr>
-        <p:spPr/>
-        <p:txBody>
-          <a:bodyPr/>
-          <a:lstStyle/>
-          <a:p>
-            <a:fld id="{00DC0F73-1C73-4F15-A68E-E91E3D88CA3B}" type="datetimeFigureOut">
-              <a:rPr kumimoji="1" lang="ja-JP" altLang="en-US" smtClean="0"/>
-              <a:t>2014/2/4</a:t>
-            </a:fld>
-            <a:endParaRPr kumimoji="1" lang="ja-JP" altLang="en-US"/>
-          </a:p>
-        </p:txBody>
-      </p:sp>
-      <p:sp>
-        <p:nvSpPr>
-          <p:cNvPr id="6" name="フッター プレースホルダー 5"/>
-          <p:cNvSpPr>
-            <a:spLocks noGrp="1"/>
-          </p:cNvSpPr>
-          <p:nvPr>
-            <p:ph type="ftr" sz="quarter" idx="11"/>
-          </p:nvPr>
-        </p:nvSpPr>
-        <p:spPr/>
-        <p:txBody>
-          <a:bodyPr/>
-          <a:lstStyle/>
-          <a:p>
-            <a:endParaRPr kumimoji="1" lang="ja-JP" altLang="en-US"/>
-          </a:p>
-        </p:txBody>
-      </p:sp>
-      <p:sp>
-        <p:nvSpPr>
-          <p:cNvPr id="7" name="スライド番号プレースホルダー 6"/>
-          <p:cNvSpPr>
-            <a:spLocks noGrp="1"/>
-          </p:cNvSpPr>
-          <p:nvPr>
-            <p:ph type="sldNum" sz="quarter" idx="12"/>
-          </p:nvPr>
-        </p:nvSpPr>
-        <p:spPr/>
-        <p:txBody>
-          <a:bodyPr/>
-          <a:lstStyle/>
-          <a:p>
-            <a:fld id="{965354E3-DBBC-481A-994F-9487516C896B}" type="slidenum">
-              <a:rPr kumimoji="1" lang="ja-JP" altLang="en-US" smtClean="0"/>
-              <a:t>‹#›</a:t>
-            </a:fld>
-            <a:endParaRPr kumimoji="1" lang="ja-JP" altLang="en-US"/>
-          </a:p>
-        </p:txBody>
-      </p:sp>
-    </p:spTree>
-    <p:extLst>
-      <p:ext uri="{BB962C8B-B14F-4D97-AF65-F5344CB8AC3E}">
-        <p14:creationId xmlns:p14="http://schemas.microsoft.com/office/powerpoint/2010/main" val="1246756468"/>
-      </p:ext>
-    </p:extLst>
-  </p:cSld>
-  <p:clrMapOvr>
-    <a:masterClrMapping/>
-  </p:clrMapOvr>
-</p:sldLayout>
-</file>
-
 <file path=ppt/slideLayouts/slideLayout2.xml><?xml version="1.0" encoding="utf-8"?>
 <p:sldLayout xmlns:a="http://schemas.openxmlformats.org/drawingml/2006/main" xmlns:r="http://schemas.openxmlformats.org/officeDocument/2006/relationships" xmlns:p="http://schemas.openxmlformats.org/presentationml/2006/main" type="obj" preserve="1">
   <p:cSld name="タイトルとコンテンツ">
@@ -7906,673 +5775,6 @@
     <p:extLst>
       <p:ext uri="{BB962C8B-B14F-4D97-AF65-F5344CB8AC3E}">
         <p14:creationId xmlns:p14="http://schemas.microsoft.com/office/powerpoint/2010/main" val="3007866992"/>
-      </p:ext>
-    </p:extLst>
-  </p:cSld>
-  <p:clrMapOvr>
-    <a:masterClrMapping/>
-  </p:clrMapOvr>
-</p:sldLayout>
-</file>
-
-<file path=ppt/slideLayouts/slideLayout20.xml><?xml version="1.0" encoding="utf-8"?>
-<p:sldLayout xmlns:a="http://schemas.openxmlformats.org/drawingml/2006/main" xmlns:r="http://schemas.openxmlformats.org/officeDocument/2006/relationships" xmlns:p="http://schemas.openxmlformats.org/presentationml/2006/main" type="picTx" preserve="1">
-  <p:cSld name="タイトル付きの図">
-    <p:spTree>
-      <p:nvGrpSpPr>
-        <p:cNvPr id="1" name=""/>
-        <p:cNvGrpSpPr/>
-        <p:nvPr/>
-      </p:nvGrpSpPr>
-      <p:grpSpPr>
-        <a:xfrm>
-          <a:off x="0" y="0"/>
-          <a:ext cx="0" cy="0"/>
-          <a:chOff x="0" y="0"/>
-          <a:chExt cx="0" cy="0"/>
-        </a:xfrm>
-      </p:grpSpPr>
-      <p:sp>
-        <p:nvSpPr>
-          <p:cNvPr id="2" name="タイトル 1"/>
-          <p:cNvSpPr>
-            <a:spLocks noGrp="1"/>
-          </p:cNvSpPr>
-          <p:nvPr>
-            <p:ph type="title"/>
-          </p:nvPr>
-        </p:nvSpPr>
-        <p:spPr>
-          <a:xfrm>
-            <a:off x="1792288" y="4800600"/>
-            <a:ext cx="5486400" cy="566738"/>
-          </a:xfrm>
-        </p:spPr>
-        <p:txBody>
-          <a:bodyPr anchor="b"/>
-          <a:lstStyle>
-            <a:lvl1pPr algn="l">
-              <a:defRPr sz="2000" b="1"/>
-            </a:lvl1pPr>
-          </a:lstStyle>
-          <a:p>
-            <a:r>
-              <a:rPr kumimoji="1" lang="ja-JP" altLang="en-US" smtClean="0"/>
-              <a:t>マスター タイトルの書式設定</a:t>
-            </a:r>
-            <a:endParaRPr kumimoji="1" lang="ja-JP" altLang="en-US"/>
-          </a:p>
-        </p:txBody>
-      </p:sp>
-      <p:sp>
-        <p:nvSpPr>
-          <p:cNvPr id="3" name="図プレースホルダー 2"/>
-          <p:cNvSpPr>
-            <a:spLocks noGrp="1"/>
-          </p:cNvSpPr>
-          <p:nvPr>
-            <p:ph type="pic" idx="1"/>
-          </p:nvPr>
-        </p:nvSpPr>
-        <p:spPr>
-          <a:xfrm>
-            <a:off x="1792288" y="612775"/>
-            <a:ext cx="5486400" cy="4114800"/>
-          </a:xfrm>
-        </p:spPr>
-        <p:txBody>
-          <a:bodyPr/>
-          <a:lstStyle>
-            <a:lvl1pPr marL="0" indent="0">
-              <a:buNone/>
-              <a:defRPr sz="3200"/>
-            </a:lvl1pPr>
-            <a:lvl2pPr marL="457200" indent="0">
-              <a:buNone/>
-              <a:defRPr sz="2800"/>
-            </a:lvl2pPr>
-            <a:lvl3pPr marL="914400" indent="0">
-              <a:buNone/>
-              <a:defRPr sz="2400"/>
-            </a:lvl3pPr>
-            <a:lvl4pPr marL="1371600" indent="0">
-              <a:buNone/>
-              <a:defRPr sz="2000"/>
-            </a:lvl4pPr>
-            <a:lvl5pPr marL="1828800" indent="0">
-              <a:buNone/>
-              <a:defRPr sz="2000"/>
-            </a:lvl5pPr>
-            <a:lvl6pPr marL="2286000" indent="0">
-              <a:buNone/>
-              <a:defRPr sz="2000"/>
-            </a:lvl6pPr>
-            <a:lvl7pPr marL="2743200" indent="0">
-              <a:buNone/>
-              <a:defRPr sz="2000"/>
-            </a:lvl7pPr>
-            <a:lvl8pPr marL="3200400" indent="0">
-              <a:buNone/>
-              <a:defRPr sz="2000"/>
-            </a:lvl8pPr>
-            <a:lvl9pPr marL="3657600" indent="0">
-              <a:buNone/>
-              <a:defRPr sz="2000"/>
-            </a:lvl9pPr>
-          </a:lstStyle>
-          <a:p>
-            <a:endParaRPr kumimoji="1" lang="ja-JP" altLang="en-US"/>
-          </a:p>
-        </p:txBody>
-      </p:sp>
-      <p:sp>
-        <p:nvSpPr>
-          <p:cNvPr id="4" name="テキスト プレースホルダー 3"/>
-          <p:cNvSpPr>
-            <a:spLocks noGrp="1"/>
-          </p:cNvSpPr>
-          <p:nvPr>
-            <p:ph type="body" sz="half" idx="2"/>
-          </p:nvPr>
-        </p:nvSpPr>
-        <p:spPr>
-          <a:xfrm>
-            <a:off x="1792288" y="5367338"/>
-            <a:ext cx="5486400" cy="804862"/>
-          </a:xfrm>
-        </p:spPr>
-        <p:txBody>
-          <a:bodyPr/>
-          <a:lstStyle>
-            <a:lvl1pPr marL="0" indent="0">
-              <a:buNone/>
-              <a:defRPr sz="1400"/>
-            </a:lvl1pPr>
-            <a:lvl2pPr marL="457200" indent="0">
-              <a:buNone/>
-              <a:defRPr sz="1200"/>
-            </a:lvl2pPr>
-            <a:lvl3pPr marL="914400" indent="0">
-              <a:buNone/>
-              <a:defRPr sz="1000"/>
-            </a:lvl3pPr>
-            <a:lvl4pPr marL="1371600" indent="0">
-              <a:buNone/>
-              <a:defRPr sz="900"/>
-            </a:lvl4pPr>
-            <a:lvl5pPr marL="1828800" indent="0">
-              <a:buNone/>
-              <a:defRPr sz="900"/>
-            </a:lvl5pPr>
-            <a:lvl6pPr marL="2286000" indent="0">
-              <a:buNone/>
-              <a:defRPr sz="900"/>
-            </a:lvl6pPr>
-            <a:lvl7pPr marL="2743200" indent="0">
-              <a:buNone/>
-              <a:defRPr sz="900"/>
-            </a:lvl7pPr>
-            <a:lvl8pPr marL="3200400" indent="0">
-              <a:buNone/>
-              <a:defRPr sz="900"/>
-            </a:lvl8pPr>
-            <a:lvl9pPr marL="3657600" indent="0">
-              <a:buNone/>
-              <a:defRPr sz="900"/>
-            </a:lvl9pPr>
-          </a:lstStyle>
-          <a:p>
-            <a:pPr lvl="0"/>
-            <a:r>
-              <a:rPr kumimoji="1" lang="ja-JP" altLang="en-US" smtClean="0"/>
-              <a:t>マスター テキストの書式設定</a:t>
-            </a:r>
-          </a:p>
-        </p:txBody>
-      </p:sp>
-      <p:sp>
-        <p:nvSpPr>
-          <p:cNvPr id="5" name="日付プレースホルダー 4"/>
-          <p:cNvSpPr>
-            <a:spLocks noGrp="1"/>
-          </p:cNvSpPr>
-          <p:nvPr>
-            <p:ph type="dt" sz="half" idx="10"/>
-          </p:nvPr>
-        </p:nvSpPr>
-        <p:spPr/>
-        <p:txBody>
-          <a:bodyPr/>
-          <a:lstStyle/>
-          <a:p>
-            <a:fld id="{00DC0F73-1C73-4F15-A68E-E91E3D88CA3B}" type="datetimeFigureOut">
-              <a:rPr kumimoji="1" lang="ja-JP" altLang="en-US" smtClean="0"/>
-              <a:t>2014/2/4</a:t>
-            </a:fld>
-            <a:endParaRPr kumimoji="1" lang="ja-JP" altLang="en-US"/>
-          </a:p>
-        </p:txBody>
-      </p:sp>
-      <p:sp>
-        <p:nvSpPr>
-          <p:cNvPr id="6" name="フッター プレースホルダー 5"/>
-          <p:cNvSpPr>
-            <a:spLocks noGrp="1"/>
-          </p:cNvSpPr>
-          <p:nvPr>
-            <p:ph type="ftr" sz="quarter" idx="11"/>
-          </p:nvPr>
-        </p:nvSpPr>
-        <p:spPr/>
-        <p:txBody>
-          <a:bodyPr/>
-          <a:lstStyle/>
-          <a:p>
-            <a:endParaRPr kumimoji="1" lang="ja-JP" altLang="en-US"/>
-          </a:p>
-        </p:txBody>
-      </p:sp>
-      <p:sp>
-        <p:nvSpPr>
-          <p:cNvPr id="7" name="スライド番号プレースホルダー 6"/>
-          <p:cNvSpPr>
-            <a:spLocks noGrp="1"/>
-          </p:cNvSpPr>
-          <p:nvPr>
-            <p:ph type="sldNum" sz="quarter" idx="12"/>
-          </p:nvPr>
-        </p:nvSpPr>
-        <p:spPr/>
-        <p:txBody>
-          <a:bodyPr/>
-          <a:lstStyle/>
-          <a:p>
-            <a:fld id="{965354E3-DBBC-481A-994F-9487516C896B}" type="slidenum">
-              <a:rPr kumimoji="1" lang="ja-JP" altLang="en-US" smtClean="0"/>
-              <a:t>‹#›</a:t>
-            </a:fld>
-            <a:endParaRPr kumimoji="1" lang="ja-JP" altLang="en-US"/>
-          </a:p>
-        </p:txBody>
-      </p:sp>
-    </p:spTree>
-    <p:extLst>
-      <p:ext uri="{BB962C8B-B14F-4D97-AF65-F5344CB8AC3E}">
-        <p14:creationId xmlns:p14="http://schemas.microsoft.com/office/powerpoint/2010/main" val="1796077073"/>
-      </p:ext>
-    </p:extLst>
-  </p:cSld>
-  <p:clrMapOvr>
-    <a:masterClrMapping/>
-  </p:clrMapOvr>
-</p:sldLayout>
-</file>
-
-<file path=ppt/slideLayouts/slideLayout21.xml><?xml version="1.0" encoding="utf-8"?>
-<p:sldLayout xmlns:a="http://schemas.openxmlformats.org/drawingml/2006/main" xmlns:r="http://schemas.openxmlformats.org/officeDocument/2006/relationships" xmlns:p="http://schemas.openxmlformats.org/presentationml/2006/main" type="vertTx" preserve="1">
-  <p:cSld name="タイトルと&#10;縦書きテキスト">
-    <p:spTree>
-      <p:nvGrpSpPr>
-        <p:cNvPr id="1" name=""/>
-        <p:cNvGrpSpPr/>
-        <p:nvPr/>
-      </p:nvGrpSpPr>
-      <p:grpSpPr>
-        <a:xfrm>
-          <a:off x="0" y="0"/>
-          <a:ext cx="0" cy="0"/>
-          <a:chOff x="0" y="0"/>
-          <a:chExt cx="0" cy="0"/>
-        </a:xfrm>
-      </p:grpSpPr>
-      <p:sp>
-        <p:nvSpPr>
-          <p:cNvPr id="2" name="タイトル 1"/>
-          <p:cNvSpPr>
-            <a:spLocks noGrp="1"/>
-          </p:cNvSpPr>
-          <p:nvPr>
-            <p:ph type="title"/>
-          </p:nvPr>
-        </p:nvSpPr>
-        <p:spPr/>
-        <p:txBody>
-          <a:bodyPr/>
-          <a:lstStyle/>
-          <a:p>
-            <a:r>
-              <a:rPr kumimoji="1" lang="ja-JP" altLang="en-US" smtClean="0"/>
-              <a:t>マスター タイトルの書式設定</a:t>
-            </a:r>
-            <a:endParaRPr kumimoji="1" lang="ja-JP" altLang="en-US"/>
-          </a:p>
-        </p:txBody>
-      </p:sp>
-      <p:sp>
-        <p:nvSpPr>
-          <p:cNvPr id="3" name="縦書きテキスト プレースホルダー 2"/>
-          <p:cNvSpPr>
-            <a:spLocks noGrp="1"/>
-          </p:cNvSpPr>
-          <p:nvPr>
-            <p:ph type="body" orient="vert" idx="1"/>
-          </p:nvPr>
-        </p:nvSpPr>
-        <p:spPr/>
-        <p:txBody>
-          <a:bodyPr vert="eaVert"/>
-          <a:lstStyle/>
-          <a:p>
-            <a:pPr lvl="0"/>
-            <a:r>
-              <a:rPr kumimoji="1" lang="ja-JP" altLang="en-US" smtClean="0"/>
-              <a:t>マスター テキストの書式設定</a:t>
-            </a:r>
-          </a:p>
-          <a:p>
-            <a:pPr lvl="1"/>
-            <a:r>
-              <a:rPr kumimoji="1" lang="ja-JP" altLang="en-US" smtClean="0"/>
-              <a:t>第 </a:t>
-            </a:r>
-            <a:r>
-              <a:rPr kumimoji="1" lang="en-US" altLang="ja-JP" smtClean="0"/>
-              <a:t>2 </a:t>
-            </a:r>
-            <a:r>
-              <a:rPr kumimoji="1" lang="ja-JP" altLang="en-US" smtClean="0"/>
-              <a:t>レベル</a:t>
-            </a:r>
-          </a:p>
-          <a:p>
-            <a:pPr lvl="2"/>
-            <a:r>
-              <a:rPr kumimoji="1" lang="ja-JP" altLang="en-US" smtClean="0"/>
-              <a:t>第 </a:t>
-            </a:r>
-            <a:r>
-              <a:rPr kumimoji="1" lang="en-US" altLang="ja-JP" smtClean="0"/>
-              <a:t>3 </a:t>
-            </a:r>
-            <a:r>
-              <a:rPr kumimoji="1" lang="ja-JP" altLang="en-US" smtClean="0"/>
-              <a:t>レベル</a:t>
-            </a:r>
-          </a:p>
-          <a:p>
-            <a:pPr lvl="3"/>
-            <a:r>
-              <a:rPr kumimoji="1" lang="ja-JP" altLang="en-US" smtClean="0"/>
-              <a:t>第 </a:t>
-            </a:r>
-            <a:r>
-              <a:rPr kumimoji="1" lang="en-US" altLang="ja-JP" smtClean="0"/>
-              <a:t>4 </a:t>
-            </a:r>
-            <a:r>
-              <a:rPr kumimoji="1" lang="ja-JP" altLang="en-US" smtClean="0"/>
-              <a:t>レベル</a:t>
-            </a:r>
-          </a:p>
-          <a:p>
-            <a:pPr lvl="4"/>
-            <a:r>
-              <a:rPr kumimoji="1" lang="ja-JP" altLang="en-US" smtClean="0"/>
-              <a:t>第 </a:t>
-            </a:r>
-            <a:r>
-              <a:rPr kumimoji="1" lang="en-US" altLang="ja-JP" smtClean="0"/>
-              <a:t>5 </a:t>
-            </a:r>
-            <a:r>
-              <a:rPr kumimoji="1" lang="ja-JP" altLang="en-US" smtClean="0"/>
-              <a:t>レベル</a:t>
-            </a:r>
-            <a:endParaRPr kumimoji="1" lang="ja-JP" altLang="en-US"/>
-          </a:p>
-        </p:txBody>
-      </p:sp>
-      <p:sp>
-        <p:nvSpPr>
-          <p:cNvPr id="4" name="日付プレースホルダー 3"/>
-          <p:cNvSpPr>
-            <a:spLocks noGrp="1"/>
-          </p:cNvSpPr>
-          <p:nvPr>
-            <p:ph type="dt" sz="half" idx="10"/>
-          </p:nvPr>
-        </p:nvSpPr>
-        <p:spPr/>
-        <p:txBody>
-          <a:bodyPr/>
-          <a:lstStyle/>
-          <a:p>
-            <a:fld id="{00DC0F73-1C73-4F15-A68E-E91E3D88CA3B}" type="datetimeFigureOut">
-              <a:rPr kumimoji="1" lang="ja-JP" altLang="en-US" smtClean="0"/>
-              <a:t>2014/2/4</a:t>
-            </a:fld>
-            <a:endParaRPr kumimoji="1" lang="ja-JP" altLang="en-US"/>
-          </a:p>
-        </p:txBody>
-      </p:sp>
-      <p:sp>
-        <p:nvSpPr>
-          <p:cNvPr id="5" name="フッター プレースホルダー 4"/>
-          <p:cNvSpPr>
-            <a:spLocks noGrp="1"/>
-          </p:cNvSpPr>
-          <p:nvPr>
-            <p:ph type="ftr" sz="quarter" idx="11"/>
-          </p:nvPr>
-        </p:nvSpPr>
-        <p:spPr/>
-        <p:txBody>
-          <a:bodyPr/>
-          <a:lstStyle/>
-          <a:p>
-            <a:endParaRPr kumimoji="1" lang="ja-JP" altLang="en-US"/>
-          </a:p>
-        </p:txBody>
-      </p:sp>
-      <p:sp>
-        <p:nvSpPr>
-          <p:cNvPr id="6" name="スライド番号プレースホルダー 5"/>
-          <p:cNvSpPr>
-            <a:spLocks noGrp="1"/>
-          </p:cNvSpPr>
-          <p:nvPr>
-            <p:ph type="sldNum" sz="quarter" idx="12"/>
-          </p:nvPr>
-        </p:nvSpPr>
-        <p:spPr/>
-        <p:txBody>
-          <a:bodyPr/>
-          <a:lstStyle/>
-          <a:p>
-            <a:fld id="{965354E3-DBBC-481A-994F-9487516C896B}" type="slidenum">
-              <a:rPr kumimoji="1" lang="ja-JP" altLang="en-US" smtClean="0"/>
-              <a:t>‹#›</a:t>
-            </a:fld>
-            <a:endParaRPr kumimoji="1" lang="ja-JP" altLang="en-US"/>
-          </a:p>
-        </p:txBody>
-      </p:sp>
-    </p:spTree>
-    <p:extLst>
-      <p:ext uri="{BB962C8B-B14F-4D97-AF65-F5344CB8AC3E}">
-        <p14:creationId xmlns:p14="http://schemas.microsoft.com/office/powerpoint/2010/main" val="756469056"/>
-      </p:ext>
-    </p:extLst>
-  </p:cSld>
-  <p:clrMapOvr>
-    <a:masterClrMapping/>
-  </p:clrMapOvr>
-</p:sldLayout>
-</file>
-
-<file path=ppt/slideLayouts/slideLayout22.xml><?xml version="1.0" encoding="utf-8"?>
-<p:sldLayout xmlns:a="http://schemas.openxmlformats.org/drawingml/2006/main" xmlns:r="http://schemas.openxmlformats.org/officeDocument/2006/relationships" xmlns:p="http://schemas.openxmlformats.org/presentationml/2006/main" type="vertTitleAndTx" preserve="1">
-  <p:cSld name="縦書きタイトルと&#10;縦書きテキスト">
-    <p:spTree>
-      <p:nvGrpSpPr>
-        <p:cNvPr id="1" name=""/>
-        <p:cNvGrpSpPr/>
-        <p:nvPr/>
-      </p:nvGrpSpPr>
-      <p:grpSpPr>
-        <a:xfrm>
-          <a:off x="0" y="0"/>
-          <a:ext cx="0" cy="0"/>
-          <a:chOff x="0" y="0"/>
-          <a:chExt cx="0" cy="0"/>
-        </a:xfrm>
-      </p:grpSpPr>
-      <p:sp>
-        <p:nvSpPr>
-          <p:cNvPr id="2" name="縦書きタイトル 1"/>
-          <p:cNvSpPr>
-            <a:spLocks noGrp="1"/>
-          </p:cNvSpPr>
-          <p:nvPr>
-            <p:ph type="title" orient="vert"/>
-          </p:nvPr>
-        </p:nvSpPr>
-        <p:spPr>
-          <a:xfrm>
-            <a:off x="6629400" y="274638"/>
-            <a:ext cx="2057400" cy="5851525"/>
-          </a:xfrm>
-        </p:spPr>
-        <p:txBody>
-          <a:bodyPr vert="eaVert"/>
-          <a:lstStyle/>
-          <a:p>
-            <a:r>
-              <a:rPr kumimoji="1" lang="ja-JP" altLang="en-US" smtClean="0"/>
-              <a:t>マスター タイトルの書式設定</a:t>
-            </a:r>
-            <a:endParaRPr kumimoji="1" lang="ja-JP" altLang="en-US"/>
-          </a:p>
-        </p:txBody>
-      </p:sp>
-      <p:sp>
-        <p:nvSpPr>
-          <p:cNvPr id="3" name="縦書きテキスト プレースホルダー 2"/>
-          <p:cNvSpPr>
-            <a:spLocks noGrp="1"/>
-          </p:cNvSpPr>
-          <p:nvPr>
-            <p:ph type="body" orient="vert" idx="1"/>
-          </p:nvPr>
-        </p:nvSpPr>
-        <p:spPr>
-          <a:xfrm>
-            <a:off x="457200" y="274638"/>
-            <a:ext cx="6019800" cy="5851525"/>
-          </a:xfrm>
-        </p:spPr>
-        <p:txBody>
-          <a:bodyPr vert="eaVert"/>
-          <a:lstStyle/>
-          <a:p>
-            <a:pPr lvl="0"/>
-            <a:r>
-              <a:rPr kumimoji="1" lang="ja-JP" altLang="en-US" smtClean="0"/>
-              <a:t>マスター テキストの書式設定</a:t>
-            </a:r>
-          </a:p>
-          <a:p>
-            <a:pPr lvl="1"/>
-            <a:r>
-              <a:rPr kumimoji="1" lang="ja-JP" altLang="en-US" smtClean="0"/>
-              <a:t>第 </a:t>
-            </a:r>
-            <a:r>
-              <a:rPr kumimoji="1" lang="en-US" altLang="ja-JP" smtClean="0"/>
-              <a:t>2 </a:t>
-            </a:r>
-            <a:r>
-              <a:rPr kumimoji="1" lang="ja-JP" altLang="en-US" smtClean="0"/>
-              <a:t>レベル</a:t>
-            </a:r>
-          </a:p>
-          <a:p>
-            <a:pPr lvl="2"/>
-            <a:r>
-              <a:rPr kumimoji="1" lang="ja-JP" altLang="en-US" smtClean="0"/>
-              <a:t>第 </a:t>
-            </a:r>
-            <a:r>
-              <a:rPr kumimoji="1" lang="en-US" altLang="ja-JP" smtClean="0"/>
-              <a:t>3 </a:t>
-            </a:r>
-            <a:r>
-              <a:rPr kumimoji="1" lang="ja-JP" altLang="en-US" smtClean="0"/>
-              <a:t>レベル</a:t>
-            </a:r>
-          </a:p>
-          <a:p>
-            <a:pPr lvl="3"/>
-            <a:r>
-              <a:rPr kumimoji="1" lang="ja-JP" altLang="en-US" smtClean="0"/>
-              <a:t>第 </a:t>
-            </a:r>
-            <a:r>
-              <a:rPr kumimoji="1" lang="en-US" altLang="ja-JP" smtClean="0"/>
-              <a:t>4 </a:t>
-            </a:r>
-            <a:r>
-              <a:rPr kumimoji="1" lang="ja-JP" altLang="en-US" smtClean="0"/>
-              <a:t>レベル</a:t>
-            </a:r>
-          </a:p>
-          <a:p>
-            <a:pPr lvl="4"/>
-            <a:r>
-              <a:rPr kumimoji="1" lang="ja-JP" altLang="en-US" smtClean="0"/>
-              <a:t>第 </a:t>
-            </a:r>
-            <a:r>
-              <a:rPr kumimoji="1" lang="en-US" altLang="ja-JP" smtClean="0"/>
-              <a:t>5 </a:t>
-            </a:r>
-            <a:r>
-              <a:rPr kumimoji="1" lang="ja-JP" altLang="en-US" smtClean="0"/>
-              <a:t>レベル</a:t>
-            </a:r>
-            <a:endParaRPr kumimoji="1" lang="ja-JP" altLang="en-US"/>
-          </a:p>
-        </p:txBody>
-      </p:sp>
-      <p:sp>
-        <p:nvSpPr>
-          <p:cNvPr id="4" name="日付プレースホルダー 3"/>
-          <p:cNvSpPr>
-            <a:spLocks noGrp="1"/>
-          </p:cNvSpPr>
-          <p:nvPr>
-            <p:ph type="dt" sz="half" idx="10"/>
-          </p:nvPr>
-        </p:nvSpPr>
-        <p:spPr/>
-        <p:txBody>
-          <a:bodyPr/>
-          <a:lstStyle/>
-          <a:p>
-            <a:fld id="{00DC0F73-1C73-4F15-A68E-E91E3D88CA3B}" type="datetimeFigureOut">
-              <a:rPr kumimoji="1" lang="ja-JP" altLang="en-US" smtClean="0"/>
-              <a:t>2014/2/4</a:t>
-            </a:fld>
-            <a:endParaRPr kumimoji="1" lang="ja-JP" altLang="en-US"/>
-          </a:p>
-        </p:txBody>
-      </p:sp>
-      <p:sp>
-        <p:nvSpPr>
-          <p:cNvPr id="5" name="フッター プレースホルダー 4"/>
-          <p:cNvSpPr>
-            <a:spLocks noGrp="1"/>
-          </p:cNvSpPr>
-          <p:nvPr>
-            <p:ph type="ftr" sz="quarter" idx="11"/>
-          </p:nvPr>
-        </p:nvSpPr>
-        <p:spPr/>
-        <p:txBody>
-          <a:bodyPr/>
-          <a:lstStyle/>
-          <a:p>
-            <a:endParaRPr kumimoji="1" lang="ja-JP" altLang="en-US"/>
-          </a:p>
-        </p:txBody>
-      </p:sp>
-      <p:sp>
-        <p:nvSpPr>
-          <p:cNvPr id="6" name="スライド番号プレースホルダー 5"/>
-          <p:cNvSpPr>
-            <a:spLocks noGrp="1"/>
-          </p:cNvSpPr>
-          <p:nvPr>
-            <p:ph type="sldNum" sz="quarter" idx="12"/>
-          </p:nvPr>
-        </p:nvSpPr>
-        <p:spPr/>
-        <p:txBody>
-          <a:bodyPr/>
-          <a:lstStyle/>
-          <a:p>
-            <a:fld id="{965354E3-DBBC-481A-994F-9487516C896B}" type="slidenum">
-              <a:rPr kumimoji="1" lang="ja-JP" altLang="en-US" smtClean="0"/>
-              <a:t>‹#›</a:t>
-            </a:fld>
-            <a:endParaRPr kumimoji="1" lang="ja-JP" altLang="en-US"/>
-          </a:p>
-        </p:txBody>
-      </p:sp>
-    </p:spTree>
-    <p:extLst>
-      <p:ext uri="{BB962C8B-B14F-4D97-AF65-F5344CB8AC3E}">
-        <p14:creationId xmlns:p14="http://schemas.microsoft.com/office/powerpoint/2010/main" val="303879579"/>
       </p:ext>
     </p:extLst>
   </p:cSld>
@@ -11821,548 +9023,6 @@
 </p:sldMaster>
 </file>
 
-<file path=ppt/slideMasters/slideMaster2.xml><?xml version="1.0" encoding="utf-8"?>
-<p:sldMaster xmlns:a="http://schemas.openxmlformats.org/drawingml/2006/main" xmlns:r="http://schemas.openxmlformats.org/officeDocument/2006/relationships" xmlns:p="http://schemas.openxmlformats.org/presentationml/2006/main">
-  <p:cSld>
-    <p:bg>
-      <p:bgRef idx="1001">
-        <a:schemeClr val="bg1"/>
-      </p:bgRef>
-    </p:bg>
-    <p:spTree>
-      <p:nvGrpSpPr>
-        <p:cNvPr id="1" name=""/>
-        <p:cNvGrpSpPr/>
-        <p:nvPr/>
-      </p:nvGrpSpPr>
-      <p:grpSpPr>
-        <a:xfrm>
-          <a:off x="0" y="0"/>
-          <a:ext cx="0" cy="0"/>
-          <a:chOff x="0" y="0"/>
-          <a:chExt cx="0" cy="0"/>
-        </a:xfrm>
-      </p:grpSpPr>
-      <p:sp>
-        <p:nvSpPr>
-          <p:cNvPr id="2" name="タイトル プレースホルダー 1"/>
-          <p:cNvSpPr>
-            <a:spLocks noGrp="1"/>
-          </p:cNvSpPr>
-          <p:nvPr>
-            <p:ph type="title"/>
-          </p:nvPr>
-        </p:nvSpPr>
-        <p:spPr>
-          <a:xfrm>
-            <a:off x="457200" y="274638"/>
-            <a:ext cx="8229600" cy="1143000"/>
-          </a:xfrm>
-          <a:prstGeom prst="rect">
-            <a:avLst/>
-          </a:prstGeom>
-        </p:spPr>
-        <p:txBody>
-          <a:bodyPr vert="horz" lIns="91440" tIns="45720" rIns="91440" bIns="45720" rtlCol="0" anchor="ctr">
-            <a:normAutofit/>
-          </a:bodyPr>
-          <a:lstStyle/>
-          <a:p>
-            <a:r>
-              <a:rPr kumimoji="1" lang="ja-JP" altLang="en-US" smtClean="0"/>
-              <a:t>マスター タイトルの書式設定</a:t>
-            </a:r>
-            <a:endParaRPr kumimoji="1" lang="ja-JP" altLang="en-US"/>
-          </a:p>
-        </p:txBody>
-      </p:sp>
-      <p:sp>
-        <p:nvSpPr>
-          <p:cNvPr id="3" name="テキスト プレースホルダー 2"/>
-          <p:cNvSpPr>
-            <a:spLocks noGrp="1"/>
-          </p:cNvSpPr>
-          <p:nvPr>
-            <p:ph type="body" idx="1"/>
-          </p:nvPr>
-        </p:nvSpPr>
-        <p:spPr>
-          <a:xfrm>
-            <a:off x="457200" y="1600200"/>
-            <a:ext cx="8229600" cy="4525963"/>
-          </a:xfrm>
-          <a:prstGeom prst="rect">
-            <a:avLst/>
-          </a:prstGeom>
-        </p:spPr>
-        <p:txBody>
-          <a:bodyPr vert="horz" lIns="91440" tIns="45720" rIns="91440" bIns="45720" rtlCol="0">
-            <a:normAutofit/>
-          </a:bodyPr>
-          <a:lstStyle/>
-          <a:p>
-            <a:pPr lvl="0"/>
-            <a:r>
-              <a:rPr kumimoji="1" lang="ja-JP" altLang="en-US" smtClean="0"/>
-              <a:t>マスター テキストの書式設定</a:t>
-            </a:r>
-          </a:p>
-          <a:p>
-            <a:pPr lvl="1"/>
-            <a:r>
-              <a:rPr kumimoji="1" lang="ja-JP" altLang="en-US" smtClean="0"/>
-              <a:t>第 </a:t>
-            </a:r>
-            <a:r>
-              <a:rPr kumimoji="1" lang="en-US" altLang="ja-JP" smtClean="0"/>
-              <a:t>2 </a:t>
-            </a:r>
-            <a:r>
-              <a:rPr kumimoji="1" lang="ja-JP" altLang="en-US" smtClean="0"/>
-              <a:t>レベル</a:t>
-            </a:r>
-          </a:p>
-          <a:p>
-            <a:pPr lvl="2"/>
-            <a:r>
-              <a:rPr kumimoji="1" lang="ja-JP" altLang="en-US" smtClean="0"/>
-              <a:t>第 </a:t>
-            </a:r>
-            <a:r>
-              <a:rPr kumimoji="1" lang="en-US" altLang="ja-JP" smtClean="0"/>
-              <a:t>3 </a:t>
-            </a:r>
-            <a:r>
-              <a:rPr kumimoji="1" lang="ja-JP" altLang="en-US" smtClean="0"/>
-              <a:t>レベル</a:t>
-            </a:r>
-          </a:p>
-          <a:p>
-            <a:pPr lvl="3"/>
-            <a:r>
-              <a:rPr kumimoji="1" lang="ja-JP" altLang="en-US" smtClean="0"/>
-              <a:t>第 </a:t>
-            </a:r>
-            <a:r>
-              <a:rPr kumimoji="1" lang="en-US" altLang="ja-JP" smtClean="0"/>
-              <a:t>4 </a:t>
-            </a:r>
-            <a:r>
-              <a:rPr kumimoji="1" lang="ja-JP" altLang="en-US" smtClean="0"/>
-              <a:t>レベル</a:t>
-            </a:r>
-          </a:p>
-          <a:p>
-            <a:pPr lvl="4"/>
-            <a:r>
-              <a:rPr kumimoji="1" lang="ja-JP" altLang="en-US" smtClean="0"/>
-              <a:t>第 </a:t>
-            </a:r>
-            <a:r>
-              <a:rPr kumimoji="1" lang="en-US" altLang="ja-JP" smtClean="0"/>
-              <a:t>5 </a:t>
-            </a:r>
-            <a:r>
-              <a:rPr kumimoji="1" lang="ja-JP" altLang="en-US" smtClean="0"/>
-              <a:t>レベル</a:t>
-            </a:r>
-            <a:endParaRPr kumimoji="1" lang="ja-JP" altLang="en-US"/>
-          </a:p>
-        </p:txBody>
-      </p:sp>
-      <p:sp>
-        <p:nvSpPr>
-          <p:cNvPr id="4" name="日付プレースホルダー 3"/>
-          <p:cNvSpPr>
-            <a:spLocks noGrp="1"/>
-          </p:cNvSpPr>
-          <p:nvPr>
-            <p:ph type="dt" sz="half" idx="2"/>
-          </p:nvPr>
-        </p:nvSpPr>
-        <p:spPr>
-          <a:xfrm>
-            <a:off x="457200" y="6356350"/>
-            <a:ext cx="2133600" cy="365125"/>
-          </a:xfrm>
-          <a:prstGeom prst="rect">
-            <a:avLst/>
-          </a:prstGeom>
-        </p:spPr>
-        <p:txBody>
-          <a:bodyPr vert="horz" lIns="91440" tIns="45720" rIns="91440" bIns="45720" rtlCol="0" anchor="ctr"/>
-          <a:lstStyle>
-            <a:lvl1pPr algn="l">
-              <a:defRPr sz="1200">
-                <a:solidFill>
-                  <a:schemeClr val="tx1">
-                    <a:tint val="75000"/>
-                  </a:schemeClr>
-                </a:solidFill>
-              </a:defRPr>
-            </a:lvl1pPr>
-          </a:lstStyle>
-          <a:p>
-            <a:fld id="{00DC0F73-1C73-4F15-A68E-E91E3D88CA3B}" type="datetimeFigureOut">
-              <a:rPr kumimoji="1" lang="ja-JP" altLang="en-US" smtClean="0"/>
-              <a:t>2014/2/4</a:t>
-            </a:fld>
-            <a:endParaRPr kumimoji="1" lang="ja-JP" altLang="en-US"/>
-          </a:p>
-        </p:txBody>
-      </p:sp>
-      <p:sp>
-        <p:nvSpPr>
-          <p:cNvPr id="5" name="フッター プレースホルダー 4"/>
-          <p:cNvSpPr>
-            <a:spLocks noGrp="1"/>
-          </p:cNvSpPr>
-          <p:nvPr>
-            <p:ph type="ftr" sz="quarter" idx="3"/>
-          </p:nvPr>
-        </p:nvSpPr>
-        <p:spPr>
-          <a:xfrm>
-            <a:off x="3124200" y="6356350"/>
-            <a:ext cx="2895600" cy="365125"/>
-          </a:xfrm>
-          <a:prstGeom prst="rect">
-            <a:avLst/>
-          </a:prstGeom>
-        </p:spPr>
-        <p:txBody>
-          <a:bodyPr vert="horz" lIns="91440" tIns="45720" rIns="91440" bIns="45720" rtlCol="0" anchor="ctr"/>
-          <a:lstStyle>
-            <a:lvl1pPr algn="ctr">
-              <a:defRPr sz="1200">
-                <a:solidFill>
-                  <a:schemeClr val="tx1">
-                    <a:tint val="75000"/>
-                  </a:schemeClr>
-                </a:solidFill>
-              </a:defRPr>
-            </a:lvl1pPr>
-          </a:lstStyle>
-          <a:p>
-            <a:endParaRPr kumimoji="1" lang="ja-JP" altLang="en-US"/>
-          </a:p>
-        </p:txBody>
-      </p:sp>
-      <p:sp>
-        <p:nvSpPr>
-          <p:cNvPr id="6" name="スライド番号プレースホルダー 5"/>
-          <p:cNvSpPr>
-            <a:spLocks noGrp="1"/>
-          </p:cNvSpPr>
-          <p:nvPr>
-            <p:ph type="sldNum" sz="quarter" idx="4"/>
-          </p:nvPr>
-        </p:nvSpPr>
-        <p:spPr>
-          <a:xfrm>
-            <a:off x="6553200" y="6356350"/>
-            <a:ext cx="2133600" cy="365125"/>
-          </a:xfrm>
-          <a:prstGeom prst="rect">
-            <a:avLst/>
-          </a:prstGeom>
-        </p:spPr>
-        <p:txBody>
-          <a:bodyPr vert="horz" lIns="91440" tIns="45720" rIns="91440" bIns="45720" rtlCol="0" anchor="ctr"/>
-          <a:lstStyle>
-            <a:lvl1pPr algn="r">
-              <a:defRPr sz="1200">
-                <a:solidFill>
-                  <a:schemeClr val="tx1">
-                    <a:tint val="75000"/>
-                  </a:schemeClr>
-                </a:solidFill>
-              </a:defRPr>
-            </a:lvl1pPr>
-          </a:lstStyle>
-          <a:p>
-            <a:fld id="{965354E3-DBBC-481A-994F-9487516C896B}" type="slidenum">
-              <a:rPr kumimoji="1" lang="ja-JP" altLang="en-US" smtClean="0"/>
-              <a:t>‹#›</a:t>
-            </a:fld>
-            <a:endParaRPr kumimoji="1" lang="ja-JP" altLang="en-US"/>
-          </a:p>
-        </p:txBody>
-      </p:sp>
-    </p:spTree>
-    <p:extLst>
-      <p:ext uri="{BB962C8B-B14F-4D97-AF65-F5344CB8AC3E}">
-        <p14:creationId xmlns:p14="http://schemas.microsoft.com/office/powerpoint/2010/main" val="3413686389"/>
-      </p:ext>
-    </p:extLst>
-  </p:cSld>
-  <p:clrMap bg1="lt1" tx1="dk1" bg2="lt2" tx2="dk2" accent1="accent1" accent2="accent2" accent3="accent3" accent4="accent4" accent5="accent5" accent6="accent6" hlink="hlink" folHlink="folHlink"/>
-  <p:sldLayoutIdLst>
-    <p:sldLayoutId id="2147483661" r:id="rId1"/>
-    <p:sldLayoutId id="2147483662" r:id="rId2"/>
-    <p:sldLayoutId id="2147483663" r:id="rId3"/>
-    <p:sldLayoutId id="2147483664" r:id="rId4"/>
-    <p:sldLayoutId id="2147483665" r:id="rId5"/>
-    <p:sldLayoutId id="2147483666" r:id="rId6"/>
-    <p:sldLayoutId id="2147483667" r:id="rId7"/>
-    <p:sldLayoutId id="2147483668" r:id="rId8"/>
-    <p:sldLayoutId id="2147483669" r:id="rId9"/>
-    <p:sldLayoutId id="2147483670" r:id="rId10"/>
-    <p:sldLayoutId id="2147483671" r:id="rId11"/>
-  </p:sldLayoutIdLst>
-  <p:txStyles>
-    <p:titleStyle>
-      <a:lvl1pPr algn="ctr" defTabSz="914400" rtl="0" eaLnBrk="1" latinLnBrk="0" hangingPunct="1">
-        <a:spcBef>
-          <a:spcPct val="0"/>
-        </a:spcBef>
-        <a:buNone/>
-        <a:defRPr kumimoji="1" sz="4400" kern="1200">
-          <a:solidFill>
-            <a:schemeClr val="tx1"/>
-          </a:solidFill>
-          <a:latin typeface="+mj-lt"/>
-          <a:ea typeface="+mj-ea"/>
-          <a:cs typeface="+mj-cs"/>
-        </a:defRPr>
-      </a:lvl1pPr>
-    </p:titleStyle>
-    <p:bodyStyle>
-      <a:lvl1pPr marL="342900" indent="-342900" algn="l" defTabSz="914400" rtl="0" eaLnBrk="1" latinLnBrk="0" hangingPunct="1">
-        <a:spcBef>
-          <a:spcPct val="20000"/>
-        </a:spcBef>
-        <a:buFont typeface="Arial" pitchFamily="34" charset="0"/>
-        <a:buChar char="•"/>
-        <a:defRPr kumimoji="1" sz="3200" kern="1200">
-          <a:solidFill>
-            <a:schemeClr val="tx1"/>
-          </a:solidFill>
-          <a:latin typeface="+mn-lt"/>
-          <a:ea typeface="+mn-ea"/>
-          <a:cs typeface="+mn-cs"/>
-        </a:defRPr>
-      </a:lvl1pPr>
-      <a:lvl2pPr marL="742950" indent="-285750" algn="l" defTabSz="914400" rtl="0" eaLnBrk="1" latinLnBrk="0" hangingPunct="1">
-        <a:spcBef>
-          <a:spcPct val="20000"/>
-        </a:spcBef>
-        <a:buFont typeface="Arial" pitchFamily="34" charset="0"/>
-        <a:buChar char="–"/>
-        <a:defRPr kumimoji="1" sz="2800" kern="1200">
-          <a:solidFill>
-            <a:schemeClr val="tx1"/>
-          </a:solidFill>
-          <a:latin typeface="+mn-lt"/>
-          <a:ea typeface="+mn-ea"/>
-          <a:cs typeface="+mn-cs"/>
-        </a:defRPr>
-      </a:lvl2pPr>
-      <a:lvl3pPr marL="1143000" indent="-228600" algn="l" defTabSz="914400" rtl="0" eaLnBrk="1" latinLnBrk="0" hangingPunct="1">
-        <a:spcBef>
-          <a:spcPct val="20000"/>
-        </a:spcBef>
-        <a:buFont typeface="Arial" pitchFamily="34" charset="0"/>
-        <a:buChar char="•"/>
-        <a:defRPr kumimoji="1" sz="2400" kern="1200">
-          <a:solidFill>
-            <a:schemeClr val="tx1"/>
-          </a:solidFill>
-          <a:latin typeface="+mn-lt"/>
-          <a:ea typeface="+mn-ea"/>
-          <a:cs typeface="+mn-cs"/>
-        </a:defRPr>
-      </a:lvl3pPr>
-      <a:lvl4pPr marL="1600200" indent="-228600" algn="l" defTabSz="914400" rtl="0" eaLnBrk="1" latinLnBrk="0" hangingPunct="1">
-        <a:spcBef>
-          <a:spcPct val="20000"/>
-        </a:spcBef>
-        <a:buFont typeface="Arial" pitchFamily="34" charset="0"/>
-        <a:buChar char="–"/>
-        <a:defRPr kumimoji="1" sz="2000" kern="1200">
-          <a:solidFill>
-            <a:schemeClr val="tx1"/>
-          </a:solidFill>
-          <a:latin typeface="+mn-lt"/>
-          <a:ea typeface="+mn-ea"/>
-          <a:cs typeface="+mn-cs"/>
-        </a:defRPr>
-      </a:lvl4pPr>
-      <a:lvl5pPr marL="2057400" indent="-228600" algn="l" defTabSz="914400" rtl="0" eaLnBrk="1" latinLnBrk="0" hangingPunct="1">
-        <a:spcBef>
-          <a:spcPct val="20000"/>
-        </a:spcBef>
-        <a:buFont typeface="Arial" pitchFamily="34" charset="0"/>
-        <a:buChar char="»"/>
-        <a:defRPr kumimoji="1" sz="2000" kern="1200">
-          <a:solidFill>
-            <a:schemeClr val="tx1"/>
-          </a:solidFill>
-          <a:latin typeface="+mn-lt"/>
-          <a:ea typeface="+mn-ea"/>
-          <a:cs typeface="+mn-cs"/>
-        </a:defRPr>
-      </a:lvl5pPr>
-      <a:lvl6pPr marL="2514600" indent="-228600" algn="l" defTabSz="914400" rtl="0" eaLnBrk="1" latinLnBrk="0" hangingPunct="1">
-        <a:spcBef>
-          <a:spcPct val="20000"/>
-        </a:spcBef>
-        <a:buFont typeface="Arial" pitchFamily="34" charset="0"/>
-        <a:buChar char="•"/>
-        <a:defRPr kumimoji="1" sz="2000" kern="1200">
-          <a:solidFill>
-            <a:schemeClr val="tx1"/>
-          </a:solidFill>
-          <a:latin typeface="+mn-lt"/>
-          <a:ea typeface="+mn-ea"/>
-          <a:cs typeface="+mn-cs"/>
-        </a:defRPr>
-      </a:lvl6pPr>
-      <a:lvl7pPr marL="2971800" indent="-228600" algn="l" defTabSz="914400" rtl="0" eaLnBrk="1" latinLnBrk="0" hangingPunct="1">
-        <a:spcBef>
-          <a:spcPct val="20000"/>
-        </a:spcBef>
-        <a:buFont typeface="Arial" pitchFamily="34" charset="0"/>
-        <a:buChar char="•"/>
-        <a:defRPr kumimoji="1" sz="2000" kern="1200">
-          <a:solidFill>
-            <a:schemeClr val="tx1"/>
-          </a:solidFill>
-          <a:latin typeface="+mn-lt"/>
-          <a:ea typeface="+mn-ea"/>
-          <a:cs typeface="+mn-cs"/>
-        </a:defRPr>
-      </a:lvl7pPr>
-      <a:lvl8pPr marL="3429000" indent="-228600" algn="l" defTabSz="914400" rtl="0" eaLnBrk="1" latinLnBrk="0" hangingPunct="1">
-        <a:spcBef>
-          <a:spcPct val="20000"/>
-        </a:spcBef>
-        <a:buFont typeface="Arial" pitchFamily="34" charset="0"/>
-        <a:buChar char="•"/>
-        <a:defRPr kumimoji="1" sz="2000" kern="1200">
-          <a:solidFill>
-            <a:schemeClr val="tx1"/>
-          </a:solidFill>
-          <a:latin typeface="+mn-lt"/>
-          <a:ea typeface="+mn-ea"/>
-          <a:cs typeface="+mn-cs"/>
-        </a:defRPr>
-      </a:lvl8pPr>
-      <a:lvl9pPr marL="3886200" indent="-228600" algn="l" defTabSz="914400" rtl="0" eaLnBrk="1" latinLnBrk="0" hangingPunct="1">
-        <a:spcBef>
-          <a:spcPct val="20000"/>
-        </a:spcBef>
-        <a:buFont typeface="Arial" pitchFamily="34" charset="0"/>
-        <a:buChar char="•"/>
-        <a:defRPr kumimoji="1" sz="2000" kern="1200">
-          <a:solidFill>
-            <a:schemeClr val="tx1"/>
-          </a:solidFill>
-          <a:latin typeface="+mn-lt"/>
-          <a:ea typeface="+mn-ea"/>
-          <a:cs typeface="+mn-cs"/>
-        </a:defRPr>
-      </a:lvl9pPr>
-    </p:bodyStyle>
-    <p:otherStyle>
-      <a:defPPr>
-        <a:defRPr lang="ja-JP"/>
-      </a:defPPr>
-      <a:lvl1pPr marL="0" algn="l" defTabSz="914400" rtl="0" eaLnBrk="1" latinLnBrk="0" hangingPunct="1">
-        <a:defRPr kumimoji="1" sz="1800" kern="1200">
-          <a:solidFill>
-            <a:schemeClr val="tx1"/>
-          </a:solidFill>
-          <a:latin typeface="+mn-lt"/>
-          <a:ea typeface="+mn-ea"/>
-          <a:cs typeface="+mn-cs"/>
-        </a:defRPr>
-      </a:lvl1pPr>
-      <a:lvl2pPr marL="457200" algn="l" defTabSz="914400" rtl="0" eaLnBrk="1" latinLnBrk="0" hangingPunct="1">
-        <a:defRPr kumimoji="1" sz="1800" kern="1200">
-          <a:solidFill>
-            <a:schemeClr val="tx1"/>
-          </a:solidFill>
-          <a:latin typeface="+mn-lt"/>
-          <a:ea typeface="+mn-ea"/>
-          <a:cs typeface="+mn-cs"/>
-        </a:defRPr>
-      </a:lvl2pPr>
-      <a:lvl3pPr marL="914400" algn="l" defTabSz="914400" rtl="0" eaLnBrk="1" latinLnBrk="0" hangingPunct="1">
-        <a:defRPr kumimoji="1" sz="1800" kern="1200">
-          <a:solidFill>
-            <a:schemeClr val="tx1"/>
-          </a:solidFill>
-          <a:latin typeface="+mn-lt"/>
-          <a:ea typeface="+mn-ea"/>
-          <a:cs typeface="+mn-cs"/>
-        </a:defRPr>
-      </a:lvl3pPr>
-      <a:lvl4pPr marL="1371600" algn="l" defTabSz="914400" rtl="0" eaLnBrk="1" latinLnBrk="0" hangingPunct="1">
-        <a:defRPr kumimoji="1" sz="1800" kern="1200">
-          <a:solidFill>
-            <a:schemeClr val="tx1"/>
-          </a:solidFill>
-          <a:latin typeface="+mn-lt"/>
-          <a:ea typeface="+mn-ea"/>
-          <a:cs typeface="+mn-cs"/>
-        </a:defRPr>
-      </a:lvl4pPr>
-      <a:lvl5pPr marL="1828800" algn="l" defTabSz="914400" rtl="0" eaLnBrk="1" latinLnBrk="0" hangingPunct="1">
-        <a:defRPr kumimoji="1" sz="1800" kern="1200">
-          <a:solidFill>
-            <a:schemeClr val="tx1"/>
-          </a:solidFill>
-          <a:latin typeface="+mn-lt"/>
-          <a:ea typeface="+mn-ea"/>
-          <a:cs typeface="+mn-cs"/>
-        </a:defRPr>
-      </a:lvl5pPr>
-      <a:lvl6pPr marL="2286000" algn="l" defTabSz="914400" rtl="0" eaLnBrk="1" latinLnBrk="0" hangingPunct="1">
-        <a:defRPr kumimoji="1" sz="1800" kern="1200">
-          <a:solidFill>
-            <a:schemeClr val="tx1"/>
-          </a:solidFill>
-          <a:latin typeface="+mn-lt"/>
-          <a:ea typeface="+mn-ea"/>
-          <a:cs typeface="+mn-cs"/>
-        </a:defRPr>
-      </a:lvl6pPr>
-      <a:lvl7pPr marL="2743200" algn="l" defTabSz="914400" rtl="0" eaLnBrk="1" latinLnBrk="0" hangingPunct="1">
-        <a:defRPr kumimoji="1" sz="1800" kern="1200">
-          <a:solidFill>
-            <a:schemeClr val="tx1"/>
-          </a:solidFill>
-          <a:latin typeface="+mn-lt"/>
-          <a:ea typeface="+mn-ea"/>
-          <a:cs typeface="+mn-cs"/>
-        </a:defRPr>
-      </a:lvl7pPr>
-      <a:lvl8pPr marL="3200400" algn="l" defTabSz="914400" rtl="0" eaLnBrk="1" latinLnBrk="0" hangingPunct="1">
-        <a:defRPr kumimoji="1" sz="1800" kern="1200">
-          <a:solidFill>
-            <a:schemeClr val="tx1"/>
-          </a:solidFill>
-          <a:latin typeface="+mn-lt"/>
-          <a:ea typeface="+mn-ea"/>
-          <a:cs typeface="+mn-cs"/>
-        </a:defRPr>
-      </a:lvl8pPr>
-      <a:lvl9pPr marL="3657600" algn="l" defTabSz="914400" rtl="0" eaLnBrk="1" latinLnBrk="0" hangingPunct="1">
-        <a:defRPr kumimoji="1" sz="1800" kern="1200">
-          <a:solidFill>
-            <a:schemeClr val="tx1"/>
-          </a:solidFill>
-          <a:latin typeface="+mn-lt"/>
-          <a:ea typeface="+mn-ea"/>
-          <a:cs typeface="+mn-cs"/>
-        </a:defRPr>
-      </a:lvl9pPr>
-    </p:otherStyle>
-  </p:txStyles>
-</p:sldMaster>
-</file>
-
 <file path=ppt/slides/slide1.xml><?xml version="1.0" encoding="utf-8"?>
 <p:sld xmlns:a="http://schemas.openxmlformats.org/drawingml/2006/main" xmlns:r="http://schemas.openxmlformats.org/officeDocument/2006/relationships" xmlns:p="http://schemas.openxmlformats.org/presentationml/2006/main">
   <p:cSld>
@@ -12520,8 +9180,12 @@
           <a:lstStyle/>
           <a:p>
             <a:r>
-              <a:rPr lang="ja-JP" altLang="en-US" sz="4000" dirty="0"/>
-              <a:t>現状</a:t>
+              <a:rPr lang="en-US" altLang="ja-JP" sz="4000" dirty="0" smtClean="0"/>
+              <a:t>Moodle</a:t>
+            </a:r>
+            <a:r>
+              <a:rPr lang="ja-JP" altLang="en-US" sz="4000" dirty="0" smtClean="0"/>
+              <a:t>のログ表示</a:t>
             </a:r>
             <a:endParaRPr kumimoji="1" lang="ja-JP" altLang="en-US" sz="4000" dirty="0"/>
           </a:p>
@@ -12553,14 +9217,14 @@
       </p:sp>
       <p:pic>
         <p:nvPicPr>
-          <p:cNvPr id="5" name="図 4"/>
+          <p:cNvPr id="3" name="図 2"/>
           <p:cNvPicPr>
             <a:picLocks noChangeAspect="1"/>
           </p:cNvPicPr>
           <p:nvPr/>
         </p:nvPicPr>
         <p:blipFill>
-          <a:blip r:embed="rId3">
+          <a:blip r:embed="rId2">
             <a:extLst>
               <a:ext uri="{28A0092B-C50C-407E-A947-70E740481C1C}">
                 <a14:useLocalDpi xmlns:a14="http://schemas.microsoft.com/office/drawing/2010/main" val="0"/>
@@ -12573,8 +9237,8 @@
         </p:blipFill>
         <p:spPr>
           <a:xfrm>
-            <a:off x="611560" y="1515864"/>
-            <a:ext cx="3804906" cy="5112568"/>
+            <a:off x="323528" y="1556792"/>
+            <a:ext cx="5904656" cy="4844851"/>
           </a:xfrm>
           <a:prstGeom prst="rect">
             <a:avLst/>
@@ -12583,21 +9247,21 @@
       </p:pic>
       <p:sp>
         <p:nvSpPr>
-          <p:cNvPr id="8" name="左矢印吹き出し 7"/>
+          <p:cNvPr id="6" name="左矢印吹き出し 5"/>
           <p:cNvSpPr/>
           <p:nvPr/>
         </p:nvSpPr>
         <p:spPr>
           <a:xfrm>
-            <a:off x="4499992" y="2492896"/>
-            <a:ext cx="4248472" cy="2736304"/>
+            <a:off x="5436096" y="3789040"/>
+            <a:ext cx="3471192" cy="2232248"/>
           </a:xfrm>
           <a:prstGeom prst="leftArrowCallout">
             <a:avLst>
               <a:gd name="adj1" fmla="val 13861"/>
               <a:gd name="adj2" fmla="val 25000"/>
               <a:gd name="adj3" fmla="val 25000"/>
-              <a:gd name="adj4" fmla="val 70016"/>
+              <a:gd name="adj4" fmla="val 61635"/>
             </a:avLst>
           </a:prstGeom>
         </p:spPr>
@@ -12621,49 +9285,41 @@
           <a:p>
             <a:pPr algn="ctr"/>
             <a:r>
-              <a:rPr kumimoji="1" lang="en-US" altLang="ja-JP" sz="2400" dirty="0" smtClean="0"/>
-              <a:t>GitHub</a:t>
-            </a:r>
-            <a:r>
-              <a:rPr kumimoji="1" lang="ja-JP" altLang="en-US" sz="2400" dirty="0" smtClean="0"/>
-              <a:t>上のログは</a:t>
-            </a:r>
-            <a:endParaRPr kumimoji="1" lang="en-US" altLang="ja-JP" sz="2400" dirty="0" smtClean="0"/>
+              <a:rPr lang="en-US" altLang="ja-JP" sz="2000" dirty="0" smtClean="0"/>
+              <a:t>Moodle</a:t>
+            </a:r>
+            <a:r>
+              <a:rPr kumimoji="1" lang="ja-JP" altLang="en-US" sz="2000" dirty="0" smtClean="0"/>
+              <a:t>のログは</a:t>
+            </a:r>
+            <a:endParaRPr kumimoji="1" lang="en-US" altLang="ja-JP" sz="2000" dirty="0" smtClean="0"/>
           </a:p>
           <a:p>
             <a:pPr algn="ctr"/>
             <a:r>
-              <a:rPr lang="ja-JP" altLang="en-US" sz="2400" dirty="0"/>
+              <a:rPr lang="ja-JP" altLang="en-US" sz="2000" dirty="0"/>
               <a:t>このよう</a:t>
             </a:r>
             <a:r>
-              <a:rPr lang="ja-JP" altLang="en-US" sz="2400" dirty="0" smtClean="0"/>
-              <a:t>に表示され</a:t>
-            </a:r>
-            <a:endParaRPr lang="en-US" altLang="ja-JP" sz="2400" dirty="0" smtClean="0"/>
+              <a:rPr lang="ja-JP" altLang="en-US" sz="2000" dirty="0" smtClean="0"/>
+              <a:t>に</a:t>
+            </a:r>
+            <a:endParaRPr lang="en-US" altLang="ja-JP" sz="2000" dirty="0" smtClean="0"/>
           </a:p>
           <a:p>
             <a:pPr algn="ctr"/>
             <a:r>
-              <a:rPr kumimoji="1" lang="ja-JP" altLang="en-US" sz="2400" dirty="0" smtClean="0"/>
-              <a:t>確認</a:t>
-            </a:r>
-            <a:r>
-              <a:rPr kumimoji="1" lang="ja-JP" altLang="en-US" sz="2400" dirty="0"/>
-              <a:t>すること</a:t>
-            </a:r>
-            <a:r>
-              <a:rPr kumimoji="1" lang="ja-JP" altLang="en-US" sz="2400" dirty="0" smtClean="0"/>
-              <a:t>ができる</a:t>
-            </a:r>
-            <a:endParaRPr kumimoji="1" lang="ja-JP" altLang="en-US" sz="2400" dirty="0"/>
+              <a:rPr lang="ja-JP" altLang="en-US" sz="2000" dirty="0" smtClean="0"/>
+              <a:t>表示される</a:t>
+            </a:r>
+            <a:endParaRPr lang="en-US" altLang="ja-JP" sz="2000" dirty="0" smtClean="0"/>
           </a:p>
         </p:txBody>
       </p:sp>
     </p:spTree>
     <p:extLst>
       <p:ext uri="{BB962C8B-B14F-4D97-AF65-F5344CB8AC3E}">
-        <p14:creationId xmlns:p14="http://schemas.microsoft.com/office/powerpoint/2010/main" val="1627996364"/>
+        <p14:creationId xmlns:p14="http://schemas.microsoft.com/office/powerpoint/2010/main" val="642538679"/>
       </p:ext>
     </p:extLst>
   </p:cSld>
@@ -12713,8 +9369,12 @@
           <a:lstStyle/>
           <a:p>
             <a:r>
-              <a:rPr kumimoji="1" lang="ja-JP" altLang="en-US" sz="4000" dirty="0" smtClean="0"/>
-              <a:t>開発するもの</a:t>
+              <a:rPr lang="en-US" altLang="ja-JP" sz="4000" dirty="0" smtClean="0"/>
+              <a:t>GitHub</a:t>
+            </a:r>
+            <a:r>
+              <a:rPr lang="ja-JP" altLang="en-US" sz="4000" dirty="0" smtClean="0"/>
+              <a:t>のログ表示</a:t>
             </a:r>
             <a:endParaRPr kumimoji="1" lang="ja-JP" altLang="en-US" sz="4000" dirty="0"/>
           </a:p>
@@ -12739,6 +9399,199 @@
               <a:rPr lang="en-US" altLang="ja-JP" smtClean="0"/>
               <a:pPr/>
               <a:t>11</a:t>
+            </a:fld>
+            <a:endParaRPr lang="en-US" altLang="ja-JP"/>
+          </a:p>
+        </p:txBody>
+      </p:sp>
+      <p:pic>
+        <p:nvPicPr>
+          <p:cNvPr id="5" name="図 4"/>
+          <p:cNvPicPr>
+            <a:picLocks noChangeAspect="1"/>
+          </p:cNvPicPr>
+          <p:nvPr/>
+        </p:nvPicPr>
+        <p:blipFill>
+          <a:blip r:embed="rId3">
+            <a:extLst>
+              <a:ext uri="{28A0092B-C50C-407E-A947-70E740481C1C}">
+                <a14:useLocalDpi xmlns:a14="http://schemas.microsoft.com/office/drawing/2010/main" val="0"/>
+              </a:ext>
+            </a:extLst>
+          </a:blip>
+          <a:stretch>
+            <a:fillRect/>
+          </a:stretch>
+        </p:blipFill>
+        <p:spPr>
+          <a:xfrm>
+            <a:off x="611560" y="1515864"/>
+            <a:ext cx="3804906" cy="5112568"/>
+          </a:xfrm>
+          <a:prstGeom prst="rect">
+            <a:avLst/>
+          </a:prstGeom>
+        </p:spPr>
+      </p:pic>
+      <p:sp>
+        <p:nvSpPr>
+          <p:cNvPr id="8" name="左矢印吹き出し 7"/>
+          <p:cNvSpPr/>
+          <p:nvPr/>
+        </p:nvSpPr>
+        <p:spPr>
+          <a:xfrm>
+            <a:off x="4499992" y="2492896"/>
+            <a:ext cx="4248472" cy="2736304"/>
+          </a:xfrm>
+          <a:prstGeom prst="leftArrowCallout">
+            <a:avLst>
+              <a:gd name="adj1" fmla="val 13861"/>
+              <a:gd name="adj2" fmla="val 25000"/>
+              <a:gd name="adj3" fmla="val 25000"/>
+              <a:gd name="adj4" fmla="val 70016"/>
+            </a:avLst>
+          </a:prstGeom>
+        </p:spPr>
+        <p:style>
+          <a:lnRef idx="2">
+            <a:schemeClr val="accent2"/>
+          </a:lnRef>
+          <a:fillRef idx="1">
+            <a:schemeClr val="lt1"/>
+          </a:fillRef>
+          <a:effectRef idx="0">
+            <a:schemeClr val="accent2"/>
+          </a:effectRef>
+          <a:fontRef idx="minor">
+            <a:schemeClr val="dk1"/>
+          </a:fontRef>
+        </p:style>
+        <p:txBody>
+          <a:bodyPr rtlCol="0" anchor="ctr"/>
+          <a:lstStyle/>
+          <a:p>
+            <a:pPr algn="ctr"/>
+            <a:r>
+              <a:rPr kumimoji="1" lang="en-US" altLang="ja-JP" sz="2400" dirty="0" smtClean="0"/>
+              <a:t>GitHub</a:t>
+            </a:r>
+            <a:r>
+              <a:rPr kumimoji="1" lang="ja-JP" altLang="en-US" sz="2400" dirty="0" smtClean="0"/>
+              <a:t>上のログは</a:t>
+            </a:r>
+            <a:endParaRPr kumimoji="1" lang="en-US" altLang="ja-JP" sz="2400" dirty="0" smtClean="0"/>
+          </a:p>
+          <a:p>
+            <a:pPr algn="ctr"/>
+            <a:r>
+              <a:rPr lang="ja-JP" altLang="en-US" sz="2400" dirty="0"/>
+              <a:t>このよう</a:t>
+            </a:r>
+            <a:r>
+              <a:rPr lang="ja-JP" altLang="en-US" sz="2400" dirty="0" smtClean="0"/>
+              <a:t>に表示され</a:t>
+            </a:r>
+            <a:endParaRPr lang="en-US" altLang="ja-JP" sz="2400" dirty="0" smtClean="0"/>
+          </a:p>
+          <a:p>
+            <a:pPr algn="ctr"/>
+            <a:r>
+              <a:rPr kumimoji="1" lang="ja-JP" altLang="en-US" sz="2400" dirty="0" smtClean="0"/>
+              <a:t>確認</a:t>
+            </a:r>
+            <a:r>
+              <a:rPr kumimoji="1" lang="ja-JP" altLang="en-US" sz="2400" dirty="0"/>
+              <a:t>すること</a:t>
+            </a:r>
+            <a:r>
+              <a:rPr kumimoji="1" lang="ja-JP" altLang="en-US" sz="2400" dirty="0" smtClean="0"/>
+              <a:t>ができる</a:t>
+            </a:r>
+            <a:endParaRPr kumimoji="1" lang="ja-JP" altLang="en-US" sz="2400" dirty="0"/>
+          </a:p>
+        </p:txBody>
+      </p:sp>
+    </p:spTree>
+    <p:extLst>
+      <p:ext uri="{BB962C8B-B14F-4D97-AF65-F5344CB8AC3E}">
+        <p14:creationId xmlns:p14="http://schemas.microsoft.com/office/powerpoint/2010/main" val="1627996364"/>
+      </p:ext>
+    </p:extLst>
+  </p:cSld>
+  <p:clrMapOvr>
+    <a:masterClrMapping/>
+  </p:clrMapOvr>
+  <p:timing>
+    <p:tnLst>
+      <p:par>
+        <p:cTn id="1" dur="indefinite" restart="never" nodeType="tmRoot"/>
+      </p:par>
+    </p:tnLst>
+  </p:timing>
+</p:sld>
+</file>
+
+<file path=ppt/slides/slide12.xml><?xml version="1.0" encoding="utf-8"?>
+<p:sld xmlns:a="http://schemas.openxmlformats.org/drawingml/2006/main" xmlns:r="http://schemas.openxmlformats.org/officeDocument/2006/relationships" xmlns:p="http://schemas.openxmlformats.org/presentationml/2006/main">
+  <p:cSld>
+    <p:spTree>
+      <p:nvGrpSpPr>
+        <p:cNvPr id="1" name=""/>
+        <p:cNvGrpSpPr/>
+        <p:nvPr/>
+      </p:nvGrpSpPr>
+      <p:grpSpPr>
+        <a:xfrm>
+          <a:off x="0" y="0"/>
+          <a:ext cx="0" cy="0"/>
+          <a:chOff x="0" y="0"/>
+          <a:chExt cx="0" cy="0"/>
+        </a:xfrm>
+      </p:grpSpPr>
+      <p:sp>
+        <p:nvSpPr>
+          <p:cNvPr id="2" name="タイトル 1"/>
+          <p:cNvSpPr>
+            <a:spLocks noGrp="1"/>
+          </p:cNvSpPr>
+          <p:nvPr>
+            <p:ph type="title"/>
+          </p:nvPr>
+        </p:nvSpPr>
+        <p:spPr/>
+        <p:txBody>
+          <a:bodyPr/>
+          <a:lstStyle/>
+          <a:p>
+            <a:r>
+              <a:rPr kumimoji="1" lang="ja-JP" altLang="en-US" sz="4000" dirty="0" smtClean="0"/>
+              <a:t>開発するもの</a:t>
+            </a:r>
+            <a:endParaRPr kumimoji="1" lang="ja-JP" altLang="en-US" sz="4000" dirty="0"/>
+          </a:p>
+        </p:txBody>
+      </p:sp>
+      <p:sp>
+        <p:nvSpPr>
+          <p:cNvPr id="4" name="スライド番号プレースホルダー 3"/>
+          <p:cNvSpPr>
+            <a:spLocks noGrp="1"/>
+          </p:cNvSpPr>
+          <p:nvPr>
+            <p:ph type="sldNum" sz="quarter" idx="12"/>
+          </p:nvPr>
+        </p:nvSpPr>
+        <p:spPr/>
+        <p:txBody>
+          <a:bodyPr/>
+          <a:lstStyle/>
+          <a:p>
+            <a:fld id="{03EB2D0A-B747-4CE5-865B-E5367722D1F0}" type="slidenum">
+              <a:rPr lang="en-US" altLang="ja-JP" smtClean="0"/>
+              <a:pPr/>
+              <a:t>12</a:t>
             </a:fld>
             <a:endParaRPr lang="en-US" altLang="ja-JP"/>
           </a:p>
@@ -13053,7 +9906,7 @@
 </p:sld>
 </file>
 
-<file path=ppt/slides/slide12.xml><?xml version="1.0" encoding="utf-8"?>
+<file path=ppt/slides/slide13.xml><?xml version="1.0" encoding="utf-8"?>
 <p:sld xmlns:a="http://schemas.openxmlformats.org/drawingml/2006/main" xmlns:r="http://schemas.openxmlformats.org/officeDocument/2006/relationships" xmlns:p="http://schemas.openxmlformats.org/presentationml/2006/main">
   <p:cSld>
     <p:spTree>
@@ -13111,7 +9964,7 @@
             <a:fld id="{03EB2D0A-B747-4CE5-865B-E5367722D1F0}" type="slidenum">
               <a:rPr lang="en-US" altLang="ja-JP" smtClean="0"/>
               <a:pPr/>
-              <a:t>12</a:t>
+              <a:t>13</a:t>
             </a:fld>
             <a:endParaRPr lang="en-US" altLang="ja-JP"/>
           </a:p>
@@ -13489,7 +10342,7 @@
         <p:spPr>
           <a:xfrm>
             <a:off x="1259632" y="5266446"/>
-            <a:ext cx="1378904" cy="369332"/>
+            <a:ext cx="1763624" cy="646331"/>
           </a:xfrm>
           <a:prstGeom prst="rect">
             <a:avLst/>
@@ -13504,7 +10357,26 @@
           <a:p>
             <a:r>
               <a:rPr kumimoji="1" lang="ja-JP" altLang="en-US" dirty="0" smtClean="0"/>
-              <a:t>①アカウント</a:t>
+              <a:t>①</a:t>
+            </a:r>
+            <a:r>
+              <a:rPr kumimoji="1" lang="en-US" altLang="ja-JP" dirty="0" smtClean="0"/>
+              <a:t>GitHub</a:t>
+            </a:r>
+            <a:r>
+              <a:rPr kumimoji="1" lang="ja-JP" altLang="en-US" dirty="0" smtClean="0"/>
+              <a:t>の</a:t>
+            </a:r>
+            <a:endParaRPr kumimoji="1" lang="en-US" altLang="ja-JP" dirty="0" smtClean="0"/>
+          </a:p>
+          <a:p>
+            <a:r>
+              <a:rPr lang="ja-JP" altLang="en-US" dirty="0"/>
+              <a:t>　</a:t>
+            </a:r>
+            <a:r>
+              <a:rPr kumimoji="1" lang="ja-JP" altLang="en-US" dirty="0" smtClean="0"/>
+              <a:t>アカウント登録</a:t>
             </a:r>
             <a:endParaRPr kumimoji="1" lang="ja-JP" altLang="en-US" dirty="0"/>
           </a:p>
@@ -13530,7 +10402,7 @@
 </p:sld>
 </file>
 
-<file path=ppt/slides/slide13.xml><?xml version="1.0" encoding="utf-8"?>
+<file path=ppt/slides/slide14.xml><?xml version="1.0" encoding="utf-8"?>
 <p:sld xmlns:a="http://schemas.openxmlformats.org/drawingml/2006/main" xmlns:r="http://schemas.openxmlformats.org/officeDocument/2006/relationships" xmlns:p="http://schemas.openxmlformats.org/presentationml/2006/main">
   <p:cSld>
     <p:spTree>
@@ -13599,7 +10471,15 @@
             </a:r>
             <a:r>
               <a:rPr kumimoji="1" lang="ja-JP" altLang="en-US" sz="2800" dirty="0" smtClean="0"/>
-              <a:t>のアカウント名が異なるため，結び付けが必要．</a:t>
+              <a:t>のアカウント名が異なるため</a:t>
+            </a:r>
+            <a:r>
+              <a:rPr kumimoji="1" lang="ja-JP" altLang="en-US" sz="2800" dirty="0" smtClean="0"/>
+              <a:t>，紐付けが</a:t>
+            </a:r>
+            <a:r>
+              <a:rPr kumimoji="1" lang="ja-JP" altLang="en-US" sz="2800" dirty="0" smtClean="0"/>
+              <a:t>必要．</a:t>
             </a:r>
             <a:endParaRPr kumimoji="1" lang="ja-JP" altLang="en-US" sz="2800" dirty="0"/>
           </a:p>
@@ -13623,7 +10503,7 @@
             <a:fld id="{03EB2D0A-B747-4CE5-865B-E5367722D1F0}" type="slidenum">
               <a:rPr lang="en-US" altLang="ja-JP" smtClean="0"/>
               <a:pPr/>
-              <a:t>13</a:t>
+              <a:t>14</a:t>
             </a:fld>
             <a:endParaRPr lang="en-US" altLang="ja-JP"/>
           </a:p>
@@ -13679,7 +10559,7 @@
 </p:sld>
 </file>
 
-<file path=ppt/slides/slide14.xml><?xml version="1.0" encoding="utf-8"?>
+<file path=ppt/slides/slide15.xml><?xml version="1.0" encoding="utf-8"?>
 <p:sld xmlns:a="http://schemas.openxmlformats.org/drawingml/2006/main" xmlns:r="http://schemas.openxmlformats.org/officeDocument/2006/relationships" xmlns:p="http://schemas.openxmlformats.org/presentationml/2006/main">
   <p:cSld>
     <p:spTree>
@@ -13799,7 +10679,7 @@
             <a:fld id="{03EB2D0A-B747-4CE5-865B-E5367722D1F0}" type="slidenum">
               <a:rPr lang="en-US" altLang="ja-JP" smtClean="0"/>
               <a:pPr/>
-              <a:t>14</a:t>
+              <a:t>15</a:t>
             </a:fld>
             <a:endParaRPr lang="en-US" altLang="ja-JP"/>
           </a:p>
@@ -14773,7 +11653,7 @@
 </p:sld>
 </file>
 
-<file path=ppt/slides/slide15.xml><?xml version="1.0" encoding="utf-8"?>
+<file path=ppt/slides/slide16.xml><?xml version="1.0" encoding="utf-8"?>
 <p:sld xmlns:a="http://schemas.openxmlformats.org/drawingml/2006/main" xmlns:r="http://schemas.openxmlformats.org/officeDocument/2006/relationships" xmlns:p="http://schemas.openxmlformats.org/presentationml/2006/main">
   <p:cSld>
     <p:spTree>
@@ -14831,7 +11711,7 @@
             <a:fld id="{03EB2D0A-B747-4CE5-865B-E5367722D1F0}" type="slidenum">
               <a:rPr lang="en-US" altLang="ja-JP" smtClean="0"/>
               <a:pPr/>
-              <a:t>15</a:t>
+              <a:t>16</a:t>
             </a:fld>
             <a:endParaRPr lang="en-US" altLang="ja-JP"/>
           </a:p>
@@ -15139,7 +12019,7 @@
 </p:sld>
 </file>
 
-<file path=ppt/slides/slide16.xml><?xml version="1.0" encoding="utf-8"?>
+<file path=ppt/slides/slide17.xml><?xml version="1.0" encoding="utf-8"?>
 <p:sld xmlns:a="http://schemas.openxmlformats.org/drawingml/2006/main" xmlns:r="http://schemas.openxmlformats.org/officeDocument/2006/relationships" xmlns:p="http://schemas.openxmlformats.org/presentationml/2006/main">
   <p:cSld>
     <p:spTree>
@@ -15197,7 +12077,7 @@
             <a:fld id="{03EB2D0A-B747-4CE5-865B-E5367722D1F0}" type="slidenum">
               <a:rPr lang="en-US" altLang="ja-JP" smtClean="0"/>
               <a:pPr/>
-              <a:t>16</a:t>
+              <a:t>17</a:t>
             </a:fld>
             <a:endParaRPr lang="en-US" altLang="ja-JP"/>
           </a:p>
@@ -15391,7 +12271,7 @@
 </p:sld>
 </file>
 
-<file path=ppt/slides/slide17.xml><?xml version="1.0" encoding="utf-8"?>
+<file path=ppt/slides/slide18.xml><?xml version="1.0" encoding="utf-8"?>
 <p:sld xmlns:a="http://schemas.openxmlformats.org/drawingml/2006/main" xmlns:r="http://schemas.openxmlformats.org/officeDocument/2006/relationships" xmlns:p="http://schemas.openxmlformats.org/presentationml/2006/main">
   <p:cSld>
     <p:spTree>
@@ -15484,7 +12364,7 @@
             <a:fld id="{03EB2D0A-B747-4CE5-865B-E5367722D1F0}" type="slidenum">
               <a:rPr lang="en-US" altLang="ja-JP" smtClean="0"/>
               <a:pPr/>
-              <a:t>17</a:t>
+              <a:t>18</a:t>
             </a:fld>
             <a:endParaRPr lang="en-US" altLang="ja-JP"/>
           </a:p>
@@ -15729,7 +12609,7 @@
 </p:sld>
 </file>
 
-<file path=ppt/slides/slide18.xml><?xml version="1.0" encoding="utf-8"?>
+<file path=ppt/slides/slide19.xml><?xml version="1.0" encoding="utf-8"?>
 <p:sld xmlns:a="http://schemas.openxmlformats.org/drawingml/2006/main" xmlns:r="http://schemas.openxmlformats.org/officeDocument/2006/relationships" xmlns:p="http://schemas.openxmlformats.org/presentationml/2006/main">
   <p:cSld>
     <p:spTree>
@@ -15837,7 +12717,7 @@
             <a:pPr lvl="1"/>
             <a:r>
               <a:rPr lang="ja-JP" altLang="en-US" sz="2400" dirty="0" smtClean="0"/>
-              <a:t>ソフトウェア教育</a:t>
+              <a:t>ソフトウェア開発の教育で利用</a:t>
             </a:r>
             <a:endParaRPr lang="en-US" altLang="ja-JP" sz="2400" dirty="0" smtClean="0"/>
           </a:p>
@@ -15873,7 +12753,7 @@
             <a:fld id="{03EB2D0A-B747-4CE5-865B-E5367722D1F0}" type="slidenum">
               <a:rPr lang="en-US" altLang="ja-JP" smtClean="0"/>
               <a:pPr/>
-              <a:t>18</a:t>
+              <a:t>19</a:t>
             </a:fld>
             <a:endParaRPr lang="en-US" altLang="ja-JP"/>
           </a:p>
@@ -15899,7 +12779,7 @@
 </p:sld>
 </file>
 
-<file path=ppt/slides/slide19.xml><?xml version="1.0" encoding="utf-8"?>
+<file path=ppt/slides/slide2.xml><?xml version="1.0" encoding="utf-8"?>
 <p:sld xmlns:a="http://schemas.openxmlformats.org/drawingml/2006/main" xmlns:r="http://schemas.openxmlformats.org/officeDocument/2006/relationships" xmlns:p="http://schemas.openxmlformats.org/presentationml/2006/main">
   <p:cSld>
     <p:spTree>
@@ -15933,9 +12813,94 @@
           <a:p>
             <a:r>
               <a:rPr kumimoji="1" lang="ja-JP" altLang="en-US" sz="4000" dirty="0" smtClean="0"/>
-              <a:t>プログラム</a:t>
+              <a:t>目次</a:t>
             </a:r>
             <a:endParaRPr kumimoji="1" lang="ja-JP" altLang="en-US" sz="4000" dirty="0"/>
+          </a:p>
+        </p:txBody>
+      </p:sp>
+      <p:sp>
+        <p:nvSpPr>
+          <p:cNvPr id="3" name="コンテンツ プレースホルダー 2"/>
+          <p:cNvSpPr>
+            <a:spLocks noGrp="1"/>
+          </p:cNvSpPr>
+          <p:nvPr>
+            <p:ph idx="1"/>
+          </p:nvPr>
+        </p:nvSpPr>
+        <p:spPr/>
+        <p:txBody>
+          <a:bodyPr/>
+          <a:lstStyle/>
+          <a:p>
+            <a:r>
+              <a:rPr kumimoji="1" lang="ja-JP" altLang="en-US" sz="2800" dirty="0" smtClean="0"/>
+              <a:t>背景</a:t>
+            </a:r>
+            <a:endParaRPr lang="en-US" altLang="ja-JP" sz="2800" dirty="0"/>
+          </a:p>
+          <a:p>
+            <a:pPr lvl="1"/>
+            <a:r>
+              <a:rPr lang="en-US" altLang="ja-JP" sz="2400" dirty="0"/>
+              <a:t>e</a:t>
+            </a:r>
+            <a:r>
+              <a:rPr kumimoji="1" lang="ja-JP" altLang="en-US" sz="2400" dirty="0" smtClean="0"/>
+              <a:t>ラーニング</a:t>
+            </a:r>
+            <a:endParaRPr kumimoji="1" lang="en-US" altLang="ja-JP" sz="2400" dirty="0" smtClean="0"/>
+          </a:p>
+          <a:p>
+            <a:pPr lvl="1"/>
+            <a:r>
+              <a:rPr lang="en-US" altLang="ja-JP" sz="2400" dirty="0" smtClean="0"/>
+              <a:t>LMS</a:t>
+            </a:r>
+          </a:p>
+          <a:p>
+            <a:pPr lvl="1"/>
+            <a:r>
+              <a:rPr lang="ja-JP" altLang="en-US" sz="2400" dirty="0" smtClean="0"/>
+              <a:t>現状</a:t>
+            </a:r>
+            <a:endParaRPr lang="en-US" altLang="ja-JP" sz="2400" dirty="0" smtClean="0"/>
+          </a:p>
+          <a:p>
+            <a:r>
+              <a:rPr kumimoji="1" lang="ja-JP" altLang="en-US" sz="2800" dirty="0" smtClean="0"/>
+              <a:t>目的</a:t>
+            </a:r>
+            <a:endParaRPr kumimoji="1" lang="en-US" altLang="ja-JP" sz="2400" dirty="0" smtClean="0"/>
+          </a:p>
+          <a:p>
+            <a:r>
+              <a:rPr kumimoji="1" lang="ja-JP" altLang="en-US" sz="2800" dirty="0" smtClean="0"/>
+              <a:t>開発するもの</a:t>
+            </a:r>
+            <a:endParaRPr kumimoji="1" lang="en-US" altLang="ja-JP" sz="2800" dirty="0" smtClean="0"/>
+          </a:p>
+          <a:p>
+            <a:r>
+              <a:rPr lang="ja-JP" altLang="en-US" sz="2800" dirty="0"/>
+              <a:t>方法</a:t>
+            </a:r>
+            <a:endParaRPr kumimoji="1" lang="en-US" altLang="ja-JP" sz="2800" dirty="0" smtClean="0"/>
+          </a:p>
+          <a:p>
+            <a:r>
+              <a:rPr lang="ja-JP" altLang="en-US" sz="2800" dirty="0"/>
+              <a:t>展望</a:t>
+            </a:r>
+            <a:endParaRPr kumimoji="1" lang="en-US" altLang="ja-JP" sz="2800" dirty="0" smtClean="0"/>
+          </a:p>
+          <a:p>
+            <a:r>
+              <a:rPr lang="ja-JP" altLang="en-US" sz="2800" dirty="0"/>
+              <a:t>まとめ</a:t>
+            </a:r>
+            <a:endParaRPr lang="en-US" altLang="ja-JP" sz="2800" dirty="0" smtClean="0"/>
           </a:p>
         </p:txBody>
       </p:sp>
@@ -15957,7 +12922,91 @@
             <a:fld id="{03EB2D0A-B747-4CE5-865B-E5367722D1F0}" type="slidenum">
               <a:rPr lang="en-US" altLang="ja-JP" smtClean="0"/>
               <a:pPr/>
-              <a:t>19</a:t>
+              <a:t>2</a:t>
+            </a:fld>
+            <a:endParaRPr lang="en-US" altLang="ja-JP"/>
+          </a:p>
+        </p:txBody>
+      </p:sp>
+    </p:spTree>
+    <p:extLst>
+      <p:ext uri="{BB962C8B-B14F-4D97-AF65-F5344CB8AC3E}">
+        <p14:creationId xmlns:p14="http://schemas.microsoft.com/office/powerpoint/2010/main" val="231843661"/>
+      </p:ext>
+    </p:extLst>
+  </p:cSld>
+  <p:clrMapOvr>
+    <a:masterClrMapping/>
+  </p:clrMapOvr>
+  <p:timing>
+    <p:tnLst>
+      <p:par>
+        <p:cTn id="1" dur="indefinite" restart="never" nodeType="tmRoot"/>
+      </p:par>
+    </p:tnLst>
+  </p:timing>
+</p:sld>
+</file>
+
+<file path=ppt/slides/slide20.xml><?xml version="1.0" encoding="utf-8"?>
+<p:sld xmlns:a="http://schemas.openxmlformats.org/drawingml/2006/main" xmlns:r="http://schemas.openxmlformats.org/officeDocument/2006/relationships" xmlns:p="http://schemas.openxmlformats.org/presentationml/2006/main">
+  <p:cSld>
+    <p:spTree>
+      <p:nvGrpSpPr>
+        <p:cNvPr id="1" name=""/>
+        <p:cNvGrpSpPr/>
+        <p:nvPr/>
+      </p:nvGrpSpPr>
+      <p:grpSpPr>
+        <a:xfrm>
+          <a:off x="0" y="0"/>
+          <a:ext cx="0" cy="0"/>
+          <a:chOff x="0" y="0"/>
+          <a:chExt cx="0" cy="0"/>
+        </a:xfrm>
+      </p:grpSpPr>
+      <p:sp>
+        <p:nvSpPr>
+          <p:cNvPr id="2" name="タイトル 1"/>
+          <p:cNvSpPr>
+            <a:spLocks noGrp="1"/>
+          </p:cNvSpPr>
+          <p:nvPr>
+            <p:ph type="title"/>
+          </p:nvPr>
+        </p:nvSpPr>
+        <p:spPr/>
+        <p:txBody>
+          <a:bodyPr/>
+          <a:lstStyle/>
+          <a:p>
+            <a:r>
+              <a:rPr kumimoji="1" lang="ja-JP" altLang="en-US" sz="4000" dirty="0" smtClean="0"/>
+              <a:t>プログラム</a:t>
+            </a:r>
+            <a:endParaRPr kumimoji="1" lang="ja-JP" altLang="en-US" sz="4000" dirty="0"/>
+          </a:p>
+        </p:txBody>
+      </p:sp>
+      <p:sp>
+        <p:nvSpPr>
+          <p:cNvPr id="4" name="スライド番号プレースホルダー 3"/>
+          <p:cNvSpPr>
+            <a:spLocks noGrp="1"/>
+          </p:cNvSpPr>
+          <p:nvPr>
+            <p:ph type="sldNum" sz="quarter" idx="12"/>
+          </p:nvPr>
+        </p:nvSpPr>
+        <p:spPr/>
+        <p:txBody>
+          <a:bodyPr/>
+          <a:lstStyle/>
+          <a:p>
+            <a:fld id="{03EB2D0A-B747-4CE5-865B-E5367722D1F0}" type="slidenum">
+              <a:rPr lang="en-US" altLang="ja-JP" smtClean="0"/>
+              <a:pPr/>
+              <a:t>20</a:t>
             </a:fld>
             <a:endParaRPr lang="en-US" altLang="ja-JP"/>
           </a:p>
@@ -15997,175 +13046,6 @@
     <p:extLst>
       <p:ext uri="{BB962C8B-B14F-4D97-AF65-F5344CB8AC3E}">
         <p14:creationId xmlns:p14="http://schemas.microsoft.com/office/powerpoint/2010/main" val="599053725"/>
-      </p:ext>
-    </p:extLst>
-  </p:cSld>
-  <p:clrMapOvr>
-    <a:masterClrMapping/>
-  </p:clrMapOvr>
-  <p:timing>
-    <p:tnLst>
-      <p:par>
-        <p:cTn id="1" dur="indefinite" restart="never" nodeType="tmRoot"/>
-      </p:par>
-    </p:tnLst>
-  </p:timing>
-</p:sld>
-</file>
-
-<file path=ppt/slides/slide2.xml><?xml version="1.0" encoding="utf-8"?>
-<p:sld xmlns:a="http://schemas.openxmlformats.org/drawingml/2006/main" xmlns:r="http://schemas.openxmlformats.org/officeDocument/2006/relationships" xmlns:p="http://schemas.openxmlformats.org/presentationml/2006/main">
-  <p:cSld>
-    <p:spTree>
-      <p:nvGrpSpPr>
-        <p:cNvPr id="1" name=""/>
-        <p:cNvGrpSpPr/>
-        <p:nvPr/>
-      </p:nvGrpSpPr>
-      <p:grpSpPr>
-        <a:xfrm>
-          <a:off x="0" y="0"/>
-          <a:ext cx="0" cy="0"/>
-          <a:chOff x="0" y="0"/>
-          <a:chExt cx="0" cy="0"/>
-        </a:xfrm>
-      </p:grpSpPr>
-      <p:sp>
-        <p:nvSpPr>
-          <p:cNvPr id="2" name="タイトル 1"/>
-          <p:cNvSpPr>
-            <a:spLocks noGrp="1"/>
-          </p:cNvSpPr>
-          <p:nvPr>
-            <p:ph type="title"/>
-          </p:nvPr>
-        </p:nvSpPr>
-        <p:spPr/>
-        <p:txBody>
-          <a:bodyPr/>
-          <a:lstStyle/>
-          <a:p>
-            <a:r>
-              <a:rPr kumimoji="1" lang="ja-JP" altLang="en-US" sz="4000" dirty="0" smtClean="0"/>
-              <a:t>目次</a:t>
-            </a:r>
-            <a:endParaRPr kumimoji="1" lang="ja-JP" altLang="en-US" sz="4000" dirty="0"/>
-          </a:p>
-        </p:txBody>
-      </p:sp>
-      <p:sp>
-        <p:nvSpPr>
-          <p:cNvPr id="3" name="コンテンツ プレースホルダー 2"/>
-          <p:cNvSpPr>
-            <a:spLocks noGrp="1"/>
-          </p:cNvSpPr>
-          <p:nvPr>
-            <p:ph idx="1"/>
-          </p:nvPr>
-        </p:nvSpPr>
-        <p:spPr/>
-        <p:txBody>
-          <a:bodyPr/>
-          <a:lstStyle/>
-          <a:p>
-            <a:r>
-              <a:rPr kumimoji="1" lang="ja-JP" altLang="en-US" sz="2800" dirty="0" smtClean="0"/>
-              <a:t>背景</a:t>
-            </a:r>
-            <a:endParaRPr lang="en-US" altLang="ja-JP" sz="2800" dirty="0"/>
-          </a:p>
-          <a:p>
-            <a:pPr lvl="1"/>
-            <a:r>
-              <a:rPr lang="en-US" altLang="ja-JP" sz="2400" dirty="0"/>
-              <a:t>e</a:t>
-            </a:r>
-            <a:r>
-              <a:rPr kumimoji="1" lang="ja-JP" altLang="en-US" sz="2400" dirty="0" smtClean="0"/>
-              <a:t>ラーニング</a:t>
-            </a:r>
-            <a:endParaRPr kumimoji="1" lang="en-US" altLang="ja-JP" sz="2400" dirty="0" smtClean="0"/>
-          </a:p>
-          <a:p>
-            <a:pPr lvl="1"/>
-            <a:r>
-              <a:rPr lang="en-US" altLang="ja-JP" sz="2400" dirty="0" smtClean="0"/>
-              <a:t>LMS</a:t>
-            </a:r>
-          </a:p>
-          <a:p>
-            <a:r>
-              <a:rPr kumimoji="1" lang="ja-JP" altLang="en-US" sz="2800" dirty="0" smtClean="0"/>
-              <a:t>目的</a:t>
-            </a:r>
-            <a:endParaRPr kumimoji="1" lang="en-US" altLang="ja-JP" sz="2800" dirty="0" smtClean="0"/>
-          </a:p>
-          <a:p>
-            <a:pPr lvl="1"/>
-            <a:r>
-              <a:rPr lang="ja-JP" altLang="en-US" sz="2400" dirty="0"/>
-              <a:t>現状</a:t>
-            </a:r>
-            <a:endParaRPr kumimoji="1" lang="en-US" altLang="ja-JP" sz="2400" dirty="0" smtClean="0"/>
-          </a:p>
-          <a:p>
-            <a:r>
-              <a:rPr kumimoji="1" lang="ja-JP" altLang="en-US" sz="2800" dirty="0" smtClean="0"/>
-              <a:t>開発するもの</a:t>
-            </a:r>
-            <a:endParaRPr kumimoji="1" lang="en-US" altLang="ja-JP" sz="2800" dirty="0" smtClean="0"/>
-          </a:p>
-          <a:p>
-            <a:r>
-              <a:rPr lang="ja-JP" altLang="en-US" sz="2800" dirty="0"/>
-              <a:t>方法</a:t>
-            </a:r>
-            <a:endParaRPr kumimoji="1" lang="en-US" altLang="ja-JP" sz="2800" dirty="0" smtClean="0"/>
-          </a:p>
-          <a:p>
-            <a:r>
-              <a:rPr lang="ja-JP" altLang="en-US" sz="2800" dirty="0"/>
-              <a:t>展望</a:t>
-            </a:r>
-            <a:endParaRPr kumimoji="1" lang="en-US" altLang="ja-JP" sz="2800" dirty="0" smtClean="0"/>
-          </a:p>
-          <a:p>
-            <a:r>
-              <a:rPr lang="ja-JP" altLang="en-US" sz="2800" dirty="0"/>
-              <a:t>まとめ</a:t>
-            </a:r>
-            <a:endParaRPr lang="en-US" altLang="ja-JP" sz="2800" dirty="0" smtClean="0"/>
-          </a:p>
-        </p:txBody>
-      </p:sp>
-      <p:sp>
-        <p:nvSpPr>
-          <p:cNvPr id="4" name="スライド番号プレースホルダー 3"/>
-          <p:cNvSpPr>
-            <a:spLocks noGrp="1"/>
-          </p:cNvSpPr>
-          <p:nvPr>
-            <p:ph type="sldNum" sz="quarter" idx="12"/>
-          </p:nvPr>
-        </p:nvSpPr>
-        <p:spPr/>
-        <p:txBody>
-          <a:bodyPr/>
-          <a:lstStyle/>
-          <a:p>
-            <a:fld id="{03EB2D0A-B747-4CE5-865B-E5367722D1F0}" type="slidenum">
-              <a:rPr lang="en-US" altLang="ja-JP" smtClean="0"/>
-              <a:pPr/>
-              <a:t>2</a:t>
-            </a:fld>
-            <a:endParaRPr lang="en-US" altLang="ja-JP"/>
-          </a:p>
-        </p:txBody>
-      </p:sp>
-    </p:spTree>
-    <p:extLst>
-      <p:ext uri="{BB962C8B-B14F-4D97-AF65-F5344CB8AC3E}">
-        <p14:creationId xmlns:p14="http://schemas.microsoft.com/office/powerpoint/2010/main" val="231843661"/>
       </p:ext>
     </p:extLst>
   </p:cSld>
@@ -17456,11 +14336,7 @@
             </a:pPr>
             <a:r>
               <a:rPr kumimoji="1" lang="ja-JP" altLang="en-US" sz="2800" dirty="0" smtClean="0"/>
-              <a:t>しかし</a:t>
-            </a:r>
-            <a:r>
-              <a:rPr kumimoji="1" lang="ja-JP" altLang="en-US" sz="2800" dirty="0" smtClean="0"/>
-              <a:t>，</a:t>
+              <a:t>しかし，</a:t>
             </a:r>
             <a:r>
               <a:rPr kumimoji="1" lang="en-US" altLang="ja-JP" sz="2800" dirty="0" smtClean="0"/>
@@ -17478,11 +14354,7 @@
             </a:pPr>
             <a:r>
               <a:rPr lang="ja-JP" altLang="en-US" sz="2800" dirty="0" smtClean="0"/>
-              <a:t>特化しているわけではない</a:t>
-            </a:r>
-            <a:r>
-              <a:rPr lang="ja-JP" altLang="en-US" sz="2800" dirty="0" smtClean="0"/>
-              <a:t>！</a:t>
+              <a:t>特化しているわけではない！</a:t>
             </a:r>
             <a:endParaRPr lang="en-US" altLang="ja-JP" sz="2800" dirty="0" smtClean="0"/>
           </a:p>
@@ -18718,16 +15590,16 @@
           <a:lstStyle/>
           <a:p>
             <a:r>
-              <a:rPr kumimoji="1" lang="ja-JP" altLang="en-US" sz="4000" dirty="0" smtClean="0"/>
-              <a:t>目的</a:t>
-            </a:r>
-            <a:endParaRPr kumimoji="1" lang="ja-JP" altLang="en-US" sz="4000" dirty="0"/>
-          </a:p>
-        </p:txBody>
-      </p:sp>
-      <p:sp>
-        <p:nvSpPr>
-          <p:cNvPr id="3" name="コンテンツ プレースホルダー 2"/>
+              <a:rPr kumimoji="1" lang="ja-JP" altLang="en-US" dirty="0" smtClean="0"/>
+              <a:t>現状</a:t>
+            </a:r>
+            <a:endParaRPr kumimoji="1" lang="ja-JP" altLang="en-US" dirty="0"/>
+          </a:p>
+        </p:txBody>
+      </p:sp>
+      <p:sp>
+        <p:nvSpPr>
+          <p:cNvPr id="16" name="コンテンツ プレースホルダー 15"/>
           <p:cNvSpPr>
             <a:spLocks noGrp="1"/>
           </p:cNvSpPr>
@@ -18735,89 +15607,75 @@
             <p:ph idx="1"/>
           </p:nvPr>
         </p:nvSpPr>
-        <p:spPr/>
+        <p:spPr>
+          <a:xfrm>
+            <a:off x="6084168" y="2127312"/>
+            <a:ext cx="2736408" cy="3678272"/>
+          </a:xfrm>
+        </p:spPr>
         <p:txBody>
           <a:bodyPr/>
           <a:lstStyle/>
           <a:p>
             <a:r>
+              <a:rPr kumimoji="1" lang="en-US" altLang="ja-JP" sz="2800" dirty="0" smtClean="0"/>
+              <a:t>LMS</a:t>
+            </a:r>
+            <a:endParaRPr lang="en-US" altLang="ja-JP" sz="2800" dirty="0" smtClean="0"/>
+          </a:p>
+          <a:p>
+            <a:r>
+              <a:rPr lang="ja-JP" altLang="en-US" sz="2800" dirty="0" smtClean="0"/>
+              <a:t>開発ツール</a:t>
+            </a:r>
+            <a:endParaRPr lang="en-US" altLang="ja-JP" sz="2800" dirty="0" smtClean="0"/>
+          </a:p>
+          <a:p>
+            <a:endParaRPr lang="en-US" altLang="ja-JP" sz="2800" dirty="0"/>
+          </a:p>
+          <a:p>
+            <a:pPr marL="0" indent="0">
+              <a:buNone/>
+            </a:pPr>
+            <a:r>
+              <a:rPr lang="ja-JP" altLang="en-US" sz="2800" dirty="0" smtClean="0"/>
+              <a:t>２つのシステムを</a:t>
+            </a:r>
+            <a:endParaRPr lang="en-US" altLang="ja-JP" sz="2800" dirty="0" smtClean="0"/>
+          </a:p>
+          <a:p>
+            <a:pPr marL="0" indent="0">
+              <a:buNone/>
+            </a:pPr>
+            <a:r>
+              <a:rPr lang="ja-JP" altLang="en-US" sz="2800" dirty="0" smtClean="0"/>
+              <a:t>利用すると，</a:t>
+            </a:r>
+            <a:endParaRPr lang="en-US" altLang="ja-JP" sz="2800" dirty="0" smtClean="0"/>
+          </a:p>
+          <a:p>
+            <a:pPr marL="0" indent="0">
+              <a:buNone/>
+            </a:pPr>
+            <a:r>
+              <a:rPr lang="ja-JP" altLang="en-US" sz="2800" dirty="0" smtClean="0"/>
+              <a:t>学習者の行動が</a:t>
+            </a:r>
+            <a:endParaRPr lang="en-US" altLang="ja-JP" sz="2800" dirty="0" smtClean="0"/>
+          </a:p>
+          <a:p>
+            <a:pPr marL="0" indent="0">
+              <a:buNone/>
+            </a:pPr>
+            <a:r>
               <a:rPr lang="ja-JP" altLang="en-US" sz="2800" dirty="0"/>
-              <a:t>オープンソースの</a:t>
-            </a:r>
-            <a:r>
-              <a:rPr lang="en-US" altLang="ja-JP" sz="2800" dirty="0"/>
-              <a:t>LMS</a:t>
-            </a:r>
-            <a:r>
-              <a:rPr lang="ja-JP" altLang="en-US" sz="2800" dirty="0"/>
-              <a:t>である</a:t>
-            </a:r>
-            <a:r>
-              <a:rPr lang="en-US" altLang="ja-JP" sz="2800" dirty="0"/>
-              <a:t>Moodle</a:t>
-            </a:r>
-            <a:r>
-              <a:rPr lang="ja-JP" altLang="en-US" sz="2800" dirty="0"/>
-              <a:t>上で</a:t>
+              <a:t>把握</a:t>
             </a:r>
             <a:r>
               <a:rPr lang="ja-JP" altLang="en-US" sz="2800" dirty="0" smtClean="0"/>
-              <a:t>，学習者</a:t>
-            </a:r>
-            <a:r>
-              <a:rPr lang="ja-JP" altLang="en-US" sz="2800" dirty="0"/>
-              <a:t>の</a:t>
-            </a:r>
-            <a:r>
-              <a:rPr lang="en-US" altLang="ja-JP" sz="2800" dirty="0" smtClean="0"/>
-              <a:t>GitHub</a:t>
-            </a:r>
-            <a:r>
-              <a:rPr lang="ja-JP" altLang="en-US" sz="2800" dirty="0" smtClean="0"/>
-              <a:t>の統合を目的とする．</a:t>
-            </a:r>
-            <a:endParaRPr lang="en-US" altLang="ja-JP" sz="2800" dirty="0" smtClean="0"/>
-          </a:p>
-          <a:p>
-            <a:endParaRPr kumimoji="1" lang="en-US" altLang="ja-JP" sz="2800" dirty="0"/>
-          </a:p>
-          <a:p>
-            <a:r>
-              <a:rPr lang="en-US" altLang="ja-JP" sz="2800" dirty="0" smtClean="0"/>
-              <a:t>GitHub</a:t>
-            </a:r>
-            <a:r>
-              <a:rPr lang="ja-JP" altLang="en-US" sz="2800" dirty="0" smtClean="0"/>
-              <a:t>のログを</a:t>
-            </a:r>
-            <a:r>
-              <a:rPr lang="en-US" altLang="ja-JP" sz="2800" dirty="0" smtClean="0"/>
-              <a:t>Moodle</a:t>
-            </a:r>
-            <a:r>
-              <a:rPr lang="ja-JP" altLang="en-US" sz="2800" dirty="0" smtClean="0"/>
-              <a:t>に表示できるように行う．</a:t>
-            </a:r>
-            <a:endParaRPr lang="en-US" altLang="ja-JP" sz="2800" dirty="0" smtClean="0"/>
-          </a:p>
-          <a:p>
-            <a:pPr lvl="1"/>
-            <a:r>
-              <a:rPr kumimoji="1" lang="ja-JP" altLang="en-US" sz="2400" dirty="0" smtClean="0"/>
-              <a:t>ログを表示できることが</a:t>
-            </a:r>
-            <a:r>
-              <a:rPr kumimoji="1" lang="en-US" altLang="ja-JP" sz="2400" dirty="0" smtClean="0"/>
-              <a:t>LMS</a:t>
-            </a:r>
-            <a:r>
-              <a:rPr kumimoji="1" lang="ja-JP" altLang="en-US" sz="2400" dirty="0" smtClean="0"/>
-              <a:t>のメリット</a:t>
-            </a:r>
-            <a:endParaRPr kumimoji="1" lang="en-US" altLang="ja-JP" sz="2400" dirty="0"/>
-          </a:p>
-          <a:p>
-            <a:endParaRPr kumimoji="1" lang="en-US" altLang="ja-JP" sz="2800" dirty="0" smtClean="0"/>
+              <a:t>しにくい．</a:t>
+            </a:r>
+            <a:endParaRPr lang="en-US" altLang="ja-JP" sz="2800" dirty="0"/>
           </a:p>
         </p:txBody>
       </p:sp>
@@ -18845,10 +15703,220 @@
           </a:p>
         </p:txBody>
       </p:sp>
+      <p:sp>
+        <p:nvSpPr>
+          <p:cNvPr id="6" name="角丸四角形 5"/>
+          <p:cNvSpPr/>
+          <p:nvPr/>
+        </p:nvSpPr>
+        <p:spPr>
+          <a:xfrm>
+            <a:off x="598135" y="2238256"/>
+            <a:ext cx="1656184" cy="1728192"/>
+          </a:xfrm>
+          <a:prstGeom prst="roundRect">
+            <a:avLst/>
+          </a:prstGeom>
+        </p:spPr>
+        <p:style>
+          <a:lnRef idx="2">
+            <a:schemeClr val="accent2"/>
+          </a:lnRef>
+          <a:fillRef idx="1">
+            <a:schemeClr val="lt1"/>
+          </a:fillRef>
+          <a:effectRef idx="0">
+            <a:schemeClr val="accent2"/>
+          </a:effectRef>
+          <a:fontRef idx="minor">
+            <a:schemeClr val="dk1"/>
+          </a:fontRef>
+        </p:style>
+        <p:txBody>
+          <a:bodyPr rtlCol="0" anchor="ctr"/>
+          <a:lstStyle/>
+          <a:p>
+            <a:pPr algn="ctr"/>
+            <a:r>
+              <a:rPr kumimoji="1" lang="en-US" altLang="ja-JP" dirty="0" smtClean="0"/>
+              <a:t>LMS</a:t>
+            </a:r>
+            <a:endParaRPr kumimoji="1" lang="ja-JP" altLang="en-US" dirty="0"/>
+          </a:p>
+        </p:txBody>
+      </p:sp>
+      <p:sp>
+        <p:nvSpPr>
+          <p:cNvPr id="7" name="角丸四角形 6"/>
+          <p:cNvSpPr/>
+          <p:nvPr/>
+        </p:nvSpPr>
+        <p:spPr>
+          <a:xfrm>
+            <a:off x="4139952" y="2238256"/>
+            <a:ext cx="1656184" cy="1728192"/>
+          </a:xfrm>
+          <a:prstGeom prst="roundRect">
+            <a:avLst/>
+          </a:prstGeom>
+        </p:spPr>
+        <p:style>
+          <a:lnRef idx="2">
+            <a:schemeClr val="accent2"/>
+          </a:lnRef>
+          <a:fillRef idx="1">
+            <a:schemeClr val="lt1"/>
+          </a:fillRef>
+          <a:effectRef idx="0">
+            <a:schemeClr val="accent2"/>
+          </a:effectRef>
+          <a:fontRef idx="minor">
+            <a:schemeClr val="dk1"/>
+          </a:fontRef>
+        </p:style>
+        <p:txBody>
+          <a:bodyPr rtlCol="0" anchor="ctr"/>
+          <a:lstStyle/>
+          <a:p>
+            <a:pPr algn="ctr"/>
+            <a:r>
+              <a:rPr kumimoji="1" lang="ja-JP" altLang="en-US" dirty="0" smtClean="0"/>
+              <a:t>開発ツール</a:t>
+            </a:r>
+            <a:endParaRPr kumimoji="1" lang="ja-JP" altLang="en-US" dirty="0"/>
+          </a:p>
+        </p:txBody>
+      </p:sp>
+      <p:pic>
+        <p:nvPicPr>
+          <p:cNvPr id="8" name="図 7"/>
+          <p:cNvPicPr>
+            <a:picLocks noChangeAspect="1"/>
+          </p:cNvPicPr>
+          <p:nvPr/>
+        </p:nvPicPr>
+        <p:blipFill>
+          <a:blip r:embed="rId2">
+            <a:extLst>
+              <a:ext uri="{28A0092B-C50C-407E-A947-70E740481C1C}">
+                <a14:useLocalDpi xmlns:a14="http://schemas.microsoft.com/office/drawing/2010/main" val="0"/>
+              </a:ext>
+            </a:extLst>
+          </a:blip>
+          <a:stretch>
+            <a:fillRect/>
+          </a:stretch>
+        </p:blipFill>
+        <p:spPr>
+          <a:xfrm>
+            <a:off x="2096180" y="5013176"/>
+            <a:ext cx="2367808" cy="1440160"/>
+          </a:xfrm>
+          <a:prstGeom prst="rect">
+            <a:avLst/>
+          </a:prstGeom>
+        </p:spPr>
+      </p:pic>
+      <p:sp>
+        <p:nvSpPr>
+          <p:cNvPr id="12" name="右矢印 11"/>
+          <p:cNvSpPr/>
+          <p:nvPr/>
+        </p:nvSpPr>
+        <p:spPr>
+          <a:xfrm rot="13822161">
+            <a:off x="2079582" y="4429756"/>
+            <a:ext cx="803352" cy="334662"/>
+          </a:xfrm>
+          <a:prstGeom prst="rightArrow">
+            <a:avLst/>
+          </a:prstGeom>
+          <a:solidFill>
+            <a:srgbClr val="FF7C80"/>
+          </a:solidFill>
+          <a:ln>
+            <a:solidFill>
+              <a:srgbClr val="FF7C80"/>
+            </a:solidFill>
+          </a:ln>
+        </p:spPr>
+        <p:style>
+          <a:lnRef idx="2">
+            <a:schemeClr val="accent1">
+              <a:shade val="50000"/>
+            </a:schemeClr>
+          </a:lnRef>
+          <a:fillRef idx="1">
+            <a:schemeClr val="accent1"/>
+          </a:fillRef>
+          <a:effectRef idx="0">
+            <a:schemeClr val="accent1"/>
+          </a:effectRef>
+          <a:fontRef idx="minor">
+            <a:schemeClr val="lt1"/>
+          </a:fontRef>
+        </p:style>
+        <p:txBody>
+          <a:bodyPr rtlCol="0" anchor="ctr"/>
+          <a:lstStyle/>
+          <a:p>
+            <a:pPr algn="ctr"/>
+            <a:endParaRPr kumimoji="1" lang="ja-JP" altLang="en-US"/>
+          </a:p>
+        </p:txBody>
+      </p:sp>
+      <p:sp>
+        <p:nvSpPr>
+          <p:cNvPr id="13" name="右矢印 12"/>
+          <p:cNvSpPr/>
+          <p:nvPr/>
+        </p:nvSpPr>
+        <p:spPr>
+          <a:xfrm rot="17945966">
+            <a:off x="3481750" y="4413492"/>
+            <a:ext cx="803352" cy="334662"/>
+          </a:xfrm>
+          <a:prstGeom prst="rightArrow">
+            <a:avLst/>
+          </a:prstGeom>
+          <a:solidFill>
+            <a:srgbClr val="FF7C80"/>
+          </a:solidFill>
+          <a:ln>
+            <a:solidFill>
+              <a:srgbClr val="FF7C80"/>
+            </a:solidFill>
+          </a:ln>
+        </p:spPr>
+        <p:style>
+          <a:lnRef idx="2">
+            <a:schemeClr val="accent1">
+              <a:shade val="50000"/>
+            </a:schemeClr>
+          </a:lnRef>
+          <a:fillRef idx="1">
+            <a:schemeClr val="accent1"/>
+          </a:fillRef>
+          <a:effectRef idx="0">
+            <a:schemeClr val="accent1"/>
+          </a:effectRef>
+          <a:fontRef idx="minor">
+            <a:schemeClr val="lt1"/>
+          </a:fontRef>
+        </p:style>
+        <p:txBody>
+          <a:bodyPr rtlCol="0" anchor="ctr"/>
+          <a:lstStyle/>
+          <a:p>
+            <a:pPr algn="ctr"/>
+            <a:endParaRPr kumimoji="1" lang="ja-JP" altLang="en-US"/>
+          </a:p>
+        </p:txBody>
+      </p:sp>
     </p:spTree>
     <p:extLst>
       <p:ext uri="{BB962C8B-B14F-4D97-AF65-F5344CB8AC3E}">
-        <p14:creationId xmlns:p14="http://schemas.microsoft.com/office/powerpoint/2010/main" val="151831692"/>
+        <p14:creationId xmlns:p14="http://schemas.microsoft.com/office/powerpoint/2010/main" val="2967407288"/>
       </p:ext>
     </p:extLst>
   </p:cSld>
@@ -18892,9 +15960,97 @@
           <a:p>
             <a:r>
               <a:rPr kumimoji="1" lang="ja-JP" altLang="en-US" sz="4000" dirty="0" smtClean="0"/>
-              <a:t>現状</a:t>
+              <a:t>目的</a:t>
             </a:r>
             <a:endParaRPr kumimoji="1" lang="ja-JP" altLang="en-US" sz="4000" dirty="0"/>
+          </a:p>
+        </p:txBody>
+      </p:sp>
+      <p:sp>
+        <p:nvSpPr>
+          <p:cNvPr id="3" name="コンテンツ プレースホルダー 2"/>
+          <p:cNvSpPr>
+            <a:spLocks noGrp="1"/>
+          </p:cNvSpPr>
+          <p:nvPr>
+            <p:ph idx="1"/>
+          </p:nvPr>
+        </p:nvSpPr>
+        <p:spPr/>
+        <p:txBody>
+          <a:bodyPr anchor="ctr"/>
+          <a:lstStyle/>
+          <a:p>
+            <a:r>
+              <a:rPr lang="en-US" altLang="ja-JP" sz="2800" dirty="0" smtClean="0"/>
+              <a:t>LMS</a:t>
+            </a:r>
+            <a:r>
+              <a:rPr lang="ja-JP" altLang="en-US" sz="2800" dirty="0"/>
+              <a:t>である</a:t>
+            </a:r>
+            <a:r>
+              <a:rPr lang="en-US" altLang="ja-JP" sz="2800" dirty="0" smtClean="0"/>
+              <a:t>Moodle</a:t>
+            </a:r>
+            <a:r>
+              <a:rPr lang="ja-JP" altLang="en-US" sz="2800" dirty="0" smtClean="0"/>
+              <a:t>と</a:t>
+            </a:r>
+            <a:r>
+              <a:rPr lang="en-US" altLang="ja-JP" sz="2800" dirty="0" smtClean="0"/>
+              <a:t>GitHub</a:t>
+            </a:r>
+            <a:r>
+              <a:rPr lang="ja-JP" altLang="en-US" sz="2800" dirty="0" smtClean="0"/>
+              <a:t>の連携．</a:t>
+            </a:r>
+            <a:endParaRPr lang="en-US" altLang="ja-JP" sz="2800" dirty="0" smtClean="0"/>
+          </a:p>
+          <a:p>
+            <a:pPr marL="457200" lvl="1" indent="0">
+              <a:buNone/>
+            </a:pPr>
+            <a:endParaRPr kumimoji="1" lang="en-US" altLang="ja-JP" sz="2400" dirty="0" smtClean="0"/>
+          </a:p>
+          <a:p>
+            <a:pPr marL="457200" lvl="1" indent="0">
+              <a:buNone/>
+            </a:pPr>
+            <a:endParaRPr kumimoji="1" lang="ja-JP" altLang="en-US" sz="2400" dirty="0" smtClean="0"/>
+          </a:p>
+          <a:p>
+            <a:r>
+              <a:rPr lang="en-US" altLang="ja-JP" sz="2800" dirty="0" smtClean="0"/>
+              <a:t>GitHub</a:t>
+            </a:r>
+            <a:r>
+              <a:rPr lang="ja-JP" altLang="en-US" sz="2800" dirty="0" smtClean="0"/>
+              <a:t>のログを</a:t>
+            </a:r>
+            <a:r>
+              <a:rPr lang="en-US" altLang="ja-JP" sz="2800" dirty="0" smtClean="0"/>
+              <a:t>Moodle</a:t>
+            </a:r>
+            <a:r>
+              <a:rPr lang="ja-JP" altLang="en-US" sz="2800" dirty="0" smtClean="0"/>
+              <a:t>に</a:t>
+            </a:r>
+            <a:r>
+              <a:rPr lang="ja-JP" altLang="en-US" sz="2800" dirty="0" smtClean="0"/>
+              <a:t>表示</a:t>
+            </a:r>
+            <a:r>
+              <a:rPr lang="ja-JP" altLang="en-US" sz="2800" dirty="0"/>
+              <a:t>．</a:t>
+            </a:r>
+            <a:endParaRPr lang="en-US" altLang="ja-JP" sz="2800" dirty="0" smtClean="0"/>
+          </a:p>
+          <a:p>
+            <a:pPr marL="0" indent="0">
+              <a:buNone/>
+            </a:pPr>
+            <a:endParaRPr kumimoji="1" lang="en-US" altLang="ja-JP" sz="2800" dirty="0" smtClean="0"/>
           </a:p>
         </p:txBody>
       </p:sp>
@@ -18922,124 +16078,16 @@
           </a:p>
         </p:txBody>
       </p:sp>
-      <p:pic>
-        <p:nvPicPr>
-          <p:cNvPr id="3" name="図 2"/>
-          <p:cNvPicPr>
-            <a:picLocks noChangeAspect="1"/>
-          </p:cNvPicPr>
-          <p:nvPr/>
-        </p:nvPicPr>
-        <p:blipFill>
-          <a:blip r:embed="rId2">
-            <a:extLst>
-              <a:ext uri="{28A0092B-C50C-407E-A947-70E740481C1C}">
-                <a14:useLocalDpi xmlns:a14="http://schemas.microsoft.com/office/drawing/2010/main" val="0"/>
-              </a:ext>
-            </a:extLst>
-          </a:blip>
-          <a:stretch>
-            <a:fillRect/>
-          </a:stretch>
-        </p:blipFill>
-        <p:spPr>
-          <a:xfrm>
-            <a:off x="323528" y="1556792"/>
-            <a:ext cx="5904656" cy="4844851"/>
-          </a:xfrm>
-          <a:prstGeom prst="rect">
-            <a:avLst/>
-          </a:prstGeom>
-        </p:spPr>
-      </p:pic>
-      <p:sp>
-        <p:nvSpPr>
-          <p:cNvPr id="6" name="左矢印吹き出し 5"/>
-          <p:cNvSpPr/>
-          <p:nvPr/>
-        </p:nvSpPr>
-        <p:spPr>
-          <a:xfrm>
-            <a:off x="5436096" y="3789040"/>
-            <a:ext cx="3471192" cy="2232248"/>
-          </a:xfrm>
-          <a:prstGeom prst="leftArrowCallout">
-            <a:avLst>
-              <a:gd name="adj1" fmla="val 13861"/>
-              <a:gd name="adj2" fmla="val 25000"/>
-              <a:gd name="adj3" fmla="val 25000"/>
-              <a:gd name="adj4" fmla="val 61635"/>
-            </a:avLst>
-          </a:prstGeom>
-        </p:spPr>
-        <p:style>
-          <a:lnRef idx="2">
-            <a:schemeClr val="accent2"/>
-          </a:lnRef>
-          <a:fillRef idx="1">
-            <a:schemeClr val="lt1"/>
-          </a:fillRef>
-          <a:effectRef idx="0">
-            <a:schemeClr val="accent2"/>
-          </a:effectRef>
-          <a:fontRef idx="minor">
-            <a:schemeClr val="dk1"/>
-          </a:fontRef>
-        </p:style>
-        <p:txBody>
-          <a:bodyPr rtlCol="0" anchor="ctr"/>
-          <a:lstStyle/>
-          <a:p>
-            <a:pPr algn="ctr"/>
-            <a:r>
-              <a:rPr lang="en-US" altLang="ja-JP" sz="2000" dirty="0" smtClean="0"/>
-              <a:t>Moodle</a:t>
-            </a:r>
-            <a:r>
-              <a:rPr kumimoji="1" lang="ja-JP" altLang="en-US" sz="2000" dirty="0" smtClean="0"/>
-              <a:t>のログは</a:t>
-            </a:r>
-            <a:endParaRPr kumimoji="1" lang="en-US" altLang="ja-JP" sz="2000" dirty="0" smtClean="0"/>
-          </a:p>
-          <a:p>
-            <a:pPr algn="ctr"/>
-            <a:r>
-              <a:rPr lang="ja-JP" altLang="en-US" sz="2000" dirty="0"/>
-              <a:t>このよう</a:t>
-            </a:r>
-            <a:r>
-              <a:rPr lang="ja-JP" altLang="en-US" sz="2000" dirty="0" smtClean="0"/>
-              <a:t>に</a:t>
-            </a:r>
-            <a:endParaRPr lang="en-US" altLang="ja-JP" sz="2000" dirty="0" smtClean="0"/>
-          </a:p>
-          <a:p>
-            <a:pPr algn="ctr"/>
-            <a:r>
-              <a:rPr lang="ja-JP" altLang="en-US" sz="2000" dirty="0" smtClean="0"/>
-              <a:t>表示される</a:t>
-            </a:r>
-            <a:endParaRPr lang="en-US" altLang="ja-JP" sz="2000" dirty="0" smtClean="0"/>
-          </a:p>
-        </p:txBody>
-      </p:sp>
     </p:spTree>
     <p:extLst>
       <p:ext uri="{BB962C8B-B14F-4D97-AF65-F5344CB8AC3E}">
-        <p14:creationId xmlns:p14="http://schemas.microsoft.com/office/powerpoint/2010/main" val="642538679"/>
+        <p14:creationId xmlns:p14="http://schemas.microsoft.com/office/powerpoint/2010/main" val="151831692"/>
       </p:ext>
     </p:extLst>
   </p:cSld>
   <p:clrMapOvr>
     <a:masterClrMapping/>
   </p:clrMapOvr>
-  <p:timing>
-    <p:tnLst>
-      <p:par>
-        <p:cTn id="1" dur="indefinite" restart="never" nodeType="tmRoot"/>
-      </p:par>
-    </p:tnLst>
-  </p:timing>
 </p:sld>
 </file>
 
@@ -19762,291 +16810,6 @@
 </file>
 
 <file path=ppt/theme/theme2.xml><?xml version="1.0" encoding="utf-8"?>
-<a:theme xmlns:a="http://schemas.openxmlformats.org/drawingml/2006/main" name="デザインの設定">
-  <a:themeElements>
-    <a:clrScheme name="Office">
-      <a:dk1>
-        <a:sysClr val="windowText" lastClr="000000"/>
-      </a:dk1>
-      <a:lt1>
-        <a:sysClr val="window" lastClr="FFFFFF"/>
-      </a:lt1>
-      <a:dk2>
-        <a:srgbClr val="1F497D"/>
-      </a:dk2>
-      <a:lt2>
-        <a:srgbClr val="EEECE1"/>
-      </a:lt2>
-      <a:accent1>
-        <a:srgbClr val="4F81BD"/>
-      </a:accent1>
-      <a:accent2>
-        <a:srgbClr val="C0504D"/>
-      </a:accent2>
-      <a:accent3>
-        <a:srgbClr val="9BBB59"/>
-      </a:accent3>
-      <a:accent4>
-        <a:srgbClr val="8064A2"/>
-      </a:accent4>
-      <a:accent5>
-        <a:srgbClr val="4BACC6"/>
-      </a:accent5>
-      <a:accent6>
-        <a:srgbClr val="F79646"/>
-      </a:accent6>
-      <a:hlink>
-        <a:srgbClr val="0000FF"/>
-      </a:hlink>
-      <a:folHlink>
-        <a:srgbClr val="800080"/>
-      </a:folHlink>
-    </a:clrScheme>
-    <a:fontScheme name="Office">
-      <a:majorFont>
-        <a:latin typeface="Calibri"/>
-        <a:ea typeface=""/>
-        <a:cs typeface=""/>
-        <a:font script="Jpan" typeface="ＭＳ Ｐゴシック"/>
-        <a:font script="Hang" typeface="맑은 고딕"/>
-        <a:font script="Hans" typeface="宋体"/>
-        <a:font script="Hant" typeface="新細明體"/>
-        <a:font script="Arab" typeface="Times New Roman"/>
-        <a:font script="Hebr" typeface="Times New Roman"/>
-        <a:font script="Thai" typeface="Angsana New"/>
-        <a:font script="Ethi" typeface="Nyala"/>
-        <a:font script="Beng" typeface="Vrinda"/>
-        <a:font script="Gujr" typeface="Shruti"/>
-        <a:font script="Khmr" typeface="MoolBoran"/>
-        <a:font script="Knda" typeface="Tunga"/>
-        <a:font script="Guru" typeface="Raavi"/>
-        <a:font script="Cans" typeface="Euphemia"/>
-        <a:font script="Cher" typeface="Plantagenet Cherokee"/>
-        <a:font script="Yiii" typeface="Microsoft Yi Baiti"/>
-        <a:font script="Tibt" typeface="Microsoft Himalaya"/>
-        <a:font script="Thaa" typeface="MV Boli"/>
-        <a:font script="Deva" typeface="Mangal"/>
-        <a:font script="Telu" typeface="Gautami"/>
-        <a:font script="Taml" typeface="Latha"/>
-        <a:font script="Syrc" typeface="Estrangelo Edessa"/>
-        <a:font script="Orya" typeface="Kalinga"/>
-        <a:font script="Mlym" typeface="Kartika"/>
-        <a:font script="Laoo" typeface="DokChampa"/>
-        <a:font script="Sinh" typeface="Iskoola Pota"/>
-        <a:font script="Mong" typeface="Mongolian Baiti"/>
-        <a:font script="Viet" typeface="Times New Roman"/>
-        <a:font script="Uigh" typeface="Microsoft Uighur"/>
-        <a:font script="Geor" typeface="Sylfaen"/>
-      </a:majorFont>
-      <a:minorFont>
-        <a:latin typeface="Calibri"/>
-        <a:ea typeface=""/>
-        <a:cs typeface=""/>
-        <a:font script="Jpan" typeface="ＭＳ Ｐゴシック"/>
-        <a:font script="Hang" typeface="맑은 고딕"/>
-        <a:font script="Hans" typeface="宋体"/>
-        <a:font script="Hant" typeface="新細明體"/>
-        <a:font script="Arab" typeface="Arial"/>
-        <a:font script="Hebr" typeface="Arial"/>
-        <a:font script="Thai" typeface="Cordia New"/>
-        <a:font script="Ethi" typeface="Nyala"/>
-        <a:font script="Beng" typeface="Vrinda"/>
-        <a:font script="Gujr" typeface="Shruti"/>
-        <a:font script="Khmr" typeface="DaunPenh"/>
-        <a:font script="Knda" typeface="Tunga"/>
-        <a:font script="Guru" typeface="Raavi"/>
-        <a:font script="Cans" typeface="Euphemia"/>
-        <a:font script="Cher" typeface="Plantagenet Cherokee"/>
-        <a:font script="Yiii" typeface="Microsoft Yi Baiti"/>
-        <a:font script="Tibt" typeface="Microsoft Himalaya"/>
-        <a:font script="Thaa" typeface="MV Boli"/>
-        <a:font script="Deva" typeface="Mangal"/>
-        <a:font script="Telu" typeface="Gautami"/>
-        <a:font script="Taml" typeface="Latha"/>
-        <a:font script="Syrc" typeface="Estrangelo Edessa"/>
-        <a:font script="Orya" typeface="Kalinga"/>
-        <a:font script="Mlym" typeface="Kartika"/>
-        <a:font script="Laoo" typeface="DokChampa"/>
-        <a:font script="Sinh" typeface="Iskoola Pota"/>
-        <a:font script="Mong" typeface="Mongolian Baiti"/>
-        <a:font script="Viet" typeface="Arial"/>
-        <a:font script="Uigh" typeface="Microsoft Uighur"/>
-        <a:font script="Geor" typeface="Sylfaen"/>
-      </a:minorFont>
-    </a:fontScheme>
-    <a:fmtScheme name="Office">
-      <a:fillStyleLst>
-        <a:solidFill>
-          <a:schemeClr val="phClr"/>
-        </a:solidFill>
-        <a:gradFill rotWithShape="1">
-          <a:gsLst>
-            <a:gs pos="0">
-              <a:schemeClr val="phClr">
-                <a:tint val="50000"/>
-                <a:satMod val="300000"/>
-              </a:schemeClr>
-            </a:gs>
-            <a:gs pos="35000">
-              <a:schemeClr val="phClr">
-                <a:tint val="37000"/>
-                <a:satMod val="300000"/>
-              </a:schemeClr>
-            </a:gs>
-            <a:gs pos="100000">
-              <a:schemeClr val="phClr">
-                <a:tint val="15000"/>
-                <a:satMod val="350000"/>
-              </a:schemeClr>
-            </a:gs>
-          </a:gsLst>
-          <a:lin ang="16200000" scaled="1"/>
-        </a:gradFill>
-        <a:gradFill rotWithShape="1">
-          <a:gsLst>
-            <a:gs pos="0">
-              <a:schemeClr val="phClr">
-                <a:shade val="51000"/>
-                <a:satMod val="130000"/>
-              </a:schemeClr>
-            </a:gs>
-            <a:gs pos="80000">
-              <a:schemeClr val="phClr">
-                <a:shade val="93000"/>
-                <a:satMod val="130000"/>
-              </a:schemeClr>
-            </a:gs>
-            <a:gs pos="100000">
-              <a:schemeClr val="phClr">
-                <a:shade val="94000"/>
-                <a:satMod val="135000"/>
-              </a:schemeClr>
-            </a:gs>
-          </a:gsLst>
-          <a:lin ang="16200000" scaled="0"/>
-        </a:gradFill>
-      </a:fillStyleLst>
-      <a:lnStyleLst>
-        <a:ln w="9525" cap="flat" cmpd="sng" algn="ctr">
-          <a:solidFill>
-            <a:schemeClr val="phClr">
-              <a:shade val="95000"/>
-              <a:satMod val="105000"/>
-            </a:schemeClr>
-          </a:solidFill>
-          <a:prstDash val="solid"/>
-        </a:ln>
-        <a:ln w="25400" cap="flat" cmpd="sng" algn="ctr">
-          <a:solidFill>
-            <a:schemeClr val="phClr"/>
-          </a:solidFill>
-          <a:prstDash val="solid"/>
-        </a:ln>
-        <a:ln w="38100" cap="flat" cmpd="sng" algn="ctr">
-          <a:solidFill>
-            <a:schemeClr val="phClr"/>
-          </a:solidFill>
-          <a:prstDash val="solid"/>
-        </a:ln>
-      </a:lnStyleLst>
-      <a:effectStyleLst>
-        <a:effectStyle>
-          <a:effectLst>
-            <a:outerShdw blurRad="40000" dist="20000" dir="5400000" rotWithShape="0">
-              <a:srgbClr val="000000">
-                <a:alpha val="38000"/>
-              </a:srgbClr>
-            </a:outerShdw>
-          </a:effectLst>
-        </a:effectStyle>
-        <a:effectStyle>
-          <a:effectLst>
-            <a:outerShdw blurRad="40000" dist="23000" dir="5400000" rotWithShape="0">
-              <a:srgbClr val="000000">
-                <a:alpha val="35000"/>
-              </a:srgbClr>
-            </a:outerShdw>
-          </a:effectLst>
-        </a:effectStyle>
-        <a:effectStyle>
-          <a:effectLst>
-            <a:outerShdw blurRad="40000" dist="23000" dir="5400000" rotWithShape="0">
-              <a:srgbClr val="000000">
-                <a:alpha val="35000"/>
-              </a:srgbClr>
-            </a:outerShdw>
-          </a:effectLst>
-          <a:scene3d>
-            <a:camera prst="orthographicFront">
-              <a:rot lat="0" lon="0" rev="0"/>
-            </a:camera>
-            <a:lightRig rig="threePt" dir="t">
-              <a:rot lat="0" lon="0" rev="1200000"/>
-            </a:lightRig>
-          </a:scene3d>
-          <a:sp3d>
-            <a:bevelT w="63500" h="25400"/>
-          </a:sp3d>
-        </a:effectStyle>
-      </a:effectStyleLst>
-      <a:bgFillStyleLst>
-        <a:solidFill>
-          <a:schemeClr val="phClr"/>
-        </a:solidFill>
-        <a:gradFill rotWithShape="1">
-          <a:gsLst>
-            <a:gs pos="0">
-              <a:schemeClr val="phClr">
-                <a:tint val="40000"/>
-                <a:satMod val="350000"/>
-              </a:schemeClr>
-            </a:gs>
-            <a:gs pos="40000">
-              <a:schemeClr val="phClr">
-                <a:tint val="45000"/>
-                <a:shade val="99000"/>
-                <a:satMod val="350000"/>
-              </a:schemeClr>
-            </a:gs>
-            <a:gs pos="100000">
-              <a:schemeClr val="phClr">
-                <a:shade val="20000"/>
-                <a:satMod val="255000"/>
-              </a:schemeClr>
-            </a:gs>
-          </a:gsLst>
-          <a:path path="circle">
-            <a:fillToRect l="50000" t="-80000" r="50000" b="180000"/>
-          </a:path>
-        </a:gradFill>
-        <a:gradFill rotWithShape="1">
-          <a:gsLst>
-            <a:gs pos="0">
-              <a:schemeClr val="phClr">
-                <a:tint val="80000"/>
-                <a:satMod val="300000"/>
-              </a:schemeClr>
-            </a:gs>
-            <a:gs pos="100000">
-              <a:schemeClr val="phClr">
-                <a:shade val="30000"/>
-                <a:satMod val="200000"/>
-              </a:schemeClr>
-            </a:gs>
-          </a:gsLst>
-          <a:path path="circle">
-            <a:fillToRect l="50000" t="50000" r="50000" b="50000"/>
-          </a:path>
-        </a:gradFill>
-      </a:bgFillStyleLst>
-    </a:fmtScheme>
-  </a:themeElements>
-  <a:objectDefaults/>
-  <a:extraClrSchemeLst/>
-</a:theme>
-</file>
-
-<file path=ppt/theme/theme3.xml><?xml version="1.0" encoding="utf-8"?>
 <a:theme xmlns:a="http://schemas.openxmlformats.org/drawingml/2006/main" name="Office ​​テーマ">
   <a:themeElements>
     <a:clrScheme name="Office">

--- a/卒業論文/2012/野口杏子/最終発表.pptx
+++ b/卒業論文/2012/野口杏子/最終発表.pptx
@@ -3580,6 +3580,1362 @@
 </p:notes>
 </file>
 
+<file path=ppt/notesSlides/notesSlide10.xml><?xml version="1.0" encoding="utf-8"?>
+<p:notes xmlns:a="http://schemas.openxmlformats.org/drawingml/2006/main" xmlns:r="http://schemas.openxmlformats.org/officeDocument/2006/relationships" xmlns:p="http://schemas.openxmlformats.org/presentationml/2006/main">
+  <p:cSld>
+    <p:spTree>
+      <p:nvGrpSpPr>
+        <p:cNvPr id="1" name=""/>
+        <p:cNvGrpSpPr/>
+        <p:nvPr/>
+      </p:nvGrpSpPr>
+      <p:grpSpPr>
+        <a:xfrm>
+          <a:off x="0" y="0"/>
+          <a:ext cx="0" cy="0"/>
+          <a:chOff x="0" y="0"/>
+          <a:chExt cx="0" cy="0"/>
+        </a:xfrm>
+      </p:grpSpPr>
+      <p:sp>
+        <p:nvSpPr>
+          <p:cNvPr id="2" name="スライド イメージ プレースホルダー 1"/>
+          <p:cNvSpPr>
+            <a:spLocks noGrp="1" noRot="1" noChangeAspect="1"/>
+          </p:cNvSpPr>
+          <p:nvPr>
+            <p:ph type="sldImg"/>
+          </p:nvPr>
+        </p:nvSpPr>
+        <p:spPr/>
+      </p:sp>
+      <p:sp>
+        <p:nvSpPr>
+          <p:cNvPr id="3" name="ノート プレースホルダー 2"/>
+          <p:cNvSpPr>
+            <a:spLocks noGrp="1"/>
+          </p:cNvSpPr>
+          <p:nvPr>
+            <p:ph type="body" idx="1"/>
+          </p:nvPr>
+        </p:nvSpPr>
+        <p:spPr/>
+        <p:txBody>
+          <a:bodyPr/>
+          <a:lstStyle/>
+          <a:p>
+            <a:r>
+              <a:rPr kumimoji="1" lang="en-US" altLang="ja-JP" dirty="0" err="1" smtClean="0"/>
+              <a:t>GitHub</a:t>
+            </a:r>
+            <a:r>
+              <a:rPr kumimoji="1" lang="ja-JP" altLang="en-US" dirty="0" smtClean="0"/>
+              <a:t>の</a:t>
+            </a:r>
+            <a:r>
+              <a:rPr kumimoji="1" lang="ja-JP" altLang="en-US" dirty="0" smtClean="0"/>
+              <a:t>ログはこのように表示</a:t>
+            </a:r>
+            <a:r>
+              <a:rPr kumimoji="1" lang="ja-JP" altLang="en-US" dirty="0" smtClean="0"/>
+              <a:t>されます．</a:t>
+            </a:r>
+            <a:endParaRPr kumimoji="1" lang="ja-JP" altLang="en-US" dirty="0"/>
+          </a:p>
+        </p:txBody>
+      </p:sp>
+      <p:sp>
+        <p:nvSpPr>
+          <p:cNvPr id="4" name="スライド番号プレースホルダー 3"/>
+          <p:cNvSpPr>
+            <a:spLocks noGrp="1"/>
+          </p:cNvSpPr>
+          <p:nvPr>
+            <p:ph type="sldNum" sz="quarter" idx="10"/>
+          </p:nvPr>
+        </p:nvSpPr>
+        <p:spPr/>
+        <p:txBody>
+          <a:bodyPr/>
+          <a:lstStyle/>
+          <a:p>
+            <a:fld id="{C6AA7893-DDB2-4DB8-8B18-3ACD287193B7}" type="slidenum">
+              <a:rPr kumimoji="1" lang="ja-JP" altLang="en-US" smtClean="0"/>
+              <a:t>11</a:t>
+            </a:fld>
+            <a:endParaRPr kumimoji="1" lang="ja-JP" altLang="en-US"/>
+          </a:p>
+        </p:txBody>
+      </p:sp>
+    </p:spTree>
+    <p:extLst>
+      <p:ext uri="{BB962C8B-B14F-4D97-AF65-F5344CB8AC3E}">
+        <p14:creationId xmlns:p14="http://schemas.microsoft.com/office/powerpoint/2010/main" val="2106637744"/>
+      </p:ext>
+    </p:extLst>
+  </p:cSld>
+  <p:clrMapOvr>
+    <a:masterClrMapping/>
+  </p:clrMapOvr>
+</p:notes>
+</file>
+
+<file path=ppt/notesSlides/notesSlide11.xml><?xml version="1.0" encoding="utf-8"?>
+<p:notes xmlns:a="http://schemas.openxmlformats.org/drawingml/2006/main" xmlns:r="http://schemas.openxmlformats.org/officeDocument/2006/relationships" xmlns:p="http://schemas.openxmlformats.org/presentationml/2006/main">
+  <p:cSld>
+    <p:spTree>
+      <p:nvGrpSpPr>
+        <p:cNvPr id="1" name=""/>
+        <p:cNvGrpSpPr/>
+        <p:nvPr/>
+      </p:nvGrpSpPr>
+      <p:grpSpPr>
+        <a:xfrm>
+          <a:off x="0" y="0"/>
+          <a:ext cx="0" cy="0"/>
+          <a:chOff x="0" y="0"/>
+          <a:chExt cx="0" cy="0"/>
+        </a:xfrm>
+      </p:grpSpPr>
+      <p:sp>
+        <p:nvSpPr>
+          <p:cNvPr id="2" name="スライド イメージ プレースホルダー 1"/>
+          <p:cNvSpPr>
+            <a:spLocks noGrp="1" noRot="1" noChangeAspect="1"/>
+          </p:cNvSpPr>
+          <p:nvPr>
+            <p:ph type="sldImg"/>
+          </p:nvPr>
+        </p:nvSpPr>
+        <p:spPr/>
+      </p:sp>
+      <p:sp>
+        <p:nvSpPr>
+          <p:cNvPr id="3" name="ノート プレースホルダー 2"/>
+          <p:cNvSpPr>
+            <a:spLocks noGrp="1"/>
+          </p:cNvSpPr>
+          <p:nvPr>
+            <p:ph type="body" idx="1"/>
+          </p:nvPr>
+        </p:nvSpPr>
+        <p:spPr/>
+        <p:txBody>
+          <a:bodyPr/>
+          <a:lstStyle/>
+          <a:p>
+            <a:r>
+              <a:rPr kumimoji="1" lang="ja-JP" altLang="en-US" dirty="0" smtClean="0"/>
+              <a:t>別々に表示されているので，一か所で見れるように</a:t>
+            </a:r>
+            <a:endParaRPr kumimoji="1" lang="en-US" altLang="ja-JP" dirty="0" smtClean="0"/>
+          </a:p>
+          <a:p>
+            <a:r>
+              <a:rPr kumimoji="1" lang="en-US" altLang="ja-JP" dirty="0" err="1" smtClean="0"/>
+              <a:t>GitHub</a:t>
+            </a:r>
+            <a:r>
+              <a:rPr kumimoji="1" lang="ja-JP" altLang="en-US" dirty="0" smtClean="0"/>
+              <a:t>から</a:t>
+            </a:r>
+            <a:r>
+              <a:rPr kumimoji="1" lang="en-US" altLang="ja-JP" dirty="0" smtClean="0"/>
+              <a:t>Moodle</a:t>
+            </a:r>
+            <a:r>
+              <a:rPr kumimoji="1" lang="ja-JP" altLang="en-US" dirty="0" smtClean="0"/>
+              <a:t>のログ表示を行います．</a:t>
+            </a:r>
+            <a:endParaRPr kumimoji="1" lang="ja-JP" altLang="en-US" dirty="0"/>
+          </a:p>
+        </p:txBody>
+      </p:sp>
+      <p:sp>
+        <p:nvSpPr>
+          <p:cNvPr id="4" name="スライド番号プレースホルダー 3"/>
+          <p:cNvSpPr>
+            <a:spLocks noGrp="1"/>
+          </p:cNvSpPr>
+          <p:nvPr>
+            <p:ph type="sldNum" sz="quarter" idx="10"/>
+          </p:nvPr>
+        </p:nvSpPr>
+        <p:spPr/>
+        <p:txBody>
+          <a:bodyPr/>
+          <a:lstStyle/>
+          <a:p>
+            <a:fld id="{C6AA7893-DDB2-4DB8-8B18-3ACD287193B7}" type="slidenum">
+              <a:rPr kumimoji="1" lang="ja-JP" altLang="en-US" smtClean="0"/>
+              <a:t>12</a:t>
+            </a:fld>
+            <a:endParaRPr kumimoji="1" lang="ja-JP" altLang="en-US"/>
+          </a:p>
+        </p:txBody>
+      </p:sp>
+    </p:spTree>
+    <p:extLst>
+      <p:ext uri="{BB962C8B-B14F-4D97-AF65-F5344CB8AC3E}">
+        <p14:creationId xmlns:p14="http://schemas.microsoft.com/office/powerpoint/2010/main" val="2177655713"/>
+      </p:ext>
+    </p:extLst>
+  </p:cSld>
+  <p:clrMapOvr>
+    <a:masterClrMapping/>
+  </p:clrMapOvr>
+</p:notes>
+</file>
+
+<file path=ppt/notesSlides/notesSlide12.xml><?xml version="1.0" encoding="utf-8"?>
+<p:notes xmlns:a="http://schemas.openxmlformats.org/drawingml/2006/main" xmlns:r="http://schemas.openxmlformats.org/officeDocument/2006/relationships" xmlns:p="http://schemas.openxmlformats.org/presentationml/2006/main">
+  <p:cSld>
+    <p:spTree>
+      <p:nvGrpSpPr>
+        <p:cNvPr id="1" name=""/>
+        <p:cNvGrpSpPr/>
+        <p:nvPr/>
+      </p:nvGrpSpPr>
+      <p:grpSpPr>
+        <a:xfrm>
+          <a:off x="0" y="0"/>
+          <a:ext cx="0" cy="0"/>
+          <a:chOff x="0" y="0"/>
+          <a:chExt cx="0" cy="0"/>
+        </a:xfrm>
+      </p:grpSpPr>
+      <p:sp>
+        <p:nvSpPr>
+          <p:cNvPr id="2" name="スライド イメージ プレースホルダー 1"/>
+          <p:cNvSpPr>
+            <a:spLocks noGrp="1" noRot="1" noChangeAspect="1"/>
+          </p:cNvSpPr>
+          <p:nvPr>
+            <p:ph type="sldImg"/>
+          </p:nvPr>
+        </p:nvSpPr>
+        <p:spPr/>
+      </p:sp>
+      <p:sp>
+        <p:nvSpPr>
+          <p:cNvPr id="3" name="ノート プレースホルダー 2"/>
+          <p:cNvSpPr>
+            <a:spLocks noGrp="1"/>
+          </p:cNvSpPr>
+          <p:nvPr>
+            <p:ph type="body" idx="1"/>
+          </p:nvPr>
+        </p:nvSpPr>
+        <p:spPr/>
+        <p:txBody>
+          <a:bodyPr/>
+          <a:lstStyle/>
+          <a:p>
+            <a:r>
+              <a:rPr kumimoji="1" lang="ja-JP" altLang="ja-JP" sz="1200" kern="1200" dirty="0" smtClean="0">
+                <a:solidFill>
+                  <a:schemeClr val="tx1"/>
+                </a:solidFill>
+                <a:effectLst/>
+                <a:latin typeface="+mn-lt"/>
+                <a:ea typeface="+mn-ea"/>
+                <a:cs typeface="+mn-cs"/>
+              </a:rPr>
+              <a:t>方法は</a:t>
+            </a:r>
+            <a:r>
+              <a:rPr kumimoji="1" lang="ja-JP" altLang="en-US" sz="1200" kern="1200" dirty="0" smtClean="0">
+                <a:solidFill>
+                  <a:schemeClr val="tx1"/>
+                </a:solidFill>
+                <a:effectLst/>
+                <a:latin typeface="+mn-lt"/>
+                <a:ea typeface="+mn-ea"/>
+                <a:cs typeface="+mn-cs"/>
+              </a:rPr>
+              <a:t>まず</a:t>
+            </a:r>
+            <a:r>
+              <a:rPr kumimoji="1" lang="en-US" altLang="ja-JP" sz="1200" kern="1200" dirty="0" smtClean="0">
+                <a:solidFill>
+                  <a:schemeClr val="tx1"/>
+                </a:solidFill>
+                <a:effectLst/>
+                <a:latin typeface="+mn-lt"/>
+                <a:ea typeface="+mn-ea"/>
+                <a:cs typeface="+mn-cs"/>
+              </a:rPr>
+              <a:t>Moodle</a:t>
+            </a:r>
+            <a:r>
+              <a:rPr kumimoji="1" lang="ja-JP" altLang="en-US" sz="1200" kern="1200" dirty="0" smtClean="0">
+                <a:solidFill>
+                  <a:schemeClr val="tx1"/>
+                </a:solidFill>
+                <a:effectLst/>
+                <a:latin typeface="+mn-lt"/>
+                <a:ea typeface="+mn-ea"/>
+                <a:cs typeface="+mn-cs"/>
+              </a:rPr>
+              <a:t>に</a:t>
+            </a:r>
+            <a:r>
+              <a:rPr kumimoji="1" lang="en-US" altLang="ja-JP" sz="1200" kern="1200" dirty="0" err="1" smtClean="0">
+                <a:solidFill>
+                  <a:schemeClr val="tx1"/>
+                </a:solidFill>
+                <a:effectLst/>
+                <a:latin typeface="+mn-lt"/>
+                <a:ea typeface="+mn-ea"/>
+                <a:cs typeface="+mn-cs"/>
+              </a:rPr>
+              <a:t>GitHub</a:t>
+            </a:r>
+            <a:r>
+              <a:rPr kumimoji="1" lang="ja-JP" altLang="en-US" sz="1200" kern="1200" dirty="0" smtClean="0">
+                <a:solidFill>
+                  <a:schemeClr val="tx1"/>
+                </a:solidFill>
+                <a:effectLst/>
+                <a:latin typeface="+mn-lt"/>
+                <a:ea typeface="+mn-ea"/>
+                <a:cs typeface="+mn-cs"/>
+              </a:rPr>
+              <a:t>のアカウントを登録します．</a:t>
+            </a:r>
+            <a:r>
+              <a:rPr kumimoji="1" lang="ja-JP" altLang="ja-JP" sz="1200" kern="1200" dirty="0" smtClean="0">
+                <a:solidFill>
+                  <a:schemeClr val="tx1"/>
+                </a:solidFill>
+                <a:effectLst/>
+                <a:latin typeface="+mn-lt"/>
+                <a:ea typeface="+mn-ea"/>
+                <a:cs typeface="+mn-cs"/>
+              </a:rPr>
+              <a:t>次にデータを取得するために</a:t>
+            </a:r>
+            <a:r>
+              <a:rPr kumimoji="1" lang="en-US" altLang="ja-JP" sz="1200" kern="1200" dirty="0" smtClean="0">
+                <a:solidFill>
+                  <a:schemeClr val="tx1"/>
+                </a:solidFill>
+                <a:effectLst/>
+                <a:latin typeface="+mn-lt"/>
+                <a:ea typeface="+mn-ea"/>
+                <a:cs typeface="+mn-cs"/>
+              </a:rPr>
+              <a:t>API</a:t>
+            </a:r>
+            <a:r>
+              <a:rPr kumimoji="1" lang="ja-JP" altLang="ja-JP" sz="1200" kern="1200" dirty="0" smtClean="0">
+                <a:solidFill>
+                  <a:schemeClr val="tx1"/>
+                </a:solidFill>
+                <a:effectLst/>
+                <a:latin typeface="+mn-lt"/>
+                <a:ea typeface="+mn-ea"/>
+                <a:cs typeface="+mn-cs"/>
+              </a:rPr>
+              <a:t>を利用し，最後に</a:t>
+            </a:r>
+            <a:r>
+              <a:rPr kumimoji="1" lang="en-US" altLang="ja-JP" sz="1200" kern="1200" dirty="0" smtClean="0">
+                <a:solidFill>
+                  <a:schemeClr val="tx1"/>
+                </a:solidFill>
+                <a:effectLst/>
+                <a:latin typeface="+mn-lt"/>
+                <a:ea typeface="+mn-ea"/>
+                <a:cs typeface="+mn-cs"/>
+              </a:rPr>
+              <a:t>LMS</a:t>
+            </a:r>
+            <a:r>
+              <a:rPr kumimoji="1" lang="ja-JP" altLang="ja-JP" sz="1200" kern="1200" dirty="0" smtClean="0">
+                <a:solidFill>
+                  <a:schemeClr val="tx1"/>
+                </a:solidFill>
+                <a:effectLst/>
+                <a:latin typeface="+mn-lt"/>
+                <a:ea typeface="+mn-ea"/>
+                <a:cs typeface="+mn-cs"/>
+              </a:rPr>
+              <a:t>に表示を行う．３つの手順で行います．</a:t>
+            </a:r>
+            <a:endParaRPr kumimoji="1" lang="ja-JP" altLang="ja-JP" sz="1200" kern="1200" dirty="0">
+              <a:solidFill>
+                <a:schemeClr val="tx1"/>
+              </a:solidFill>
+              <a:effectLst/>
+              <a:latin typeface="+mn-lt"/>
+              <a:ea typeface="+mn-ea"/>
+              <a:cs typeface="+mn-cs"/>
+            </a:endParaRPr>
+          </a:p>
+        </p:txBody>
+      </p:sp>
+      <p:sp>
+        <p:nvSpPr>
+          <p:cNvPr id="4" name="スライド番号プレースホルダー 3"/>
+          <p:cNvSpPr>
+            <a:spLocks noGrp="1"/>
+          </p:cNvSpPr>
+          <p:nvPr>
+            <p:ph type="sldNum" sz="quarter" idx="10"/>
+          </p:nvPr>
+        </p:nvSpPr>
+        <p:spPr/>
+        <p:txBody>
+          <a:bodyPr/>
+          <a:lstStyle/>
+          <a:p>
+            <a:fld id="{C6AA7893-DDB2-4DB8-8B18-3ACD287193B7}" type="slidenum">
+              <a:rPr kumimoji="1" lang="ja-JP" altLang="en-US" smtClean="0"/>
+              <a:t>13</a:t>
+            </a:fld>
+            <a:endParaRPr kumimoji="1" lang="ja-JP" altLang="en-US"/>
+          </a:p>
+        </p:txBody>
+      </p:sp>
+    </p:spTree>
+    <p:extLst>
+      <p:ext uri="{BB962C8B-B14F-4D97-AF65-F5344CB8AC3E}">
+        <p14:creationId xmlns:p14="http://schemas.microsoft.com/office/powerpoint/2010/main" val="2801530815"/>
+      </p:ext>
+    </p:extLst>
+  </p:cSld>
+  <p:clrMapOvr>
+    <a:masterClrMapping/>
+  </p:clrMapOvr>
+</p:notes>
+</file>
+
+<file path=ppt/notesSlides/notesSlide13.xml><?xml version="1.0" encoding="utf-8"?>
+<p:notes xmlns:a="http://schemas.openxmlformats.org/drawingml/2006/main" xmlns:r="http://schemas.openxmlformats.org/officeDocument/2006/relationships" xmlns:p="http://schemas.openxmlformats.org/presentationml/2006/main">
+  <p:cSld>
+    <p:spTree>
+      <p:nvGrpSpPr>
+        <p:cNvPr id="1" name=""/>
+        <p:cNvGrpSpPr/>
+        <p:nvPr/>
+      </p:nvGrpSpPr>
+      <p:grpSpPr>
+        <a:xfrm>
+          <a:off x="0" y="0"/>
+          <a:ext cx="0" cy="0"/>
+          <a:chOff x="0" y="0"/>
+          <a:chExt cx="0" cy="0"/>
+        </a:xfrm>
+      </p:grpSpPr>
+      <p:sp>
+        <p:nvSpPr>
+          <p:cNvPr id="2" name="スライド イメージ プレースホルダー 1"/>
+          <p:cNvSpPr>
+            <a:spLocks noGrp="1" noRot="1" noChangeAspect="1"/>
+          </p:cNvSpPr>
+          <p:nvPr>
+            <p:ph type="sldImg"/>
+          </p:nvPr>
+        </p:nvSpPr>
+        <p:spPr/>
+      </p:sp>
+      <p:sp>
+        <p:nvSpPr>
+          <p:cNvPr id="3" name="ノート プレースホルダー 2"/>
+          <p:cNvSpPr>
+            <a:spLocks noGrp="1"/>
+          </p:cNvSpPr>
+          <p:nvPr>
+            <p:ph type="body" idx="1"/>
+          </p:nvPr>
+        </p:nvSpPr>
+        <p:spPr/>
+        <p:txBody>
+          <a:bodyPr/>
+          <a:lstStyle/>
+          <a:p>
+            <a:r>
+              <a:rPr kumimoji="1" lang="ja-JP" altLang="en-US" dirty="0" smtClean="0"/>
+              <a:t>まず，アカウントの登録です． </a:t>
+            </a:r>
+            <a:endParaRPr kumimoji="1" lang="en-US" altLang="ja-JP" dirty="0" smtClean="0"/>
+          </a:p>
+          <a:p>
+            <a:r>
+              <a:rPr kumimoji="1" lang="en-US" altLang="ja-JP" dirty="0" err="1" smtClean="0"/>
+              <a:t>Github</a:t>
+            </a:r>
+            <a:r>
+              <a:rPr kumimoji="1" lang="ja-JP" altLang="en-US" dirty="0" smtClean="0"/>
+              <a:t>ではアカウントが自由に作れるため，</a:t>
+            </a:r>
+            <a:r>
+              <a:rPr kumimoji="1" lang="en-US" altLang="ja-JP" dirty="0" smtClean="0"/>
+              <a:t>Moodle</a:t>
+            </a:r>
+            <a:r>
+              <a:rPr kumimoji="1" lang="ja-JP" altLang="en-US" dirty="0" smtClean="0"/>
+              <a:t>とアカウント名が異なります．そのための</a:t>
+            </a:r>
+            <a:r>
+              <a:rPr kumimoji="1" lang="en-US" altLang="ja-JP" dirty="0" smtClean="0"/>
+              <a:t>Moodle</a:t>
+            </a:r>
+            <a:r>
+              <a:rPr kumimoji="1" lang="ja-JP" altLang="en-US" dirty="0" smtClean="0"/>
+              <a:t>と</a:t>
+            </a:r>
+            <a:r>
+              <a:rPr kumimoji="1" lang="en-US" altLang="ja-JP" dirty="0" err="1" smtClean="0"/>
+              <a:t>GitHub</a:t>
+            </a:r>
+            <a:r>
+              <a:rPr kumimoji="1" lang="ja-JP" altLang="en-US" dirty="0" smtClean="0"/>
+              <a:t>の紐付けが必要です．</a:t>
+            </a:r>
+            <a:endParaRPr kumimoji="1" lang="en-US" altLang="ja-JP" dirty="0" smtClean="0"/>
+          </a:p>
+          <a:p>
+            <a:r>
+              <a:rPr kumimoji="1" lang="en-US" altLang="ja-JP" dirty="0" smtClean="0"/>
+              <a:t>Moodle</a:t>
+            </a:r>
+            <a:r>
+              <a:rPr kumimoji="1" lang="ja-JP" altLang="en-US" dirty="0" smtClean="0"/>
+              <a:t>のプロフィールには多く項目がありますが，今回はその中で任意レベルにある</a:t>
+            </a:r>
+            <a:r>
+              <a:rPr kumimoji="1" lang="en-US" altLang="ja-JP" dirty="0" smtClean="0"/>
+              <a:t>ID</a:t>
+            </a:r>
+            <a:r>
+              <a:rPr kumimoji="1" lang="ja-JP" altLang="en-US" dirty="0" smtClean="0"/>
+              <a:t>ナンバーの項目を利用します．</a:t>
+            </a:r>
+            <a:endParaRPr kumimoji="1" lang="en-US" altLang="ja-JP" dirty="0" smtClean="0"/>
+          </a:p>
+          <a:p>
+            <a:r>
+              <a:rPr kumimoji="1" lang="en-US" altLang="ja-JP" dirty="0" smtClean="0"/>
+              <a:t>ID</a:t>
+            </a:r>
+            <a:r>
+              <a:rPr kumimoji="1" lang="ja-JP" altLang="en-US" dirty="0" smtClean="0"/>
+              <a:t>ナンバーに</a:t>
+            </a:r>
+            <a:r>
+              <a:rPr kumimoji="1" lang="en-US" altLang="ja-JP" dirty="0" err="1" smtClean="0"/>
+              <a:t>GitHub</a:t>
+            </a:r>
+            <a:r>
+              <a:rPr kumimoji="1" lang="ja-JP" altLang="en-US" dirty="0" smtClean="0"/>
+              <a:t>のアカウントを入力してもらうことにより，</a:t>
+            </a:r>
+            <a:r>
+              <a:rPr kumimoji="1" lang="en-US" altLang="ja-JP" dirty="0" smtClean="0"/>
+              <a:t>LMS</a:t>
+            </a:r>
+            <a:r>
+              <a:rPr kumimoji="1" lang="ja-JP" altLang="en-US" dirty="0" smtClean="0"/>
+              <a:t>と</a:t>
+            </a:r>
+            <a:r>
+              <a:rPr kumimoji="1" lang="en-US" altLang="ja-JP" dirty="0" err="1" smtClean="0"/>
+              <a:t>GitHub</a:t>
+            </a:r>
+            <a:r>
+              <a:rPr kumimoji="1" lang="ja-JP" altLang="en-US" dirty="0" smtClean="0"/>
+              <a:t>のアカウントの紐付けを行います．</a:t>
+            </a:r>
+            <a:endParaRPr kumimoji="1" lang="ja-JP" altLang="en-US" dirty="0"/>
+          </a:p>
+        </p:txBody>
+      </p:sp>
+      <p:sp>
+        <p:nvSpPr>
+          <p:cNvPr id="4" name="スライド番号プレースホルダー 3"/>
+          <p:cNvSpPr>
+            <a:spLocks noGrp="1"/>
+          </p:cNvSpPr>
+          <p:nvPr>
+            <p:ph type="sldNum" sz="quarter" idx="10"/>
+          </p:nvPr>
+        </p:nvSpPr>
+        <p:spPr/>
+        <p:txBody>
+          <a:bodyPr/>
+          <a:lstStyle/>
+          <a:p>
+            <a:fld id="{C6AA7893-DDB2-4DB8-8B18-3ACD287193B7}" type="slidenum">
+              <a:rPr kumimoji="1" lang="ja-JP" altLang="en-US" smtClean="0"/>
+              <a:t>14</a:t>
+            </a:fld>
+            <a:endParaRPr kumimoji="1" lang="ja-JP" altLang="en-US"/>
+          </a:p>
+        </p:txBody>
+      </p:sp>
+    </p:spTree>
+    <p:extLst>
+      <p:ext uri="{BB962C8B-B14F-4D97-AF65-F5344CB8AC3E}">
+        <p14:creationId xmlns:p14="http://schemas.microsoft.com/office/powerpoint/2010/main" val="564486174"/>
+      </p:ext>
+    </p:extLst>
+  </p:cSld>
+  <p:clrMapOvr>
+    <a:masterClrMapping/>
+  </p:clrMapOvr>
+</p:notes>
+</file>
+
+<file path=ppt/notesSlides/notesSlide14.xml><?xml version="1.0" encoding="utf-8"?>
+<p:notes xmlns:a="http://schemas.openxmlformats.org/drawingml/2006/main" xmlns:r="http://schemas.openxmlformats.org/officeDocument/2006/relationships" xmlns:p="http://schemas.openxmlformats.org/presentationml/2006/main">
+  <p:cSld>
+    <p:spTree>
+      <p:nvGrpSpPr>
+        <p:cNvPr id="1" name=""/>
+        <p:cNvGrpSpPr/>
+        <p:nvPr/>
+      </p:nvGrpSpPr>
+      <p:grpSpPr>
+        <a:xfrm>
+          <a:off x="0" y="0"/>
+          <a:ext cx="0" cy="0"/>
+          <a:chOff x="0" y="0"/>
+          <a:chExt cx="0" cy="0"/>
+        </a:xfrm>
+      </p:grpSpPr>
+      <p:sp>
+        <p:nvSpPr>
+          <p:cNvPr id="2" name="スライド イメージ プレースホルダー 1"/>
+          <p:cNvSpPr>
+            <a:spLocks noGrp="1" noRot="1" noChangeAspect="1"/>
+          </p:cNvSpPr>
+          <p:nvPr>
+            <p:ph type="sldImg"/>
+          </p:nvPr>
+        </p:nvSpPr>
+        <p:spPr/>
+      </p:sp>
+      <p:sp>
+        <p:nvSpPr>
+          <p:cNvPr id="3" name="ノート プレースホルダー 2"/>
+          <p:cNvSpPr>
+            <a:spLocks noGrp="1"/>
+          </p:cNvSpPr>
+          <p:nvPr>
+            <p:ph type="body" idx="1"/>
+          </p:nvPr>
+        </p:nvSpPr>
+        <p:spPr/>
+        <p:txBody>
+          <a:bodyPr/>
+          <a:lstStyle/>
+          <a:p>
+            <a:r>
+              <a:rPr kumimoji="1" lang="ja-JP" altLang="en-US" dirty="0" smtClean="0"/>
+              <a:t>次に</a:t>
+            </a:r>
+            <a:r>
+              <a:rPr kumimoji="1" lang="en-US" altLang="ja-JP" dirty="0" smtClean="0"/>
+              <a:t>API</a:t>
+            </a:r>
+            <a:r>
+              <a:rPr kumimoji="1" lang="ja-JP" altLang="en-US" dirty="0" smtClean="0"/>
+              <a:t>の利用です．</a:t>
+            </a:r>
+            <a:endParaRPr kumimoji="1" lang="en-US" altLang="ja-JP" dirty="0" smtClean="0"/>
+          </a:p>
+          <a:p>
+            <a:r>
+              <a:rPr kumimoji="1" lang="en-US" altLang="ja-JP" dirty="0" smtClean="0"/>
+              <a:t>API</a:t>
+            </a:r>
+            <a:r>
+              <a:rPr kumimoji="1" lang="ja-JP" altLang="en-US" dirty="0" smtClean="0"/>
+              <a:t>はプログラムから</a:t>
+            </a:r>
+            <a:r>
+              <a:rPr kumimoji="1" lang="en-US" altLang="ja-JP" dirty="0" err="1" smtClean="0"/>
+              <a:t>Github</a:t>
+            </a:r>
+            <a:r>
+              <a:rPr kumimoji="1" lang="ja-JP" altLang="en-US" dirty="0" smtClean="0"/>
+              <a:t>にアクセスする際に必要で，たくさんの種類があります．</a:t>
+            </a:r>
+            <a:endParaRPr kumimoji="1" lang="en-US" altLang="ja-JP" dirty="0" smtClean="0"/>
+          </a:p>
+          <a:p>
+            <a:r>
+              <a:rPr kumimoji="1" lang="ja-JP" altLang="en-US" dirty="0" smtClean="0"/>
+              <a:t>今回は，ログ取得が目的であるため，表の一番上にある</a:t>
+            </a:r>
+            <a:r>
+              <a:rPr kumimoji="1" lang="en-US" altLang="ja-JP" dirty="0" smtClean="0"/>
+              <a:t>events</a:t>
+            </a:r>
+            <a:r>
+              <a:rPr kumimoji="1" lang="ja-JP" altLang="en-US" dirty="0" smtClean="0"/>
+              <a:t>の</a:t>
+            </a:r>
+            <a:r>
+              <a:rPr kumimoji="1" lang="en-US" altLang="ja-JP" dirty="0" smtClean="0"/>
+              <a:t>API</a:t>
+            </a:r>
+            <a:r>
+              <a:rPr kumimoji="1" lang="ja-JP" altLang="en-US" dirty="0" smtClean="0"/>
+              <a:t>を利用し，ユーザが実行したすべてのイベントを取得します． </a:t>
+            </a:r>
+            <a:endParaRPr kumimoji="1" lang="ja-JP" altLang="en-US" dirty="0"/>
+          </a:p>
+        </p:txBody>
+      </p:sp>
+      <p:sp>
+        <p:nvSpPr>
+          <p:cNvPr id="4" name="スライド番号プレースホルダー 3"/>
+          <p:cNvSpPr>
+            <a:spLocks noGrp="1"/>
+          </p:cNvSpPr>
+          <p:nvPr>
+            <p:ph type="sldNum" sz="quarter" idx="10"/>
+          </p:nvPr>
+        </p:nvSpPr>
+        <p:spPr/>
+        <p:txBody>
+          <a:bodyPr/>
+          <a:lstStyle/>
+          <a:p>
+            <a:fld id="{C6AA7893-DDB2-4DB8-8B18-3ACD287193B7}" type="slidenum">
+              <a:rPr kumimoji="1" lang="ja-JP" altLang="en-US" smtClean="0"/>
+              <a:t>15</a:t>
+            </a:fld>
+            <a:endParaRPr kumimoji="1" lang="ja-JP" altLang="en-US"/>
+          </a:p>
+        </p:txBody>
+      </p:sp>
+    </p:spTree>
+    <p:extLst>
+      <p:ext uri="{BB962C8B-B14F-4D97-AF65-F5344CB8AC3E}">
+        <p14:creationId xmlns:p14="http://schemas.microsoft.com/office/powerpoint/2010/main" val="2252238532"/>
+      </p:ext>
+    </p:extLst>
+  </p:cSld>
+  <p:clrMapOvr>
+    <a:masterClrMapping/>
+  </p:clrMapOvr>
+</p:notes>
+</file>
+
+<file path=ppt/notesSlides/notesSlide15.xml><?xml version="1.0" encoding="utf-8"?>
+<p:notes xmlns:a="http://schemas.openxmlformats.org/drawingml/2006/main" xmlns:r="http://schemas.openxmlformats.org/officeDocument/2006/relationships" xmlns:p="http://schemas.openxmlformats.org/presentationml/2006/main">
+  <p:cSld>
+    <p:spTree>
+      <p:nvGrpSpPr>
+        <p:cNvPr id="1" name=""/>
+        <p:cNvGrpSpPr/>
+        <p:nvPr/>
+      </p:nvGrpSpPr>
+      <p:grpSpPr>
+        <a:xfrm>
+          <a:off x="0" y="0"/>
+          <a:ext cx="0" cy="0"/>
+          <a:chOff x="0" y="0"/>
+          <a:chExt cx="0" cy="0"/>
+        </a:xfrm>
+      </p:grpSpPr>
+      <p:sp>
+        <p:nvSpPr>
+          <p:cNvPr id="2" name="スライド イメージ プレースホルダー 1"/>
+          <p:cNvSpPr>
+            <a:spLocks noGrp="1" noRot="1" noChangeAspect="1"/>
+          </p:cNvSpPr>
+          <p:nvPr>
+            <p:ph type="sldImg"/>
+          </p:nvPr>
+        </p:nvSpPr>
+        <p:spPr/>
+      </p:sp>
+      <p:sp>
+        <p:nvSpPr>
+          <p:cNvPr id="3" name="ノート プレースホルダー 2"/>
+          <p:cNvSpPr>
+            <a:spLocks noGrp="1"/>
+          </p:cNvSpPr>
+          <p:nvPr>
+            <p:ph type="body" idx="1"/>
+          </p:nvPr>
+        </p:nvSpPr>
+        <p:spPr/>
+        <p:txBody>
+          <a:bodyPr/>
+          <a:lstStyle/>
+          <a:p>
+            <a:r>
+              <a:rPr kumimoji="1" lang="ja-JP" altLang="en-US" dirty="0" smtClean="0"/>
+              <a:t>最後に表示です．</a:t>
+            </a:r>
+            <a:endParaRPr kumimoji="1" lang="en-US" altLang="ja-JP" dirty="0" smtClean="0"/>
+          </a:p>
+          <a:p>
+            <a:r>
+              <a:rPr kumimoji="1" lang="ja-JP" altLang="en-US" dirty="0" smtClean="0"/>
+              <a:t>現在の</a:t>
+            </a:r>
+            <a:r>
+              <a:rPr kumimoji="1" lang="en-US" altLang="ja-JP" dirty="0" smtClean="0"/>
+              <a:t>Moodle</a:t>
+            </a:r>
+            <a:r>
+              <a:rPr kumimoji="1" lang="ja-JP" altLang="en-US" dirty="0" smtClean="0"/>
+              <a:t>の学習者の行動が表示されている画面の上部に</a:t>
+            </a:r>
+            <a:r>
+              <a:rPr kumimoji="1" lang="en-US" altLang="ja-JP" dirty="0" err="1" smtClean="0"/>
+              <a:t>GitHub</a:t>
+            </a:r>
+            <a:r>
+              <a:rPr kumimoji="1" lang="ja-JP" altLang="en-US" dirty="0" err="1" smtClean="0"/>
+              <a:t>での</a:t>
+            </a:r>
+            <a:r>
+              <a:rPr kumimoji="1" lang="ja-JP" altLang="en-US" dirty="0" smtClean="0"/>
+              <a:t>学習者の行動を表示します．</a:t>
+            </a:r>
+            <a:endParaRPr kumimoji="1" lang="en-US" altLang="ja-JP" dirty="0" smtClean="0"/>
+          </a:p>
+          <a:p>
+            <a:r>
+              <a:rPr kumimoji="1" lang="ja-JP" altLang="en-US" dirty="0" smtClean="0"/>
+              <a:t>そうすることで，一か所で学習者の行動が確認できるように行います．</a:t>
+            </a:r>
+            <a:endParaRPr kumimoji="1" lang="en-US" altLang="ja-JP" dirty="0" smtClean="0"/>
+          </a:p>
+          <a:p>
+            <a:r>
+              <a:rPr kumimoji="1" lang="ja-JP" altLang="ja-JP" sz="1200" kern="1200" dirty="0" smtClean="0">
+                <a:solidFill>
+                  <a:schemeClr val="tx1"/>
+                </a:solidFill>
+                <a:effectLst/>
+                <a:latin typeface="+mn-lt"/>
+                <a:ea typeface="+mn-ea"/>
+                <a:cs typeface="+mn-cs"/>
+              </a:rPr>
+              <a:t>３つの手順を実行した結果</a:t>
+            </a:r>
+            <a:r>
+              <a:rPr kumimoji="1" lang="ja-JP" altLang="en-US" sz="1200" kern="1200" dirty="0" err="1" smtClean="0">
+                <a:solidFill>
+                  <a:schemeClr val="tx1"/>
+                </a:solidFill>
+                <a:effectLst/>
+                <a:latin typeface="+mn-lt"/>
+                <a:ea typeface="+mn-ea"/>
+                <a:cs typeface="+mn-cs"/>
+              </a:rPr>
+              <a:t>．．．．</a:t>
+            </a:r>
+            <a:endParaRPr kumimoji="1" lang="ja-JP" altLang="en-US" dirty="0"/>
+          </a:p>
+        </p:txBody>
+      </p:sp>
+      <p:sp>
+        <p:nvSpPr>
+          <p:cNvPr id="4" name="スライド番号プレースホルダー 3"/>
+          <p:cNvSpPr>
+            <a:spLocks noGrp="1"/>
+          </p:cNvSpPr>
+          <p:nvPr>
+            <p:ph type="sldNum" sz="quarter" idx="10"/>
+          </p:nvPr>
+        </p:nvSpPr>
+        <p:spPr/>
+        <p:txBody>
+          <a:bodyPr/>
+          <a:lstStyle/>
+          <a:p>
+            <a:fld id="{C6AA7893-DDB2-4DB8-8B18-3ACD287193B7}" type="slidenum">
+              <a:rPr kumimoji="1" lang="ja-JP" altLang="en-US" smtClean="0"/>
+              <a:t>16</a:t>
+            </a:fld>
+            <a:endParaRPr kumimoji="1" lang="ja-JP" altLang="en-US"/>
+          </a:p>
+        </p:txBody>
+      </p:sp>
+    </p:spTree>
+    <p:extLst>
+      <p:ext uri="{BB962C8B-B14F-4D97-AF65-F5344CB8AC3E}">
+        <p14:creationId xmlns:p14="http://schemas.microsoft.com/office/powerpoint/2010/main" val="2209929599"/>
+      </p:ext>
+    </p:extLst>
+  </p:cSld>
+  <p:clrMapOvr>
+    <a:masterClrMapping/>
+  </p:clrMapOvr>
+</p:notes>
+</file>
+
+<file path=ppt/notesSlides/notesSlide16.xml><?xml version="1.0" encoding="utf-8"?>
+<p:notes xmlns:a="http://schemas.openxmlformats.org/drawingml/2006/main" xmlns:r="http://schemas.openxmlformats.org/officeDocument/2006/relationships" xmlns:p="http://schemas.openxmlformats.org/presentationml/2006/main">
+  <p:cSld>
+    <p:spTree>
+      <p:nvGrpSpPr>
+        <p:cNvPr id="1" name=""/>
+        <p:cNvGrpSpPr/>
+        <p:nvPr/>
+      </p:nvGrpSpPr>
+      <p:grpSpPr>
+        <a:xfrm>
+          <a:off x="0" y="0"/>
+          <a:ext cx="0" cy="0"/>
+          <a:chOff x="0" y="0"/>
+          <a:chExt cx="0" cy="0"/>
+        </a:xfrm>
+      </p:grpSpPr>
+      <p:sp>
+        <p:nvSpPr>
+          <p:cNvPr id="2" name="スライド イメージ プレースホルダー 1"/>
+          <p:cNvSpPr>
+            <a:spLocks noGrp="1" noRot="1" noChangeAspect="1"/>
+          </p:cNvSpPr>
+          <p:nvPr>
+            <p:ph type="sldImg"/>
+          </p:nvPr>
+        </p:nvSpPr>
+        <p:spPr/>
+      </p:sp>
+      <p:sp>
+        <p:nvSpPr>
+          <p:cNvPr id="3" name="ノート プレースホルダー 2"/>
+          <p:cNvSpPr>
+            <a:spLocks noGrp="1"/>
+          </p:cNvSpPr>
+          <p:nvPr>
+            <p:ph type="body" idx="1"/>
+          </p:nvPr>
+        </p:nvSpPr>
+        <p:spPr/>
+        <p:txBody>
+          <a:bodyPr/>
+          <a:lstStyle/>
+          <a:p>
+            <a:r>
+              <a:rPr kumimoji="1" lang="ja-JP" altLang="en-US" dirty="0" smtClean="0"/>
+              <a:t>このように表示することができました．</a:t>
+            </a:r>
+          </a:p>
+          <a:p>
+            <a:r>
+              <a:rPr kumimoji="1" lang="ja-JP" altLang="en-US" dirty="0" smtClean="0"/>
+              <a:t>変更後は</a:t>
+            </a:r>
+            <a:r>
+              <a:rPr kumimoji="1" lang="en-US" altLang="ja-JP" dirty="0" smtClean="0"/>
+              <a:t>Moodle</a:t>
+            </a:r>
+            <a:r>
+              <a:rPr kumimoji="1" lang="ja-JP" altLang="en-US" dirty="0" smtClean="0"/>
+              <a:t>の上部に</a:t>
+            </a:r>
+            <a:r>
+              <a:rPr kumimoji="1" lang="en-US" altLang="ja-JP" dirty="0" err="1" smtClean="0"/>
+              <a:t>GitHub</a:t>
+            </a:r>
+            <a:r>
+              <a:rPr kumimoji="1" lang="ja-JP" altLang="en-US" dirty="0" smtClean="0"/>
+              <a:t>にイベントが表示されてることが確認できます．</a:t>
+            </a:r>
+          </a:p>
+          <a:p>
+            <a:endParaRPr kumimoji="1" lang="ja-JP" altLang="en-US" dirty="0"/>
+          </a:p>
+        </p:txBody>
+      </p:sp>
+      <p:sp>
+        <p:nvSpPr>
+          <p:cNvPr id="4" name="スライド番号プレースホルダー 3"/>
+          <p:cNvSpPr>
+            <a:spLocks noGrp="1"/>
+          </p:cNvSpPr>
+          <p:nvPr>
+            <p:ph type="sldNum" sz="quarter" idx="10"/>
+          </p:nvPr>
+        </p:nvSpPr>
+        <p:spPr/>
+        <p:txBody>
+          <a:bodyPr/>
+          <a:lstStyle/>
+          <a:p>
+            <a:fld id="{C6AA7893-DDB2-4DB8-8B18-3ACD287193B7}" type="slidenum">
+              <a:rPr kumimoji="1" lang="ja-JP" altLang="en-US" smtClean="0"/>
+              <a:t>17</a:t>
+            </a:fld>
+            <a:endParaRPr kumimoji="1" lang="ja-JP" altLang="en-US"/>
+          </a:p>
+        </p:txBody>
+      </p:sp>
+    </p:spTree>
+    <p:extLst>
+      <p:ext uri="{BB962C8B-B14F-4D97-AF65-F5344CB8AC3E}">
+        <p14:creationId xmlns:p14="http://schemas.microsoft.com/office/powerpoint/2010/main" val="911288553"/>
+      </p:ext>
+    </p:extLst>
+  </p:cSld>
+  <p:clrMapOvr>
+    <a:masterClrMapping/>
+  </p:clrMapOvr>
+</p:notes>
+</file>
+
+<file path=ppt/notesSlides/notesSlide17.xml><?xml version="1.0" encoding="utf-8"?>
+<p:notes xmlns:a="http://schemas.openxmlformats.org/drawingml/2006/main" xmlns:r="http://schemas.openxmlformats.org/officeDocument/2006/relationships" xmlns:p="http://schemas.openxmlformats.org/presentationml/2006/main">
+  <p:cSld>
+    <p:spTree>
+      <p:nvGrpSpPr>
+        <p:cNvPr id="1" name=""/>
+        <p:cNvGrpSpPr/>
+        <p:nvPr/>
+      </p:nvGrpSpPr>
+      <p:grpSpPr>
+        <a:xfrm>
+          <a:off x="0" y="0"/>
+          <a:ext cx="0" cy="0"/>
+          <a:chOff x="0" y="0"/>
+          <a:chExt cx="0" cy="0"/>
+        </a:xfrm>
+      </p:grpSpPr>
+      <p:sp>
+        <p:nvSpPr>
+          <p:cNvPr id="2" name="スライド イメージ プレースホルダー 1"/>
+          <p:cNvSpPr>
+            <a:spLocks noGrp="1" noRot="1" noChangeAspect="1"/>
+          </p:cNvSpPr>
+          <p:nvPr>
+            <p:ph type="sldImg"/>
+          </p:nvPr>
+        </p:nvSpPr>
+        <p:spPr/>
+      </p:sp>
+      <p:sp>
+        <p:nvSpPr>
+          <p:cNvPr id="3" name="ノート プレースホルダー 2"/>
+          <p:cNvSpPr>
+            <a:spLocks noGrp="1"/>
+          </p:cNvSpPr>
+          <p:nvPr>
+            <p:ph type="body" idx="1"/>
+          </p:nvPr>
+        </p:nvSpPr>
+        <p:spPr/>
+        <p:txBody>
+          <a:bodyPr/>
+          <a:lstStyle/>
+          <a:p>
+            <a:r>
+              <a:rPr kumimoji="1" lang="ja-JP" altLang="en-US" dirty="0" smtClean="0"/>
+              <a:t>本手法を応用すれば，教育の現場に</a:t>
+            </a:r>
+            <a:r>
+              <a:rPr kumimoji="1" lang="en-US" altLang="ja-JP" dirty="0" err="1" smtClean="0"/>
+              <a:t>GitHub</a:t>
+            </a:r>
+            <a:r>
+              <a:rPr kumimoji="1" lang="ja-JP" altLang="en-US" dirty="0" smtClean="0"/>
+              <a:t>以外のサービスを導入しても，</a:t>
+            </a:r>
+            <a:endParaRPr kumimoji="1" lang="en-US" altLang="ja-JP" dirty="0" smtClean="0"/>
+          </a:p>
+          <a:p>
+            <a:r>
+              <a:rPr kumimoji="1" lang="ja-JP" altLang="en-US" dirty="0" smtClean="0"/>
+              <a:t>学習者の行動を，教師は詳細に把握できるようになると考えられる．</a:t>
+            </a:r>
+            <a:endParaRPr kumimoji="1" lang="ja-JP" altLang="en-US" dirty="0"/>
+          </a:p>
+        </p:txBody>
+      </p:sp>
+      <p:sp>
+        <p:nvSpPr>
+          <p:cNvPr id="4" name="スライド番号プレースホルダー 3"/>
+          <p:cNvSpPr>
+            <a:spLocks noGrp="1"/>
+          </p:cNvSpPr>
+          <p:nvPr>
+            <p:ph type="sldNum" sz="quarter" idx="10"/>
+          </p:nvPr>
+        </p:nvSpPr>
+        <p:spPr/>
+        <p:txBody>
+          <a:bodyPr/>
+          <a:lstStyle/>
+          <a:p>
+            <a:fld id="{C6AA7893-DDB2-4DB8-8B18-3ACD287193B7}" type="slidenum">
+              <a:rPr kumimoji="1" lang="ja-JP" altLang="en-US" smtClean="0"/>
+              <a:t>18</a:t>
+            </a:fld>
+            <a:endParaRPr kumimoji="1" lang="ja-JP" altLang="en-US"/>
+          </a:p>
+        </p:txBody>
+      </p:sp>
+    </p:spTree>
+    <p:extLst>
+      <p:ext uri="{BB962C8B-B14F-4D97-AF65-F5344CB8AC3E}">
+        <p14:creationId xmlns:p14="http://schemas.microsoft.com/office/powerpoint/2010/main" val="1085696836"/>
+      </p:ext>
+    </p:extLst>
+  </p:cSld>
+  <p:clrMapOvr>
+    <a:masterClrMapping/>
+  </p:clrMapOvr>
+</p:notes>
+</file>
+
+<file path=ppt/notesSlides/notesSlide18.xml><?xml version="1.0" encoding="utf-8"?>
+<p:notes xmlns:a="http://schemas.openxmlformats.org/drawingml/2006/main" xmlns:r="http://schemas.openxmlformats.org/officeDocument/2006/relationships" xmlns:p="http://schemas.openxmlformats.org/presentationml/2006/main">
+  <p:cSld>
+    <p:spTree>
+      <p:nvGrpSpPr>
+        <p:cNvPr id="1" name=""/>
+        <p:cNvGrpSpPr/>
+        <p:nvPr/>
+      </p:nvGrpSpPr>
+      <p:grpSpPr>
+        <a:xfrm>
+          <a:off x="0" y="0"/>
+          <a:ext cx="0" cy="0"/>
+          <a:chOff x="0" y="0"/>
+          <a:chExt cx="0" cy="0"/>
+        </a:xfrm>
+      </p:grpSpPr>
+      <p:sp>
+        <p:nvSpPr>
+          <p:cNvPr id="2" name="スライド イメージ プレースホルダー 1"/>
+          <p:cNvSpPr>
+            <a:spLocks noGrp="1" noRot="1" noChangeAspect="1"/>
+          </p:cNvSpPr>
+          <p:nvPr>
+            <p:ph type="sldImg"/>
+          </p:nvPr>
+        </p:nvSpPr>
+        <p:spPr/>
+      </p:sp>
+      <p:sp>
+        <p:nvSpPr>
+          <p:cNvPr id="3" name="ノート プレースホルダー 2"/>
+          <p:cNvSpPr>
+            <a:spLocks noGrp="1"/>
+          </p:cNvSpPr>
+          <p:nvPr>
+            <p:ph type="body" idx="1"/>
+          </p:nvPr>
+        </p:nvSpPr>
+        <p:spPr/>
+        <p:txBody>
+          <a:bodyPr/>
+          <a:lstStyle/>
+          <a:p>
+            <a:r>
+              <a:rPr kumimoji="1" lang="ja-JP" altLang="en-US" dirty="0" smtClean="0"/>
+              <a:t>今回私は，</a:t>
+            </a:r>
+            <a:r>
+              <a:rPr kumimoji="1" lang="en-US" altLang="ja-JP" dirty="0" smtClean="0"/>
+              <a:t>API</a:t>
+            </a:r>
+            <a:r>
+              <a:rPr kumimoji="1" lang="ja-JP" altLang="en-US" dirty="0" smtClean="0"/>
+              <a:t>を利用して</a:t>
+            </a:r>
+            <a:r>
+              <a:rPr kumimoji="1" lang="en-US" altLang="ja-JP" dirty="0" smtClean="0"/>
+              <a:t>LMS</a:t>
+            </a:r>
+            <a:r>
+              <a:rPr kumimoji="1" lang="ja-JP" altLang="en-US" dirty="0" smtClean="0"/>
+              <a:t>と外部サービスの連携を行いました．</a:t>
+            </a:r>
+          </a:p>
+          <a:p>
+            <a:r>
+              <a:rPr kumimoji="1" lang="ja-JP" altLang="en-US" dirty="0" smtClean="0"/>
+              <a:t>そのことにより，教師の負担の軽減ができます．（外部サービスを利用することにより，サーバとかの構築いらないので）</a:t>
+            </a:r>
+          </a:p>
+          <a:p>
+            <a:endParaRPr kumimoji="1" lang="en-US" altLang="ja-JP" dirty="0" smtClean="0"/>
+          </a:p>
+          <a:p>
+            <a:r>
+              <a:rPr kumimoji="1" lang="ja-JP" altLang="en-US" dirty="0" smtClean="0"/>
+              <a:t>具体的には，</a:t>
+            </a:r>
+            <a:r>
+              <a:rPr kumimoji="1" lang="en-US" altLang="ja-JP" dirty="0" smtClean="0"/>
+              <a:t>Moodle</a:t>
+            </a:r>
+            <a:r>
+              <a:rPr kumimoji="1" lang="ja-JP" altLang="en-US" dirty="0" smtClean="0"/>
+              <a:t>と</a:t>
+            </a:r>
+            <a:r>
+              <a:rPr kumimoji="1" lang="en-US" altLang="ja-JP" dirty="0" err="1" smtClean="0"/>
+              <a:t>GitHub</a:t>
+            </a:r>
+            <a:r>
+              <a:rPr kumimoji="1" lang="ja-JP" altLang="en-US" dirty="0" smtClean="0"/>
+              <a:t>の結合を行いました．</a:t>
+            </a:r>
+          </a:p>
+          <a:p>
+            <a:r>
+              <a:rPr kumimoji="1" lang="ja-JP" altLang="en-US" dirty="0" smtClean="0"/>
+              <a:t>そのことにより</a:t>
+            </a:r>
+            <a:r>
+              <a:rPr kumimoji="1" lang="en-US" altLang="ja-JP" dirty="0" smtClean="0"/>
+              <a:t>LMS</a:t>
+            </a:r>
+            <a:r>
+              <a:rPr kumimoji="1" lang="ja-JP" altLang="en-US" dirty="0" smtClean="0"/>
+              <a:t>をソフトウェア開発の教育で利用することができるようになり，また</a:t>
+            </a:r>
+          </a:p>
+          <a:p>
+            <a:r>
+              <a:rPr kumimoji="1" lang="ja-JP" altLang="en-US" dirty="0" smtClean="0"/>
+              <a:t>外部サービスでも学習者の行動を把握することができることがわかりました．</a:t>
+            </a:r>
+          </a:p>
+          <a:p>
+            <a:endParaRPr kumimoji="1" lang="en-US" altLang="ja-JP" dirty="0" smtClean="0"/>
+          </a:p>
+          <a:p>
+            <a:endParaRPr kumimoji="1" lang="en-US" altLang="ja-JP" dirty="0" smtClean="0"/>
+          </a:p>
+          <a:p>
+            <a:r>
+              <a:rPr kumimoji="1" lang="ja-JP" altLang="en-US" sz="1200" kern="1200" dirty="0" smtClean="0">
+                <a:solidFill>
+                  <a:schemeClr val="tx1"/>
+                </a:solidFill>
+                <a:effectLst/>
+                <a:latin typeface="+mn-lt"/>
+                <a:ea typeface="+mn-ea"/>
+                <a:cs typeface="+mn-cs"/>
+              </a:rPr>
+              <a:t>以上で発表を終わりにします．</a:t>
+            </a:r>
+            <a:endParaRPr kumimoji="1" lang="en-US" altLang="ja-JP" sz="1200" kern="1200" dirty="0" smtClean="0">
+              <a:solidFill>
+                <a:schemeClr val="tx1"/>
+              </a:solidFill>
+              <a:effectLst/>
+              <a:latin typeface="+mn-lt"/>
+              <a:ea typeface="+mn-ea"/>
+              <a:cs typeface="+mn-cs"/>
+            </a:endParaRPr>
+          </a:p>
+          <a:p>
+            <a:r>
+              <a:rPr kumimoji="1" lang="en-US" altLang="ja-JP" sz="1200" kern="1200" dirty="0" smtClean="0">
+                <a:solidFill>
+                  <a:schemeClr val="tx1"/>
+                </a:solidFill>
+                <a:effectLst/>
+                <a:latin typeface="+mn-lt"/>
+                <a:ea typeface="+mn-ea"/>
+                <a:cs typeface="+mn-cs"/>
+              </a:rPr>
+              <a:t> </a:t>
+            </a:r>
+            <a:endParaRPr kumimoji="1" lang="ja-JP" altLang="ja-JP" sz="1200" kern="1200" dirty="0" smtClean="0">
+              <a:solidFill>
+                <a:schemeClr val="tx1"/>
+              </a:solidFill>
+              <a:effectLst/>
+              <a:latin typeface="+mn-lt"/>
+              <a:ea typeface="+mn-ea"/>
+              <a:cs typeface="+mn-cs"/>
+            </a:endParaRPr>
+          </a:p>
+          <a:p>
+            <a:r>
+              <a:rPr kumimoji="1" lang="ja-JP" altLang="ja-JP" sz="1200" kern="1200" dirty="0" smtClean="0">
+                <a:solidFill>
+                  <a:schemeClr val="tx1"/>
+                </a:solidFill>
+                <a:effectLst/>
+                <a:latin typeface="+mn-lt"/>
+                <a:ea typeface="+mn-ea"/>
+                <a:cs typeface="+mn-cs"/>
+              </a:rPr>
+              <a:t>ご清聴ありがとうございましたああああ！</a:t>
+            </a:r>
+          </a:p>
+          <a:p>
+            <a:r>
+              <a:rPr kumimoji="1" lang="en-US" altLang="ja-JP" sz="1200" kern="1200" dirty="0" smtClean="0">
+                <a:solidFill>
+                  <a:schemeClr val="tx1"/>
+                </a:solidFill>
+                <a:effectLst/>
+                <a:latin typeface="+mn-lt"/>
+                <a:ea typeface="+mn-ea"/>
+                <a:cs typeface="+mn-cs"/>
+              </a:rPr>
+              <a:t> </a:t>
+            </a:r>
+            <a:endParaRPr kumimoji="1" lang="ja-JP" altLang="ja-JP" sz="1200" kern="1200" dirty="0" smtClean="0">
+              <a:solidFill>
+                <a:schemeClr val="tx1"/>
+              </a:solidFill>
+              <a:effectLst/>
+              <a:latin typeface="+mn-lt"/>
+              <a:ea typeface="+mn-ea"/>
+              <a:cs typeface="+mn-cs"/>
+            </a:endParaRPr>
+          </a:p>
+          <a:p>
+            <a:endParaRPr kumimoji="1" lang="ja-JP" altLang="en-US" dirty="0"/>
+          </a:p>
+        </p:txBody>
+      </p:sp>
+      <p:sp>
+        <p:nvSpPr>
+          <p:cNvPr id="4" name="スライド番号プレースホルダー 3"/>
+          <p:cNvSpPr>
+            <a:spLocks noGrp="1"/>
+          </p:cNvSpPr>
+          <p:nvPr>
+            <p:ph type="sldNum" sz="quarter" idx="10"/>
+          </p:nvPr>
+        </p:nvSpPr>
+        <p:spPr/>
+        <p:txBody>
+          <a:bodyPr/>
+          <a:lstStyle/>
+          <a:p>
+            <a:fld id="{C6AA7893-DDB2-4DB8-8B18-3ACD287193B7}" type="slidenum">
+              <a:rPr kumimoji="1" lang="ja-JP" altLang="en-US" smtClean="0"/>
+              <a:t>19</a:t>
+            </a:fld>
+            <a:endParaRPr kumimoji="1" lang="ja-JP" altLang="en-US"/>
+          </a:p>
+        </p:txBody>
+      </p:sp>
+    </p:spTree>
+    <p:extLst>
+      <p:ext uri="{BB962C8B-B14F-4D97-AF65-F5344CB8AC3E}">
+        <p14:creationId xmlns:p14="http://schemas.microsoft.com/office/powerpoint/2010/main" val="444297029"/>
+      </p:ext>
+    </p:extLst>
+  </p:cSld>
+  <p:clrMapOvr>
+    <a:masterClrMapping/>
+  </p:clrMapOvr>
+</p:notes>
+</file>
+
 <file path=ppt/notesSlides/notesSlide2.xml><?xml version="1.0" encoding="utf-8"?>
 <p:notes xmlns:a="http://schemas.openxmlformats.org/drawingml/2006/main" xmlns:r="http://schemas.openxmlformats.org/officeDocument/2006/relationships" xmlns:p="http://schemas.openxmlformats.org/presentationml/2006/main">
   <p:cSld>
@@ -3625,10 +4981,6 @@
           <a:lstStyle/>
           <a:p>
             <a:r>
-              <a:rPr kumimoji="1" lang="ja-JP" altLang="en-US" dirty="0" smtClean="0"/>
-              <a:t>近年，インターネットの普及により，パソコンや携帯端末などの</a:t>
-            </a:r>
-            <a:r>
               <a:rPr kumimoji="1" lang="ja-JP" altLang="ja-JP" sz="1200" kern="1200" dirty="0" smtClean="0">
                 <a:solidFill>
                   <a:schemeClr val="tx1"/>
@@ -3638,20 +4990,19 @@
                 <a:ea typeface="+mn-ea"/>
                 <a:cs typeface="+mn-cs"/>
               </a:rPr>
-              <a:t>情報技術を用いて行う学習方法</a:t>
-            </a:r>
-            <a:r>
-              <a:rPr kumimoji="1" lang="ja-JP" altLang="en-US" sz="1200" kern="1200" dirty="0" smtClean="0">
-                <a:solidFill>
-                  <a:schemeClr val="tx1"/>
-                </a:solidFill>
-                <a:effectLst/>
-                <a:latin typeface="+mn-lt"/>
-                <a:ea typeface="+mn-ea"/>
-                <a:cs typeface="+mn-cs"/>
-              </a:rPr>
-              <a:t>である</a:t>
-            </a:r>
+              <a:t>近年，インターネットの普及により，パソコンや携帯端末などの情報技術を用いて行う学習方法である</a:t>
+            </a:r>
+            <a:endParaRPr kumimoji="1" lang="en-US" altLang="ja-JP" sz="1200" kern="1200" dirty="0" smtClean="0">
+              <a:solidFill>
+                <a:schemeClr val="tx1"/>
+              </a:solidFill>
+              <a:effectLst/>
+              <a:latin typeface="+mn-lt"/>
+              <a:ea typeface="+mn-ea"/>
+              <a:cs typeface="+mn-cs"/>
+            </a:endParaRPr>
+          </a:p>
+          <a:p>
             <a:r>
               <a:rPr kumimoji="1" lang="en-US" altLang="ja-JP" sz="1200" kern="1200" dirty="0" smtClean="0">
                 <a:solidFill>
@@ -3665,6 +5016,18 @@
               <a:t>e</a:t>
             </a:r>
             <a:r>
+              <a:rPr kumimoji="1" lang="ja-JP" altLang="ja-JP" sz="1200" kern="1200" dirty="0" smtClean="0">
+                <a:solidFill>
+                  <a:schemeClr val="tx1"/>
+                </a:solidFill>
+                <a:effectLst/>
+                <a:latin typeface="+mn-lt"/>
+                <a:ea typeface="+mn-ea"/>
+                <a:cs typeface="+mn-cs"/>
+              </a:rPr>
+              <a:t>ラーニングが増えてきて</a:t>
+            </a:r>
+            <a:r>
               <a:rPr kumimoji="1" lang="ja-JP" altLang="en-US" sz="1200" kern="1200" dirty="0" smtClean="0">
                 <a:solidFill>
                   <a:schemeClr val="tx1"/>
@@ -3674,7 +5037,31 @@
                 <a:ea typeface="+mn-ea"/>
                 <a:cs typeface="+mn-cs"/>
               </a:rPr>
-              <a:t>ラーニングが増えてきている．</a:t>
+              <a:t>います．</a:t>
+            </a:r>
+            <a:r>
+              <a:rPr kumimoji="1" lang="en-US" altLang="ja-JP" sz="1200" kern="1200" dirty="0" smtClean="0">
+                <a:solidFill>
+                  <a:schemeClr val="tx1"/>
+                </a:solidFill>
+                <a:effectLst/>
+                <a:latin typeface="+mn-lt"/>
+                <a:ea typeface="+mn-ea"/>
+                <a:cs typeface="+mn-cs"/>
+              </a:rPr>
+              <a:t>e</a:t>
+            </a:r>
+            <a:r>
+              <a:rPr kumimoji="1" lang="ja-JP" altLang="ja-JP" sz="1200" kern="1200" dirty="0" smtClean="0">
+                <a:solidFill>
+                  <a:schemeClr val="tx1"/>
+                </a:solidFill>
+                <a:effectLst/>
+                <a:latin typeface="+mn-lt"/>
+                <a:ea typeface="+mn-ea"/>
+                <a:cs typeface="+mn-cs"/>
+              </a:rPr>
+              <a:t>ラーニングとは，教材配布やレポート提出，出席管理などネットを介して</a:t>
             </a:r>
             <a:endParaRPr kumimoji="1" lang="en-US" altLang="ja-JP" sz="1200" kern="1200" dirty="0" smtClean="0">
               <a:solidFill>
@@ -3688,32 +5075,89 @@
           </a:p>
           <a:p>
             <a:r>
-              <a:rPr kumimoji="1" lang="en-US" altLang="ja-JP" dirty="0" smtClean="0"/>
-              <a:t>e</a:t>
-            </a:r>
-            <a:r>
-              <a:rPr kumimoji="1" lang="ja-JP" altLang="en-US" dirty="0" smtClean="0"/>
-              <a:t>ラーニングとは，教材配布やレポート提出，出席管理などネットを介して行うことの総称であるため幅広く利用されている言葉である．</a:t>
-            </a:r>
-            <a:endParaRPr kumimoji="1" lang="en-US" altLang="ja-JP" dirty="0" smtClean="0"/>
-          </a:p>
-          <a:p>
-            <a:r>
-              <a:rPr kumimoji="1" lang="ja-JP" altLang="en-US" dirty="0" smtClean="0"/>
-              <a:t>中でも，授業で利用するツールをまとめたシステムを</a:t>
-            </a:r>
-            <a:r>
-              <a:rPr kumimoji="1" lang="en-US" altLang="ja-JP" dirty="0" smtClean="0"/>
+              <a:rPr kumimoji="1" lang="ja-JP" altLang="ja-JP" sz="1200" kern="1200" dirty="0" smtClean="0">
+                <a:solidFill>
+                  <a:schemeClr val="tx1"/>
+                </a:solidFill>
+                <a:effectLst/>
+                <a:latin typeface="+mn-lt"/>
+                <a:ea typeface="+mn-ea"/>
+                <a:cs typeface="+mn-cs"/>
+              </a:rPr>
+              <a:t>行うすべての総称のことをいいます．その中で，授業で利用するツールをまとめたシステムを</a:t>
+            </a:r>
+            <a:r>
+              <a:rPr kumimoji="1" lang="en-US" altLang="ja-JP" sz="1200" kern="1200" dirty="0" smtClean="0">
+                <a:solidFill>
+                  <a:schemeClr val="tx1"/>
+                </a:solidFill>
+                <a:effectLst/>
+                <a:latin typeface="+mn-lt"/>
+                <a:ea typeface="+mn-ea"/>
+                <a:cs typeface="+mn-cs"/>
+              </a:rPr>
               <a:t>LMS</a:t>
             </a:r>
             <a:r>
-              <a:rPr kumimoji="1" lang="ja-JP" altLang="en-US" dirty="0" smtClean="0"/>
-              <a:t>といい，教育現場で</a:t>
-            </a:r>
-            <a:r>
-              <a:rPr kumimoji="1" lang="ja-JP" altLang="en-US" dirty="0" err="1" smtClean="0"/>
-              <a:t>．．．．．．</a:t>
-            </a:r>
+              <a:rPr kumimoji="1" lang="ja-JP" altLang="ja-JP" sz="1200" kern="1200" dirty="0" smtClean="0">
+                <a:solidFill>
+                  <a:schemeClr val="tx1"/>
+                </a:solidFill>
+                <a:effectLst/>
+                <a:latin typeface="+mn-lt"/>
+                <a:ea typeface="+mn-ea"/>
+                <a:cs typeface="+mn-cs"/>
+              </a:rPr>
+              <a:t>といい，</a:t>
+            </a:r>
+            <a:endParaRPr kumimoji="1" lang="en-US" altLang="ja-JP" sz="1200" kern="1200" dirty="0" smtClean="0">
+              <a:solidFill>
+                <a:schemeClr val="tx1"/>
+              </a:solidFill>
+              <a:effectLst/>
+              <a:latin typeface="+mn-lt"/>
+              <a:ea typeface="+mn-ea"/>
+              <a:cs typeface="+mn-cs"/>
+            </a:endParaRPr>
+          </a:p>
+          <a:p>
+            <a:r>
+              <a:rPr kumimoji="1" lang="ja-JP" altLang="ja-JP" sz="1200" kern="1200" dirty="0" smtClean="0">
+                <a:solidFill>
+                  <a:schemeClr val="tx1"/>
+                </a:solidFill>
+                <a:effectLst/>
+                <a:latin typeface="+mn-lt"/>
+                <a:ea typeface="+mn-ea"/>
+                <a:cs typeface="+mn-cs"/>
+              </a:rPr>
+              <a:t>教育現場などで利用されてきています．</a:t>
+            </a:r>
+          </a:p>
+          <a:p>
+            <a:r>
+              <a:rPr kumimoji="1" lang="en-US" altLang="ja-JP" sz="1200" kern="1200" dirty="0" smtClean="0">
+                <a:solidFill>
+                  <a:schemeClr val="tx1"/>
+                </a:solidFill>
+                <a:effectLst/>
+                <a:latin typeface="+mn-lt"/>
+                <a:ea typeface="+mn-ea"/>
+                <a:cs typeface="+mn-cs"/>
+              </a:rPr>
+              <a:t> </a:t>
+            </a:r>
+            <a:endParaRPr kumimoji="1" lang="ja-JP" altLang="ja-JP" sz="1200" kern="1200" dirty="0" smtClean="0">
+              <a:solidFill>
+                <a:schemeClr val="tx1"/>
+              </a:solidFill>
+              <a:effectLst/>
+              <a:latin typeface="+mn-lt"/>
+              <a:ea typeface="+mn-ea"/>
+              <a:cs typeface="+mn-cs"/>
+            </a:endParaRPr>
+          </a:p>
+          <a:p>
             <a:endParaRPr kumimoji="1" lang="en-US" altLang="ja-JP" dirty="0" smtClean="0"/>
           </a:p>
         </p:txBody>
@@ -3799,19 +5243,54 @@
           <a:lstStyle/>
           <a:p>
             <a:r>
+              <a:rPr kumimoji="1" lang="ja-JP" altLang="en-US" dirty="0" smtClean="0"/>
+              <a:t>多くの種類がある中でユーザーが多く，よく利用されている</a:t>
+            </a:r>
+            <a:r>
+              <a:rPr kumimoji="1" lang="en-US" altLang="ja-JP" dirty="0" smtClean="0"/>
+              <a:t>Moodle</a:t>
+            </a:r>
+            <a:r>
+              <a:rPr kumimoji="1" lang="ja-JP" altLang="en-US" dirty="0" smtClean="0"/>
+              <a:t>という</a:t>
+            </a:r>
+            <a:r>
               <a:rPr kumimoji="1" lang="en-US" altLang="ja-JP" dirty="0" smtClean="0"/>
               <a:t>LMS</a:t>
             </a:r>
             <a:r>
               <a:rPr kumimoji="1" lang="ja-JP" altLang="en-US" dirty="0" smtClean="0"/>
-              <a:t>を教育現場で利用すると，学習者と教師ではなくなり，学習者とパソコンになってしまうため，学習者の行動が把握しにくいというデメリットがある．</a:t>
+              <a:t>があります．</a:t>
             </a:r>
             <a:endParaRPr kumimoji="1" lang="en-US" altLang="ja-JP" dirty="0" smtClean="0"/>
           </a:p>
           <a:p>
             <a:r>
               <a:rPr kumimoji="1" lang="ja-JP" altLang="en-US" dirty="0" smtClean="0"/>
-              <a:t>しかし，その一方，時間や場所に縛られなく学習することが可能であり，その中での行動が把握することができるといったメリットがあります．</a:t>
+              <a:t>オープンソースのため，カスタムがしやすいのが</a:t>
+            </a:r>
+            <a:r>
+              <a:rPr kumimoji="1" lang="en-US" altLang="ja-JP" dirty="0" smtClean="0"/>
+              <a:t>Moodle</a:t>
+            </a:r>
+            <a:r>
+              <a:rPr kumimoji="1" lang="ja-JP" altLang="en-US" dirty="0" smtClean="0"/>
+              <a:t>の特徴といえます．</a:t>
+            </a:r>
+            <a:endParaRPr kumimoji="1" lang="en-US" altLang="ja-JP" dirty="0" smtClean="0"/>
+          </a:p>
+          <a:p>
+            <a:r>
+              <a:rPr kumimoji="1" lang="ja-JP" altLang="en-US" dirty="0" smtClean="0"/>
+              <a:t>主な機能は，</a:t>
+            </a:r>
+            <a:r>
+              <a:rPr kumimoji="1" lang="en-US" altLang="ja-JP" dirty="0" smtClean="0"/>
+              <a:t>wiki</a:t>
+            </a:r>
+            <a:r>
+              <a:rPr kumimoji="1" lang="ja-JP" altLang="en-US" dirty="0" smtClean="0"/>
+              <a:t>や課題，小テストなど学習で利用できる機能が多くあります．</a:t>
             </a:r>
             <a:endParaRPr kumimoji="1" lang="ja-JP" altLang="en-US" dirty="0"/>
           </a:p>
@@ -3834,7 +5313,7 @@
           <a:p>
             <a:fld id="{C6AA7893-DDB2-4DB8-8B18-3ACD287193B7}" type="slidenum">
               <a:rPr kumimoji="1" lang="ja-JP" altLang="en-US" smtClean="0"/>
-              <a:t>5</a:t>
+              <a:t>4</a:t>
             </a:fld>
             <a:endParaRPr kumimoji="1" lang="ja-JP" altLang="en-US"/>
           </a:p>
@@ -3843,7 +5322,7 @@
     </p:spTree>
     <p:extLst>
       <p:ext uri="{BB962C8B-B14F-4D97-AF65-F5344CB8AC3E}">
-        <p14:creationId xmlns:p14="http://schemas.microsoft.com/office/powerpoint/2010/main" val="2984603310"/>
+        <p14:creationId xmlns:p14="http://schemas.microsoft.com/office/powerpoint/2010/main" val="1391403022"/>
       </p:ext>
     </p:extLst>
   </p:cSld>
@@ -3897,7 +5376,58 @@
           <a:bodyPr/>
           <a:lstStyle/>
           <a:p>
+            <a:r>
+              <a:rPr kumimoji="1" lang="en-US" altLang="ja-JP" dirty="0" smtClean="0"/>
+              <a:t>LMS</a:t>
+            </a:r>
+            <a:r>
+              <a:rPr kumimoji="1" lang="ja-JP" altLang="en-US" dirty="0" smtClean="0"/>
+              <a:t>を利用するメリットとして</a:t>
+            </a:r>
             <a:endParaRPr kumimoji="1" lang="en-US" altLang="ja-JP" dirty="0" smtClean="0"/>
+          </a:p>
+          <a:p>
+            <a:r>
+              <a:rPr kumimoji="1" lang="en-US" altLang="ja-JP" dirty="0" smtClean="0"/>
+              <a:t>E</a:t>
+            </a:r>
+            <a:r>
+              <a:rPr kumimoji="1" lang="ja-JP" altLang="en-US" dirty="0" smtClean="0"/>
+              <a:t>ラーニングの特徴でもある時間や場所に縛られなく学習することが可能であること．</a:t>
+            </a:r>
+            <a:endParaRPr kumimoji="1" lang="en-US" altLang="ja-JP" dirty="0" smtClean="0"/>
+          </a:p>
+          <a:p>
+            <a:r>
+              <a:rPr kumimoji="1" lang="ja-JP" altLang="en-US" dirty="0" smtClean="0"/>
+              <a:t>学習者の行動が把握できたりすること．</a:t>
+            </a:r>
+          </a:p>
+          <a:p>
+            <a:r>
+              <a:rPr kumimoji="1" lang="ja-JP" altLang="en-US" dirty="0" smtClean="0"/>
+              <a:t>さらに，その学習者の行動がサーバに記録されることにより，学習ポートフォリオの作成が可能になることがあげられます．</a:t>
+            </a:r>
+            <a:endParaRPr kumimoji="1" lang="en-US" altLang="ja-JP" dirty="0" smtClean="0"/>
+          </a:p>
+          <a:p>
+            <a:endParaRPr kumimoji="1" lang="en-US" altLang="ja-JP" dirty="0" smtClean="0"/>
+          </a:p>
+          <a:p>
+            <a:r>
+              <a:rPr kumimoji="1" lang="ja-JP" altLang="en-US" dirty="0" smtClean="0"/>
+              <a:t>学習ポートフォリオを作成することは，今後の教育の役にも立ち，</a:t>
+            </a:r>
+            <a:endParaRPr kumimoji="1" lang="en-US" altLang="ja-JP" dirty="0" smtClean="0"/>
+          </a:p>
+          <a:p>
+            <a:r>
+              <a:rPr kumimoji="1" lang="ja-JP" altLang="en-US" dirty="0" smtClean="0"/>
+              <a:t>学習者自身の自己アピールにも役立つことができるといったメリットもあります．</a:t>
+            </a:r>
+          </a:p>
+          <a:p>
+            <a:endParaRPr kumimoji="1" lang="ja-JP" altLang="en-US" dirty="0"/>
           </a:p>
         </p:txBody>
       </p:sp>
@@ -3918,7 +5448,7 @@
           <a:p>
             <a:fld id="{C6AA7893-DDB2-4DB8-8B18-3ACD287193B7}" type="slidenum">
               <a:rPr kumimoji="1" lang="ja-JP" altLang="en-US" smtClean="0"/>
-              <a:t>6</a:t>
+              <a:t>5</a:t>
             </a:fld>
             <a:endParaRPr kumimoji="1" lang="ja-JP" altLang="en-US"/>
           </a:p>
@@ -3927,7 +5457,7 @@
     </p:spTree>
     <p:extLst>
       <p:ext uri="{BB962C8B-B14F-4D97-AF65-F5344CB8AC3E}">
-        <p14:creationId xmlns:p14="http://schemas.microsoft.com/office/powerpoint/2010/main" val="3252736391"/>
+        <p14:creationId xmlns:p14="http://schemas.microsoft.com/office/powerpoint/2010/main" val="2984603310"/>
       </p:ext>
     </p:extLst>
   </p:cSld>
@@ -3981,7 +5511,37 @@
           <a:bodyPr/>
           <a:lstStyle/>
           <a:p>
-            <a:endParaRPr kumimoji="1" lang="ja-JP" altLang="en-US" dirty="0"/>
+            <a:r>
+              <a:rPr kumimoji="1" lang="ja-JP" altLang="en-US" dirty="0" smtClean="0"/>
+              <a:t>しかし，その</a:t>
+            </a:r>
+            <a:r>
+              <a:rPr kumimoji="1" lang="en-US" altLang="ja-JP" dirty="0" smtClean="0"/>
+              <a:t>LMS</a:t>
+            </a:r>
+            <a:r>
+              <a:rPr kumimoji="1" lang="ja-JP" altLang="en-US" dirty="0" smtClean="0"/>
+              <a:t>は一般的な授業で利用するツールを集めたものであり，なにかに特化しているわけではありません．</a:t>
+            </a:r>
+            <a:endParaRPr kumimoji="1" lang="en-US" altLang="ja-JP" dirty="0" smtClean="0"/>
+          </a:p>
+          <a:p>
+            <a:r>
+              <a:rPr kumimoji="1" lang="ja-JP" altLang="en-US" dirty="0" smtClean="0"/>
+              <a:t>そのため，ソフトウェア開発を学ぶには，さまざまなツール（バージョン管理など）の利用が必要になりますが， </a:t>
+            </a:r>
+            <a:endParaRPr kumimoji="1" lang="en-US" altLang="ja-JP" dirty="0" smtClean="0"/>
+          </a:p>
+          <a:p>
+            <a:r>
+              <a:rPr kumimoji="1" lang="en-US" altLang="ja-JP" dirty="0" smtClean="0"/>
+              <a:t>LMS</a:t>
+            </a:r>
+            <a:r>
+              <a:rPr kumimoji="1" lang="ja-JP" altLang="en-US" dirty="0" smtClean="0"/>
+              <a:t>はそういった専門的なものには対応していません．</a:t>
+            </a:r>
+            <a:endParaRPr kumimoji="1" lang="en-US" altLang="ja-JP" dirty="0" smtClean="0"/>
           </a:p>
         </p:txBody>
       </p:sp>
@@ -4002,7 +5562,7 @@
           <a:p>
             <a:fld id="{C6AA7893-DDB2-4DB8-8B18-3ACD287193B7}" type="slidenum">
               <a:rPr kumimoji="1" lang="ja-JP" altLang="en-US" smtClean="0"/>
-              <a:t>7</a:t>
+              <a:t>6</a:t>
             </a:fld>
             <a:endParaRPr kumimoji="1" lang="ja-JP" altLang="en-US"/>
           </a:p>
@@ -4011,7 +5571,7 @@
     </p:spTree>
     <p:extLst>
       <p:ext uri="{BB962C8B-B14F-4D97-AF65-F5344CB8AC3E}">
-        <p14:creationId xmlns:p14="http://schemas.microsoft.com/office/powerpoint/2010/main" val="4060556482"/>
+        <p14:creationId xmlns:p14="http://schemas.microsoft.com/office/powerpoint/2010/main" val="3252736391"/>
       </p:ext>
     </p:extLst>
   </p:cSld>
@@ -4067,30 +5627,42 @@
           <a:p>
             <a:r>
               <a:rPr kumimoji="1" lang="ja-JP" altLang="en-US" dirty="0" smtClean="0"/>
-              <a:t>現状，</a:t>
+              <a:t>たとえば，ソフトウェア開発に必要なツールはタスクボード，バージョン管理など表のようなさまざまなものが必要になります．</a:t>
+            </a:r>
+            <a:endParaRPr kumimoji="1" lang="en-US" altLang="ja-JP" dirty="0" smtClean="0"/>
+          </a:p>
+          <a:p>
+            <a:r>
+              <a:rPr kumimoji="1" lang="ja-JP" altLang="en-US" dirty="0" smtClean="0"/>
+              <a:t>しかしほとんど</a:t>
             </a:r>
             <a:r>
               <a:rPr kumimoji="1" lang="en-US" altLang="ja-JP" dirty="0" smtClean="0"/>
-              <a:t>GitHub</a:t>
+              <a:t>LMS</a:t>
             </a:r>
             <a:r>
               <a:rPr kumimoji="1" lang="ja-JP" altLang="en-US" dirty="0" smtClean="0"/>
-              <a:t>上のログはこのように表示され確認することができますが，</a:t>
-            </a:r>
-            <a:endParaRPr kumimoji="1" lang="en-US" altLang="ja-JP" dirty="0" smtClean="0"/>
-          </a:p>
-          <a:p>
+              <a:t>にそのようなツールはなく，</a:t>
+            </a:r>
+            <a:r>
+              <a:rPr kumimoji="1" lang="en-US" altLang="ja-JP" dirty="0" smtClean="0"/>
+              <a:t>LMS</a:t>
+            </a:r>
             <a:r>
               <a:rPr kumimoji="1" lang="ja-JP" altLang="en-US" dirty="0" smtClean="0"/>
-              <a:t>その人の</a:t>
+              <a:t>の機能でソフトウェア開発に関連する機能は</a:t>
             </a:r>
             <a:r>
               <a:rPr kumimoji="1" lang="en-US" altLang="ja-JP" dirty="0" smtClean="0"/>
-              <a:t>GitHub</a:t>
+              <a:t>wiki</a:t>
+            </a:r>
+            <a:r>
+              <a:rPr kumimoji="1" lang="ja-JP" altLang="en-US" dirty="0" err="1" smtClean="0"/>
+              <a:t>ぐら</a:t>
             </a:r>
             <a:r>
               <a:rPr kumimoji="1" lang="ja-JP" altLang="en-US" dirty="0" smtClean="0"/>
-              <a:t>上にいかないと見れません．</a:t>
+              <a:t>いしかありません． </a:t>
             </a:r>
             <a:endParaRPr kumimoji="1" lang="ja-JP" altLang="en-US" dirty="0"/>
           </a:p>
@@ -4113,7 +5685,7 @@
           <a:p>
             <a:fld id="{C6AA7893-DDB2-4DB8-8B18-3ACD287193B7}" type="slidenum">
               <a:rPr kumimoji="1" lang="ja-JP" altLang="en-US" smtClean="0"/>
-              <a:t>11</a:t>
+              <a:t>7</a:t>
             </a:fld>
             <a:endParaRPr kumimoji="1" lang="ja-JP" altLang="en-US"/>
           </a:p>
@@ -4122,7 +5694,7 @@
     </p:spTree>
     <p:extLst>
       <p:ext uri="{BB962C8B-B14F-4D97-AF65-F5344CB8AC3E}">
-        <p14:creationId xmlns:p14="http://schemas.microsoft.com/office/powerpoint/2010/main" val="2106637744"/>
+        <p14:creationId xmlns:p14="http://schemas.microsoft.com/office/powerpoint/2010/main" val="4060556482"/>
       </p:ext>
     </p:extLst>
   </p:cSld>
@@ -4178,7 +5750,7 @@
           <a:p>
             <a:r>
               <a:rPr kumimoji="1" lang="ja-JP" altLang="en-US" dirty="0" smtClean="0"/>
-              <a:t>今回は</a:t>
+              <a:t>そのため，</a:t>
             </a:r>
             <a:r>
               <a:rPr kumimoji="1" lang="en-US" altLang="ja-JP" dirty="0" smtClean="0"/>
@@ -4186,50 +5758,14 @@
             </a:r>
             <a:r>
               <a:rPr kumimoji="1" lang="ja-JP" altLang="en-US" dirty="0" smtClean="0"/>
-              <a:t>システムである</a:t>
-            </a:r>
-            <a:r>
-              <a:rPr kumimoji="1" lang="en-US" altLang="ja-JP" dirty="0" smtClean="0"/>
-              <a:t>Moodle</a:t>
-            </a:r>
+              <a:t>とは別にソフトウェア開発システムを利用し学習を行うと，</a:t>
+            </a:r>
+            <a:endParaRPr kumimoji="1" lang="en-US" altLang="ja-JP" dirty="0" smtClean="0"/>
+          </a:p>
+          <a:p>
             <a:r>
               <a:rPr kumimoji="1" lang="ja-JP" altLang="en-US" dirty="0" smtClean="0"/>
-              <a:t>と外部サービスである</a:t>
-            </a:r>
-            <a:r>
-              <a:rPr kumimoji="1" lang="en-US" altLang="ja-JP" dirty="0" smtClean="0"/>
-              <a:t>GitHub</a:t>
-            </a:r>
-            <a:r>
-              <a:rPr kumimoji="1" lang="ja-JP" altLang="en-US" dirty="0" smtClean="0"/>
-              <a:t>を連携させ，ログ表示を目的とする．</a:t>
-            </a:r>
-            <a:endParaRPr kumimoji="1" lang="en-US" altLang="ja-JP" dirty="0" smtClean="0"/>
-          </a:p>
-          <a:p>
-            <a:r>
-              <a:rPr kumimoji="1" lang="en-US" altLang="ja-JP" dirty="0" smtClean="0"/>
-              <a:t>LMS</a:t>
-            </a:r>
-            <a:r>
-              <a:rPr kumimoji="1" lang="ja-JP" altLang="en-US" dirty="0" smtClean="0"/>
-              <a:t>で足りない部分を外部サービスで補い，</a:t>
-            </a:r>
-            <a:r>
-              <a:rPr kumimoji="1" lang="en-US" altLang="ja-JP" dirty="0" smtClean="0"/>
-              <a:t>LMS</a:t>
-            </a:r>
-            <a:r>
-              <a:rPr kumimoji="1" lang="ja-JP" altLang="en-US" dirty="0" smtClean="0"/>
-              <a:t>のメリットであるログ生かすために，</a:t>
-            </a:r>
-            <a:r>
-              <a:rPr kumimoji="1" lang="en-US" altLang="ja-JP" dirty="0" smtClean="0"/>
-              <a:t>GitHub</a:t>
-            </a:r>
-            <a:r>
-              <a:rPr kumimoji="1" lang="ja-JP" altLang="en-US" dirty="0" smtClean="0"/>
-              <a:t>のログも一か所で見れるように行います．</a:t>
+              <a:t>２つのシステムに分かれてしまうため学習者の行動が把握しにくくなってしまうのが現状があります．</a:t>
             </a:r>
             <a:endParaRPr kumimoji="1" lang="ja-JP" altLang="en-US" dirty="0"/>
           </a:p>
@@ -4252,7 +5788,7 @@
           <a:p>
             <a:fld id="{C6AA7893-DDB2-4DB8-8B18-3ACD287193B7}" type="slidenum">
               <a:rPr kumimoji="1" lang="ja-JP" altLang="en-US" smtClean="0"/>
-              <a:t>12</a:t>
+              <a:t>8</a:t>
             </a:fld>
             <a:endParaRPr kumimoji="1" lang="ja-JP" altLang="en-US"/>
           </a:p>
@@ -4261,7 +5797,7 @@
     </p:spTree>
     <p:extLst>
       <p:ext uri="{BB962C8B-B14F-4D97-AF65-F5344CB8AC3E}">
-        <p14:creationId xmlns:p14="http://schemas.microsoft.com/office/powerpoint/2010/main" val="2177655713"/>
+        <p14:creationId xmlns:p14="http://schemas.microsoft.com/office/powerpoint/2010/main" val="1656289899"/>
       </p:ext>
     </p:extLst>
   </p:cSld>
@@ -4317,15 +5853,15 @@
           <a:p>
             <a:r>
               <a:rPr kumimoji="1" lang="ja-JP" altLang="en-US" dirty="0" smtClean="0"/>
-              <a:t>方法は</a:t>
+              <a:t>そこで，</a:t>
             </a:r>
             <a:r>
               <a:rPr kumimoji="1" lang="en-US" altLang="ja-JP" dirty="0" smtClean="0"/>
-              <a:t>GitHub</a:t>
+              <a:t>LMS</a:t>
             </a:r>
             <a:r>
               <a:rPr kumimoji="1" lang="ja-JP" altLang="en-US" dirty="0" smtClean="0"/>
-              <a:t>と</a:t>
+              <a:t>システムである</a:t>
             </a:r>
             <a:r>
               <a:rPr kumimoji="1" lang="en-US" altLang="ja-JP" dirty="0" smtClean="0"/>
@@ -4333,15 +5869,32 @@
             </a:r>
             <a:r>
               <a:rPr kumimoji="1" lang="ja-JP" altLang="en-US" dirty="0" smtClean="0"/>
-              <a:t>のアカウントと繋げる．次にデータを取得するために</a:t>
-            </a:r>
-            <a:r>
-              <a:rPr kumimoji="1" lang="en-US" altLang="ja-JP" dirty="0" smtClean="0"/>
-              <a:t>API</a:t>
-            </a:r>
+              <a:t>で足りない部分を補えるように，</a:t>
+            </a:r>
+            <a:endParaRPr kumimoji="1" lang="en-US" altLang="ja-JP" dirty="0" smtClean="0"/>
+          </a:p>
+          <a:p>
             <a:r>
               <a:rPr kumimoji="1" lang="ja-JP" altLang="en-US" dirty="0" smtClean="0"/>
-              <a:t>を利用し，最後に</a:t>
+              <a:t>外部サービスである</a:t>
+            </a:r>
+            <a:r>
+              <a:rPr kumimoji="1" lang="en-US" altLang="ja-JP" dirty="0" err="1" smtClean="0"/>
+              <a:t>Github</a:t>
+            </a:r>
+            <a:r>
+              <a:rPr kumimoji="1" lang="ja-JP" altLang="en-US" dirty="0" smtClean="0"/>
+              <a:t>を連携すること．</a:t>
+            </a:r>
+            <a:endParaRPr kumimoji="1" lang="en-US" altLang="ja-JP" dirty="0" smtClean="0"/>
+          </a:p>
+          <a:p>
+            <a:endParaRPr kumimoji="1" lang="en-US" altLang="ja-JP" dirty="0" smtClean="0"/>
+          </a:p>
+          <a:p>
+            <a:r>
+              <a:rPr kumimoji="1" lang="ja-JP" altLang="en-US" dirty="0" smtClean="0"/>
+              <a:t>さらに，</a:t>
             </a:r>
             <a:r>
               <a:rPr kumimoji="1" lang="en-US" altLang="ja-JP" dirty="0" smtClean="0"/>
@@ -4349,7 +5902,23 @@
             </a:r>
             <a:r>
               <a:rPr kumimoji="1" lang="ja-JP" altLang="en-US" dirty="0" smtClean="0"/>
-              <a:t>に表示を行います．</a:t>
+              <a:t>のメリットであるログの管理ができるように</a:t>
+            </a:r>
+            <a:r>
+              <a:rPr kumimoji="1" lang="en-US" altLang="ja-JP" dirty="0" smtClean="0"/>
+              <a:t>Moodle</a:t>
+            </a:r>
+            <a:r>
+              <a:rPr kumimoji="1" lang="ja-JP" altLang="en-US" dirty="0" smtClean="0"/>
+              <a:t>で</a:t>
+            </a:r>
+            <a:r>
+              <a:rPr kumimoji="1" lang="en-US" altLang="ja-JP" dirty="0" err="1" smtClean="0"/>
+              <a:t>Github</a:t>
+            </a:r>
+            <a:r>
+              <a:rPr kumimoji="1" lang="ja-JP" altLang="en-US" dirty="0" smtClean="0"/>
+              <a:t>のログを表示することを目的とします．</a:t>
             </a:r>
             <a:endParaRPr kumimoji="1" lang="ja-JP" altLang="en-US" dirty="0"/>
           </a:p>
@@ -4372,7 +5941,7 @@
           <a:p>
             <a:fld id="{C6AA7893-DDB2-4DB8-8B18-3ACD287193B7}" type="slidenum">
               <a:rPr kumimoji="1" lang="ja-JP" altLang="en-US" smtClean="0"/>
-              <a:t>13</a:t>
+              <a:t>9</a:t>
             </a:fld>
             <a:endParaRPr kumimoji="1" lang="ja-JP" altLang="en-US"/>
           </a:p>
@@ -4381,7 +5950,7 @@
     </p:spTree>
     <p:extLst>
       <p:ext uri="{BB962C8B-B14F-4D97-AF65-F5344CB8AC3E}">
-        <p14:creationId xmlns:p14="http://schemas.microsoft.com/office/powerpoint/2010/main" val="2801530815"/>
+        <p14:creationId xmlns:p14="http://schemas.microsoft.com/office/powerpoint/2010/main" val="3309435620"/>
       </p:ext>
     </p:extLst>
   </p:cSld>
@@ -4435,6 +6004,18 @@
           <a:bodyPr/>
           <a:lstStyle/>
           <a:p>
+            <a:r>
+              <a:rPr kumimoji="1" lang="ja-JP" altLang="en-US" dirty="0" smtClean="0"/>
+              <a:t>現状，</a:t>
+            </a:r>
+            <a:r>
+              <a:rPr kumimoji="1" lang="en-US" altLang="ja-JP" dirty="0" err="1" smtClean="0"/>
+              <a:t>moodle</a:t>
+            </a:r>
+            <a:r>
+              <a:rPr kumimoji="1" lang="ja-JP" altLang="en-US" dirty="0" smtClean="0"/>
+              <a:t>の学習者のログはこのように表示され，</a:t>
+            </a:r>
             <a:endParaRPr kumimoji="1" lang="ja-JP" altLang="en-US" dirty="0"/>
           </a:p>
         </p:txBody>
@@ -4456,7 +6037,7 @@
           <a:p>
             <a:fld id="{C6AA7893-DDB2-4DB8-8B18-3ACD287193B7}" type="slidenum">
               <a:rPr kumimoji="1" lang="ja-JP" altLang="en-US" smtClean="0"/>
-              <a:t>14</a:t>
+              <a:t>10</a:t>
             </a:fld>
             <a:endParaRPr kumimoji="1" lang="ja-JP" altLang="en-US"/>
           </a:p>
@@ -4465,7 +6046,7 @@
     </p:spTree>
     <p:extLst>
       <p:ext uri="{BB962C8B-B14F-4D97-AF65-F5344CB8AC3E}">
-        <p14:creationId xmlns:p14="http://schemas.microsoft.com/office/powerpoint/2010/main" val="564486174"/>
+        <p14:creationId xmlns:p14="http://schemas.microsoft.com/office/powerpoint/2010/main" val="4086888234"/>
       </p:ext>
     </p:extLst>
   </p:cSld>
@@ -9224,7 +10805,7 @@
           <p:nvPr/>
         </p:nvPicPr>
         <p:blipFill>
-          <a:blip r:embed="rId2">
+          <a:blip r:embed="rId3">
             <a:extLst>
               <a:ext uri="{28A0092B-C50C-407E-A947-70E740481C1C}">
                 <a14:useLocalDpi xmlns:a14="http://schemas.microsoft.com/office/drawing/2010/main" val="0"/>
@@ -10436,7 +12017,11 @@
           <a:p>
             <a:r>
               <a:rPr lang="ja-JP" altLang="en-US" sz="4000" dirty="0" smtClean="0"/>
-              <a:t>①アカウント</a:t>
+              <a:t>①</a:t>
+            </a:r>
+            <a:r>
+              <a:rPr lang="ja-JP" altLang="en-US" sz="4000" dirty="0" smtClean="0"/>
+              <a:t>アカウントの登録</a:t>
             </a:r>
             <a:endParaRPr kumimoji="1" lang="ja-JP" altLang="en-US" sz="4000" dirty="0"/>
           </a:p>
@@ -10471,15 +12056,7 @@
             </a:r>
             <a:r>
               <a:rPr kumimoji="1" lang="ja-JP" altLang="en-US" sz="2800" dirty="0" smtClean="0"/>
-              <a:t>のアカウント名が異なるため</a:t>
-            </a:r>
-            <a:r>
-              <a:rPr kumimoji="1" lang="ja-JP" altLang="en-US" sz="2800" dirty="0" smtClean="0"/>
-              <a:t>，紐付けが</a:t>
-            </a:r>
-            <a:r>
-              <a:rPr kumimoji="1" lang="ja-JP" altLang="en-US" sz="2800" dirty="0" smtClean="0"/>
-              <a:t>必要．</a:t>
+              <a:t>のアカウント名が異なるため，紐付けが必要．</a:t>
             </a:r>
             <a:endParaRPr kumimoji="1" lang="ja-JP" altLang="en-US" sz="2800" dirty="0"/>
           </a:p>
@@ -12092,7 +13669,7 @@
           <p:nvPr/>
         </p:nvPicPr>
         <p:blipFill>
-          <a:blip r:embed="rId2">
+          <a:blip r:embed="rId3">
             <a:extLst>
               <a:ext uri="{28A0092B-C50C-407E-A947-70E740481C1C}">
                 <a14:useLocalDpi xmlns:a14="http://schemas.microsoft.com/office/drawing/2010/main" val="0"/>
@@ -12138,7 +13715,7 @@
           <p:nvPr/>
         </p:nvPicPr>
         <p:blipFill>
-          <a:blip r:embed="rId3">
+          <a:blip r:embed="rId4">
             <a:extLst>
               <a:ext uri="{28A0092B-C50C-407E-A947-70E740481C1C}">
                 <a14:useLocalDpi xmlns:a14="http://schemas.microsoft.com/office/drawing/2010/main" val="0"/>
@@ -12336,7 +13913,15 @@
             </a:r>
             <a:r>
               <a:rPr lang="ja-JP" altLang="en-US" sz="2800" dirty="0"/>
-              <a:t>以外のサービスを導入しても，学習者の学習状況を，教師は詳細に把握できるように</a:t>
+              <a:t>以外のサービスを導入しても，学習者</a:t>
+            </a:r>
+            <a:r>
+              <a:rPr lang="ja-JP" altLang="en-US" sz="2800" dirty="0" smtClean="0"/>
+              <a:t>の行動を</a:t>
+            </a:r>
+            <a:r>
+              <a:rPr lang="ja-JP" altLang="en-US" sz="2800" dirty="0"/>
+              <a:t>，教師は詳細に把握できるように</a:t>
             </a:r>
             <a:r>
               <a:rPr lang="ja-JP" altLang="en-US" sz="2800" dirty="0" smtClean="0"/>
@@ -12465,7 +14050,7 @@
           <p:nvPr/>
         </p:nvPicPr>
         <p:blipFill>
-          <a:blip r:embed="rId2">
+          <a:blip r:embed="rId3">
             <a:extLst>
               <a:ext uri="{28A0092B-C50C-407E-A947-70E740481C1C}">
                 <a14:useLocalDpi xmlns:a14="http://schemas.microsoft.com/office/drawing/2010/main" val="0"/>
@@ -12538,7 +14123,7 @@
           <p:nvPr/>
         </p:nvPicPr>
         <p:blipFill>
-          <a:blip r:embed="rId3" cstate="print">
+          <a:blip r:embed="rId4" cstate="print">
             <a:extLst>
               <a:ext uri="{28A0092B-C50C-407E-A947-70E740481C1C}">
                 <a14:useLocalDpi xmlns:a14="http://schemas.microsoft.com/office/drawing/2010/main" val="0"/>
@@ -12568,7 +14153,7 @@
           <p:nvPr/>
         </p:nvPicPr>
         <p:blipFill>
-          <a:blip r:embed="rId4">
+          <a:blip r:embed="rId5">
             <a:extLst>
               <a:ext uri="{28A0092B-C50C-407E-A947-70E740481C1C}">
                 <a14:useLocalDpi xmlns:a14="http://schemas.microsoft.com/office/drawing/2010/main" val="0"/>
@@ -12862,7 +14447,7 @@
           <a:p>
             <a:pPr lvl="1"/>
             <a:r>
-              <a:rPr lang="ja-JP" altLang="en-US" sz="2400" dirty="0" smtClean="0"/>
+              <a:rPr lang="ja-JP" altLang="en-US" sz="2400" dirty="0"/>
               <a:t>現状</a:t>
             </a:r>
             <a:endParaRPr lang="en-US" altLang="ja-JP" sz="2400" dirty="0" smtClean="0"/>
@@ -13337,7 +14922,7 @@
           </p:nvPr>
         </p:nvPicPr>
         <p:blipFill>
-          <a:blip r:embed="rId2">
+          <a:blip r:embed="rId3">
             <a:extLst>
               <a:ext uri="{28A0092B-C50C-407E-A947-70E740481C1C}">
                 <a14:useLocalDpi xmlns:a14="http://schemas.microsoft.com/office/drawing/2010/main" val="0"/>
@@ -14128,12 +15713,25 @@
               <a:rPr kumimoji="1" lang="ja-JP" altLang="en-US" sz="2800" dirty="0" smtClean="0"/>
               <a:t>　</a:t>
             </a:r>
-            <a:endParaRPr kumimoji="1" lang="en-US" altLang="ja-JP" sz="2800" dirty="0" smtClean="0"/>
-          </a:p>
-          <a:p>
+            <a:r>
+              <a:rPr lang="ja-JP" altLang="en-US" sz="2800" dirty="0"/>
+              <a:t>　</a:t>
+            </a:r>
+            <a:r>
+              <a:rPr lang="ja-JP" altLang="en-US" sz="2800" dirty="0" smtClean="0"/>
+              <a:t>（</a:t>
+            </a:r>
             <a:r>
               <a:rPr kumimoji="1" lang="ja-JP" altLang="en-US" sz="2800" dirty="0" smtClean="0"/>
-              <a:t>サーバに行動が記録される</a:t>
+              <a:t>サーバ</a:t>
+            </a:r>
+            <a:r>
+              <a:rPr kumimoji="1" lang="ja-JP" altLang="en-US" sz="2800" dirty="0" smtClean="0"/>
+              <a:t>に行動が記録</a:t>
+            </a:r>
+            <a:r>
+              <a:rPr kumimoji="1" lang="ja-JP" altLang="en-US" sz="2800" dirty="0" smtClean="0"/>
+              <a:t>される）</a:t>
             </a:r>
             <a:endParaRPr kumimoji="1" lang="en-US" altLang="ja-JP" sz="2800" dirty="0" smtClean="0"/>
           </a:p>
@@ -14150,16 +15748,13 @@
             <a:endParaRPr kumimoji="1" lang="en-US" altLang="ja-JP" sz="2800" dirty="0" smtClean="0"/>
           </a:p>
           <a:p>
-            <a:pPr marL="0" indent="0">
-              <a:buNone/>
-            </a:pPr>
-            <a:r>
-              <a:rPr lang="ja-JP" altLang="en-US" sz="2800" dirty="0"/>
-              <a:t>　</a:t>
-            </a:r>
             <a:r>
               <a:rPr lang="ja-JP" altLang="en-US" sz="2800" dirty="0" smtClean="0"/>
-              <a:t>ポートフォリオを作成することが可能</a:t>
+              <a:t>ポートフォリオ</a:t>
+            </a:r>
+            <a:r>
+              <a:rPr lang="ja-JP" altLang="en-US" sz="2800" dirty="0" smtClean="0"/>
+              <a:t>を作成することが可能</a:t>
             </a:r>
             <a:endParaRPr kumimoji="1" lang="en-US" altLang="ja-JP" sz="2800" dirty="0" smtClean="0"/>
           </a:p>
@@ -14197,7 +15792,7 @@
         </p:nvSpPr>
         <p:spPr>
           <a:xfrm>
-            <a:off x="2447763" y="4941168"/>
+            <a:off x="3131840" y="4391498"/>
             <a:ext cx="576066" cy="576062"/>
           </a:xfrm>
           <a:prstGeom prst="downArrow">
@@ -14207,17 +15802,11 @@
             </a:avLst>
           </a:prstGeom>
           <a:solidFill>
-            <a:schemeClr val="accent2">
-              <a:lumMod val="40000"/>
-              <a:lumOff val="60000"/>
-            </a:schemeClr>
+            <a:srgbClr val="FF7C80"/>
           </a:solidFill>
           <a:ln>
             <a:solidFill>
-              <a:schemeClr val="accent2">
-                <a:lumMod val="40000"/>
-                <a:lumOff val="60000"/>
-              </a:schemeClr>
+              <a:srgbClr val="FF7C80"/>
             </a:solidFill>
           </a:ln>
         </p:spPr>
@@ -14475,7 +16064,23 @@
             </a:r>
             <a:r>
               <a:rPr lang="ja-JP" altLang="en-US" sz="2400" dirty="0" smtClean="0"/>
-              <a:t>ツール（バージョン管理とか）を</a:t>
+              <a:t>ツール（バージョン</a:t>
+            </a:r>
+            <a:r>
+              <a:rPr lang="ja-JP" altLang="en-US" sz="2400" dirty="0" smtClean="0"/>
+              <a:t>管理</a:t>
+            </a:r>
+            <a:r>
+              <a:rPr lang="ja-JP" altLang="en-US" sz="2400" dirty="0"/>
+              <a:t>など</a:t>
+            </a:r>
+            <a:r>
+              <a:rPr lang="ja-JP" altLang="en-US" sz="2400" dirty="0" smtClean="0"/>
+              <a:t>）</a:t>
+            </a:r>
+            <a:r>
+              <a:rPr lang="ja-JP" altLang="en-US" sz="2400" dirty="0" smtClean="0"/>
+              <a:t>を</a:t>
             </a:r>
             <a:endParaRPr lang="ja-JP" altLang="en-US" sz="2400" dirty="0"/>
           </a:p>
@@ -15796,7 +17401,7 @@
           <p:nvPr/>
         </p:nvPicPr>
         <p:blipFill>
-          <a:blip r:embed="rId2">
+          <a:blip r:embed="rId3">
             <a:extLst>
               <a:ext uri="{28A0092B-C50C-407E-A947-70E740481C1C}">
                 <a14:useLocalDpi xmlns:a14="http://schemas.microsoft.com/office/drawing/2010/main" val="0"/>
@@ -15923,6 +17528,13 @@
   <p:clrMapOvr>
     <a:masterClrMapping/>
   </p:clrMapOvr>
+  <p:timing>
+    <p:tnLst>
+      <p:par>
+        <p:cTn id="1" dur="indefinite" restart="never" nodeType="tmRoot"/>
+      </p:par>
+    </p:tnLst>
+  </p:timing>
 </p:sld>
 </file>
 
@@ -15978,7 +17590,7 @@
         </p:nvSpPr>
         <p:spPr/>
         <p:txBody>
-          <a:bodyPr anchor="ctr"/>
+          <a:bodyPr anchor="t"/>
           <a:lstStyle/>
           <a:p>
             <a:r>
@@ -16026,7 +17638,11 @@
             </a:r>
             <a:r>
               <a:rPr lang="ja-JP" altLang="en-US" sz="2800" dirty="0" smtClean="0"/>
-              <a:t>のログを</a:t>
+              <a:t>のログ</a:t>
+            </a:r>
+            <a:r>
+              <a:rPr lang="ja-JP" altLang="en-US" sz="2800" dirty="0" smtClean="0"/>
+              <a:t>を</a:t>
             </a:r>
             <a:r>
               <a:rPr lang="en-US" altLang="ja-JP" sz="2800" dirty="0" smtClean="0"/>
@@ -16088,6 +17704,13 @@
   <p:clrMapOvr>
     <a:masterClrMapping/>
   </p:clrMapOvr>
+  <p:timing>
+    <p:tnLst>
+      <p:par>
+        <p:cTn id="1" dur="indefinite" restart="never" nodeType="tmRoot"/>
+      </p:par>
+    </p:tnLst>
+  </p:timing>
 </p:sld>
 </file>
 
